--- a/ppt/Object Detection in Medical Images_maria.pptx
+++ b/ppt/Object Detection in Medical Images_maria.pptx
@@ -5,10 +5,10 @@
     <p:sldMasterId id="2147483648" r:id="rId1"/>
   </p:sldMasterIdLst>
   <p:notesMasterIdLst>
-    <p:notesMasterId r:id="rId19"/>
+    <p:notesMasterId r:id="rId21"/>
   </p:notesMasterIdLst>
   <p:handoutMasterIdLst>
-    <p:handoutMasterId r:id="rId20"/>
+    <p:handoutMasterId r:id="rId22"/>
   </p:handoutMasterIdLst>
   <p:sldIdLst>
     <p:sldId id="258" r:id="rId2"/>
@@ -28,6 +28,8 @@
     <p:sldId id="275" r:id="rId16"/>
     <p:sldId id="276" r:id="rId17"/>
     <p:sldId id="272" r:id="rId18"/>
+    <p:sldId id="278" r:id="rId19"/>
+    <p:sldId id="279" r:id="rId20"/>
   </p:sldIdLst>
   <p:sldSz cx="9144000" cy="6858000" type="screen4x3"/>
   <p:notesSz cx="6858000" cy="9144000"/>
@@ -7618,11 +7620,11 @@
           <a:lstStyle/>
           <a:p>
             <a:r>
-              <a:rPr lang="es-ES" dirty="0" err="1" smtClean="0"/>
+              <a:rPr lang="es-ES" dirty="0" err="1"/>
               <a:t>Varying</a:t>
             </a:r>
             <a:r>
-              <a:rPr lang="es-ES" dirty="0" smtClean="0"/>
+              <a:rPr lang="es-ES" dirty="0"/>
               <a:t> </a:t>
             </a:r>
             <a:r>
@@ -7662,35 +7664,169 @@
               <a:t> </a:t>
             </a:r>
             <a:r>
+              <a:rPr lang="es-ES" dirty="0" err="1"/>
+              <a:t>threshold</a:t>
+            </a:r>
+            <a:r>
+              <a:rPr lang="es-ES" dirty="0"/>
+              <a:t> </a:t>
+            </a:r>
+            <a:r>
+              <a:rPr lang="es-ES" b="1" i="1" dirty="0" err="1"/>
+              <a:t>does</a:t>
+            </a:r>
+            <a:r>
+              <a:rPr lang="es-ES" b="1" i="1" dirty="0"/>
+              <a:t> </a:t>
+            </a:r>
+            <a:r>
+              <a:rPr lang="es-ES" b="1" i="1" dirty="0" err="1"/>
+              <a:t>not</a:t>
+            </a:r>
+            <a:r>
+              <a:rPr lang="es-ES" b="1" i="1" dirty="0"/>
+              <a:t> </a:t>
+            </a:r>
+            <a:r>
+              <a:rPr lang="es-ES" b="1" i="1" dirty="0" err="1"/>
+              <a:t>affect</a:t>
+            </a:r>
+            <a:r>
+              <a:rPr lang="es-ES" b="1" i="1" dirty="0"/>
+              <a:t> </a:t>
+            </a:r>
+            <a:r>
+              <a:rPr lang="es-ES" dirty="0" err="1"/>
+              <a:t>the</a:t>
+            </a:r>
+            <a:r>
+              <a:rPr lang="es-ES" dirty="0"/>
+              <a:t> score of </a:t>
+            </a:r>
+            <a:r>
+              <a:rPr lang="es-ES" dirty="0" err="1"/>
+              <a:t>the</a:t>
+            </a:r>
+            <a:r>
+              <a:rPr lang="es-ES" dirty="0"/>
+              <a:t> </a:t>
+            </a:r>
+            <a:r>
               <a:rPr lang="es-ES" dirty="0" err="1" smtClean="0"/>
-              <a:t>threshold</a:t>
+              <a:t>prediction</a:t>
+            </a:r>
+            <a:endParaRPr lang="es-ES" dirty="0" smtClean="0"/>
+          </a:p>
+          <a:p>
+            <a:endParaRPr lang="es-ES" dirty="0"/>
+          </a:p>
+          <a:p>
+            <a:r>
+              <a:rPr lang="es-ES" dirty="0" smtClean="0"/>
+              <a:t>Scores </a:t>
+            </a:r>
+            <a:r>
+              <a:rPr lang="es-ES" dirty="0" err="1" smtClean="0"/>
+              <a:t>using</a:t>
+            </a:r>
+            <a:r>
+              <a:rPr lang="es-ES" dirty="0" smtClean="0"/>
+              <a:t> NMS </a:t>
+            </a:r>
+            <a:r>
+              <a:rPr lang="es-ES" dirty="0" err="1" smtClean="0"/>
+              <a:t>approach</a:t>
             </a:r>
             <a:r>
               <a:rPr lang="es-ES" dirty="0" smtClean="0"/>
               <a:t> </a:t>
             </a:r>
             <a:r>
-              <a:rPr lang="es-ES" b="1" i="1" dirty="0" err="1" smtClean="0"/>
-              <a:t>does</a:t>
-            </a:r>
-            <a:r>
-              <a:rPr lang="es-ES" b="1" i="1" dirty="0" smtClean="0"/>
+              <a:rPr lang="es-ES" dirty="0" err="1" smtClean="0"/>
+              <a:t>were</a:t>
+            </a:r>
+            <a:r>
+              <a:rPr lang="es-ES" dirty="0" smtClean="0"/>
               <a:t> </a:t>
             </a:r>
             <a:r>
-              <a:rPr lang="es-ES" b="1" i="1" dirty="0" err="1" smtClean="0"/>
-              <a:t>not</a:t>
-            </a:r>
-            <a:r>
-              <a:rPr lang="es-ES" b="1" i="1" dirty="0" smtClean="0"/>
+              <a:rPr lang="es-ES" dirty="0" err="1" smtClean="0"/>
+              <a:t>always</a:t>
+            </a:r>
+            <a:r>
+              <a:rPr lang="es-ES" dirty="0" smtClean="0"/>
               <a:t> </a:t>
             </a:r>
             <a:r>
-              <a:rPr lang="es-ES" b="1" i="1" dirty="0" err="1" smtClean="0"/>
-              <a:t>affect</a:t>
-            </a:r>
-            <a:r>
-              <a:rPr lang="es-ES" b="1" i="1" dirty="0" smtClean="0"/>
+              <a:rPr lang="es-ES" b="1" dirty="0" err="1" smtClean="0">
+                <a:effectLst>
+                  <a:outerShdw blurRad="38100" dist="38100" dir="2700000" algn="tl">
+                    <a:srgbClr val="000000">
+                      <a:alpha val="43137"/>
+                    </a:srgbClr>
+                  </a:outerShdw>
+                </a:effectLst>
+              </a:rPr>
+              <a:t>lower</a:t>
+            </a:r>
+            <a:r>
+              <a:rPr lang="es-ES" b="1" dirty="0" smtClean="0">
+                <a:effectLst>
+                  <a:outerShdw blurRad="38100" dist="38100" dir="2700000" algn="tl">
+                    <a:srgbClr val="000000">
+                      <a:alpha val="43137"/>
+                    </a:srgbClr>
+                  </a:outerShdw>
+                </a:effectLst>
+              </a:rPr>
+              <a:t> </a:t>
+            </a:r>
+            <a:r>
+              <a:rPr lang="es-ES" b="1" dirty="0" err="1" smtClean="0">
+                <a:effectLst>
+                  <a:outerShdw blurRad="38100" dist="38100" dir="2700000" algn="tl">
+                    <a:srgbClr val="000000">
+                      <a:alpha val="43137"/>
+                    </a:srgbClr>
+                  </a:outerShdw>
+                </a:effectLst>
+              </a:rPr>
+              <a:t>or</a:t>
+            </a:r>
+            <a:r>
+              <a:rPr lang="es-ES" b="1" dirty="0" smtClean="0">
+                <a:effectLst>
+                  <a:outerShdw blurRad="38100" dist="38100" dir="2700000" algn="tl">
+                    <a:srgbClr val="000000">
+                      <a:alpha val="43137"/>
+                    </a:srgbClr>
+                  </a:outerShdw>
+                </a:effectLst>
+              </a:rPr>
+              <a:t> </a:t>
+            </a:r>
+            <a:r>
+              <a:rPr lang="es-ES" b="1" dirty="0" err="1" smtClean="0">
+                <a:effectLst>
+                  <a:outerShdw blurRad="38100" dist="38100" dir="2700000" algn="tl">
+                    <a:srgbClr val="000000">
+                      <a:alpha val="43137"/>
+                    </a:srgbClr>
+                  </a:outerShdw>
+                </a:effectLst>
+              </a:rPr>
+              <a:t>equal</a:t>
+            </a:r>
+            <a:r>
+              <a:rPr lang="es-ES" dirty="0" smtClean="0"/>
+              <a:t> </a:t>
+            </a:r>
+            <a:r>
+              <a:rPr lang="es-ES" dirty="0" err="1" smtClean="0"/>
+              <a:t>than</a:t>
+            </a:r>
+            <a:r>
+              <a:rPr lang="es-ES" dirty="0" smtClean="0"/>
               <a:t> </a:t>
             </a:r>
             <a:r>
@@ -7699,7 +7835,23 @@
             </a:r>
             <a:r>
               <a:rPr lang="es-ES" dirty="0" smtClean="0"/>
-              <a:t> score of </a:t>
+              <a:t> </a:t>
+            </a:r>
+            <a:r>
+              <a:rPr lang="es-ES" dirty="0" err="1" smtClean="0"/>
+              <a:t>ones</a:t>
+            </a:r>
+            <a:r>
+              <a:rPr lang="es-ES" dirty="0" smtClean="0"/>
+              <a:t> </a:t>
+            </a:r>
+            <a:r>
+              <a:rPr lang="es-ES" dirty="0" err="1" smtClean="0"/>
+              <a:t>using</a:t>
+            </a:r>
+            <a:r>
+              <a:rPr lang="es-ES" dirty="0" smtClean="0"/>
+              <a:t> </a:t>
             </a:r>
             <a:r>
               <a:rPr lang="es-ES" dirty="0" err="1" smtClean="0"/>
@@ -7711,127 +7863,30 @@
             </a:r>
             <a:r>
               <a:rPr lang="es-ES" dirty="0" err="1" smtClean="0"/>
-              <a:t>prediction</a:t>
-            </a:r>
-            <a:endParaRPr lang="es-ES" dirty="0" smtClean="0"/>
-          </a:p>
-          <a:p>
+              <a:t>most</a:t>
+            </a:r>
             <a:r>
               <a:rPr lang="es-ES" dirty="0" smtClean="0"/>
-              <a:t>Scores </a:t>
+              <a:t> probable </a:t>
             </a:r>
             <a:r>
               <a:rPr lang="es-ES" dirty="0" err="1" smtClean="0"/>
-              <a:t>using</a:t>
-            </a:r>
-            <a:r>
-              <a:rPr lang="es-ES" dirty="0" smtClean="0"/>
-              <a:t> NMS </a:t>
+              <a:t>patch</a:t>
+            </a:r>
+            <a:r>
+              <a:rPr lang="es-ES" dirty="0"/>
+              <a:t> </a:t>
             </a:r>
             <a:r>
               <a:rPr lang="es-ES" dirty="0" err="1" smtClean="0"/>
               <a:t>approach</a:t>
             </a:r>
-            <a:r>
-              <a:rPr lang="es-ES" dirty="0" smtClean="0"/>
-              <a:t> </a:t>
-            </a:r>
-            <a:r>
-              <a:rPr lang="es-ES" dirty="0" err="1" smtClean="0"/>
-              <a:t>were</a:t>
-            </a:r>
-            <a:r>
-              <a:rPr lang="es-ES" dirty="0" smtClean="0"/>
-              <a:t> </a:t>
-            </a:r>
-            <a:r>
-              <a:rPr lang="es-ES" dirty="0" err="1" smtClean="0"/>
-              <a:t>always</a:t>
-            </a:r>
-            <a:r>
-              <a:rPr lang="es-ES" dirty="0" smtClean="0"/>
-              <a:t> </a:t>
-            </a:r>
-            <a:r>
-              <a:rPr lang="es-ES" dirty="0" err="1" smtClean="0"/>
-              <a:t>lower</a:t>
-            </a:r>
-            <a:r>
-              <a:rPr lang="es-ES" dirty="0" smtClean="0"/>
-              <a:t> </a:t>
-            </a:r>
-            <a:r>
-              <a:rPr lang="es-ES" dirty="0" err="1" smtClean="0"/>
-              <a:t>or</a:t>
-            </a:r>
-            <a:r>
-              <a:rPr lang="es-ES" dirty="0" smtClean="0"/>
-              <a:t> </a:t>
-            </a:r>
-            <a:r>
-              <a:rPr lang="es-ES" dirty="0" err="1" smtClean="0"/>
-              <a:t>equal</a:t>
-            </a:r>
-            <a:r>
-              <a:rPr lang="es-ES" dirty="0" smtClean="0"/>
-              <a:t> </a:t>
-            </a:r>
-            <a:r>
-              <a:rPr lang="es-ES" dirty="0" err="1" smtClean="0"/>
-              <a:t>than</a:t>
-            </a:r>
-            <a:r>
-              <a:rPr lang="es-ES" dirty="0" smtClean="0"/>
-              <a:t> </a:t>
-            </a:r>
-            <a:r>
-              <a:rPr lang="es-ES" dirty="0" err="1" smtClean="0"/>
-              <a:t>the</a:t>
-            </a:r>
-            <a:r>
-              <a:rPr lang="es-ES" dirty="0" smtClean="0"/>
-              <a:t> </a:t>
-            </a:r>
-            <a:r>
-              <a:rPr lang="es-ES" dirty="0" err="1" smtClean="0"/>
-              <a:t>ones</a:t>
-            </a:r>
-            <a:r>
-              <a:rPr lang="es-ES" dirty="0" smtClean="0"/>
-              <a:t> </a:t>
-            </a:r>
-            <a:r>
-              <a:rPr lang="es-ES" dirty="0" err="1" smtClean="0"/>
-              <a:t>using</a:t>
-            </a:r>
-            <a:r>
-              <a:rPr lang="es-ES" dirty="0" smtClean="0"/>
-              <a:t> </a:t>
-            </a:r>
-            <a:r>
-              <a:rPr lang="es-ES" dirty="0" err="1" smtClean="0"/>
-              <a:t>the</a:t>
-            </a:r>
-            <a:r>
-              <a:rPr lang="es-ES" dirty="0" smtClean="0"/>
-              <a:t> </a:t>
-            </a:r>
-            <a:r>
-              <a:rPr lang="es-ES" dirty="0" err="1" smtClean="0"/>
-              <a:t>most</a:t>
-            </a:r>
-            <a:r>
-              <a:rPr lang="es-ES" dirty="0" smtClean="0"/>
-              <a:t> probable </a:t>
-            </a:r>
-            <a:r>
-              <a:rPr lang="es-ES" dirty="0" err="1" smtClean="0"/>
-              <a:t>patch</a:t>
-            </a:r>
-            <a:r>
-              <a:rPr lang="es-ES" dirty="0"/>
-              <a:t> </a:t>
-            </a:r>
+            <a:endParaRPr lang="es-ES" dirty="0" smtClean="0"/>
+          </a:p>
+          <a:p>
+            <a:endParaRPr lang="es-ES" dirty="0" smtClean="0"/>
+          </a:p>
+          <a:p>
             <a:endParaRPr lang="en-US" dirty="0"/>
           </a:p>
         </p:txBody>
@@ -8272,14 +8327,38 @@
               <a:t>: </a:t>
             </a:r>
             <a:r>
-              <a:rPr lang="es-ES" b="1" dirty="0" smtClean="0"/>
+              <a:rPr lang="es-ES" b="1" dirty="0" smtClean="0">
+                <a:effectLst>
+                  <a:outerShdw blurRad="38100" dist="38100" dir="2700000" algn="tl">
+                    <a:srgbClr val="000000">
+                      <a:alpha val="43137"/>
+                    </a:srgbClr>
+                  </a:outerShdw>
+                </a:effectLst>
+              </a:rPr>
               <a:t>10 </a:t>
             </a:r>
             <a:r>
-              <a:rPr lang="es-ES" b="1" dirty="0" err="1" smtClean="0"/>
+              <a:rPr lang="es-ES" b="1" dirty="0" err="1" smtClean="0">
+                <a:effectLst>
+                  <a:outerShdw blurRad="38100" dist="38100" dir="2700000" algn="tl">
+                    <a:srgbClr val="000000">
+                      <a:alpha val="43137"/>
+                    </a:srgbClr>
+                  </a:outerShdw>
+                </a:effectLst>
+              </a:rPr>
               <a:t>pixels</a:t>
             </a:r>
-            <a:endParaRPr lang="es-ES" b="1" dirty="0" smtClean="0"/>
+            <a:endParaRPr lang="es-ES" b="1" dirty="0" smtClean="0">
+              <a:effectLst>
+                <a:outerShdw blurRad="38100" dist="38100" dir="2700000" algn="tl">
+                  <a:srgbClr val="000000">
+                    <a:alpha val="43137"/>
+                  </a:srgbClr>
+                </a:outerShdw>
+              </a:effectLst>
+            </a:endParaRPr>
           </a:p>
           <a:p>
             <a:r>
@@ -8986,6 +9065,10 @@
               <a:rPr lang="es-ES" dirty="0" err="1" smtClean="0"/>
               <a:t>Conclusions</a:t>
             </a:r>
+            <a:r>
+              <a:rPr lang="es-ES" dirty="0" smtClean="0"/>
+              <a:t> (I)</a:t>
+            </a:r>
             <a:endParaRPr lang="en-US" dirty="0"/>
           </a:p>
         </p:txBody>
@@ -9011,15 +9094,15 @@
           <a:lstStyle/>
           <a:p>
             <a:r>
-              <a:rPr lang="es-ES" dirty="0" err="1" smtClean="0"/>
+              <a:rPr lang="es-ES" sz="2000" dirty="0" err="1" smtClean="0"/>
               <a:t>Varying</a:t>
             </a:r>
             <a:r>
-              <a:rPr lang="es-ES" dirty="0" smtClean="0"/>
+              <a:rPr lang="es-ES" sz="2000" dirty="0" smtClean="0"/>
               <a:t> </a:t>
             </a:r>
             <a:r>
-              <a:rPr lang="es-ES" b="1" dirty="0" smtClean="0">
+              <a:rPr lang="es-ES" sz="2000" b="1" dirty="0" smtClean="0">
                 <a:effectLst>
                   <a:outerShdw blurRad="38100" dist="38100" dir="2700000" algn="tl">
                     <a:srgbClr val="000000">
@@ -9031,7 +9114,7 @@
               <a:t>NMS </a:t>
             </a:r>
             <a:r>
-              <a:rPr lang="es-ES" b="1" dirty="0" err="1" smtClean="0">
+              <a:rPr lang="es-ES" sz="2000" b="1" dirty="0" err="1" smtClean="0">
                 <a:effectLst>
                   <a:outerShdw blurRad="38100" dist="38100" dir="2700000" algn="tl">
                     <a:srgbClr val="000000">
@@ -9043,7 +9126,7 @@
               <a:t>overlap</a:t>
             </a:r>
             <a:r>
-              <a:rPr lang="es-ES" b="1" dirty="0" smtClean="0">
+              <a:rPr lang="es-ES" sz="2000" b="1" dirty="0" smtClean="0">
                 <a:effectLst>
                   <a:outerShdw blurRad="38100" dist="38100" dir="2700000" algn="tl">
                     <a:srgbClr val="000000">
@@ -9055,7 +9138,7 @@
               <a:t> </a:t>
             </a:r>
             <a:r>
-              <a:rPr lang="es-ES" b="1" dirty="0" err="1" smtClean="0">
+              <a:rPr lang="es-ES" sz="2000" b="1" dirty="0" err="1" smtClean="0">
                 <a:effectLst>
                   <a:outerShdw blurRad="38100" dist="38100" dir="2700000" algn="tl">
                     <a:srgbClr val="000000">
@@ -9067,7 +9150,7 @@
               <a:t>threshold</a:t>
             </a:r>
             <a:r>
-              <a:rPr lang="es-ES" b="1" dirty="0" smtClean="0">
+              <a:rPr lang="es-ES" sz="2000" b="1" dirty="0" smtClean="0">
                 <a:effectLst>
                   <a:outerShdw blurRad="38100" dist="38100" dir="2700000" algn="tl">
                     <a:srgbClr val="000000">
@@ -9082,32 +9165,80 @@
           <a:p>
             <a:pPr lvl="1"/>
             <a:r>
-              <a:rPr lang="es-ES" sz="2000" dirty="0" err="1"/>
+              <a:rPr lang="es-ES" sz="1800" dirty="0" err="1"/>
               <a:t>B</a:t>
             </a:r>
             <a:r>
+              <a:rPr lang="es-ES" sz="1800" dirty="0" err="1" smtClean="0"/>
+              <a:t>est</a:t>
+            </a:r>
+            <a:r>
+              <a:rPr lang="es-ES" sz="1800" dirty="0" smtClean="0"/>
+              <a:t> </a:t>
+            </a:r>
+            <a:r>
+              <a:rPr lang="es-ES" sz="1800" dirty="0" err="1" smtClean="0"/>
+              <a:t>prediction</a:t>
+            </a:r>
+            <a:r>
+              <a:rPr lang="es-ES" sz="1800" dirty="0" smtClean="0"/>
+              <a:t> </a:t>
+            </a:r>
+            <a:r>
+              <a:rPr lang="es-ES" sz="1800" dirty="0" err="1" smtClean="0"/>
+              <a:t>by</a:t>
+            </a:r>
+            <a:r>
+              <a:rPr lang="es-ES" sz="1800" dirty="0" smtClean="0"/>
+              <a:t>: </a:t>
+            </a:r>
+            <a:r>
+              <a:rPr lang="es-ES" sz="1800" b="1" dirty="0" smtClean="0">
+                <a:effectLst>
+                  <a:outerShdw blurRad="38100" dist="38100" dir="2700000" algn="tl">
+                    <a:srgbClr val="000000">
+                      <a:alpha val="43137"/>
+                    </a:srgbClr>
+                  </a:outerShdw>
+                </a:effectLst>
+              </a:rPr>
+              <a:t>KNN (k=30)</a:t>
+            </a:r>
+          </a:p>
+          <a:p>
+            <a:pPr marL="457200" lvl="1" indent="0">
+              <a:buNone/>
+            </a:pPr>
+            <a:endParaRPr lang="es-ES" sz="2000" b="1" dirty="0" smtClean="0">
+              <a:effectLst>
+                <a:outerShdw blurRad="38100" dist="38100" dir="2700000" algn="tl">
+                  <a:srgbClr val="000000">
+                    <a:alpha val="43137"/>
+                  </a:srgbClr>
+                </a:outerShdw>
+              </a:effectLst>
+            </a:endParaRPr>
+          </a:p>
+          <a:p>
+            <a:r>
               <a:rPr lang="es-ES" sz="2000" dirty="0" err="1" smtClean="0"/>
-              <a:t>est</a:t>
+              <a:t>Varying</a:t>
             </a:r>
             <a:r>
               <a:rPr lang="es-ES" sz="2000" dirty="0" smtClean="0"/>
               <a:t> </a:t>
             </a:r>
             <a:r>
-              <a:rPr lang="es-ES" sz="2000" dirty="0" err="1" smtClean="0"/>
-              <a:t>prediction</a:t>
-            </a:r>
-            <a:r>
-              <a:rPr lang="es-ES" sz="2000" dirty="0" smtClean="0"/>
-              <a:t> </a:t>
-            </a:r>
-            <a:r>
-              <a:rPr lang="es-ES" sz="2000" dirty="0" err="1" smtClean="0"/>
-              <a:t>by</a:t>
-            </a:r>
-            <a:r>
-              <a:rPr lang="es-ES" sz="2000" dirty="0" smtClean="0"/>
-              <a:t>: </a:t>
+              <a:rPr lang="es-ES" sz="2000" b="1" dirty="0" err="1" smtClean="0">
+                <a:effectLst>
+                  <a:outerShdw blurRad="38100" dist="38100" dir="2700000" algn="tl">
+                    <a:srgbClr val="000000">
+                      <a:alpha val="43137"/>
+                    </a:srgbClr>
+                  </a:outerShdw>
+                </a:effectLst>
+              </a:rPr>
+              <a:t>step</a:t>
             </a:r>
             <a:r>
               <a:rPr lang="es-ES" sz="2000" b="1" dirty="0" smtClean="0">
@@ -9119,14 +9250,21 @@
                   </a:outerShdw>
                 </a:effectLst>
               </a:rPr>
-              <a:t>KNN (k=30)</a:t>
-            </a:r>
-          </a:p>
-          <a:p>
-            <a:pPr marL="457200" lvl="1" indent="0">
-              <a:buNone/>
-            </a:pPr>
-            <a:endParaRPr lang="es-ES" b="1" dirty="0" smtClean="0">
+              <a:t> </a:t>
+            </a:r>
+            <a:r>
+              <a:rPr lang="es-ES" sz="2000" b="1" dirty="0" err="1" smtClean="0">
+                <a:effectLst>
+                  <a:outerShdw blurRad="38100" dist="38100" dir="2700000" algn="tl">
+                    <a:srgbClr val="000000">
+                      <a:alpha val="43137"/>
+                    </a:srgbClr>
+                  </a:outerShdw>
+                </a:effectLst>
+              </a:rPr>
+              <a:t>size</a:t>
+            </a:r>
+            <a:endParaRPr lang="es-ES" sz="2000" b="1" dirty="0" smtClean="0">
               <a:effectLst>
                 <a:outerShdw blurRad="38100" dist="38100" dir="2700000" algn="tl">
                   <a:srgbClr val="000000">
@@ -9137,16 +9275,33 @@
             </a:endParaRPr>
           </a:p>
           <a:p>
-            <a:r>
-              <a:rPr lang="es-ES" dirty="0" err="1" smtClean="0"/>
-              <a:t>Varying</a:t>
-            </a:r>
-            <a:r>
-              <a:rPr lang="es-ES" dirty="0" smtClean="0"/>
+            <a:pPr lvl="1"/>
+            <a:r>
+              <a:rPr lang="es-ES" sz="1600" dirty="0" err="1" smtClean="0"/>
+              <a:t>Best</a:t>
+            </a:r>
+            <a:r>
+              <a:rPr lang="es-ES" sz="1600" dirty="0" smtClean="0"/>
               <a:t> </a:t>
             </a:r>
             <a:r>
-              <a:rPr lang="es-ES" b="1" dirty="0" err="1" smtClean="0">
+              <a:rPr lang="es-ES" sz="1600" dirty="0" err="1" smtClean="0"/>
+              <a:t>prediction</a:t>
+            </a:r>
+            <a:r>
+              <a:rPr lang="es-ES" sz="1600" dirty="0" smtClean="0"/>
+              <a:t> </a:t>
+            </a:r>
+            <a:r>
+              <a:rPr lang="es-ES" sz="1600" dirty="0" err="1" smtClean="0"/>
+              <a:t>by</a:t>
+            </a:r>
+            <a:r>
+              <a:rPr lang="es-ES" sz="1600" dirty="0" smtClean="0"/>
+              <a:t>: </a:t>
+            </a:r>
+            <a:r>
+              <a:rPr lang="es-ES" sz="1600" b="1" dirty="0" err="1" smtClean="0">
                 <a:effectLst>
                   <a:outerShdw blurRad="38100" dist="38100" dir="2700000" algn="tl">
                     <a:srgbClr val="000000">
@@ -9155,10 +9310,10 @@
                   </a:outerShdw>
                 </a:effectLst>
               </a:rPr>
-              <a:t>step</a:t>
-            </a:r>
-            <a:r>
-              <a:rPr lang="es-ES" b="1" dirty="0" smtClean="0">
+              <a:t>Random</a:t>
+            </a:r>
+            <a:r>
+              <a:rPr lang="es-ES" sz="1600" b="1" dirty="0" smtClean="0">
                 <a:effectLst>
                   <a:outerShdw blurRad="38100" dist="38100" dir="2700000" algn="tl">
                     <a:srgbClr val="000000">
@@ -9170,79 +9325,7 @@
               <a:t> </a:t>
             </a:r>
             <a:r>
-              <a:rPr lang="es-ES" b="1" dirty="0" err="1" smtClean="0">
-                <a:effectLst>
-                  <a:outerShdw blurRad="38100" dist="38100" dir="2700000" algn="tl">
-                    <a:srgbClr val="000000">
-                      <a:alpha val="43137"/>
-                    </a:srgbClr>
-                  </a:outerShdw>
-                </a:effectLst>
-              </a:rPr>
-              <a:t>size</a:t>
-            </a:r>
-            <a:endParaRPr lang="es-ES" b="1" dirty="0" smtClean="0">
-              <a:effectLst>
-                <a:outerShdw blurRad="38100" dist="38100" dir="2700000" algn="tl">
-                  <a:srgbClr val="000000">
-                    <a:alpha val="43137"/>
-                  </a:srgbClr>
-                </a:outerShdw>
-              </a:effectLst>
-            </a:endParaRPr>
-          </a:p>
-          <a:p>
-            <a:pPr lvl="1"/>
-            <a:r>
-              <a:rPr lang="es-ES" sz="1800" dirty="0" err="1" smtClean="0"/>
-              <a:t>Best</a:t>
-            </a:r>
-            <a:r>
-              <a:rPr lang="es-ES" sz="1800" dirty="0" smtClean="0"/>
-              <a:t> </a:t>
-            </a:r>
-            <a:r>
-              <a:rPr lang="es-ES" sz="1800" dirty="0" err="1" smtClean="0"/>
-              <a:t>prediction</a:t>
-            </a:r>
-            <a:r>
-              <a:rPr lang="es-ES" sz="1800" dirty="0" smtClean="0"/>
-              <a:t> </a:t>
-            </a:r>
-            <a:r>
-              <a:rPr lang="es-ES" sz="1800" dirty="0" err="1" smtClean="0"/>
-              <a:t>by</a:t>
-            </a:r>
-            <a:r>
-              <a:rPr lang="es-ES" sz="1800" dirty="0" smtClean="0"/>
-              <a:t>: </a:t>
-            </a:r>
-            <a:r>
-              <a:rPr lang="es-ES" sz="1800" b="1" dirty="0" err="1" smtClean="0">
-                <a:effectLst>
-                  <a:outerShdw blurRad="38100" dist="38100" dir="2700000" algn="tl">
-                    <a:srgbClr val="000000">
-                      <a:alpha val="43137"/>
-                    </a:srgbClr>
-                  </a:outerShdw>
-                </a:effectLst>
-              </a:rPr>
-              <a:t>Random</a:t>
-            </a:r>
-            <a:r>
-              <a:rPr lang="es-ES" sz="1800" b="1" dirty="0" smtClean="0">
-                <a:effectLst>
-                  <a:outerShdw blurRad="38100" dist="38100" dir="2700000" algn="tl">
-                    <a:srgbClr val="000000">
-                      <a:alpha val="43137"/>
-                    </a:srgbClr>
-                  </a:outerShdw>
-                </a:effectLst>
-              </a:rPr>
-              <a:t> </a:t>
-            </a:r>
-            <a:r>
-              <a:rPr lang="es-ES" sz="1800" b="1" dirty="0" err="1" smtClean="0">
+              <a:rPr lang="es-ES" sz="1600" b="1" dirty="0" err="1" smtClean="0">
                 <a:effectLst>
                   <a:outerShdw blurRad="38100" dist="38100" dir="2700000" algn="tl">
                     <a:srgbClr val="000000">
@@ -9254,7 +9337,7 @@
               <a:t>Forest</a:t>
             </a:r>
             <a:r>
-              <a:rPr lang="es-ES" sz="1800" b="1" dirty="0" smtClean="0">
+              <a:rPr lang="es-ES" sz="1600" b="1" dirty="0" smtClean="0">
                 <a:effectLst>
                   <a:outerShdw blurRad="38100" dist="38100" dir="2700000" algn="tl">
                     <a:srgbClr val="000000">
@@ -9266,11 +9349,11 @@
               <a:t> (n=30) </a:t>
             </a:r>
             <a:r>
-              <a:rPr lang="es-ES" sz="1800" dirty="0" smtClean="0"/>
+              <a:rPr lang="es-ES" sz="1600" dirty="0" smtClean="0"/>
               <a:t>and </a:t>
             </a:r>
             <a:r>
-              <a:rPr lang="es-ES" sz="1800" b="1" dirty="0">
+              <a:rPr lang="es-ES" sz="1600" b="1" dirty="0">
                 <a:effectLst>
                   <a:outerShdw blurRad="38100" dist="38100" dir="2700000" algn="tl">
                     <a:srgbClr val="000000">
@@ -9282,7 +9365,7 @@
               <a:t>KNN (k=30</a:t>
             </a:r>
             <a:r>
-              <a:rPr lang="es-ES" sz="1800" b="1" dirty="0" smtClean="0">
+              <a:rPr lang="es-ES" sz="1600" b="1" dirty="0" smtClean="0">
                 <a:effectLst>
                   <a:outerShdw blurRad="38100" dist="38100" dir="2700000" algn="tl">
                     <a:srgbClr val="000000">
@@ -9293,6 +9376,32 @@
               </a:rPr>
               <a:t>)</a:t>
             </a:r>
+          </a:p>
+          <a:p>
+            <a:pPr lvl="1"/>
+            <a:endParaRPr lang="es-ES" sz="1600" b="1" dirty="0">
+              <a:effectLst>
+                <a:outerShdw blurRad="38100" dist="38100" dir="2700000" algn="tl">
+                  <a:srgbClr val="000000">
+                    <a:alpha val="43137"/>
+                  </a:srgbClr>
+                </a:outerShdw>
+              </a:effectLst>
+            </a:endParaRPr>
+          </a:p>
+          <a:p>
+            <a:pPr marL="457200" lvl="1" indent="0">
+              <a:buNone/>
+            </a:pPr>
+            <a:endParaRPr lang="es-ES" sz="1600" b="1" dirty="0" smtClean="0">
+              <a:effectLst>
+                <a:outerShdw blurRad="38100" dist="38100" dir="2700000" algn="tl">
+                  <a:srgbClr val="000000">
+                    <a:alpha val="43137"/>
+                  </a:srgbClr>
+                </a:outerShdw>
+              </a:effectLst>
+            </a:endParaRPr>
           </a:p>
           <a:p>
             <a:pPr lvl="1"/>
@@ -9321,18 +9430,6 @@
             </a:endParaRPr>
           </a:p>
           <a:p>
-            <a:pPr lvl="1"/>
-            <a:endParaRPr lang="es-ES" sz="1800" b="1" dirty="0">
-              <a:effectLst>
-                <a:outerShdw blurRad="38100" dist="38100" dir="2700000" algn="tl">
-                  <a:srgbClr val="000000">
-                    <a:alpha val="43137"/>
-                  </a:srgbClr>
-                </a:outerShdw>
-              </a:effectLst>
-            </a:endParaRPr>
-          </a:p>
-          <a:p>
             <a:pPr marL="457200" lvl="1" indent="0">
               <a:buNone/>
             </a:pPr>
@@ -9347,6 +9444,32 @@
             </a:endParaRPr>
           </a:p>
           <a:p>
+            <a:pPr lvl="1"/>
+            <a:endParaRPr lang="es-ES" sz="1800" b="1" dirty="0">
+              <a:effectLst>
+                <a:outerShdw blurRad="38100" dist="38100" dir="2700000" algn="tl">
+                  <a:srgbClr val="000000">
+                    <a:alpha val="43137"/>
+                  </a:srgbClr>
+                </a:outerShdw>
+              </a:effectLst>
+            </a:endParaRPr>
+          </a:p>
+          <a:p>
+            <a:pPr marL="457200" lvl="1" indent="0">
+              <a:buNone/>
+            </a:pPr>
+            <a:endParaRPr lang="es-ES" sz="1800" b="1" dirty="0" smtClean="0">
+              <a:effectLst>
+                <a:outerShdw blurRad="38100" dist="38100" dir="2700000" algn="tl">
+                  <a:srgbClr val="000000">
+                    <a:alpha val="43137"/>
+                  </a:srgbClr>
+                </a:outerShdw>
+              </a:effectLst>
+            </a:endParaRPr>
+          </a:p>
+          <a:p>
             <a:pPr marL="457200" lvl="1" indent="0">
               <a:buNone/>
             </a:pPr>
@@ -9416,13 +9539,16 @@
         </p:nvSpPr>
         <p:spPr bwMode="auto">
           <a:xfrm>
-            <a:off x="4094892" y="3079830"/>
-            <a:ext cx="360040" cy="329424"/>
+            <a:off x="3923928" y="2818870"/>
+            <a:ext cx="360040" cy="317923"/>
           </a:xfrm>
           <a:prstGeom prst="downArrow">
             <a:avLst/>
           </a:prstGeom>
           <a:ln>
+            <a:solidFill>
+              <a:srgbClr val="00B0F0"/>
+            </a:solidFill>
             <a:headEnd type="none" w="med" len="med"/>
             <a:tailEnd type="none" w="med" len="med"/>
           </a:ln>
@@ -9486,7 +9612,7 @@
         </p:nvSpPr>
         <p:spPr>
           <a:xfrm>
-            <a:off x="3677213" y="3450714"/>
+            <a:off x="3635896" y="3113371"/>
             <a:ext cx="1153586" cy="307777"/>
           </a:xfrm>
           <a:prstGeom prst="rect">
@@ -9532,7 +9658,7 @@
         </p:nvSpPr>
         <p:spPr>
           <a:xfrm>
-            <a:off x="6714856" y="3470707"/>
+            <a:off x="6236571" y="3262086"/>
             <a:ext cx="1251368" cy="307777"/>
           </a:xfrm>
           <a:prstGeom prst="rect">
@@ -9578,7 +9704,7 @@
         </p:nvSpPr>
         <p:spPr>
           <a:xfrm>
-            <a:off x="5891682" y="4127965"/>
+            <a:off x="5603222" y="3917401"/>
             <a:ext cx="2863284" cy="338554"/>
           </a:xfrm>
           <a:prstGeom prst="rect">
@@ -9624,7 +9750,7 @@
         </p:nvSpPr>
         <p:spPr bwMode="auto">
           <a:xfrm>
-            <a:off x="6562191" y="2636913"/>
+            <a:off x="5975771" y="2425499"/>
             <a:ext cx="1512168" cy="504056"/>
           </a:xfrm>
           <a:prstGeom prst="rect">
@@ -9632,6 +9758,9 @@
           </a:prstGeom>
           <a:noFill/>
           <a:ln>
+            <a:solidFill>
+              <a:srgbClr val="00B0F0"/>
+            </a:solidFill>
             <a:headEnd type="none" w="med" len="med"/>
             <a:tailEnd type="none" w="med" len="med"/>
           </a:ln>
@@ -9689,19 +9818,177 @@
       </p:sp>
       <p:sp>
         <p:nvSpPr>
-          <p:cNvPr id="14" name="Flecha abajo 13"/>
+          <p:cNvPr id="16" name="CuadroTexto 15"/>
+          <p:cNvSpPr txBox="1"/>
+          <p:nvPr/>
+        </p:nvSpPr>
+        <p:spPr>
+          <a:xfrm>
+            <a:off x="687227" y="4289856"/>
+            <a:ext cx="3040832" cy="400110"/>
+          </a:xfrm>
+          <a:prstGeom prst="rect">
+            <a:avLst/>
+          </a:prstGeom>
+          <a:noFill/>
+        </p:spPr>
+        <p:txBody>
+          <a:bodyPr wrap="none" rtlCol="0">
+            <a:spAutoFit/>
+          </a:bodyPr>
+          <a:lstStyle/>
+          <a:p>
+            <a:pPr marL="342900" indent="-342900">
+              <a:buFont typeface="Arial" panose="020B0604020202020204" pitchFamily="34" charset="0"/>
+              <a:buChar char="•"/>
+            </a:pPr>
+            <a:r>
+              <a:rPr lang="es-ES" sz="2000" dirty="0" err="1" smtClean="0"/>
+              <a:t>Classifier</a:t>
+            </a:r>
+            <a:r>
+              <a:rPr lang="es-ES" sz="2000" dirty="0" smtClean="0"/>
+              <a:t> </a:t>
+            </a:r>
+            <a:r>
+              <a:rPr lang="es-ES" sz="2000" dirty="0" smtClean="0"/>
+              <a:t>performance</a:t>
+            </a:r>
+            <a:endParaRPr lang="en-US" b="1" dirty="0"/>
+          </a:p>
+        </p:txBody>
+      </p:sp>
+      <p:sp>
+        <p:nvSpPr>
+          <p:cNvPr id="17" name="CuadroTexto 16"/>
+          <p:cNvSpPr txBox="1"/>
+          <p:nvPr/>
+        </p:nvSpPr>
+        <p:spPr>
+          <a:xfrm>
+            <a:off x="1411336" y="4685261"/>
+            <a:ext cx="7085201" cy="461665"/>
+          </a:xfrm>
+          <a:prstGeom prst="rect">
+            <a:avLst/>
+          </a:prstGeom>
+          <a:noFill/>
+          <a:ln>
+            <a:noFill/>
+          </a:ln>
+        </p:spPr>
+        <p:txBody>
+          <a:bodyPr wrap="square" rtlCol="0">
+            <a:spAutoFit/>
+          </a:bodyPr>
+          <a:lstStyle/>
+          <a:p>
+            <a:r>
+              <a:rPr lang="es-ES" sz="1600" b="1" dirty="0" err="1" smtClean="0">
+                <a:effectLst>
+                  <a:outerShdw blurRad="38100" dist="38100" dir="2700000" algn="tl">
+                    <a:srgbClr val="000000">
+                      <a:alpha val="43137"/>
+                    </a:srgbClr>
+                  </a:outerShdw>
+                </a:effectLst>
+              </a:rPr>
+              <a:t>Random</a:t>
+            </a:r>
+            <a:r>
+              <a:rPr lang="es-ES" sz="1600" b="1" dirty="0" smtClean="0">
+                <a:effectLst>
+                  <a:outerShdw blurRad="38100" dist="38100" dir="2700000" algn="tl">
+                    <a:srgbClr val="000000">
+                      <a:alpha val="43137"/>
+                    </a:srgbClr>
+                  </a:outerShdw>
+                </a:effectLst>
+              </a:rPr>
+              <a:t> </a:t>
+            </a:r>
+            <a:r>
+              <a:rPr lang="es-ES" sz="1600" b="1" dirty="0" err="1" smtClean="0">
+                <a:effectLst>
+                  <a:outerShdw blurRad="38100" dist="38100" dir="2700000" algn="tl">
+                    <a:srgbClr val="000000">
+                      <a:alpha val="43137"/>
+                    </a:srgbClr>
+                  </a:outerShdw>
+                </a:effectLst>
+              </a:rPr>
+              <a:t>Forest</a:t>
+            </a:r>
+            <a:r>
+              <a:rPr lang="es-ES" sz="1600" b="1" dirty="0" smtClean="0">
+                <a:effectLst>
+                  <a:outerShdw blurRad="38100" dist="38100" dir="2700000" algn="tl">
+                    <a:srgbClr val="000000">
+                      <a:alpha val="43137"/>
+                    </a:srgbClr>
+                  </a:outerShdw>
+                </a:effectLst>
+              </a:rPr>
+              <a:t> (n=5): </a:t>
+            </a:r>
+            <a:r>
+              <a:rPr lang="es-ES" sz="1600" dirty="0" smtClean="0"/>
+              <a:t>AUC=0.73 </a:t>
+            </a:r>
+            <a:r>
+              <a:rPr lang="es-ES" sz="1600" b="1" dirty="0" smtClean="0">
+                <a:effectLst>
+                  <a:outerShdw blurRad="38100" dist="38100" dir="2700000" algn="tl">
+                    <a:srgbClr val="000000">
+                      <a:alpha val="43137"/>
+                    </a:srgbClr>
+                  </a:outerShdw>
+                </a:effectLst>
+              </a:rPr>
+              <a:t>KNN </a:t>
+            </a:r>
+            <a:r>
+              <a:rPr lang="es-ES" sz="1600" b="1" dirty="0" smtClean="0">
+                <a:effectLst>
+                  <a:outerShdw blurRad="38100" dist="38100" dir="2700000" algn="tl">
+                    <a:srgbClr val="000000">
+                      <a:alpha val="43137"/>
+                    </a:srgbClr>
+                  </a:outerShdw>
+                </a:effectLst>
+              </a:rPr>
+              <a:t>(k=30): </a:t>
+            </a:r>
+            <a:r>
+              <a:rPr lang="es-ES" sz="1600" dirty="0" smtClean="0"/>
+              <a:t>AUC=0.72</a:t>
+            </a:r>
+            <a:r>
+              <a:rPr lang="es-ES" b="1" dirty="0" smtClean="0"/>
+              <a:t>	</a:t>
+            </a:r>
+            <a:endParaRPr lang="en-US" dirty="0"/>
+          </a:p>
+        </p:txBody>
+      </p:sp>
+      <p:sp>
+        <p:nvSpPr>
+          <p:cNvPr id="20" name="Flecha abajo 19"/>
           <p:cNvSpPr/>
           <p:nvPr/>
         </p:nvSpPr>
         <p:spPr bwMode="auto">
           <a:xfrm>
-            <a:off x="7069460" y="3173212"/>
-            <a:ext cx="360040" cy="329424"/>
+            <a:off x="6531882" y="2932081"/>
+            <a:ext cx="360040" cy="317923"/>
           </a:xfrm>
           <a:prstGeom prst="downArrow">
             <a:avLst/>
           </a:prstGeom>
           <a:ln>
+            <a:solidFill>
+              <a:srgbClr val="00B0F0"/>
+            </a:solidFill>
             <a:headEnd type="none" w="med" len="med"/>
             <a:tailEnd type="none" w="med" len="med"/>
           </a:ln>
@@ -9759,19 +10046,22 @@
       </p:sp>
       <p:sp>
         <p:nvSpPr>
-          <p:cNvPr id="15" name="Flecha abajo 14"/>
+          <p:cNvPr id="21" name="Flecha abajo 20"/>
           <p:cNvSpPr/>
           <p:nvPr/>
         </p:nvSpPr>
         <p:spPr bwMode="auto">
           <a:xfrm>
-            <a:off x="7091080" y="3772629"/>
-            <a:ext cx="360040" cy="329424"/>
+            <a:off x="6551835" y="3582878"/>
+            <a:ext cx="360040" cy="317923"/>
           </a:xfrm>
           <a:prstGeom prst="downArrow">
             <a:avLst/>
           </a:prstGeom>
           <a:ln>
+            <a:solidFill>
+              <a:srgbClr val="00B0F0"/>
+            </a:solidFill>
             <a:headEnd type="none" w="med" len="med"/>
             <a:tailEnd type="none" w="med" len="med"/>
           </a:ln>
@@ -9827,71 +10117,340 @@
           </a:p>
         </p:txBody>
       </p:sp>
-      <p:sp>
-        <p:nvSpPr>
-          <p:cNvPr id="16" name="CuadroTexto 15"/>
+    </p:spTree>
+    <p:extLst>
+      <p:ext uri="{BB962C8B-B14F-4D97-AF65-F5344CB8AC3E}">
+        <p14:creationId xmlns:p14="http://schemas.microsoft.com/office/powerpoint/2010/main" val="4134103680"/>
+      </p:ext>
+    </p:extLst>
+  </p:cSld>
+  <p:clrMapOvr>
+    <a:masterClrMapping/>
+  </p:clrMapOvr>
+  <p:timing>
+    <p:tnLst>
+      <p:par>
+        <p:cTn id="1" dur="indefinite" restart="never" nodeType="tmRoot"/>
+      </p:par>
+    </p:tnLst>
+  </p:timing>
+</p:sld>
+</file>
+
+<file path=ppt/slides/slide18.xml><?xml version="1.0" encoding="utf-8"?>
+<p:sld xmlns:a="http://schemas.openxmlformats.org/drawingml/2006/main" xmlns:r="http://schemas.openxmlformats.org/officeDocument/2006/relationships" xmlns:p="http://schemas.openxmlformats.org/presentationml/2006/main">
+  <p:cSld>
+    <p:spTree>
+      <p:nvGrpSpPr>
+        <p:cNvPr id="1" name=""/>
+        <p:cNvGrpSpPr/>
+        <p:nvPr/>
+      </p:nvGrpSpPr>
+      <p:grpSpPr>
+        <a:xfrm>
+          <a:off x="0" y="0"/>
+          <a:ext cx="0" cy="0"/>
+          <a:chOff x="0" y="0"/>
+          <a:chExt cx="0" cy="0"/>
+        </a:xfrm>
+      </p:grpSpPr>
+      <p:sp>
+        <p:nvSpPr>
+          <p:cNvPr id="3" name="Marcador de contenido 2"/>
+          <p:cNvSpPr>
+            <a:spLocks noGrp="1"/>
+          </p:cNvSpPr>
+          <p:nvPr>
+            <p:ph idx="1"/>
+          </p:nvPr>
+        </p:nvSpPr>
+        <p:spPr>
+          <a:xfrm>
+            <a:off x="899592" y="1229379"/>
+            <a:ext cx="7772400" cy="3778250"/>
+          </a:xfrm>
+        </p:spPr>
+        <p:txBody>
+          <a:bodyPr/>
+          <a:lstStyle/>
+          <a:p>
+            <a:r>
+              <a:rPr lang="en-US" dirty="0" smtClean="0"/>
+              <a:t>Best classifier based on overall performance: </a:t>
+            </a:r>
+          </a:p>
+          <a:p>
+            <a:endParaRPr lang="en-US" dirty="0"/>
+          </a:p>
+          <a:p>
+            <a:endParaRPr lang="en-US" dirty="0" smtClean="0"/>
+          </a:p>
+          <a:p>
+            <a:r>
+              <a:rPr lang="en-US" dirty="0" smtClean="0"/>
+              <a:t>Best approach:</a:t>
+            </a:r>
+          </a:p>
+          <a:p>
+            <a:endParaRPr lang="en-US" dirty="0"/>
+          </a:p>
+          <a:p>
+            <a:endParaRPr lang="en-US" dirty="0" smtClean="0"/>
+          </a:p>
+          <a:p>
+            <a:endParaRPr lang="en-US" dirty="0" smtClean="0"/>
+          </a:p>
+          <a:p>
+            <a:r>
+              <a:rPr lang="en-US" dirty="0" smtClean="0"/>
+              <a:t>HOWEVER, </a:t>
+            </a:r>
+            <a:r>
+              <a:rPr lang="en-US" b="1" dirty="0" smtClean="0">
+                <a:effectLst>
+                  <a:outerShdw blurRad="38100" dist="38100" dir="2700000" algn="tl">
+                    <a:srgbClr val="000000">
+                      <a:alpha val="43137"/>
+                    </a:srgbClr>
+                  </a:outerShdw>
+                </a:effectLst>
+              </a:rPr>
+              <a:t>NMS</a:t>
+            </a:r>
+            <a:r>
+              <a:rPr lang="en-US" dirty="0" smtClean="0">
+                <a:effectLst>
+                  <a:outerShdw blurRad="38100" dist="38100" dir="2700000" algn="tl">
+                    <a:srgbClr val="000000">
+                      <a:alpha val="43137"/>
+                    </a:srgbClr>
+                  </a:outerShdw>
+                </a:effectLst>
+              </a:rPr>
+              <a:t> </a:t>
+            </a:r>
+            <a:r>
+              <a:rPr lang="en-US" dirty="0" smtClean="0"/>
+              <a:t>can be still very useful to other applications in </a:t>
+            </a:r>
+            <a:r>
+              <a:rPr lang="en-US" b="1" dirty="0" smtClean="0">
+                <a:effectLst>
+                  <a:outerShdw blurRad="38100" dist="38100" dir="2700000" algn="tl">
+                    <a:srgbClr val="000000">
+                      <a:alpha val="43137"/>
+                    </a:srgbClr>
+                  </a:outerShdw>
+                </a:effectLst>
+              </a:rPr>
+              <a:t>medical object detection…</a:t>
+            </a:r>
+            <a:endParaRPr lang="en-US" b="1" dirty="0">
+              <a:effectLst>
+                <a:outerShdw blurRad="38100" dist="38100" dir="2700000" algn="tl">
+                  <a:srgbClr val="000000">
+                    <a:alpha val="43137"/>
+                  </a:srgbClr>
+                </a:outerShdw>
+              </a:effectLst>
+            </a:endParaRPr>
+          </a:p>
+        </p:txBody>
+      </p:sp>
+      <p:sp>
+        <p:nvSpPr>
+          <p:cNvPr id="4" name="Marcador de fecha 3"/>
+          <p:cNvSpPr>
+            <a:spLocks noGrp="1"/>
+          </p:cNvSpPr>
+          <p:nvPr>
+            <p:ph type="dt" sz="half" idx="10"/>
+          </p:nvPr>
+        </p:nvSpPr>
+        <p:spPr/>
+        <p:txBody>
+          <a:bodyPr/>
+          <a:lstStyle/>
+          <a:p>
+            <a:fld id="{31DCBD78-A96A-4270-BAB0-39853B6FFB02}" type="datetime4">
+              <a:rPr lang="en-US" smtClean="0"/>
+              <a:pPr/>
+              <a:t>January 26, 2016</a:t>
+            </a:fld>
+            <a:endParaRPr lang="en-US"/>
+          </a:p>
+        </p:txBody>
+      </p:sp>
+      <p:sp>
+        <p:nvSpPr>
+          <p:cNvPr id="5" name="Marcador de número de diapositiva 4"/>
+          <p:cNvSpPr>
+            <a:spLocks noGrp="1"/>
+          </p:cNvSpPr>
+          <p:nvPr>
+            <p:ph type="sldNum" sz="quarter" idx="11"/>
+          </p:nvPr>
+        </p:nvSpPr>
+        <p:spPr/>
+        <p:txBody>
+          <a:bodyPr/>
+          <a:lstStyle/>
+          <a:p>
+            <a:fld id="{88D8622A-5DD6-42D7-8A47-02974637B487}" type="slidenum">
+              <a:rPr lang="en-US" smtClean="0"/>
+              <a:pPr/>
+              <a:t>18</a:t>
+            </a:fld>
+            <a:endParaRPr lang="en-US"/>
+          </a:p>
+        </p:txBody>
+      </p:sp>
+      <p:sp>
+        <p:nvSpPr>
+          <p:cNvPr id="6" name="Título 1"/>
+          <p:cNvSpPr>
+            <a:spLocks noGrp="1"/>
+          </p:cNvSpPr>
+          <p:nvPr>
+            <p:ph type="title"/>
+          </p:nvPr>
+        </p:nvSpPr>
+        <p:spPr>
+          <a:xfrm>
+            <a:off x="747713" y="248210"/>
+            <a:ext cx="7772400" cy="1143000"/>
+          </a:xfrm>
+        </p:spPr>
+        <p:txBody>
+          <a:bodyPr/>
+          <a:lstStyle/>
+          <a:p>
+            <a:r>
+              <a:rPr lang="es-ES" dirty="0" err="1" smtClean="0"/>
+              <a:t>Conclusions</a:t>
+            </a:r>
+            <a:r>
+              <a:rPr lang="es-ES" dirty="0" smtClean="0"/>
+              <a:t> (II)</a:t>
+            </a:r>
+            <a:endParaRPr lang="en-US" dirty="0"/>
+          </a:p>
+        </p:txBody>
+      </p:sp>
+      <p:sp>
+        <p:nvSpPr>
+          <p:cNvPr id="7" name="CuadroTexto 6"/>
           <p:cNvSpPr txBox="1"/>
           <p:nvPr/>
         </p:nvSpPr>
         <p:spPr>
           <a:xfrm>
-            <a:off x="450332" y="4695638"/>
-            <a:ext cx="4035848" cy="461665"/>
+            <a:off x="3275856" y="1972269"/>
+            <a:ext cx="1953273" cy="400110"/>
           </a:xfrm>
           <a:prstGeom prst="rect">
             <a:avLst/>
           </a:prstGeom>
-          <a:noFill/>
+          <a:ln>
+            <a:solidFill>
+              <a:srgbClr val="00B0F0"/>
+            </a:solidFill>
+          </a:ln>
         </p:spPr>
-        <p:txBody>
-          <a:bodyPr wrap="none" rtlCol="0">
+        <p:style>
+          <a:lnRef idx="2">
+            <a:schemeClr val="accent1"/>
+          </a:lnRef>
+          <a:fillRef idx="1">
+            <a:schemeClr val="lt1"/>
+          </a:fillRef>
+          <a:effectRef idx="0">
+            <a:schemeClr val="accent1"/>
+          </a:effectRef>
+          <a:fontRef idx="minor">
+            <a:schemeClr val="dk1"/>
+          </a:fontRef>
+        </p:style>
+        <p:txBody>
+          <a:bodyPr wrap="square" rtlCol="0">
             <a:spAutoFit/>
           </a:bodyPr>
           <a:lstStyle/>
           <a:p>
-            <a:pPr marL="342900" indent="-342900">
-              <a:buFont typeface="Arial" panose="020B0604020202020204" pitchFamily="34" charset="0"/>
-              <a:buChar char="•"/>
-            </a:pPr>
-            <a:r>
-              <a:rPr lang="es-ES" dirty="0" err="1" smtClean="0"/>
-              <a:t>Classifier</a:t>
-            </a:r>
-            <a:r>
-              <a:rPr lang="es-ES" dirty="0" smtClean="0"/>
-              <a:t> performance </a:t>
-            </a:r>
-            <a:r>
-              <a:rPr lang="es-ES" dirty="0" smtClean="0">
-                <a:sym typeface="Wingdings" panose="05000000000000000000" pitchFamily="2" charset="2"/>
+            <a:r>
+              <a:rPr lang="es-ES" sz="2000" b="1" dirty="0" smtClean="0">
+                <a:effectLst>
+                  <a:outerShdw blurRad="38100" dist="38100" dir="2700000" algn="tl">
+                    <a:srgbClr val="000000">
+                      <a:alpha val="43137"/>
+                    </a:srgbClr>
+                  </a:outerShdw>
+                </a:effectLst>
               </a:rPr>
-              <a:t> </a:t>
-            </a:r>
-            <a:endParaRPr lang="en-US" b="1" dirty="0"/>
-          </a:p>
-        </p:txBody>
-      </p:sp>
-      <p:sp>
-        <p:nvSpPr>
-          <p:cNvPr id="17" name="CuadroTexto 16"/>
+              <a:t>KNN </a:t>
+            </a:r>
+            <a:r>
+              <a:rPr lang="es-ES" sz="2000" b="1" dirty="0" smtClean="0">
+                <a:effectLst>
+                  <a:outerShdw blurRad="38100" dist="38100" dir="2700000" algn="tl">
+                    <a:srgbClr val="000000">
+                      <a:alpha val="43137"/>
+                    </a:srgbClr>
+                  </a:outerShdw>
+                </a:effectLst>
+              </a:rPr>
+              <a:t>(k=30</a:t>
+            </a:r>
+            <a:r>
+              <a:rPr lang="es-ES" sz="2000" b="1" dirty="0" smtClean="0">
+                <a:effectLst>
+                  <a:outerShdw blurRad="38100" dist="38100" dir="2700000" algn="tl">
+                    <a:srgbClr val="000000">
+                      <a:alpha val="43137"/>
+                    </a:srgbClr>
+                  </a:outerShdw>
+                </a:effectLst>
+              </a:rPr>
+              <a:t>)</a:t>
+            </a:r>
+            <a:endParaRPr lang="en-US" sz="3200" dirty="0"/>
+          </a:p>
+        </p:txBody>
+      </p:sp>
+      <p:sp>
+        <p:nvSpPr>
+          <p:cNvPr id="8" name="CuadroTexto 7"/>
           <p:cNvSpPr txBox="1"/>
           <p:nvPr/>
         </p:nvSpPr>
         <p:spPr>
           <a:xfrm>
-            <a:off x="4314199" y="4628499"/>
-            <a:ext cx="4440767" cy="769441"/>
+            <a:off x="2051720" y="3289894"/>
+            <a:ext cx="4176464" cy="400110"/>
           </a:xfrm>
           <a:prstGeom prst="rect">
             <a:avLst/>
           </a:prstGeom>
-          <a:noFill/>
           <a:ln>
             <a:solidFill>
-              <a:schemeClr val="tx1"/>
+              <a:srgbClr val="00B0F0"/>
             </a:solidFill>
           </a:ln>
         </p:spPr>
+        <p:style>
+          <a:lnRef idx="2">
+            <a:schemeClr val="accent1"/>
+          </a:lnRef>
+          <a:fillRef idx="1">
+            <a:schemeClr val="lt1"/>
+          </a:fillRef>
+          <a:effectRef idx="0">
+            <a:schemeClr val="accent1"/>
+          </a:effectRef>
+          <a:fontRef idx="minor">
+            <a:schemeClr val="dk1"/>
+          </a:fontRef>
+        </p:style>
         <p:txBody>
           <a:bodyPr wrap="square" rtlCol="0">
             <a:spAutoFit/>
@@ -9899,47 +10458,182 @@
           <a:lstStyle/>
           <a:p>
             <a:r>
-              <a:rPr lang="es-ES" sz="2000" b="1" dirty="0" err="1" smtClean="0"/>
-              <a:t>Random</a:t>
-            </a:r>
-            <a:r>
-              <a:rPr lang="es-ES" sz="2000" b="1" dirty="0" smtClean="0"/>
+              <a:rPr lang="es-ES" sz="2000" b="1" dirty="0" err="1" smtClean="0">
+                <a:effectLst>
+                  <a:outerShdw blurRad="38100" dist="38100" dir="2700000" algn="tl">
+                    <a:srgbClr val="000000">
+                      <a:alpha val="43137"/>
+                    </a:srgbClr>
+                  </a:outerShdw>
+                </a:effectLst>
+              </a:rPr>
+              <a:t>Most</a:t>
+            </a:r>
+            <a:r>
+              <a:rPr lang="es-ES" sz="2000" b="1" dirty="0" smtClean="0">
+                <a:effectLst>
+                  <a:outerShdw blurRad="38100" dist="38100" dir="2700000" algn="tl">
+                    <a:srgbClr val="000000">
+                      <a:alpha val="43137"/>
+                    </a:srgbClr>
+                  </a:outerShdw>
+                </a:effectLst>
+              </a:rPr>
+              <a:t> probable </a:t>
+            </a:r>
+            <a:r>
+              <a:rPr lang="es-ES" sz="2000" b="1" dirty="0" err="1" smtClean="0">
+                <a:effectLst>
+                  <a:outerShdw blurRad="38100" dist="38100" dir="2700000" algn="tl">
+                    <a:srgbClr val="000000">
+                      <a:alpha val="43137"/>
+                    </a:srgbClr>
+                  </a:outerShdw>
+                </a:effectLst>
+              </a:rPr>
+              <a:t>patch</a:t>
+            </a:r>
+            <a:r>
+              <a:rPr lang="es-ES" sz="2000" b="1" dirty="0" smtClean="0">
+                <a:effectLst>
+                  <a:outerShdw blurRad="38100" dist="38100" dir="2700000" algn="tl">
+                    <a:srgbClr val="000000">
+                      <a:alpha val="43137"/>
+                    </a:srgbClr>
+                  </a:outerShdw>
+                </a:effectLst>
+              </a:rPr>
               <a:t> </a:t>
             </a:r>
             <a:r>
-              <a:rPr lang="es-ES" sz="2000" b="1" dirty="0" err="1" smtClean="0"/>
-              <a:t>Forest</a:t>
-            </a:r>
-            <a:r>
-              <a:rPr lang="es-ES" sz="2000" b="1" dirty="0" smtClean="0"/>
-              <a:t> (n=5): </a:t>
-            </a:r>
-            <a:r>
-              <a:rPr lang="es-ES" sz="2000" dirty="0" smtClean="0"/>
-              <a:t>AUC=0.73</a:t>
-            </a:r>
-          </a:p>
-          <a:p>
-            <a:r>
-              <a:rPr lang="es-ES" sz="2000" b="1" dirty="0" smtClean="0"/>
-              <a:t>KNN (k=30): </a:t>
-            </a:r>
-            <a:r>
-              <a:rPr lang="es-ES" sz="2000" dirty="0" smtClean="0"/>
-              <a:t>AUC=0.72</a:t>
-            </a:r>
-            <a:r>
-              <a:rPr lang="es-ES" b="1" dirty="0" smtClean="0"/>
-              <a:t>	</a:t>
-            </a:r>
-            <a:endParaRPr lang="en-US" dirty="0"/>
+              <a:rPr lang="es-ES" sz="2000" b="1" dirty="0" err="1" smtClean="0">
+                <a:effectLst>
+                  <a:outerShdw blurRad="38100" dist="38100" dir="2700000" algn="tl">
+                    <a:srgbClr val="000000">
+                      <a:alpha val="43137"/>
+                    </a:srgbClr>
+                  </a:outerShdw>
+                </a:effectLst>
+              </a:rPr>
+              <a:t>approach</a:t>
+            </a:r>
+            <a:endParaRPr lang="en-US" sz="3200" dirty="0"/>
           </a:p>
         </p:txBody>
       </p:sp>
     </p:spTree>
     <p:extLst>
       <p:ext uri="{BB962C8B-B14F-4D97-AF65-F5344CB8AC3E}">
-        <p14:creationId xmlns:p14="http://schemas.microsoft.com/office/powerpoint/2010/main" val="4134103680"/>
+        <p14:creationId xmlns:p14="http://schemas.microsoft.com/office/powerpoint/2010/main" val="3364420380"/>
+      </p:ext>
+    </p:extLst>
+  </p:cSld>
+  <p:clrMapOvr>
+    <a:masterClrMapping/>
+  </p:clrMapOvr>
+  <p:timing>
+    <p:tnLst>
+      <p:par>
+        <p:cTn id="1" dur="indefinite" restart="never" nodeType="tmRoot"/>
+      </p:par>
+    </p:tnLst>
+  </p:timing>
+</p:sld>
+</file>
+
+<file path=ppt/slides/slide19.xml><?xml version="1.0" encoding="utf-8"?>
+<p:sld xmlns:a="http://schemas.openxmlformats.org/drawingml/2006/main" xmlns:r="http://schemas.openxmlformats.org/officeDocument/2006/relationships" xmlns:p="http://schemas.openxmlformats.org/presentationml/2006/main">
+  <p:cSld>
+    <p:spTree>
+      <p:nvGrpSpPr>
+        <p:cNvPr id="1" name=""/>
+        <p:cNvGrpSpPr/>
+        <p:nvPr/>
+      </p:nvGrpSpPr>
+      <p:grpSpPr>
+        <a:xfrm>
+          <a:off x="0" y="0"/>
+          <a:ext cx="0" cy="0"/>
+          <a:chOff x="0" y="0"/>
+          <a:chExt cx="0" cy="0"/>
+        </a:xfrm>
+      </p:grpSpPr>
+      <p:sp>
+        <p:nvSpPr>
+          <p:cNvPr id="2" name="Título 1"/>
+          <p:cNvSpPr>
+            <a:spLocks noGrp="1"/>
+          </p:cNvSpPr>
+          <p:nvPr>
+            <p:ph type="title"/>
+          </p:nvPr>
+        </p:nvSpPr>
+        <p:spPr/>
+        <p:txBody>
+          <a:bodyPr/>
+          <a:lstStyle/>
+          <a:p>
+            <a:pPr algn="ctr"/>
+            <a:r>
+              <a:rPr lang="en-US" dirty="0" smtClean="0"/>
+              <a:t>THANK YOU FOR YOUR ATTENTION</a:t>
+            </a:r>
+            <a:endParaRPr lang="en-US" dirty="0"/>
+          </a:p>
+        </p:txBody>
+      </p:sp>
+      <p:sp>
+        <p:nvSpPr>
+          <p:cNvPr id="4" name="Marcador de fecha 3"/>
+          <p:cNvSpPr>
+            <a:spLocks noGrp="1"/>
+          </p:cNvSpPr>
+          <p:nvPr>
+            <p:ph type="dt" sz="half" idx="10"/>
+          </p:nvPr>
+        </p:nvSpPr>
+        <p:spPr/>
+        <p:txBody>
+          <a:bodyPr/>
+          <a:lstStyle/>
+          <a:p>
+            <a:fld id="{E3ED30A8-05F2-46E7-9AD3-D8A4571A1581}" type="datetime4">
+              <a:rPr lang="en-US" smtClean="0"/>
+              <a:pPr/>
+              <a:t>January 26, 2016</a:t>
+            </a:fld>
+            <a:endParaRPr lang="en-US"/>
+          </a:p>
+        </p:txBody>
+      </p:sp>
+      <p:sp>
+        <p:nvSpPr>
+          <p:cNvPr id="5" name="Marcador de número de diapositiva 4"/>
+          <p:cNvSpPr>
+            <a:spLocks noGrp="1"/>
+          </p:cNvSpPr>
+          <p:nvPr>
+            <p:ph type="sldNum" sz="quarter" idx="11"/>
+          </p:nvPr>
+        </p:nvSpPr>
+        <p:spPr/>
+        <p:txBody>
+          <a:bodyPr/>
+          <a:lstStyle/>
+          <a:p>
+            <a:fld id="{43DE1167-38A6-4320-845A-BA4B892BF4A0}" type="slidenum">
+              <a:rPr lang="en-US" smtClean="0"/>
+              <a:pPr/>
+              <a:t>19</a:t>
+            </a:fld>
+            <a:endParaRPr lang="en-US"/>
+          </a:p>
+        </p:txBody>
+      </p:sp>
+    </p:spTree>
+    <p:extLst>
+      <p:ext uri="{BB962C8B-B14F-4D97-AF65-F5344CB8AC3E}">
+        <p14:creationId xmlns:p14="http://schemas.microsoft.com/office/powerpoint/2010/main" val="1550940206"/>
       </p:ext>
     </p:extLst>
   </p:cSld>
@@ -10078,28 +10772,85 @@
           </a:p>
           <a:p>
             <a:r>
-              <a:rPr lang="nl-NL" smtClean="0"/>
+              <a:rPr lang="nl-NL" dirty="0" smtClean="0"/>
               <a:t>Our </a:t>
             </a:r>
             <a:r>
-              <a:rPr lang="nl-NL" smtClean="0"/>
+              <a:rPr lang="nl-NL" dirty="0" smtClean="0"/>
               <a:t>work</a:t>
             </a:r>
-            <a:r>
-              <a:rPr lang="nl-NL" smtClean="0">
-                <a:sym typeface="Wingdings" panose="05000000000000000000" pitchFamily="2" charset="2"/>
+            <a:endParaRPr lang="nl-NL" b="1" dirty="0">
+              <a:effectLst>
+                <a:outerShdw blurRad="38100" dist="38100" dir="2700000" algn="tl">
+                  <a:srgbClr val="000000">
+                    <a:alpha val="43137"/>
+                  </a:srgbClr>
+                </a:outerShdw>
+              </a:effectLst>
+            </a:endParaRPr>
+          </a:p>
+        </p:txBody>
+      </p:sp>
+      <p:sp>
+        <p:nvSpPr>
+          <p:cNvPr id="2" name="CuadroTexto 1"/>
+          <p:cNvSpPr txBox="1"/>
+          <p:nvPr/>
+        </p:nvSpPr>
+        <p:spPr>
+          <a:xfrm>
+            <a:off x="1599374" y="4581128"/>
+            <a:ext cx="6782626" cy="461665"/>
+          </a:xfrm>
+          <a:prstGeom prst="rect">
+            <a:avLst/>
+          </a:prstGeom>
+          <a:noFill/>
+          <a:ln w="38100">
+            <a:solidFill>
+              <a:srgbClr val="00B0F0"/>
+            </a:solidFill>
+          </a:ln>
+        </p:spPr>
+        <p:txBody>
+          <a:bodyPr wrap="none" rtlCol="0">
+            <a:spAutoFit/>
+          </a:bodyPr>
+          <a:lstStyle/>
+          <a:p>
+            <a:r>
+              <a:rPr lang="nl-NL" b="1" dirty="0">
+                <a:effectLst>
+                  <a:outerShdw blurRad="38100" dist="38100" dir="2700000" algn="tl">
+                    <a:srgbClr val="000000">
+                      <a:alpha val="43137"/>
+                    </a:srgbClr>
+                  </a:outerShdw>
+                </a:effectLst>
               </a:rPr>
-              <a:t></a:t>
-            </a:r>
-            <a:r>
-              <a:rPr lang="nl-NL" smtClean="0"/>
-              <a:t> </a:t>
-            </a:r>
-            <a:r>
-              <a:rPr lang="nl-NL" dirty="0" smtClean="0"/>
-              <a:t>Detecting femoral head in 2D X Ray Image.</a:t>
-            </a:r>
-            <a:endParaRPr lang="nl-NL" dirty="0"/>
+              <a:t>Detecting femoral head in 2D X Ray </a:t>
+            </a:r>
+            <a:r>
+              <a:rPr lang="nl-NL" b="1" dirty="0" smtClean="0">
+                <a:effectLst>
+                  <a:outerShdw blurRad="38100" dist="38100" dir="2700000" algn="tl">
+                    <a:srgbClr val="000000">
+                      <a:alpha val="43137"/>
+                    </a:srgbClr>
+                  </a:outerShdw>
+                </a:effectLst>
+              </a:rPr>
+              <a:t>Image</a:t>
+            </a:r>
+            <a:endParaRPr lang="nl-NL" b="1" dirty="0">
+              <a:effectLst>
+                <a:outerShdw blurRad="38100" dist="38100" dir="2700000" algn="tl">
+                  <a:srgbClr val="000000">
+                    <a:alpha val="43137"/>
+                  </a:srgbClr>
+                </a:outerShdw>
+              </a:effectLst>
+            </a:endParaRPr>
           </a:p>
         </p:txBody>
       </p:sp>
@@ -10190,21 +10941,13 @@
             </a:r>
             <a:r>
               <a:rPr lang="en-US" dirty="0" smtClean="0"/>
-              <a:t>intensity </a:t>
-            </a:r>
+              <a:t>intensity gradients or edge directions. </a:t>
+            </a:r>
+          </a:p>
+          <a:p>
             <a:r>
               <a:rPr lang="en-US" dirty="0" smtClean="0"/>
-              <a:t>gradients or edge directions. </a:t>
-            </a:r>
-          </a:p>
-          <a:p>
-            <a:r>
-              <a:rPr lang="en-US" dirty="0" smtClean="0"/>
-              <a:t>Image divided into small </a:t>
-            </a:r>
-            <a:r>
-              <a:rPr lang="en-US" dirty="0" smtClean="0"/>
-              <a:t>regions (cells).</a:t>
+              <a:t>Image divided into small regions (cells).</a:t>
             </a:r>
           </a:p>
           <a:p>
@@ -10236,29 +10979,13 @@
             </a:r>
             <a:r>
               <a:rPr lang="en-US" dirty="0" smtClean="0"/>
-              <a:t>concatenating </a:t>
-            </a:r>
+              <a:t>concatenating all histograms from each cell. </a:t>
+            </a:r>
+          </a:p>
+          <a:p>
             <a:r>
               <a:rPr lang="en-US" dirty="0" smtClean="0"/>
-              <a:t>all histograms from each cell. </a:t>
-            </a:r>
-          </a:p>
-          <a:p>
-            <a:r>
-              <a:rPr lang="en-US" dirty="0" smtClean="0"/>
-              <a:t>Histograms contrast </a:t>
-            </a:r>
-            <a:r>
-              <a:rPr lang="en-US" dirty="0" smtClean="0"/>
-              <a:t>normalization </a:t>
-            </a:r>
-            <a:r>
-              <a:rPr lang="en-US" dirty="0" smtClean="0"/>
-              <a:t>across ’block</a:t>
-            </a:r>
-            <a:r>
-              <a:rPr lang="en-US" dirty="0" smtClean="0"/>
-              <a:t>’</a:t>
+              <a:t>Histograms contrast normalization across ’block’</a:t>
             </a:r>
             <a:endParaRPr lang="en-US" dirty="0"/>
           </a:p>
@@ -10540,6 +11267,36 @@
           </a:p>
         </p:txBody>
       </p:sp>
+      <p:pic>
+        <p:nvPicPr>
+          <p:cNvPr id="7" name="Imagen 6"/>
+          <p:cNvPicPr>
+            <a:picLocks noChangeAspect="1"/>
+          </p:cNvPicPr>
+          <p:nvPr/>
+        </p:nvPicPr>
+        <p:blipFill>
+          <a:blip r:embed="rId4">
+            <a:extLst>
+              <a:ext uri="{28A0092B-C50C-407E-A947-70E740481C1C}">
+                <a14:useLocalDpi xmlns:a14="http://schemas.microsoft.com/office/drawing/2010/main" val="0"/>
+              </a:ext>
+            </a:extLst>
+          </a:blip>
+          <a:stretch>
+            <a:fillRect/>
+          </a:stretch>
+        </p:blipFill>
+        <p:spPr>
+          <a:xfrm>
+            <a:off x="899592" y="1329524"/>
+            <a:ext cx="7315215" cy="3657607"/>
+          </a:xfrm>
+          <a:prstGeom prst="rect">
+            <a:avLst/>
+          </a:prstGeom>
+        </p:spPr>
+      </p:pic>
     </p:spTree>
     <p:extLst>
       <p:ext uri="{BB962C8B-B14F-4D97-AF65-F5344CB8AC3E}">
@@ -10553,7 +11310,121 @@
   <p:timing>
     <p:tnLst>
       <p:par>
-        <p:cTn id="1" dur="indefinite" restart="never" nodeType="tmRoot"/>
+        <p:cTn id="1" dur="indefinite" restart="never" nodeType="tmRoot">
+          <p:childTnLst>
+            <p:seq concurrent="1" nextAc="seek">
+              <p:cTn id="2" dur="indefinite" nodeType="mainSeq">
+                <p:childTnLst>
+                  <p:par>
+                    <p:cTn id="3" fill="hold">
+                      <p:stCondLst>
+                        <p:cond delay="indefinite"/>
+                      </p:stCondLst>
+                      <p:childTnLst>
+                        <p:par>
+                          <p:cTn id="4" fill="hold">
+                            <p:stCondLst>
+                              <p:cond delay="0"/>
+                            </p:stCondLst>
+                            <p:childTnLst>
+                              <p:par>
+                                <p:cTn id="5" presetID="2" presetClass="entr" presetSubtype="4" fill="hold" nodeType="clickEffect">
+                                  <p:stCondLst>
+                                    <p:cond delay="0"/>
+                                  </p:stCondLst>
+                                  <p:childTnLst>
+                                    <p:set>
+                                      <p:cBhvr>
+                                        <p:cTn id="6" dur="1" fill="hold">
+                                          <p:stCondLst>
+                                            <p:cond delay="0"/>
+                                          </p:stCondLst>
+                                        </p:cTn>
+                                        <p:tgtEl>
+                                          <p:spTgt spid="7"/>
+                                        </p:tgtEl>
+                                        <p:attrNameLst>
+                                          <p:attrName>style.visibility</p:attrName>
+                                        </p:attrNameLst>
+                                      </p:cBhvr>
+                                      <p:to>
+                                        <p:strVal val="visible"/>
+                                      </p:to>
+                                    </p:set>
+                                    <p:anim calcmode="lin" valueType="num">
+                                      <p:cBhvr additive="base">
+                                        <p:cTn id="7" dur="500" fill="hold"/>
+                                        <p:tgtEl>
+                                          <p:spTgt spid="7"/>
+                                        </p:tgtEl>
+                                        <p:attrNameLst>
+                                          <p:attrName>ppt_x</p:attrName>
+                                        </p:attrNameLst>
+                                      </p:cBhvr>
+                                      <p:tavLst>
+                                        <p:tav tm="0">
+                                          <p:val>
+                                            <p:strVal val="#ppt_x"/>
+                                          </p:val>
+                                        </p:tav>
+                                        <p:tav tm="100000">
+                                          <p:val>
+                                            <p:strVal val="#ppt_x"/>
+                                          </p:val>
+                                        </p:tav>
+                                      </p:tavLst>
+                                    </p:anim>
+                                    <p:anim calcmode="lin" valueType="num">
+                                      <p:cBhvr additive="base">
+                                        <p:cTn id="8" dur="500" fill="hold"/>
+                                        <p:tgtEl>
+                                          <p:spTgt spid="7"/>
+                                        </p:tgtEl>
+                                        <p:attrNameLst>
+                                          <p:attrName>ppt_y</p:attrName>
+                                        </p:attrNameLst>
+                                      </p:cBhvr>
+                                      <p:tavLst>
+                                        <p:tav tm="0">
+                                          <p:val>
+                                            <p:strVal val="1+#ppt_h/2"/>
+                                          </p:val>
+                                        </p:tav>
+                                        <p:tav tm="100000">
+                                          <p:val>
+                                            <p:strVal val="#ppt_y"/>
+                                          </p:val>
+                                        </p:tav>
+                                      </p:tavLst>
+                                    </p:anim>
+                                  </p:childTnLst>
+                                </p:cTn>
+                              </p:par>
+                            </p:childTnLst>
+                          </p:cTn>
+                        </p:par>
+                      </p:childTnLst>
+                    </p:cTn>
+                  </p:par>
+                </p:childTnLst>
+              </p:cTn>
+              <p:prevCondLst>
+                <p:cond evt="onPrev" delay="0">
+                  <p:tgtEl>
+                    <p:sldTgt/>
+                  </p:tgtEl>
+                </p:cond>
+              </p:prevCondLst>
+              <p:nextCondLst>
+                <p:cond evt="onNext" delay="0">
+                  <p:tgtEl>
+                    <p:sldTgt/>
+                  </p:tgtEl>
+                </p:cond>
+              </p:nextCondLst>
+            </p:seq>
+          </p:childTnLst>
+        </p:cTn>
       </p:par>
     </p:tnLst>
   </p:timing>
@@ -13167,8 +14038,8 @@
           </a:ln>
         </p:spPr>
       </p:pic>
-      <mc:AlternateContent xmlns:mc="http://schemas.openxmlformats.org/markup-compatibility/2006">
-        <mc:Choice xmlns:a14="http://schemas.microsoft.com/office/drawing/2010/main" Requires="a14">
+      <mc:AlternateContent xmlns:mc="http://schemas.openxmlformats.org/markup-compatibility/2006" xmlns:a14="http://schemas.microsoft.com/office/drawing/2010/main">
+        <mc:Choice Requires="a14">
           <p:sp>
             <p:nvSpPr>
               <p:cNvPr id="13" name="CuadroTexto 12"/>
@@ -13191,6 +14062,7 @@
               </a:bodyPr>
               <a:lstStyle/>
               <a:p>
+                <a:pPr/>
                 <a14:m>
                   <m:oMathPara xmlns:m="http://schemas.openxmlformats.org/officeDocument/2006/math">
                     <m:oMathParaPr>
@@ -13302,7 +14174,7 @@
             </p:txBody>
           </p:sp>
         </mc:Choice>
-        <mc:Fallback>
+        <mc:Fallback xmlns="">
           <p:sp>
             <p:nvSpPr>
               <p:cNvPr id="13" name="CuadroTexto 12"/>
@@ -14129,6 +15001,106 @@
           </a:p>
         </p:txBody>
       </p:sp>
+      <p:sp>
+        <p:nvSpPr>
+          <p:cNvPr id="3" name="Cerrar llave 2"/>
+          <p:cNvSpPr/>
+          <p:nvPr/>
+        </p:nvSpPr>
+        <p:spPr bwMode="auto">
+          <a:xfrm>
+            <a:off x="5724128" y="3933056"/>
+            <a:ext cx="216024" cy="829256"/>
+          </a:xfrm>
+          <a:prstGeom prst="rightBrace">
+            <a:avLst/>
+          </a:prstGeom>
+          <a:ln>
+            <a:headEnd type="none" w="med" len="med"/>
+            <a:tailEnd type="none" w="med" len="med"/>
+          </a:ln>
+        </p:spPr>
+        <p:style>
+          <a:lnRef idx="2">
+            <a:schemeClr val="accent4"/>
+          </a:lnRef>
+          <a:fillRef idx="0">
+            <a:schemeClr val="accent4"/>
+          </a:fillRef>
+          <a:effectRef idx="1">
+            <a:schemeClr val="accent4"/>
+          </a:effectRef>
+          <a:fontRef idx="minor">
+            <a:schemeClr val="tx1"/>
+          </a:fontRef>
+        </p:style>
+        <p:txBody>
+          <a:bodyPr vert="horz" wrap="square" lIns="91440" tIns="45720" rIns="91440" bIns="45720" numCol="1" rtlCol="0" anchor="t" anchorCtr="0" compatLnSpc="1">
+            <a:prstTxWarp prst="textNoShape">
+              <a:avLst/>
+            </a:prstTxWarp>
+          </a:bodyPr>
+          <a:lstStyle/>
+          <a:p>
+            <a:pPr marL="0" marR="0" indent="0" algn="l" defTabSz="914400" rtl="0" eaLnBrk="0" fontAlgn="base" latinLnBrk="0" hangingPunct="0">
+              <a:lnSpc>
+                <a:spcPct val="100000"/>
+              </a:lnSpc>
+              <a:spcBef>
+                <a:spcPct val="0"/>
+              </a:spcBef>
+              <a:spcAft>
+                <a:spcPct val="0"/>
+              </a:spcAft>
+              <a:buClrTx/>
+              <a:buSzTx/>
+              <a:buFontTx/>
+              <a:buNone/>
+              <a:tabLst/>
+            </a:pPr>
+            <a:endParaRPr kumimoji="0" lang="en-US" sz="2400" b="0" i="0" u="none" strike="noStrike" cap="none" normalizeH="0" baseline="0" smtClean="0">
+              <a:ln>
+                <a:noFill/>
+              </a:ln>
+              <a:solidFill>
+                <a:schemeClr val="tx1"/>
+              </a:solidFill>
+              <a:effectLst/>
+              <a:latin typeface="Tahoma" charset="0"/>
+            </a:endParaRPr>
+          </a:p>
+        </p:txBody>
+      </p:sp>
+      <p:sp>
+        <p:nvSpPr>
+          <p:cNvPr id="8" name="CuadroTexto 7"/>
+          <p:cNvSpPr txBox="1"/>
+          <p:nvPr/>
+        </p:nvSpPr>
+        <p:spPr>
+          <a:xfrm>
+            <a:off x="6156176" y="4149080"/>
+            <a:ext cx="1918089" cy="461665"/>
+          </a:xfrm>
+          <a:prstGeom prst="rect">
+            <a:avLst/>
+          </a:prstGeom>
+          <a:noFill/>
+        </p:spPr>
+        <p:txBody>
+          <a:bodyPr wrap="none" rtlCol="0">
+            <a:spAutoFit/>
+          </a:bodyPr>
+          <a:lstStyle/>
+          <a:p>
+            <a:r>
+              <a:rPr lang="en-US" dirty="0" smtClean="0"/>
+              <a:t>20 classifiers</a:t>
+            </a:r>
+            <a:endParaRPr lang="en-US" dirty="0"/>
+          </a:p>
+        </p:txBody>
+      </p:sp>
     </p:spTree>
     <p:extLst>
       <p:ext uri="{BB962C8B-B14F-4D97-AF65-F5344CB8AC3E}">
@@ -14160,7 +15132,7 @@
                             </p:stCondLst>
                             <p:childTnLst>
                               <p:par>
-                                <p:cTn id="5" presetID="1" presetClass="entr" presetSubtype="0" fill="hold" grpId="0" nodeType="clickEffect">
+                                <p:cTn id="5" presetID="22" presetClass="entr" presetSubtype="4" fill="hold" grpId="0" nodeType="clickEffect">
                                   <p:stCondLst>
                                     <p:cond delay="0"/>
                                   </p:stCondLst>
@@ -14174,6 +15146,68 @@
                                         </p:cTn>
                                         <p:tgtEl>
                                           <p:spTgt spid="7"/>
+                                        </p:tgtEl>
+                                        <p:attrNameLst>
+                                          <p:attrName>style.visibility</p:attrName>
+                                        </p:attrNameLst>
+                                      </p:cBhvr>
+                                      <p:to>
+                                        <p:strVal val="visible"/>
+                                      </p:to>
+                                    </p:set>
+                                    <p:animEffect transition="in" filter="wipe(down)">
+                                      <p:cBhvr>
+                                        <p:cTn id="7" dur="500"/>
+                                        <p:tgtEl>
+                                          <p:spTgt spid="7"/>
+                                        </p:tgtEl>
+                                      </p:cBhvr>
+                                    </p:animEffect>
+                                  </p:childTnLst>
+                                </p:cTn>
+                              </p:par>
+                              <p:par>
+                                <p:cTn id="8" presetID="1" presetClass="entr" presetSubtype="0" fill="hold" grpId="0" nodeType="withEffect">
+                                  <p:stCondLst>
+                                    <p:cond delay="0"/>
+                                  </p:stCondLst>
+                                  <p:childTnLst>
+                                    <p:set>
+                                      <p:cBhvr>
+                                        <p:cTn id="9" dur="1" fill="hold">
+                                          <p:stCondLst>
+                                            <p:cond delay="0"/>
+                                          </p:stCondLst>
+                                        </p:cTn>
+                                        <p:tgtEl>
+                                          <p:spTgt spid="3"/>
+                                        </p:tgtEl>
+                                        <p:attrNameLst>
+                                          <p:attrName>style.visibility</p:attrName>
+                                        </p:attrNameLst>
+                                      </p:cBhvr>
+                                      <p:to>
+                                        <p:strVal val="visible"/>
+                                      </p:to>
+                                    </p:set>
+                                  </p:childTnLst>
+                                </p:cTn>
+                              </p:par>
+                              <p:par>
+                                <p:cTn id="10" presetID="1" presetClass="entr" presetSubtype="0" fill="hold" grpId="0" nodeType="withEffect">
+                                  <p:stCondLst>
+                                    <p:cond delay="0"/>
+                                  </p:stCondLst>
+                                  <p:childTnLst>
+                                    <p:set>
+                                      <p:cBhvr>
+                                        <p:cTn id="11" dur="1" fill="hold">
+                                          <p:stCondLst>
+                                            <p:cond delay="0"/>
+                                          </p:stCondLst>
+                                        </p:cTn>
+                                        <p:tgtEl>
+                                          <p:spTgt spid="8"/>
                                         </p:tgtEl>
                                         <p:attrNameLst>
                                           <p:attrName>style.visibility</p:attrName>
@@ -14215,6 +15249,8 @@
     </p:tnLst>
     <p:bldLst>
       <p:bldP spid="7" grpId="0" animBg="1"/>
+      <p:bldP spid="3" grpId="0" animBg="1"/>
+      <p:bldP spid="8" grpId="0"/>
     </p:bldLst>
   </p:timing>
 </p:sld>
@@ -14369,7 +15405,7 @@
         </p:blipFill>
         <p:spPr>
           <a:xfrm>
-            <a:off x="0" y="1052736"/>
+            <a:off x="0" y="1764993"/>
             <a:ext cx="4512501" cy="3384376"/>
           </a:xfrm>
           <a:prstGeom prst="rect">
@@ -14399,7 +15435,7 @@
         </p:blipFill>
         <p:spPr>
           <a:xfrm>
-            <a:off x="4355976" y="1052736"/>
+            <a:off x="4355976" y="1752799"/>
             <a:ext cx="4545019" cy="3408764"/>
           </a:xfrm>
           <a:prstGeom prst="rect">
@@ -14407,6 +15443,35 @@
           </a:prstGeom>
         </p:spPr>
       </p:pic>
+      <p:cxnSp>
+        <p:nvCxnSpPr>
+          <p:cNvPr id="9" name="Conector recto de flecha 8"/>
+          <p:cNvCxnSpPr/>
+          <p:nvPr/>
+        </p:nvCxnSpPr>
+        <p:spPr bwMode="auto">
+          <a:xfrm>
+            <a:off x="7020272" y="2924944"/>
+            <a:ext cx="0" cy="216024"/>
+          </a:xfrm>
+          <a:prstGeom prst="straightConnector1">
+            <a:avLst/>
+          </a:prstGeom>
+          <a:solidFill>
+            <a:schemeClr val="accent1"/>
+          </a:solidFill>
+          <a:ln w="9525" cap="flat" cmpd="sng" algn="ctr">
+            <a:solidFill>
+              <a:schemeClr val="tx1"/>
+            </a:solidFill>
+            <a:prstDash val="solid"/>
+            <a:round/>
+            <a:headEnd type="none" w="med" len="med"/>
+            <a:tailEnd type="triangle"/>
+          </a:ln>
+          <a:effectLst/>
+        </p:spPr>
+      </p:cxnSp>
     </p:spTree>
     <p:extLst>
       <p:ext uri="{BB962C8B-B14F-4D97-AF65-F5344CB8AC3E}">
@@ -14454,7 +15519,12 @@
             <p:ph type="title"/>
           </p:nvPr>
         </p:nvSpPr>
-        <p:spPr/>
+        <p:spPr>
+          <a:xfrm>
+            <a:off x="762000" y="358775"/>
+            <a:ext cx="8130480" cy="1143000"/>
+          </a:xfrm>
+        </p:spPr>
         <p:txBody>
           <a:bodyPr/>
           <a:lstStyle/>

--- a/ppt/Object Detection in Medical Images_maria.pptx
+++ b/ppt/Object Detection in Medical Images_maria.pptx
@@ -7382,6 +7382,36 @@
           </a:p>
         </p:txBody>
       </p:sp>
+      <p:pic>
+        <p:nvPicPr>
+          <p:cNvPr id="2" name="Imagen 1"/>
+          <p:cNvPicPr>
+            <a:picLocks noChangeAspect="1"/>
+          </p:cNvPicPr>
+          <p:nvPr/>
+        </p:nvPicPr>
+        <p:blipFill>
+          <a:blip r:embed="rId2">
+            <a:extLst>
+              <a:ext uri="{28A0092B-C50C-407E-A947-70E740481C1C}">
+                <a14:useLocalDpi xmlns:a14="http://schemas.microsoft.com/office/drawing/2010/main" val="0"/>
+              </a:ext>
+            </a:extLst>
+          </a:blip>
+          <a:stretch>
+            <a:fillRect/>
+          </a:stretch>
+        </p:blipFill>
+        <p:spPr>
+          <a:xfrm>
+            <a:off x="3491880" y="5912044"/>
+            <a:ext cx="2857500" cy="895350"/>
+          </a:xfrm>
+          <a:prstGeom prst="rect">
+            <a:avLst/>
+          </a:prstGeom>
+        </p:spPr>
+      </p:pic>
     </p:spTree>
   </p:cSld>
   <p:clrMapOvr>
@@ -7529,6 +7559,36 @@
           <a:xfrm>
             <a:off x="1700213" y="1196752"/>
             <a:ext cx="5510741" cy="4133056"/>
+          </a:xfrm>
+          <a:prstGeom prst="rect">
+            <a:avLst/>
+          </a:prstGeom>
+        </p:spPr>
+      </p:pic>
+      <p:pic>
+        <p:nvPicPr>
+          <p:cNvPr id="7" name="Imagen 6"/>
+          <p:cNvPicPr>
+            <a:picLocks noChangeAspect="1"/>
+          </p:cNvPicPr>
+          <p:nvPr/>
+        </p:nvPicPr>
+        <p:blipFill>
+          <a:blip r:embed="rId3">
+            <a:extLst>
+              <a:ext uri="{28A0092B-C50C-407E-A947-70E740481C1C}">
+                <a14:useLocalDpi xmlns:a14="http://schemas.microsoft.com/office/drawing/2010/main" val="0"/>
+              </a:ext>
+            </a:extLst>
+          </a:blip>
+          <a:stretch>
+            <a:fillRect/>
+          </a:stretch>
+        </p:blipFill>
+        <p:spPr>
+          <a:xfrm>
+            <a:off x="4211960" y="6137668"/>
+            <a:ext cx="2137420" cy="669725"/>
           </a:xfrm>
           <a:prstGeom prst="rect">
             <a:avLst/>
@@ -7939,6 +7999,36 @@
           </a:p>
         </p:txBody>
       </p:sp>
+      <p:pic>
+        <p:nvPicPr>
+          <p:cNvPr id="6" name="Imagen 5"/>
+          <p:cNvPicPr>
+            <a:picLocks noChangeAspect="1"/>
+          </p:cNvPicPr>
+          <p:nvPr/>
+        </p:nvPicPr>
+        <p:blipFill>
+          <a:blip r:embed="rId2">
+            <a:extLst>
+              <a:ext uri="{28A0092B-C50C-407E-A947-70E740481C1C}">
+                <a14:useLocalDpi xmlns:a14="http://schemas.microsoft.com/office/drawing/2010/main" val="0"/>
+              </a:ext>
+            </a:extLst>
+          </a:blip>
+          <a:stretch>
+            <a:fillRect/>
+          </a:stretch>
+        </p:blipFill>
+        <p:spPr>
+          <a:xfrm>
+            <a:off x="4211960" y="6137668"/>
+            <a:ext cx="2137420" cy="669725"/>
+          </a:xfrm>
+          <a:prstGeom prst="rect">
+            <a:avLst/>
+          </a:prstGeom>
+        </p:spPr>
+      </p:pic>
     </p:spTree>
     <p:extLst>
       <p:ext uri="{BB962C8B-B14F-4D97-AF65-F5344CB8AC3E}">
@@ -8071,6 +8161,36 @@
             <a:avLst/>
           </a:prstGeom>
           <a:noFill/>
+        </p:spPr>
+      </p:pic>
+      <p:pic>
+        <p:nvPicPr>
+          <p:cNvPr id="6" name="Imagen 5"/>
+          <p:cNvPicPr>
+            <a:picLocks noChangeAspect="1"/>
+          </p:cNvPicPr>
+          <p:nvPr/>
+        </p:nvPicPr>
+        <p:blipFill>
+          <a:blip r:embed="rId3">
+            <a:extLst>
+              <a:ext uri="{28A0092B-C50C-407E-A947-70E740481C1C}">
+                <a14:useLocalDpi xmlns:a14="http://schemas.microsoft.com/office/drawing/2010/main" val="0"/>
+              </a:ext>
+            </a:extLst>
+          </a:blip>
+          <a:stretch>
+            <a:fillRect/>
+          </a:stretch>
+        </p:blipFill>
+        <p:spPr>
+          <a:xfrm>
+            <a:off x="4211960" y="6137668"/>
+            <a:ext cx="2137420" cy="669725"/>
+          </a:xfrm>
+          <a:prstGeom prst="rect">
+            <a:avLst/>
+          </a:prstGeom>
         </p:spPr>
       </p:pic>
     </p:spTree>
@@ -8529,6 +8649,36 @@
           </a:p>
         </p:txBody>
       </p:sp>
+      <p:pic>
+        <p:nvPicPr>
+          <p:cNvPr id="6" name="Imagen 5"/>
+          <p:cNvPicPr>
+            <a:picLocks noChangeAspect="1"/>
+          </p:cNvPicPr>
+          <p:nvPr/>
+        </p:nvPicPr>
+        <p:blipFill>
+          <a:blip r:embed="rId2">
+            <a:extLst>
+              <a:ext uri="{28A0092B-C50C-407E-A947-70E740481C1C}">
+                <a14:useLocalDpi xmlns:a14="http://schemas.microsoft.com/office/drawing/2010/main" val="0"/>
+              </a:ext>
+            </a:extLst>
+          </a:blip>
+          <a:stretch>
+            <a:fillRect/>
+          </a:stretch>
+        </p:blipFill>
+        <p:spPr>
+          <a:xfrm>
+            <a:off x="4211960" y="6137668"/>
+            <a:ext cx="2137420" cy="669725"/>
+          </a:xfrm>
+          <a:prstGeom prst="rect">
+            <a:avLst/>
+          </a:prstGeom>
+        </p:spPr>
+      </p:pic>
     </p:spTree>
     <p:extLst>
       <p:ext uri="{BB962C8B-B14F-4D97-AF65-F5344CB8AC3E}">
@@ -8688,6 +8838,36 @@
             <a:avLst/>
           </a:prstGeom>
           <a:noFill/>
+        </p:spPr>
+      </p:pic>
+      <p:pic>
+        <p:nvPicPr>
+          <p:cNvPr id="7" name="Imagen 6"/>
+          <p:cNvPicPr>
+            <a:picLocks noChangeAspect="1"/>
+          </p:cNvPicPr>
+          <p:nvPr/>
+        </p:nvPicPr>
+        <p:blipFill>
+          <a:blip r:embed="rId3">
+            <a:extLst>
+              <a:ext uri="{28A0092B-C50C-407E-A947-70E740481C1C}">
+                <a14:useLocalDpi xmlns:a14="http://schemas.microsoft.com/office/drawing/2010/main" val="0"/>
+              </a:ext>
+            </a:extLst>
+          </a:blip>
+          <a:stretch>
+            <a:fillRect/>
+          </a:stretch>
+        </p:blipFill>
+        <p:spPr>
+          <a:xfrm>
+            <a:off x="4211960" y="6137668"/>
+            <a:ext cx="2137420" cy="669725"/>
+          </a:xfrm>
+          <a:prstGeom prst="rect">
+            <a:avLst/>
+          </a:prstGeom>
         </p:spPr>
       </p:pic>
     </p:spTree>
@@ -8847,6 +9027,36 @@
           <a:noFill/>
         </p:spPr>
       </p:pic>
+      <p:pic>
+        <p:nvPicPr>
+          <p:cNvPr id="7" name="Imagen 6"/>
+          <p:cNvPicPr>
+            <a:picLocks noChangeAspect="1"/>
+          </p:cNvPicPr>
+          <p:nvPr/>
+        </p:nvPicPr>
+        <p:blipFill>
+          <a:blip r:embed="rId3">
+            <a:extLst>
+              <a:ext uri="{28A0092B-C50C-407E-A947-70E740481C1C}">
+                <a14:useLocalDpi xmlns:a14="http://schemas.microsoft.com/office/drawing/2010/main" val="0"/>
+              </a:ext>
+            </a:extLst>
+          </a:blip>
+          <a:stretch>
+            <a:fillRect/>
+          </a:stretch>
+        </p:blipFill>
+        <p:spPr>
+          <a:xfrm>
+            <a:off x="4211960" y="6137668"/>
+            <a:ext cx="2137420" cy="669725"/>
+          </a:xfrm>
+          <a:prstGeom prst="rect">
+            <a:avLst/>
+          </a:prstGeom>
+        </p:spPr>
+      </p:pic>
     </p:spTree>
     <p:extLst>
       <p:ext uri="{BB962C8B-B14F-4D97-AF65-F5344CB8AC3E}">
@@ -9002,6 +9212,36 @@
             <a:avLst/>
           </a:prstGeom>
           <a:noFill/>
+        </p:spPr>
+      </p:pic>
+      <p:pic>
+        <p:nvPicPr>
+          <p:cNvPr id="7" name="Imagen 6"/>
+          <p:cNvPicPr>
+            <a:picLocks noChangeAspect="1"/>
+          </p:cNvPicPr>
+          <p:nvPr/>
+        </p:nvPicPr>
+        <p:blipFill>
+          <a:blip r:embed="rId3">
+            <a:extLst>
+              <a:ext uri="{28A0092B-C50C-407E-A947-70E740481C1C}">
+                <a14:useLocalDpi xmlns:a14="http://schemas.microsoft.com/office/drawing/2010/main" val="0"/>
+              </a:ext>
+            </a:extLst>
+          </a:blip>
+          <a:stretch>
+            <a:fillRect/>
+          </a:stretch>
+        </p:blipFill>
+        <p:spPr>
+          <a:xfrm>
+            <a:off x="4211960" y="6137668"/>
+            <a:ext cx="2137420" cy="669725"/>
+          </a:xfrm>
+          <a:prstGeom prst="rect">
+            <a:avLst/>
+          </a:prstGeom>
         </p:spPr>
       </p:pic>
     </p:spTree>
@@ -9848,11 +10088,7 @@
             </a:r>
             <a:r>
               <a:rPr lang="es-ES" sz="2000" dirty="0" smtClean="0"/>
-              <a:t> </a:t>
-            </a:r>
-            <a:r>
-              <a:rPr lang="es-ES" sz="2000" dirty="0" smtClean="0"/>
-              <a:t>performance</a:t>
+              <a:t> performance</a:t>
             </a:r>
             <a:endParaRPr lang="en-US" b="1" dirty="0"/>
           </a:p>
@@ -9945,19 +10181,7 @@
                   </a:outerShdw>
                 </a:effectLst>
               </a:rPr>
-              <a:t>KNN </a:t>
-            </a:r>
-            <a:r>
-              <a:rPr lang="es-ES" sz="1600" b="1" dirty="0" smtClean="0">
-                <a:effectLst>
-                  <a:outerShdw blurRad="38100" dist="38100" dir="2700000" algn="tl">
-                    <a:srgbClr val="000000">
-                      <a:alpha val="43137"/>
-                    </a:srgbClr>
-                  </a:outerShdw>
-                </a:effectLst>
-              </a:rPr>
-              <a:t>(k=30): </a:t>
+              <a:t>KNN (k=30): </a:t>
             </a:r>
             <a:r>
               <a:rPr lang="es-ES" sz="1600" dirty="0" smtClean="0"/>
@@ -10117,6 +10341,36 @@
           </a:p>
         </p:txBody>
       </p:sp>
+      <p:pic>
+        <p:nvPicPr>
+          <p:cNvPr id="15" name="Imagen 14"/>
+          <p:cNvPicPr>
+            <a:picLocks noChangeAspect="1"/>
+          </p:cNvPicPr>
+          <p:nvPr/>
+        </p:nvPicPr>
+        <p:blipFill>
+          <a:blip r:embed="rId3">
+            <a:extLst>
+              <a:ext uri="{28A0092B-C50C-407E-A947-70E740481C1C}">
+                <a14:useLocalDpi xmlns:a14="http://schemas.microsoft.com/office/drawing/2010/main" val="0"/>
+              </a:ext>
+            </a:extLst>
+          </a:blip>
+          <a:stretch>
+            <a:fillRect/>
+          </a:stretch>
+        </p:blipFill>
+        <p:spPr>
+          <a:xfrm>
+            <a:off x="4211960" y="6137668"/>
+            <a:ext cx="2137420" cy="669725"/>
+          </a:xfrm>
+          <a:prstGeom prst="rect">
+            <a:avLst/>
+          </a:prstGeom>
+        </p:spPr>
+      </p:pic>
     </p:spTree>
     <p:extLst>
       <p:ext uri="{BB962C8B-B14F-4D97-AF65-F5344CB8AC3E}">
@@ -10387,31 +10641,7 @@
                   </a:outerShdw>
                 </a:effectLst>
               </a:rPr>
-              <a:t>KNN </a:t>
-            </a:r>
-            <a:r>
-              <a:rPr lang="es-ES" sz="2000" b="1" dirty="0" smtClean="0">
-                <a:effectLst>
-                  <a:outerShdw blurRad="38100" dist="38100" dir="2700000" algn="tl">
-                    <a:srgbClr val="000000">
-                      <a:alpha val="43137"/>
-                    </a:srgbClr>
-                  </a:outerShdw>
-                </a:effectLst>
-              </a:rPr>
-              <a:t>(k=30</a:t>
-            </a:r>
-            <a:r>
-              <a:rPr lang="es-ES" sz="2000" b="1" dirty="0" smtClean="0">
-                <a:effectLst>
-                  <a:outerShdw blurRad="38100" dist="38100" dir="2700000" algn="tl">
-                    <a:srgbClr val="000000">
-                      <a:alpha val="43137"/>
-                    </a:srgbClr>
-                  </a:outerShdw>
-                </a:effectLst>
-              </a:rPr>
-              <a:t>)</a:t>
+              <a:t>KNN (k=30)</a:t>
             </a:r>
             <a:endParaRPr lang="en-US" sz="3200" dirty="0"/>
           </a:p>
@@ -10521,6 +10751,36 @@
           </a:p>
         </p:txBody>
       </p:sp>
+      <p:pic>
+        <p:nvPicPr>
+          <p:cNvPr id="9" name="Imagen 8"/>
+          <p:cNvPicPr>
+            <a:picLocks noChangeAspect="1"/>
+          </p:cNvPicPr>
+          <p:nvPr/>
+        </p:nvPicPr>
+        <p:blipFill>
+          <a:blip r:embed="rId2">
+            <a:extLst>
+              <a:ext uri="{28A0092B-C50C-407E-A947-70E740481C1C}">
+                <a14:useLocalDpi xmlns:a14="http://schemas.microsoft.com/office/drawing/2010/main" val="0"/>
+              </a:ext>
+            </a:extLst>
+          </a:blip>
+          <a:stretch>
+            <a:fillRect/>
+          </a:stretch>
+        </p:blipFill>
+        <p:spPr>
+          <a:xfrm>
+            <a:off x="4211960" y="6137668"/>
+            <a:ext cx="2137420" cy="669725"/>
+          </a:xfrm>
+          <a:prstGeom prst="rect">
+            <a:avLst/>
+          </a:prstGeom>
+        </p:spPr>
+      </p:pic>
     </p:spTree>
     <p:extLst>
       <p:ext uri="{BB962C8B-B14F-4D97-AF65-F5344CB8AC3E}">
@@ -10630,6 +10890,36 @@
           </a:p>
         </p:txBody>
       </p:sp>
+      <p:pic>
+        <p:nvPicPr>
+          <p:cNvPr id="6" name="Imagen 5"/>
+          <p:cNvPicPr>
+            <a:picLocks noChangeAspect="1"/>
+          </p:cNvPicPr>
+          <p:nvPr/>
+        </p:nvPicPr>
+        <p:blipFill>
+          <a:blip r:embed="rId2">
+            <a:extLst>
+              <a:ext uri="{28A0092B-C50C-407E-A947-70E740481C1C}">
+                <a14:useLocalDpi xmlns:a14="http://schemas.microsoft.com/office/drawing/2010/main" val="0"/>
+              </a:ext>
+            </a:extLst>
+          </a:blip>
+          <a:stretch>
+            <a:fillRect/>
+          </a:stretch>
+        </p:blipFill>
+        <p:spPr>
+          <a:xfrm>
+            <a:off x="2446454" y="1772816"/>
+            <a:ext cx="4136629" cy="1296144"/>
+          </a:xfrm>
+          <a:prstGeom prst="rect">
+            <a:avLst/>
+          </a:prstGeom>
+        </p:spPr>
+      </p:pic>
     </p:spTree>
     <p:extLst>
       <p:ext uri="{BB962C8B-B14F-4D97-AF65-F5344CB8AC3E}">
@@ -10773,11 +11063,7 @@
           <a:p>
             <a:r>
               <a:rPr lang="nl-NL" dirty="0" smtClean="0"/>
-              <a:t>Our </a:t>
-            </a:r>
-            <a:r>
-              <a:rPr lang="nl-NL" dirty="0" smtClean="0"/>
-              <a:t>work</a:t>
+              <a:t>Our work</a:t>
             </a:r>
             <a:endParaRPr lang="nl-NL" b="1" dirty="0">
               <a:effectLst>
@@ -10854,6 +11140,36 @@
           </a:p>
         </p:txBody>
       </p:sp>
+      <p:pic>
+        <p:nvPicPr>
+          <p:cNvPr id="8" name="Imagen 7"/>
+          <p:cNvPicPr>
+            <a:picLocks noChangeAspect="1"/>
+          </p:cNvPicPr>
+          <p:nvPr/>
+        </p:nvPicPr>
+        <p:blipFill>
+          <a:blip r:embed="rId2">
+            <a:extLst>
+              <a:ext uri="{28A0092B-C50C-407E-A947-70E740481C1C}">
+                <a14:useLocalDpi xmlns:a14="http://schemas.microsoft.com/office/drawing/2010/main" val="0"/>
+              </a:ext>
+            </a:extLst>
+          </a:blip>
+          <a:stretch>
+            <a:fillRect/>
+          </a:stretch>
+        </p:blipFill>
+        <p:spPr>
+          <a:xfrm>
+            <a:off x="4211960" y="6137668"/>
+            <a:ext cx="2137420" cy="669725"/>
+          </a:xfrm>
+          <a:prstGeom prst="rect">
+            <a:avLst/>
+          </a:prstGeom>
+        </p:spPr>
+      </p:pic>
     </p:spTree>
   </p:cSld>
   <p:clrMapOvr>
@@ -11291,6 +11607,36 @@
           <a:xfrm>
             <a:off x="899592" y="1329524"/>
             <a:ext cx="7315215" cy="3657607"/>
+          </a:xfrm>
+          <a:prstGeom prst="rect">
+            <a:avLst/>
+          </a:prstGeom>
+        </p:spPr>
+      </p:pic>
+      <p:pic>
+        <p:nvPicPr>
+          <p:cNvPr id="13" name="Imagen 12"/>
+          <p:cNvPicPr>
+            <a:picLocks noChangeAspect="1"/>
+          </p:cNvPicPr>
+          <p:nvPr/>
+        </p:nvPicPr>
+        <p:blipFill>
+          <a:blip r:embed="rId5">
+            <a:extLst>
+              <a:ext uri="{28A0092B-C50C-407E-A947-70E740481C1C}">
+                <a14:useLocalDpi xmlns:a14="http://schemas.microsoft.com/office/drawing/2010/main" val="0"/>
+              </a:ext>
+            </a:extLst>
+          </a:blip>
+          <a:stretch>
+            <a:fillRect/>
+          </a:stretch>
+        </p:blipFill>
+        <p:spPr>
+          <a:xfrm>
+            <a:off x="4211960" y="6137668"/>
+            <a:ext cx="2137420" cy="669725"/>
           </a:xfrm>
           <a:prstGeom prst="rect">
             <a:avLst/>
@@ -12115,6 +12461,36 @@
           </a:p>
         </p:txBody>
       </p:sp>
+      <p:pic>
+        <p:nvPicPr>
+          <p:cNvPr id="16" name="Imagen 15"/>
+          <p:cNvPicPr>
+            <a:picLocks noChangeAspect="1"/>
+          </p:cNvPicPr>
+          <p:nvPr/>
+        </p:nvPicPr>
+        <p:blipFill>
+          <a:blip r:embed="rId8">
+            <a:extLst>
+              <a:ext uri="{28A0092B-C50C-407E-A947-70E740481C1C}">
+                <a14:useLocalDpi xmlns:a14="http://schemas.microsoft.com/office/drawing/2010/main" val="0"/>
+              </a:ext>
+            </a:extLst>
+          </a:blip>
+          <a:stretch>
+            <a:fillRect/>
+          </a:stretch>
+        </p:blipFill>
+        <p:spPr>
+          <a:xfrm>
+            <a:off x="4211960" y="6137668"/>
+            <a:ext cx="2137420" cy="669725"/>
+          </a:xfrm>
+          <a:prstGeom prst="rect">
+            <a:avLst/>
+          </a:prstGeom>
+        </p:spPr>
+      </p:pic>
     </p:spTree>
     <p:extLst>
       <p:ext uri="{BB962C8B-B14F-4D97-AF65-F5344CB8AC3E}">
@@ -13612,6 +13988,36 @@
           </a:p>
         </p:txBody>
       </p:sp>
+      <p:pic>
+        <p:nvPicPr>
+          <p:cNvPr id="16" name="Imagen 15"/>
+          <p:cNvPicPr>
+            <a:picLocks noChangeAspect="1"/>
+          </p:cNvPicPr>
+          <p:nvPr/>
+        </p:nvPicPr>
+        <p:blipFill>
+          <a:blip r:embed="rId3">
+            <a:extLst>
+              <a:ext uri="{28A0092B-C50C-407E-A947-70E740481C1C}">
+                <a14:useLocalDpi xmlns:a14="http://schemas.microsoft.com/office/drawing/2010/main" val="0"/>
+              </a:ext>
+            </a:extLst>
+          </a:blip>
+          <a:stretch>
+            <a:fillRect/>
+          </a:stretch>
+        </p:blipFill>
+        <p:spPr>
+          <a:xfrm>
+            <a:off x="4211960" y="6137668"/>
+            <a:ext cx="2137420" cy="669725"/>
+          </a:xfrm>
+          <a:prstGeom prst="rect">
+            <a:avLst/>
+          </a:prstGeom>
+        </p:spPr>
+      </p:pic>
     </p:spTree>
     <p:extLst>
       <p:ext uri="{BB962C8B-B14F-4D97-AF65-F5344CB8AC3E}">
@@ -14494,6 +14900,36 @@
           </a:p>
         </p:txBody>
       </p:sp>
+      <p:pic>
+        <p:nvPicPr>
+          <p:cNvPr id="18" name="Imagen 17"/>
+          <p:cNvPicPr>
+            <a:picLocks noChangeAspect="1"/>
+          </p:cNvPicPr>
+          <p:nvPr/>
+        </p:nvPicPr>
+        <p:blipFill>
+          <a:blip r:embed="rId5">
+            <a:extLst>
+              <a:ext uri="{28A0092B-C50C-407E-A947-70E740481C1C}">
+                <a14:useLocalDpi xmlns:a14="http://schemas.microsoft.com/office/drawing/2010/main" val="0"/>
+              </a:ext>
+            </a:extLst>
+          </a:blip>
+          <a:stretch>
+            <a:fillRect/>
+          </a:stretch>
+        </p:blipFill>
+        <p:spPr>
+          <a:xfrm>
+            <a:off x="4211960" y="6137668"/>
+            <a:ext cx="2137420" cy="669725"/>
+          </a:xfrm>
+          <a:prstGeom prst="rect">
+            <a:avLst/>
+          </a:prstGeom>
+        </p:spPr>
+      </p:pic>
     </p:spTree>
     <p:extLst>
       <p:ext uri="{BB962C8B-B14F-4D97-AF65-F5344CB8AC3E}">
@@ -15101,6 +15537,36 @@
           </a:p>
         </p:txBody>
       </p:sp>
+      <p:pic>
+        <p:nvPicPr>
+          <p:cNvPr id="9" name="Imagen 8"/>
+          <p:cNvPicPr>
+            <a:picLocks noChangeAspect="1"/>
+          </p:cNvPicPr>
+          <p:nvPr/>
+        </p:nvPicPr>
+        <p:blipFill>
+          <a:blip r:embed="rId2">
+            <a:extLst>
+              <a:ext uri="{28A0092B-C50C-407E-A947-70E740481C1C}">
+                <a14:useLocalDpi xmlns:a14="http://schemas.microsoft.com/office/drawing/2010/main" val="0"/>
+              </a:ext>
+            </a:extLst>
+          </a:blip>
+          <a:stretch>
+            <a:fillRect/>
+          </a:stretch>
+        </p:blipFill>
+        <p:spPr>
+          <a:xfrm>
+            <a:off x="4211960" y="6137668"/>
+            <a:ext cx="2137420" cy="669725"/>
+          </a:xfrm>
+          <a:prstGeom prst="rect">
+            <a:avLst/>
+          </a:prstGeom>
+        </p:spPr>
+      </p:pic>
     </p:spTree>
     <p:extLst>
       <p:ext uri="{BB962C8B-B14F-4D97-AF65-F5344CB8AC3E}">
@@ -15472,6 +15938,36 @@
           <a:effectLst/>
         </p:spPr>
       </p:cxnSp>
+      <p:pic>
+        <p:nvPicPr>
+          <p:cNvPr id="8" name="Imagen 7"/>
+          <p:cNvPicPr>
+            <a:picLocks noChangeAspect="1"/>
+          </p:cNvPicPr>
+          <p:nvPr/>
+        </p:nvPicPr>
+        <p:blipFill>
+          <a:blip r:embed="rId4">
+            <a:extLst>
+              <a:ext uri="{28A0092B-C50C-407E-A947-70E740481C1C}">
+                <a14:useLocalDpi xmlns:a14="http://schemas.microsoft.com/office/drawing/2010/main" val="0"/>
+              </a:ext>
+            </a:extLst>
+          </a:blip>
+          <a:stretch>
+            <a:fillRect/>
+          </a:stretch>
+        </p:blipFill>
+        <p:spPr>
+          <a:xfrm>
+            <a:off x="4211960" y="6137668"/>
+            <a:ext cx="2137420" cy="669725"/>
+          </a:xfrm>
+          <a:prstGeom prst="rect">
+            <a:avLst/>
+          </a:prstGeom>
+        </p:spPr>
+      </p:pic>
     </p:spTree>
     <p:extLst>
       <p:ext uri="{BB962C8B-B14F-4D97-AF65-F5344CB8AC3E}">
@@ -15637,6 +16133,36 @@
           <a:xfrm>
             <a:off x="1524000" y="1143000"/>
             <a:ext cx="6096000" cy="4572000"/>
+          </a:xfrm>
+          <a:prstGeom prst="rect">
+            <a:avLst/>
+          </a:prstGeom>
+        </p:spPr>
+      </p:pic>
+      <p:pic>
+        <p:nvPicPr>
+          <p:cNvPr id="7" name="Imagen 6"/>
+          <p:cNvPicPr>
+            <a:picLocks noChangeAspect="1"/>
+          </p:cNvPicPr>
+          <p:nvPr/>
+        </p:nvPicPr>
+        <p:blipFill>
+          <a:blip r:embed="rId3">
+            <a:extLst>
+              <a:ext uri="{28A0092B-C50C-407E-A947-70E740481C1C}">
+                <a14:useLocalDpi xmlns:a14="http://schemas.microsoft.com/office/drawing/2010/main" val="0"/>
+              </a:ext>
+            </a:extLst>
+          </a:blip>
+          <a:stretch>
+            <a:fillRect/>
+          </a:stretch>
+        </p:blipFill>
+        <p:spPr>
+          <a:xfrm>
+            <a:off x="4211960" y="6137668"/>
+            <a:ext cx="2137420" cy="669725"/>
           </a:xfrm>
           <a:prstGeom prst="rect">
             <a:avLst/>

--- a/ppt/Object Detection in Medical Images_maria.pptx
+++ b/ppt/Object Detection in Medical Images_maria.pptx
@@ -5,10 +5,10 @@
     <p:sldMasterId id="2147483648" r:id="rId1"/>
   </p:sldMasterIdLst>
   <p:notesMasterIdLst>
-    <p:notesMasterId r:id="rId21"/>
+    <p:notesMasterId r:id="rId20"/>
   </p:notesMasterIdLst>
   <p:handoutMasterIdLst>
-    <p:handoutMasterId r:id="rId22"/>
+    <p:handoutMasterId r:id="rId21"/>
   </p:handoutMasterIdLst>
   <p:sldIdLst>
     <p:sldId id="258" r:id="rId2"/>
@@ -24,12 +24,11 @@
     <p:sldId id="270" r:id="rId12"/>
     <p:sldId id="273" r:id="rId13"/>
     <p:sldId id="277" r:id="rId14"/>
-    <p:sldId id="274" r:id="rId15"/>
-    <p:sldId id="275" r:id="rId16"/>
-    <p:sldId id="276" r:id="rId17"/>
-    <p:sldId id="272" r:id="rId18"/>
-    <p:sldId id="278" r:id="rId19"/>
-    <p:sldId id="279" r:id="rId20"/>
+    <p:sldId id="276" r:id="rId15"/>
+    <p:sldId id="280" r:id="rId16"/>
+    <p:sldId id="272" r:id="rId17"/>
+    <p:sldId id="278" r:id="rId18"/>
+    <p:sldId id="279" r:id="rId19"/>
   </p:sldIdLst>
   <p:sldSz cx="9144000" cy="6858000" type="screen4x3"/>
   <p:notesSz cx="6858000" cy="9144000"/>
@@ -4137,7 +4136,92 @@
             <a:fld id="{692DDDBB-8731-4D12-B623-F31E6BBC4CCD}" type="slidenum">
               <a:rPr lang="en-US" smtClean="0"/>
               <a:pPr/>
-              <a:t>17</a:t>
+              <a:t>15</a:t>
+            </a:fld>
+            <a:endParaRPr lang="en-US"/>
+          </a:p>
+        </p:txBody>
+      </p:sp>
+    </p:spTree>
+    <p:extLst>
+      <p:ext uri="{BB962C8B-B14F-4D97-AF65-F5344CB8AC3E}">
+        <p14:creationId xmlns:p14="http://schemas.microsoft.com/office/powerpoint/2010/main" val="3631363982"/>
+      </p:ext>
+    </p:extLst>
+  </p:cSld>
+  <p:clrMapOvr>
+    <a:masterClrMapping/>
+  </p:clrMapOvr>
+</p:notes>
+</file>
+
+<file path=ppt/notesSlides/notesSlide3.xml><?xml version="1.0" encoding="utf-8"?>
+<p:notes xmlns:a="http://schemas.openxmlformats.org/drawingml/2006/main" xmlns:r="http://schemas.openxmlformats.org/officeDocument/2006/relationships" xmlns:p="http://schemas.openxmlformats.org/presentationml/2006/main">
+  <p:cSld>
+    <p:spTree>
+      <p:nvGrpSpPr>
+        <p:cNvPr id="1" name=""/>
+        <p:cNvGrpSpPr/>
+        <p:nvPr/>
+      </p:nvGrpSpPr>
+      <p:grpSpPr>
+        <a:xfrm>
+          <a:off x="0" y="0"/>
+          <a:ext cx="0" cy="0"/>
+          <a:chOff x="0" y="0"/>
+          <a:chExt cx="0" cy="0"/>
+        </a:xfrm>
+      </p:grpSpPr>
+      <p:sp>
+        <p:nvSpPr>
+          <p:cNvPr id="2" name="Marcador de imagen de diapositiva 1"/>
+          <p:cNvSpPr>
+            <a:spLocks noGrp="1" noRot="1" noChangeAspect="1"/>
+          </p:cNvSpPr>
+          <p:nvPr>
+            <p:ph type="sldImg"/>
+          </p:nvPr>
+        </p:nvSpPr>
+        <p:spPr/>
+      </p:sp>
+      <p:sp>
+        <p:nvSpPr>
+          <p:cNvPr id="3" name="Marcador de notas 2"/>
+          <p:cNvSpPr>
+            <a:spLocks noGrp="1"/>
+          </p:cNvSpPr>
+          <p:nvPr>
+            <p:ph type="body" idx="1"/>
+          </p:nvPr>
+        </p:nvSpPr>
+        <p:spPr/>
+        <p:txBody>
+          <a:bodyPr/>
+          <a:lstStyle/>
+          <a:p>
+            <a:endParaRPr lang="en-US" dirty="0"/>
+          </a:p>
+        </p:txBody>
+      </p:sp>
+      <p:sp>
+        <p:nvSpPr>
+          <p:cNvPr id="4" name="Marcador de número de diapositiva 3"/>
+          <p:cNvSpPr>
+            <a:spLocks noGrp="1"/>
+          </p:cNvSpPr>
+          <p:nvPr>
+            <p:ph type="sldNum" sz="quarter" idx="10"/>
+          </p:nvPr>
+        </p:nvSpPr>
+        <p:spPr/>
+        <p:txBody>
+          <a:bodyPr/>
+          <a:lstStyle/>
+          <a:p>
+            <a:fld id="{692DDDBB-8731-4D12-B623-F31E6BBC4CCD}" type="slidenum">
+              <a:rPr lang="en-US" smtClean="0"/>
+              <a:pPr/>
+              <a:t>16</a:t>
             </a:fld>
             <a:endParaRPr lang="en-US"/>
           </a:p>
@@ -7595,6 +7679,64 @@
           </a:prstGeom>
         </p:spPr>
       </p:pic>
+      <p:cxnSp>
+        <p:nvCxnSpPr>
+          <p:cNvPr id="8" name="Conector recto de flecha 7"/>
+          <p:cNvCxnSpPr/>
+          <p:nvPr/>
+        </p:nvCxnSpPr>
+        <p:spPr bwMode="auto">
+          <a:xfrm flipH="1">
+            <a:off x="6477000" y="1988840"/>
+            <a:ext cx="216024" cy="0"/>
+          </a:xfrm>
+          <a:prstGeom prst="straightConnector1">
+            <a:avLst/>
+          </a:prstGeom>
+          <a:solidFill>
+            <a:schemeClr val="accent1"/>
+          </a:solidFill>
+          <a:ln w="9525" cap="flat" cmpd="sng" algn="ctr">
+            <a:solidFill>
+              <a:schemeClr val="tx1"/>
+            </a:solidFill>
+            <a:prstDash val="solid"/>
+            <a:round/>
+            <a:headEnd type="none" w="med" len="med"/>
+            <a:tailEnd type="triangle"/>
+          </a:ln>
+          <a:effectLst/>
+        </p:spPr>
+      </p:cxnSp>
+      <p:cxnSp>
+        <p:nvCxnSpPr>
+          <p:cNvPr id="9" name="Conector recto de flecha 8"/>
+          <p:cNvCxnSpPr/>
+          <p:nvPr/>
+        </p:nvCxnSpPr>
+        <p:spPr bwMode="auto">
+          <a:xfrm flipH="1">
+            <a:off x="6477000" y="2132856"/>
+            <a:ext cx="216024" cy="0"/>
+          </a:xfrm>
+          <a:prstGeom prst="straightConnector1">
+            <a:avLst/>
+          </a:prstGeom>
+          <a:solidFill>
+            <a:schemeClr val="accent1"/>
+          </a:solidFill>
+          <a:ln w="9525" cap="flat" cmpd="sng" algn="ctr">
+            <a:solidFill>
+              <a:schemeClr val="tx1"/>
+            </a:solidFill>
+            <a:prstDash val="solid"/>
+            <a:round/>
+            <a:headEnd type="none" w="med" len="med"/>
+            <a:tailEnd type="triangle"/>
+          </a:ln>
+          <a:effectLst/>
+        </p:spPr>
+      </p:cxnSp>
     </p:spTree>
     <p:extLst>
       <p:ext uri="{BB962C8B-B14F-4D97-AF65-F5344CB8AC3E}">
@@ -7778,6 +7920,9 @@
             <a:endParaRPr lang="es-ES" dirty="0" smtClean="0"/>
           </a:p>
           <a:p>
+            <a:pPr marL="0" indent="0">
+              <a:buNone/>
+            </a:pPr>
             <a:endParaRPr lang="es-ES" dirty="0"/>
           </a:p>
           <a:p>
@@ -7942,6 +8087,48 @@
               <a:t>approach</a:t>
             </a:r>
             <a:endParaRPr lang="es-ES" dirty="0" smtClean="0"/>
+          </a:p>
+          <a:p>
+            <a:endParaRPr lang="es-ES" dirty="0"/>
+          </a:p>
+          <a:p>
+            <a:r>
+              <a:rPr lang="es-ES" dirty="0" err="1" smtClean="0"/>
+              <a:t>Best</a:t>
+            </a:r>
+            <a:r>
+              <a:rPr lang="es-ES" dirty="0" smtClean="0"/>
+              <a:t> </a:t>
+            </a:r>
+            <a:r>
+              <a:rPr lang="es-ES" dirty="0" err="1" smtClean="0"/>
+              <a:t>classifier</a:t>
+            </a:r>
+            <a:r>
+              <a:rPr lang="es-ES" dirty="0" smtClean="0"/>
+              <a:t>: </a:t>
+            </a:r>
+            <a:r>
+              <a:rPr lang="es-ES" b="1" dirty="0" smtClean="0">
+                <a:effectLst>
+                  <a:outerShdw blurRad="38100" dist="38100" dir="2700000" algn="tl">
+                    <a:srgbClr val="000000">
+                      <a:alpha val="43137"/>
+                    </a:srgbClr>
+                  </a:outerShdw>
+                </a:effectLst>
+              </a:rPr>
+              <a:t>KNN (K=30)</a:t>
+            </a:r>
+            <a:endParaRPr lang="es-ES" b="1" dirty="0" smtClean="0">
+              <a:effectLst>
+                <a:outerShdw blurRad="38100" dist="38100" dir="2700000" algn="tl">
+                  <a:srgbClr val="000000">
+                    <a:alpha val="43137"/>
+                  </a:srgbClr>
+                </a:outerShdw>
+              </a:effectLst>
+            </a:endParaRPr>
           </a:p>
           <a:p>
             <a:endParaRPr lang="es-ES" dirty="0" smtClean="0"/>
@@ -8193,6 +8380,64 @@
           </a:prstGeom>
         </p:spPr>
       </p:pic>
+      <p:cxnSp>
+        <p:nvCxnSpPr>
+          <p:cNvPr id="7" name="Conector recto de flecha 6"/>
+          <p:cNvCxnSpPr/>
+          <p:nvPr/>
+        </p:nvCxnSpPr>
+        <p:spPr bwMode="auto">
+          <a:xfrm flipH="1">
+            <a:off x="7000892" y="4365104"/>
+            <a:ext cx="216024" cy="0"/>
+          </a:xfrm>
+          <a:prstGeom prst="straightConnector1">
+            <a:avLst/>
+          </a:prstGeom>
+          <a:solidFill>
+            <a:schemeClr val="accent1"/>
+          </a:solidFill>
+          <a:ln w="9525" cap="flat" cmpd="sng" algn="ctr">
+            <a:solidFill>
+              <a:schemeClr val="tx1"/>
+            </a:solidFill>
+            <a:prstDash val="solid"/>
+            <a:round/>
+            <a:headEnd type="none" w="med" len="med"/>
+            <a:tailEnd type="triangle"/>
+          </a:ln>
+          <a:effectLst/>
+        </p:spPr>
+      </p:cxnSp>
+      <p:cxnSp>
+        <p:nvCxnSpPr>
+          <p:cNvPr id="8" name="Conector recto de flecha 7"/>
+          <p:cNvCxnSpPr/>
+          <p:nvPr/>
+        </p:nvCxnSpPr>
+        <p:spPr bwMode="auto">
+          <a:xfrm flipH="1">
+            <a:off x="6784868" y="2348880"/>
+            <a:ext cx="216024" cy="0"/>
+          </a:xfrm>
+          <a:prstGeom prst="straightConnector1">
+            <a:avLst/>
+          </a:prstGeom>
+          <a:solidFill>
+            <a:schemeClr val="accent1"/>
+          </a:solidFill>
+          <a:ln w="9525" cap="flat" cmpd="sng" algn="ctr">
+            <a:solidFill>
+              <a:schemeClr val="tx1"/>
+            </a:solidFill>
+            <a:prstDash val="solid"/>
+            <a:round/>
+            <a:headEnd type="none" w="med" len="med"/>
+            <a:tailEnd type="triangle"/>
+          </a:ln>
+          <a:effectLst/>
+        </p:spPr>
+      </p:cxnSp>
     </p:spTree>
     <p:extLst>
       <p:ext uri="{BB962C8B-B14F-4D97-AF65-F5344CB8AC3E}">
@@ -8444,6 +8689,14 @@
             </a:r>
             <a:r>
               <a:rPr lang="es-ES" dirty="0" smtClean="0"/>
+              <a:t> and </a:t>
+            </a:r>
+            <a:r>
+              <a:rPr lang="es-ES" dirty="0" err="1" smtClean="0"/>
+              <a:t>classifier</a:t>
+            </a:r>
+            <a:r>
+              <a:rPr lang="es-ES" dirty="0" smtClean="0"/>
               <a:t>: </a:t>
             </a:r>
             <a:r>
@@ -8470,15 +8723,18 @@
               </a:rPr>
               <a:t>pixels</a:t>
             </a:r>
-            <a:endParaRPr lang="es-ES" b="1" dirty="0" smtClean="0">
-              <a:effectLst>
-                <a:outerShdw blurRad="38100" dist="38100" dir="2700000" algn="tl">
-                  <a:srgbClr val="000000">
-                    <a:alpha val="43137"/>
-                  </a:srgbClr>
-                </a:outerShdw>
-              </a:effectLst>
-            </a:endParaRPr>
+            <a:r>
+              <a:rPr lang="es-ES" b="1" dirty="0" smtClean="0">
+                <a:effectLst>
+                  <a:outerShdw blurRad="38100" dist="38100" dir="2700000" algn="tl">
+                    <a:srgbClr val="000000">
+                      <a:alpha val="43137"/>
+                    </a:srgbClr>
+                  </a:outerShdw>
+                </a:effectLst>
+              </a:rPr>
+              <a:t>, KNN (k=30)</a:t>
+            </a:r>
           </a:p>
           <a:p>
             <a:r>
@@ -8741,33 +8997,6 @@
       </p:sp>
       <p:sp>
         <p:nvSpPr>
-          <p:cNvPr id="3" name="Content Placeholder 2"/>
-          <p:cNvSpPr>
-            <a:spLocks noGrp="1"/>
-          </p:cNvSpPr>
-          <p:nvPr>
-            <p:ph idx="1"/>
-          </p:nvPr>
-        </p:nvSpPr>
-        <p:spPr/>
-        <p:txBody>
-          <a:bodyPr/>
-          <a:lstStyle/>
-          <a:p>
-            <a:r>
-              <a:rPr lang="en-US" dirty="0" smtClean="0"/>
-              <a:t>For </a:t>
-            </a:r>
-            <a:r>
-              <a:rPr lang="en-US" dirty="0" err="1" smtClean="0"/>
-              <a:t>kNN</a:t>
-            </a:r>
-            <a:endParaRPr lang="en-US" dirty="0" smtClean="0"/>
-          </a:p>
-        </p:txBody>
-      </p:sp>
-      <p:sp>
-        <p:nvSpPr>
           <p:cNvPr id="4" name="Date Placeholder 3"/>
           <p:cNvSpPr>
             <a:spLocks noGrp="1"/>
@@ -8816,7 +9045,7 @@
       </p:sp>
       <p:pic>
         <p:nvPicPr>
-          <p:cNvPr id="2050" name="Picture 2" descr="C:\Users\Megana Hukeri\Desktop\medvis  images\prknn.png"/>
+          <p:cNvPr id="4098" name="Picture 2" descr="C:\Users\Megana Hukeri\Desktop\medvis  images\prrf.png"/>
           <p:cNvPicPr>
             <a:picLocks noChangeAspect="1" noChangeArrowheads="1"/>
           </p:cNvPicPr>
@@ -8831,8 +9060,8 @@
         </p:blipFill>
         <p:spPr bwMode="auto">
           <a:xfrm>
-            <a:off x="2428859" y="2143116"/>
-            <a:ext cx="4608933" cy="3662902"/>
+            <a:off x="709" y="1825651"/>
+            <a:ext cx="3066602" cy="2385993"/>
           </a:xfrm>
           <a:prstGeom prst="rect">
             <a:avLst/>
@@ -8870,10 +9099,142 @@
           </a:prstGeom>
         </p:spPr>
       </p:pic>
+      <p:pic>
+        <p:nvPicPr>
+          <p:cNvPr id="9" name="Picture 2" descr="C:\Users\Megana Hukeri\Desktop\medvis  images\prsvc.png"/>
+          <p:cNvPicPr>
+            <a:picLocks noChangeAspect="1" noChangeArrowheads="1"/>
+          </p:cNvPicPr>
+          <p:nvPr/>
+        </p:nvPicPr>
+        <p:blipFill>
+          <a:blip r:embed="rId4"/>
+          <a:srcRect/>
+          <a:stretch>
+            <a:fillRect/>
+          </a:stretch>
+        </p:blipFill>
+        <p:spPr bwMode="auto">
+          <a:xfrm>
+            <a:off x="3067311" y="1825651"/>
+            <a:ext cx="2929981" cy="2385993"/>
+          </a:xfrm>
+          <a:prstGeom prst="rect">
+            <a:avLst/>
+          </a:prstGeom>
+          <a:noFill/>
+        </p:spPr>
+      </p:pic>
+      <p:pic>
+        <p:nvPicPr>
+          <p:cNvPr id="10" name="Picture 2" descr="C:\Users\Megana Hukeri\Desktop\medvis  images\prknn.png"/>
+          <p:cNvPicPr>
+            <a:picLocks noChangeAspect="1" noChangeArrowheads="1"/>
+          </p:cNvPicPr>
+          <p:nvPr/>
+        </p:nvPicPr>
+        <p:blipFill>
+          <a:blip r:embed="rId5"/>
+          <a:srcRect/>
+          <a:stretch>
+            <a:fillRect/>
+          </a:stretch>
+        </p:blipFill>
+        <p:spPr bwMode="auto">
+          <a:xfrm>
+            <a:off x="6076159" y="1901548"/>
+            <a:ext cx="2811232" cy="2234198"/>
+          </a:xfrm>
+          <a:prstGeom prst="rect">
+            <a:avLst/>
+          </a:prstGeom>
+          <a:noFill/>
+        </p:spPr>
+      </p:pic>
+      <p:sp>
+        <p:nvSpPr>
+          <p:cNvPr id="11" name="Marcador de contenido 10"/>
+          <p:cNvSpPr txBox="1">
+            <a:spLocks noGrp="1"/>
+          </p:cNvSpPr>
+          <p:nvPr>
+            <p:ph idx="1"/>
+          </p:nvPr>
+        </p:nvSpPr>
+        <p:spPr>
+          <a:xfrm>
+            <a:off x="2311152" y="4674171"/>
+            <a:ext cx="5501208" cy="769441"/>
+          </a:xfrm>
+          <a:prstGeom prst="rect">
+            <a:avLst/>
+          </a:prstGeom>
+          <a:ln>
+            <a:solidFill>
+              <a:srgbClr val="00B0F0"/>
+            </a:solidFill>
+          </a:ln>
+        </p:spPr>
+        <p:style>
+          <a:lnRef idx="2">
+            <a:schemeClr val="accent1"/>
+          </a:lnRef>
+          <a:fillRef idx="1">
+            <a:schemeClr val="lt1"/>
+          </a:fillRef>
+          <a:effectRef idx="0">
+            <a:schemeClr val="accent1"/>
+          </a:effectRef>
+          <a:fontRef idx="minor">
+            <a:schemeClr val="dk1"/>
+          </a:fontRef>
+        </p:style>
+        <p:txBody>
+          <a:bodyPr wrap="square" rtlCol="0">
+            <a:spAutoFit/>
+          </a:bodyPr>
+          <a:lstStyle/>
+          <a:p>
+            <a:pPr marL="0" indent="0">
+              <a:buNone/>
+            </a:pPr>
+            <a:r>
+              <a:rPr lang="es-ES" sz="2000" b="1" dirty="0" smtClean="0">
+                <a:effectLst>
+                  <a:outerShdw blurRad="38100" dist="38100" dir="2700000" algn="tl">
+                    <a:srgbClr val="000000">
+                      <a:alpha val="43137"/>
+                    </a:srgbClr>
+                  </a:outerShdw>
+                </a:effectLst>
+              </a:rPr>
+              <a:t>	KNN (K=30) : AUC =0.72</a:t>
+            </a:r>
+          </a:p>
+          <a:p>
+            <a:pPr marL="0" indent="0">
+              <a:buNone/>
+            </a:pPr>
+            <a:r>
+              <a:rPr lang="es-ES" sz="2000" b="1" dirty="0" smtClean="0">
+                <a:effectLst>
+                  <a:outerShdw blurRad="38100" dist="38100" dir="2700000" algn="tl">
+                    <a:srgbClr val="000000">
+                      <a:alpha val="43137"/>
+                    </a:srgbClr>
+                  </a:outerShdw>
+                </a:effectLst>
+              </a:rPr>
+              <a:t>	RF (n=5): AUC=0.73</a:t>
+            </a:r>
+            <a:endParaRPr lang="en-US" sz="3200" dirty="0"/>
+          </a:p>
+        </p:txBody>
+      </p:sp>
     </p:spTree>
     <p:extLst>
       <p:ext uri="{BB962C8B-B14F-4D97-AF65-F5344CB8AC3E}">
-        <p14:creationId xmlns:p14="http://schemas.microsoft.com/office/powerpoint/2010/main" val="1989105717"/>
+        <p14:creationId xmlns:p14="http://schemas.microsoft.com/office/powerpoint/2010/main" val="1478924857"/>
       </p:ext>
     </p:extLst>
   </p:cSld>
@@ -8909,7 +9270,7 @@
       </p:grpSpPr>
       <p:sp>
         <p:nvSpPr>
-          <p:cNvPr id="2" name="Title 1"/>
+          <p:cNvPr id="2" name="Título 1"/>
           <p:cNvSpPr>
             <a:spLocks noGrp="1"/>
           </p:cNvSpPr>
@@ -8917,14 +9278,43 @@
             <p:ph type="title"/>
           </p:nvPr>
         </p:nvSpPr>
-        <p:spPr/>
+        <p:spPr>
+          <a:xfrm>
+            <a:off x="546956" y="404664"/>
+            <a:ext cx="8489540" cy="1143000"/>
+          </a:xfrm>
+        </p:spPr>
         <p:txBody>
           <a:bodyPr/>
           <a:lstStyle/>
           <a:p>
             <a:r>
-              <a:rPr lang="en-US" dirty="0" smtClean="0"/>
-              <a:t>Precision Recall Curves – evaluating Classifier Performance</a:t>
+              <a:rPr lang="es-ES" dirty="0" err="1" smtClean="0"/>
+              <a:t>Conclussions</a:t>
+            </a:r>
+            <a:r>
+              <a:rPr lang="es-ES" dirty="0" smtClean="0"/>
+              <a:t> </a:t>
+            </a:r>
+            <a:r>
+              <a:rPr lang="es-ES" dirty="0"/>
+              <a:t>(I</a:t>
+            </a:r>
+            <a:r>
+              <a:rPr lang="es-ES" dirty="0" smtClean="0"/>
+              <a:t>): </a:t>
+            </a:r>
+            <a:r>
+              <a:rPr lang="es-ES" dirty="0" err="1" smtClean="0"/>
+              <a:t>Influence</a:t>
+            </a:r>
+            <a:r>
+              <a:rPr lang="es-ES" dirty="0" smtClean="0"/>
+              <a:t> of </a:t>
+            </a:r>
+            <a:r>
+              <a:rPr lang="es-ES" dirty="0" err="1" smtClean="0"/>
+              <a:t>parameters</a:t>
             </a:r>
             <a:endParaRPr lang="en-US" dirty="0"/>
           </a:p>
@@ -8932,7 +9322,7 @@
       </p:sp>
       <p:sp>
         <p:nvSpPr>
-          <p:cNvPr id="3" name="Content Placeholder 2"/>
+          <p:cNvPr id="3" name="Marcador de contenido 2"/>
           <p:cNvSpPr>
             <a:spLocks noGrp="1"/>
           </p:cNvSpPr>
@@ -8947,15 +9337,79 @@
           <a:p>
             <a:r>
               <a:rPr lang="en-US" dirty="0" smtClean="0"/>
-              <a:t>For SVC </a:t>
-            </a:r>
+              <a:t>No optimal NMS overlap threshold found</a:t>
+            </a:r>
+          </a:p>
+          <a:p>
+            <a:r>
+              <a:rPr lang="en-US" dirty="0" smtClean="0"/>
+              <a:t>Scores using NMS approach were always lower </a:t>
+            </a:r>
+            <a:endParaRPr lang="en-US" dirty="0"/>
+          </a:p>
+          <a:p>
+            <a:r>
+              <a:rPr lang="en-US" b="1" dirty="0" smtClean="0"/>
+              <a:t>Decreasing step size </a:t>
+            </a:r>
+            <a:r>
+              <a:rPr lang="en-US" dirty="0" smtClean="0"/>
+              <a:t>does not change prediction score but it highly </a:t>
+            </a:r>
+            <a:r>
+              <a:rPr lang="en-US" b="1" dirty="0" smtClean="0"/>
+              <a:t>increases </a:t>
+            </a:r>
+            <a:r>
+              <a:rPr lang="en-US" b="1" dirty="0"/>
+              <a:t>computational cost. </a:t>
+            </a:r>
+            <a:endParaRPr lang="en-US" b="1" dirty="0" smtClean="0"/>
+          </a:p>
+          <a:p>
+            <a:r>
+              <a:rPr lang="en-US" b="1" dirty="0"/>
+              <a:t>Decreasing step </a:t>
+            </a:r>
+            <a:r>
+              <a:rPr lang="en-US" b="1" dirty="0" smtClean="0"/>
+              <a:t>size</a:t>
+            </a:r>
+            <a:r>
+              <a:rPr lang="en-US" b="1" dirty="0" smtClean="0">
+                <a:sym typeface="Wingdings" panose="05000000000000000000" pitchFamily="2" charset="2"/>
+              </a:rPr>
+              <a:t> NOISE?</a:t>
+            </a:r>
+            <a:endParaRPr lang="en-US" b="1" dirty="0" smtClean="0"/>
+          </a:p>
+          <a:p>
+            <a:r>
+              <a:rPr lang="en-US" b="1" dirty="0" smtClean="0"/>
+              <a:t>Scores ~60 %... </a:t>
+            </a:r>
+            <a:endParaRPr lang="en-US" dirty="0" smtClean="0"/>
+          </a:p>
+          <a:p>
+            <a:endParaRPr lang="en-US" b="1" dirty="0"/>
+          </a:p>
+          <a:p>
+            <a:pPr marL="0" indent="0">
+              <a:buNone/>
+            </a:pPr>
+            <a:endParaRPr lang="en-US" dirty="0" smtClean="0"/>
+          </a:p>
+          <a:p>
+            <a:pPr marL="0" indent="0">
+              <a:buNone/>
+            </a:pPr>
             <a:endParaRPr lang="en-US" dirty="0"/>
           </a:p>
         </p:txBody>
       </p:sp>
       <p:sp>
         <p:nvSpPr>
-          <p:cNvPr id="4" name="Date Placeholder 3"/>
+          <p:cNvPr id="4" name="Marcador de fecha 3"/>
           <p:cNvSpPr>
             <a:spLocks noGrp="1"/>
           </p:cNvSpPr>
@@ -8979,7 +9433,7 @@
       </p:sp>
       <p:sp>
         <p:nvSpPr>
-          <p:cNvPr id="5" name="Slide Number Placeholder 4"/>
+          <p:cNvPr id="5" name="Marcador de número de diapositiva 4"/>
           <p:cNvSpPr>
             <a:spLocks noGrp="1"/>
           </p:cNvSpPr>
@@ -9003,33 +9457,7 @@
       </p:sp>
       <p:pic>
         <p:nvPicPr>
-          <p:cNvPr id="3074" name="Picture 2" descr="C:\Users\Megana Hukeri\Desktop\medvis  images\prsvc.png"/>
-          <p:cNvPicPr>
-            <a:picLocks noChangeAspect="1" noChangeArrowheads="1"/>
-          </p:cNvPicPr>
-          <p:nvPr/>
-        </p:nvPicPr>
-        <p:blipFill>
-          <a:blip r:embed="rId2"/>
-          <a:srcRect/>
-          <a:stretch>
-            <a:fillRect/>
-          </a:stretch>
-        </p:blipFill>
-        <p:spPr bwMode="auto">
-          <a:xfrm>
-            <a:off x="2643173" y="2000241"/>
-            <a:ext cx="4692331" cy="3821140"/>
-          </a:xfrm>
-          <a:prstGeom prst="rect">
-            <a:avLst/>
-          </a:prstGeom>
-          <a:noFill/>
-        </p:spPr>
-      </p:pic>
-      <p:pic>
-        <p:nvPicPr>
-          <p:cNvPr id="7" name="Imagen 6"/>
+          <p:cNvPr id="6" name="Imagen 5"/>
           <p:cNvPicPr>
             <a:picLocks noChangeAspect="1"/>
           </p:cNvPicPr>
@@ -9049,169 +9477,12 @@
         </p:blipFill>
         <p:spPr>
           <a:xfrm>
-            <a:off x="4211960" y="6137668"/>
-            <a:ext cx="2137420" cy="669725"/>
+            <a:off x="107504" y="404664"/>
+            <a:ext cx="3984169" cy="2988128"/>
           </a:xfrm>
           <a:prstGeom prst="rect">
             <a:avLst/>
           </a:prstGeom>
-        </p:spPr>
-      </p:pic>
-    </p:spTree>
-    <p:extLst>
-      <p:ext uri="{BB962C8B-B14F-4D97-AF65-F5344CB8AC3E}">
-        <p14:creationId xmlns:p14="http://schemas.microsoft.com/office/powerpoint/2010/main" val="1152895506"/>
-      </p:ext>
-    </p:extLst>
-  </p:cSld>
-  <p:clrMapOvr>
-    <a:masterClrMapping/>
-  </p:clrMapOvr>
-  <p:timing>
-    <p:tnLst>
-      <p:par>
-        <p:cTn id="1" dur="indefinite" restart="never" nodeType="tmRoot"/>
-      </p:par>
-    </p:tnLst>
-  </p:timing>
-</p:sld>
-</file>
-
-<file path=ppt/slides/slide16.xml><?xml version="1.0" encoding="utf-8"?>
-<p:sld xmlns:a="http://schemas.openxmlformats.org/drawingml/2006/main" xmlns:r="http://schemas.openxmlformats.org/officeDocument/2006/relationships" xmlns:p="http://schemas.openxmlformats.org/presentationml/2006/main">
-  <p:cSld>
-    <p:spTree>
-      <p:nvGrpSpPr>
-        <p:cNvPr id="1" name=""/>
-        <p:cNvGrpSpPr/>
-        <p:nvPr/>
-      </p:nvGrpSpPr>
-      <p:grpSpPr>
-        <a:xfrm>
-          <a:off x="0" y="0"/>
-          <a:ext cx="0" cy="0"/>
-          <a:chOff x="0" y="0"/>
-          <a:chExt cx="0" cy="0"/>
-        </a:xfrm>
-      </p:grpSpPr>
-      <p:sp>
-        <p:nvSpPr>
-          <p:cNvPr id="2" name="Title 1"/>
-          <p:cNvSpPr>
-            <a:spLocks noGrp="1"/>
-          </p:cNvSpPr>
-          <p:nvPr>
-            <p:ph type="title"/>
-          </p:nvPr>
-        </p:nvSpPr>
-        <p:spPr/>
-        <p:txBody>
-          <a:bodyPr/>
-          <a:lstStyle/>
-          <a:p>
-            <a:r>
-              <a:rPr lang="en-US" dirty="0" smtClean="0"/>
-              <a:t>Precision Recall Curves – evaluating Classifier Performance</a:t>
-            </a:r>
-            <a:endParaRPr lang="en-US" dirty="0"/>
-          </a:p>
-        </p:txBody>
-      </p:sp>
-      <p:sp>
-        <p:nvSpPr>
-          <p:cNvPr id="3" name="Content Placeholder 2"/>
-          <p:cNvSpPr>
-            <a:spLocks noGrp="1"/>
-          </p:cNvSpPr>
-          <p:nvPr>
-            <p:ph idx="1"/>
-          </p:nvPr>
-        </p:nvSpPr>
-        <p:spPr/>
-        <p:txBody>
-          <a:bodyPr/>
-          <a:lstStyle/>
-          <a:p>
-            <a:r>
-              <a:rPr lang="en-US" dirty="0" smtClean="0"/>
-              <a:t>For RF</a:t>
-            </a:r>
-            <a:endParaRPr lang="en-US" dirty="0"/>
-          </a:p>
-        </p:txBody>
-      </p:sp>
-      <p:sp>
-        <p:nvSpPr>
-          <p:cNvPr id="4" name="Date Placeholder 3"/>
-          <p:cNvSpPr>
-            <a:spLocks noGrp="1"/>
-          </p:cNvSpPr>
-          <p:nvPr>
-            <p:ph type="dt" sz="half" idx="10"/>
-          </p:nvPr>
-        </p:nvSpPr>
-        <p:spPr/>
-        <p:txBody>
-          <a:bodyPr/>
-          <a:lstStyle/>
-          <a:p>
-            <a:fld id="{31DCBD78-A96A-4270-BAB0-39853B6FFB02}" type="datetime4">
-              <a:rPr lang="en-US" smtClean="0"/>
-              <a:pPr/>
-              <a:t>January 26, 2016</a:t>
-            </a:fld>
-            <a:endParaRPr lang="en-US"/>
-          </a:p>
-        </p:txBody>
-      </p:sp>
-      <p:sp>
-        <p:nvSpPr>
-          <p:cNvPr id="5" name="Slide Number Placeholder 4"/>
-          <p:cNvSpPr>
-            <a:spLocks noGrp="1"/>
-          </p:cNvSpPr>
-          <p:nvPr>
-            <p:ph type="sldNum" sz="quarter" idx="11"/>
-          </p:nvPr>
-        </p:nvSpPr>
-        <p:spPr/>
-        <p:txBody>
-          <a:bodyPr/>
-          <a:lstStyle/>
-          <a:p>
-            <a:fld id="{88D8622A-5DD6-42D7-8A47-02974637B487}" type="slidenum">
-              <a:rPr lang="en-US" smtClean="0"/>
-              <a:pPr/>
-              <a:t>16</a:t>
-            </a:fld>
-            <a:endParaRPr lang="en-US"/>
-          </a:p>
-        </p:txBody>
-      </p:sp>
-      <p:pic>
-        <p:nvPicPr>
-          <p:cNvPr id="4098" name="Picture 2" descr="C:\Users\Megana Hukeri\Desktop\medvis  images\prrf.png"/>
-          <p:cNvPicPr>
-            <a:picLocks noChangeAspect="1" noChangeArrowheads="1"/>
-          </p:cNvPicPr>
-          <p:nvPr/>
-        </p:nvPicPr>
-        <p:blipFill>
-          <a:blip r:embed="rId2"/>
-          <a:srcRect/>
-          <a:stretch>
-            <a:fillRect/>
-          </a:stretch>
-        </p:blipFill>
-        <p:spPr bwMode="auto">
-          <a:xfrm>
-            <a:off x="2285983" y="1928802"/>
-            <a:ext cx="4866239" cy="3786214"/>
-          </a:xfrm>
-          <a:prstGeom prst="rect">
-            <a:avLst/>
-          </a:prstGeom>
-          <a:noFill/>
         </p:spPr>
       </p:pic>
       <p:pic>
@@ -9223,7 +9494,7 @@
           <p:nvPr/>
         </p:nvPicPr>
         <p:blipFill>
-          <a:blip r:embed="rId3">
+          <a:blip r:embed="rId4">
             <a:extLst>
               <a:ext uri="{28A0092B-C50C-407E-A947-70E740481C1C}">
                 <a14:useLocalDpi xmlns:a14="http://schemas.microsoft.com/office/drawing/2010/main" val="0"/>
@@ -9236,8 +9507,68 @@
         </p:blipFill>
         <p:spPr>
           <a:xfrm>
-            <a:off x="4211960" y="6137668"/>
-            <a:ext cx="2137420" cy="669725"/>
+            <a:off x="4952972" y="351727"/>
+            <a:ext cx="3984169" cy="2988128"/>
+          </a:xfrm>
+          <a:prstGeom prst="rect">
+            <a:avLst/>
+          </a:prstGeom>
+        </p:spPr>
+      </p:pic>
+      <p:pic>
+        <p:nvPicPr>
+          <p:cNvPr id="8" name="Imagen 7"/>
+          <p:cNvPicPr>
+            <a:picLocks noChangeAspect="1"/>
+          </p:cNvPicPr>
+          <p:nvPr/>
+        </p:nvPicPr>
+        <p:blipFill>
+          <a:blip r:embed="rId5">
+            <a:extLst>
+              <a:ext uri="{28A0092B-C50C-407E-A947-70E740481C1C}">
+                <a14:useLocalDpi xmlns:a14="http://schemas.microsoft.com/office/drawing/2010/main" val="0"/>
+              </a:ext>
+            </a:extLst>
+          </a:blip>
+          <a:stretch>
+            <a:fillRect/>
+          </a:stretch>
+        </p:blipFill>
+        <p:spPr>
+          <a:xfrm>
+            <a:off x="160549" y="3020661"/>
+            <a:ext cx="3984169" cy="2988128"/>
+          </a:xfrm>
+          <a:prstGeom prst="rect">
+            <a:avLst/>
+          </a:prstGeom>
+        </p:spPr>
+      </p:pic>
+      <p:pic>
+        <p:nvPicPr>
+          <p:cNvPr id="9" name="Imagen 8"/>
+          <p:cNvPicPr>
+            <a:picLocks noChangeAspect="1"/>
+          </p:cNvPicPr>
+          <p:nvPr/>
+        </p:nvPicPr>
+        <p:blipFill>
+          <a:blip r:embed="rId6">
+            <a:extLst>
+              <a:ext uri="{28A0092B-C50C-407E-A947-70E740481C1C}">
+                <a14:useLocalDpi xmlns:a14="http://schemas.microsoft.com/office/drawing/2010/main" val="0"/>
+              </a:ext>
+            </a:extLst>
+          </a:blip>
+          <a:stretch>
+            <a:fillRect/>
+          </a:stretch>
+        </p:blipFill>
+        <p:spPr>
+          <a:xfrm>
+            <a:off x="4946076" y="2993018"/>
+            <a:ext cx="3984169" cy="2988128"/>
           </a:xfrm>
           <a:prstGeom prst="rect">
             <a:avLst/>
@@ -9247,7 +9578,7 @@
     </p:spTree>
     <p:extLst>
       <p:ext uri="{BB962C8B-B14F-4D97-AF65-F5344CB8AC3E}">
-        <p14:creationId xmlns:p14="http://schemas.microsoft.com/office/powerpoint/2010/main" val="1478924857"/>
+        <p14:creationId xmlns:p14="http://schemas.microsoft.com/office/powerpoint/2010/main" val="1613190116"/>
       </p:ext>
     </p:extLst>
   </p:cSld>
@@ -9257,14 +9588,222 @@
   <p:timing>
     <p:tnLst>
       <p:par>
-        <p:cTn id="1" dur="indefinite" restart="never" nodeType="tmRoot"/>
+        <p:cTn id="1" dur="indefinite" restart="never" nodeType="tmRoot">
+          <p:childTnLst>
+            <p:seq concurrent="1" nextAc="seek">
+              <p:cTn id="2" dur="indefinite" nodeType="mainSeq">
+                <p:childTnLst>
+                  <p:par>
+                    <p:cTn id="3" fill="hold">
+                      <p:stCondLst>
+                        <p:cond delay="indefinite"/>
+                      </p:stCondLst>
+                      <p:childTnLst>
+                        <p:par>
+                          <p:cTn id="4" fill="hold">
+                            <p:stCondLst>
+                              <p:cond delay="0"/>
+                            </p:stCondLst>
+                            <p:childTnLst>
+                              <p:par>
+                                <p:cTn id="5" presetID="22" presetClass="entr" presetSubtype="4" fill="hold" nodeType="clickEffect">
+                                  <p:stCondLst>
+                                    <p:cond delay="0"/>
+                                  </p:stCondLst>
+                                  <p:childTnLst>
+                                    <p:set>
+                                      <p:cBhvr>
+                                        <p:cTn id="6" dur="1" fill="hold">
+                                          <p:stCondLst>
+                                            <p:cond delay="0"/>
+                                          </p:stCondLst>
+                                        </p:cTn>
+                                        <p:tgtEl>
+                                          <p:spTgt spid="6"/>
+                                        </p:tgtEl>
+                                        <p:attrNameLst>
+                                          <p:attrName>style.visibility</p:attrName>
+                                        </p:attrNameLst>
+                                      </p:cBhvr>
+                                      <p:to>
+                                        <p:strVal val="visible"/>
+                                      </p:to>
+                                    </p:set>
+                                    <p:animEffect transition="in" filter="wipe(down)">
+                                      <p:cBhvr>
+                                        <p:cTn id="7" dur="500"/>
+                                        <p:tgtEl>
+                                          <p:spTgt spid="6"/>
+                                        </p:tgtEl>
+                                      </p:cBhvr>
+                                    </p:animEffect>
+                                  </p:childTnLst>
+                                </p:cTn>
+                              </p:par>
+                            </p:childTnLst>
+                          </p:cTn>
+                        </p:par>
+                        <p:par>
+                          <p:cTn id="8" fill="hold">
+                            <p:stCondLst>
+                              <p:cond delay="500"/>
+                            </p:stCondLst>
+                            <p:childTnLst>
+                              <p:par>
+                                <p:cTn id="9" presetID="22" presetClass="entr" presetSubtype="4" fill="hold" nodeType="afterEffect">
+                                  <p:stCondLst>
+                                    <p:cond delay="0"/>
+                                  </p:stCondLst>
+                                  <p:childTnLst>
+                                    <p:set>
+                                      <p:cBhvr>
+                                        <p:cTn id="10" dur="1" fill="hold">
+                                          <p:stCondLst>
+                                            <p:cond delay="0"/>
+                                          </p:stCondLst>
+                                        </p:cTn>
+                                        <p:tgtEl>
+                                          <p:spTgt spid="7"/>
+                                        </p:tgtEl>
+                                        <p:attrNameLst>
+                                          <p:attrName>style.visibility</p:attrName>
+                                        </p:attrNameLst>
+                                      </p:cBhvr>
+                                      <p:to>
+                                        <p:strVal val="visible"/>
+                                      </p:to>
+                                    </p:set>
+                                    <p:animEffect transition="in" filter="wipe(down)">
+                                      <p:cBhvr>
+                                        <p:cTn id="11" dur="500"/>
+                                        <p:tgtEl>
+                                          <p:spTgt spid="7"/>
+                                        </p:tgtEl>
+                                      </p:cBhvr>
+                                    </p:animEffect>
+                                  </p:childTnLst>
+                                </p:cTn>
+                              </p:par>
+                            </p:childTnLst>
+                          </p:cTn>
+                        </p:par>
+                        <p:par>
+                          <p:cTn id="12" fill="hold">
+                            <p:stCondLst>
+                              <p:cond delay="1000"/>
+                            </p:stCondLst>
+                            <p:childTnLst>
+                              <p:par>
+                                <p:cTn id="13" presetID="22" presetClass="entr" presetSubtype="4" fill="hold" nodeType="afterEffect">
+                                  <p:stCondLst>
+                                    <p:cond delay="0"/>
+                                  </p:stCondLst>
+                                  <p:childTnLst>
+                                    <p:set>
+                                      <p:cBhvr>
+                                        <p:cTn id="14" dur="1" fill="hold">
+                                          <p:stCondLst>
+                                            <p:cond delay="0"/>
+                                          </p:stCondLst>
+                                        </p:cTn>
+                                        <p:tgtEl>
+                                          <p:spTgt spid="8"/>
+                                        </p:tgtEl>
+                                        <p:attrNameLst>
+                                          <p:attrName>style.visibility</p:attrName>
+                                        </p:attrNameLst>
+                                      </p:cBhvr>
+                                      <p:to>
+                                        <p:strVal val="visible"/>
+                                      </p:to>
+                                    </p:set>
+                                    <p:animEffect transition="in" filter="wipe(down)">
+                                      <p:cBhvr>
+                                        <p:cTn id="15" dur="500"/>
+                                        <p:tgtEl>
+                                          <p:spTgt spid="8"/>
+                                        </p:tgtEl>
+                                      </p:cBhvr>
+                                    </p:animEffect>
+                                  </p:childTnLst>
+                                </p:cTn>
+                              </p:par>
+                            </p:childTnLst>
+                          </p:cTn>
+                        </p:par>
+                        <p:par>
+                          <p:cTn id="16" fill="hold">
+                            <p:stCondLst>
+                              <p:cond delay="1500"/>
+                            </p:stCondLst>
+                            <p:childTnLst>
+                              <p:par>
+                                <p:cTn id="17" presetID="22" presetClass="entr" presetSubtype="4" fill="hold" nodeType="afterEffect">
+                                  <p:stCondLst>
+                                    <p:cond delay="0"/>
+                                  </p:stCondLst>
+                                  <p:childTnLst>
+                                    <p:set>
+                                      <p:cBhvr>
+                                        <p:cTn id="18" dur="1" fill="hold">
+                                          <p:stCondLst>
+                                            <p:cond delay="0"/>
+                                          </p:stCondLst>
+                                        </p:cTn>
+                                        <p:tgtEl>
+                                          <p:spTgt spid="9"/>
+                                        </p:tgtEl>
+                                        <p:attrNameLst>
+                                          <p:attrName>style.visibility</p:attrName>
+                                        </p:attrNameLst>
+                                      </p:cBhvr>
+                                      <p:to>
+                                        <p:strVal val="visible"/>
+                                      </p:to>
+                                    </p:set>
+                                    <p:animEffect transition="in" filter="wipe(down)">
+                                      <p:cBhvr>
+                                        <p:cTn id="19" dur="500"/>
+                                        <p:tgtEl>
+                                          <p:spTgt spid="9"/>
+                                        </p:tgtEl>
+                                      </p:cBhvr>
+                                    </p:animEffect>
+                                  </p:childTnLst>
+                                </p:cTn>
+                              </p:par>
+                            </p:childTnLst>
+                          </p:cTn>
+                        </p:par>
+                      </p:childTnLst>
+                    </p:cTn>
+                  </p:par>
+                </p:childTnLst>
+              </p:cTn>
+              <p:prevCondLst>
+                <p:cond evt="onPrev" delay="0">
+                  <p:tgtEl>
+                    <p:sldTgt/>
+                  </p:tgtEl>
+                </p:cond>
+              </p:prevCondLst>
+              <p:nextCondLst>
+                <p:cond evt="onNext" delay="0">
+                  <p:tgtEl>
+                    <p:sldTgt/>
+                  </p:tgtEl>
+                </p:cond>
+              </p:nextCondLst>
+            </p:seq>
+          </p:childTnLst>
+        </p:cTn>
       </p:par>
     </p:tnLst>
   </p:timing>
 </p:sld>
 </file>
 
-<file path=ppt/slides/slide17.xml><?xml version="1.0" encoding="utf-8"?>
+<file path=ppt/slides/slide16.xml><?xml version="1.0" encoding="utf-8"?>
 <p:sld xmlns:a="http://schemas.openxmlformats.org/drawingml/2006/main" xmlns:r="http://schemas.openxmlformats.org/officeDocument/2006/relationships" xmlns:p="http://schemas.openxmlformats.org/presentationml/2006/main">
   <p:cSld>
     <p:spTree>
@@ -9307,7 +9846,23 @@
             </a:r>
             <a:r>
               <a:rPr lang="es-ES" dirty="0" smtClean="0"/>
-              <a:t> (I)</a:t>
+              <a:t> (</a:t>
+            </a:r>
+            <a:r>
+              <a:rPr lang="es-ES" dirty="0" smtClean="0"/>
+              <a:t>II): </a:t>
+            </a:r>
+            <a:r>
+              <a:rPr lang="es-ES" dirty="0" err="1" smtClean="0"/>
+              <a:t>Classifier</a:t>
+            </a:r>
+            <a:r>
+              <a:rPr lang="es-ES" dirty="0" smtClean="0"/>
+              <a:t> </a:t>
+            </a:r>
+            <a:r>
+              <a:rPr lang="es-ES" dirty="0" err="1" smtClean="0"/>
+              <a:t>selection</a:t>
             </a:r>
             <a:endParaRPr lang="en-US" dirty="0"/>
           </a:p>
@@ -9765,7 +10320,7 @@
             <a:fld id="{88D8622A-5DD6-42D7-8A47-02974637B487}" type="slidenum">
               <a:rPr lang="en-US" smtClean="0"/>
               <a:pPr/>
-              <a:t>17</a:t>
+              <a:t>16</a:t>
             </a:fld>
             <a:endParaRPr lang="en-US"/>
           </a:p>
@@ -10391,7 +10946,7 @@
 </p:sld>
 </file>
 
-<file path=ppt/slides/slide18.xml><?xml version="1.0" encoding="utf-8"?>
+<file path=ppt/slides/slide17.xml><?xml version="1.0" encoding="utf-8"?>
 <p:sld xmlns:a="http://schemas.openxmlformats.org/drawingml/2006/main" xmlns:r="http://schemas.openxmlformats.org/officeDocument/2006/relationships" xmlns:p="http://schemas.openxmlformats.org/presentationml/2006/main">
   <p:cSld>
     <p:spTree>
@@ -10553,7 +11108,7 @@
             <a:fld id="{88D8622A-5DD6-42D7-8A47-02974637B487}" type="slidenum">
               <a:rPr lang="en-US" smtClean="0"/>
               <a:pPr/>
-              <a:t>18</a:t>
+              <a:t>17</a:t>
             </a:fld>
             <a:endParaRPr lang="en-US"/>
           </a:p>
@@ -10585,7 +11140,19 @@
             </a:r>
             <a:r>
               <a:rPr lang="es-ES" dirty="0" smtClean="0"/>
-              <a:t> (II)</a:t>
+              <a:t> (</a:t>
+            </a:r>
+            <a:r>
+              <a:rPr lang="es-ES" dirty="0"/>
+              <a:t>III</a:t>
+            </a:r>
+            <a:r>
+              <a:rPr lang="es-ES" dirty="0" smtClean="0"/>
+              <a:t>): </a:t>
+            </a:r>
+            <a:r>
+              <a:rPr lang="es-ES" dirty="0" err="1" smtClean="0"/>
+              <a:t>Summarize</a:t>
             </a:r>
             <a:endParaRPr lang="en-US" dirty="0"/>
           </a:p>
@@ -10801,7 +11368,7 @@
 </p:sld>
 </file>
 
-<file path=ppt/slides/slide19.xml><?xml version="1.0" encoding="utf-8"?>
+<file path=ppt/slides/slide18.xml><?xml version="1.0" encoding="utf-8"?>
 <p:sld xmlns:a="http://schemas.openxmlformats.org/drawingml/2006/main" xmlns:r="http://schemas.openxmlformats.org/officeDocument/2006/relationships" xmlns:p="http://schemas.openxmlformats.org/presentationml/2006/main">
   <p:cSld>
     <p:spTree>
@@ -10884,7 +11451,7 @@
             <a:fld id="{43DE1167-38A6-4320-845A-BA4B892BF4A0}" type="slidenum">
               <a:rPr lang="en-US" smtClean="0"/>
               <a:pPr/>
-              <a:t>19</a:t>
+              <a:t>18</a:t>
             </a:fld>
             <a:endParaRPr lang="en-US"/>
           </a:p>
@@ -13919,8 +14486,8 @@
         </p:nvSpPr>
         <p:spPr>
           <a:xfrm>
-            <a:off x="811238" y="1132056"/>
-            <a:ext cx="6065018" cy="1200329"/>
+            <a:off x="868998" y="1163915"/>
+            <a:ext cx="7087378" cy="1477328"/>
           </a:xfrm>
           <a:prstGeom prst="rect">
             <a:avLst/>
@@ -13940,18 +14507,18 @@
               <a:buAutoNum type="arabicPeriod"/>
             </a:pPr>
             <a:r>
-              <a:rPr lang="es-ES" dirty="0" err="1" smtClean="0"/>
+              <a:rPr lang="es-ES" sz="2000" dirty="0" err="1" smtClean="0"/>
               <a:t>Most</a:t>
             </a:r>
             <a:r>
-              <a:rPr lang="es-ES" dirty="0" smtClean="0"/>
+              <a:rPr lang="es-ES" sz="2000" dirty="0" smtClean="0"/>
               <a:t> probable </a:t>
             </a:r>
             <a:r>
-              <a:rPr lang="es-ES" dirty="0" err="1" smtClean="0"/>
+              <a:rPr lang="es-ES" sz="2000" dirty="0" err="1" smtClean="0"/>
               <a:t>patch</a:t>
             </a:r>
-            <a:endParaRPr lang="es-ES" dirty="0" smtClean="0"/>
+            <a:endParaRPr lang="es-ES" sz="2000" dirty="0" smtClean="0"/>
           </a:p>
           <a:p>
             <a:pPr marL="457200" indent="-457200">
@@ -13961,30 +14528,82 @@
               <a:buAutoNum type="arabicPeriod"/>
             </a:pPr>
             <a:r>
-              <a:rPr lang="es-ES" dirty="0" smtClean="0"/>
+              <a:rPr lang="es-ES" sz="2000" b="1" dirty="0" smtClean="0"/>
               <a:t>Non </a:t>
             </a:r>
             <a:r>
-              <a:rPr lang="es-ES" dirty="0" err="1" smtClean="0"/>
+              <a:rPr lang="es-ES" sz="2000" b="1" dirty="0" err="1" smtClean="0"/>
               <a:t>Maximum</a:t>
             </a:r>
             <a:r>
-              <a:rPr lang="es-ES" dirty="0" smtClean="0"/>
+              <a:rPr lang="es-ES" sz="2000" b="1" dirty="0" smtClean="0"/>
               <a:t> </a:t>
             </a:r>
             <a:r>
-              <a:rPr lang="es-ES" dirty="0" err="1" smtClean="0"/>
+              <a:rPr lang="es-ES" sz="2000" b="1" dirty="0" err="1" smtClean="0"/>
               <a:t>Suppresion</a:t>
             </a:r>
             <a:r>
-              <a:rPr lang="es-ES" dirty="0" smtClean="0"/>
+              <a:rPr lang="es-ES" sz="2000" b="1" dirty="0" smtClean="0"/>
               <a:t> </a:t>
             </a:r>
             <a:r>
-              <a:rPr lang="es-ES" dirty="0" err="1" smtClean="0"/>
+              <a:rPr lang="es-ES" sz="2000" b="1" dirty="0" smtClean="0"/>
+              <a:t>(NMS) </a:t>
+            </a:r>
+            <a:r>
+              <a:rPr lang="es-ES" sz="2000" b="1" dirty="0" err="1" smtClean="0"/>
               <a:t>Method</a:t>
             </a:r>
-            <a:endParaRPr lang="en-US" dirty="0"/>
+            <a:r>
+              <a:rPr lang="es-ES" sz="2000" dirty="0" smtClean="0"/>
+              <a:t>: </a:t>
+            </a:r>
+            <a:r>
+              <a:rPr lang="es-ES" sz="2000" dirty="0" err="1" smtClean="0"/>
+              <a:t>several</a:t>
+            </a:r>
+            <a:r>
+              <a:rPr lang="es-ES" sz="2000" dirty="0" smtClean="0"/>
+              <a:t> </a:t>
+            </a:r>
+            <a:r>
+              <a:rPr lang="es-ES" sz="2000" dirty="0" err="1" smtClean="0"/>
+              <a:t>patches</a:t>
+            </a:r>
+            <a:r>
+              <a:rPr lang="es-ES" sz="2000" dirty="0" smtClean="0"/>
+              <a:t> </a:t>
+            </a:r>
+            <a:r>
+              <a:rPr lang="es-ES" sz="2000" dirty="0" err="1" smtClean="0"/>
+              <a:t>considered</a:t>
+            </a:r>
+            <a:r>
+              <a:rPr lang="es-ES" sz="2000" dirty="0" smtClean="0"/>
+              <a:t> </a:t>
+            </a:r>
+            <a:r>
+              <a:rPr lang="es-ES" sz="2000" dirty="0" err="1" smtClean="0"/>
+              <a:t>using</a:t>
+            </a:r>
+            <a:r>
+              <a:rPr lang="es-ES" sz="2000" dirty="0" smtClean="0"/>
+              <a:t> a </a:t>
+            </a:r>
+            <a:r>
+              <a:rPr lang="es-ES" sz="2000" dirty="0" err="1" smtClean="0"/>
+              <a:t>probability</a:t>
+            </a:r>
+            <a:r>
+              <a:rPr lang="es-ES" sz="2000" dirty="0" smtClean="0"/>
+              <a:t> </a:t>
+            </a:r>
+            <a:r>
+              <a:rPr lang="es-ES" sz="2000" dirty="0" err="1" smtClean="0"/>
+              <a:t>threshold</a:t>
+            </a:r>
+            <a:endParaRPr lang="en-US" sz="2000" dirty="0"/>
           </a:p>
         </p:txBody>
       </p:sp>
@@ -16169,6 +16788,64 @@
           </a:prstGeom>
         </p:spPr>
       </p:pic>
+      <p:cxnSp>
+        <p:nvCxnSpPr>
+          <p:cNvPr id="8" name="Conector recto de flecha 7"/>
+          <p:cNvCxnSpPr/>
+          <p:nvPr/>
+        </p:nvCxnSpPr>
+        <p:spPr bwMode="auto">
+          <a:xfrm flipH="1">
+            <a:off x="7020272" y="2276872"/>
+            <a:ext cx="216024" cy="0"/>
+          </a:xfrm>
+          <a:prstGeom prst="straightConnector1">
+            <a:avLst/>
+          </a:prstGeom>
+          <a:solidFill>
+            <a:schemeClr val="accent1"/>
+          </a:solidFill>
+          <a:ln w="9525" cap="flat" cmpd="sng" algn="ctr">
+            <a:solidFill>
+              <a:schemeClr val="tx1"/>
+            </a:solidFill>
+            <a:prstDash val="solid"/>
+            <a:round/>
+            <a:headEnd type="none" w="med" len="med"/>
+            <a:tailEnd type="triangle"/>
+          </a:ln>
+          <a:effectLst/>
+        </p:spPr>
+      </p:cxnSp>
+      <p:cxnSp>
+        <p:nvCxnSpPr>
+          <p:cNvPr id="9" name="Conector recto de flecha 8"/>
+          <p:cNvCxnSpPr/>
+          <p:nvPr/>
+        </p:nvCxnSpPr>
+        <p:spPr bwMode="auto">
+          <a:xfrm flipH="1">
+            <a:off x="7020272" y="2420888"/>
+            <a:ext cx="216024" cy="0"/>
+          </a:xfrm>
+          <a:prstGeom prst="straightConnector1">
+            <a:avLst/>
+          </a:prstGeom>
+          <a:solidFill>
+            <a:schemeClr val="accent1"/>
+          </a:solidFill>
+          <a:ln w="9525" cap="flat" cmpd="sng" algn="ctr">
+            <a:solidFill>
+              <a:schemeClr val="tx1"/>
+            </a:solidFill>
+            <a:prstDash val="solid"/>
+            <a:round/>
+            <a:headEnd type="none" w="med" len="med"/>
+            <a:tailEnd type="triangle"/>
+          </a:ln>
+          <a:effectLst/>
+        </p:spPr>
+      </p:cxnSp>
     </p:spTree>
     <p:extLst>
       <p:ext uri="{BB962C8B-B14F-4D97-AF65-F5344CB8AC3E}">

--- a/ppt/Object Detection in Medical Images_maria.pptx
+++ b/ppt/Object Detection in Medical Images_maria.pptx
@@ -5,10 +5,10 @@
     <p:sldMasterId id="2147483648" r:id="rId1"/>
   </p:sldMasterIdLst>
   <p:notesMasterIdLst>
-    <p:notesMasterId r:id="rId20"/>
+    <p:notesMasterId r:id="rId19"/>
   </p:notesMasterIdLst>
   <p:handoutMasterIdLst>
-    <p:handoutMasterId r:id="rId21"/>
+    <p:handoutMasterId r:id="rId20"/>
   </p:handoutMasterIdLst>
   <p:sldIdLst>
     <p:sldId id="258" r:id="rId2"/>
@@ -24,11 +24,10 @@
     <p:sldId id="270" r:id="rId12"/>
     <p:sldId id="273" r:id="rId13"/>
     <p:sldId id="277" r:id="rId14"/>
-    <p:sldId id="276" r:id="rId15"/>
-    <p:sldId id="280" r:id="rId16"/>
-    <p:sldId id="272" r:id="rId17"/>
-    <p:sldId id="278" r:id="rId18"/>
-    <p:sldId id="279" r:id="rId19"/>
+    <p:sldId id="274" r:id="rId15"/>
+    <p:sldId id="275" r:id="rId16"/>
+    <p:sldId id="276" r:id="rId17"/>
+    <p:sldId id="272" r:id="rId18"/>
   </p:sldIdLst>
   <p:sldSz cx="9144000" cy="6858000" type="screen4x3"/>
   <p:notesSz cx="6858000" cy="9144000"/>
@@ -159,7 +158,7 @@
   </p:defaultTextStyle>
   <p:extLst>
     <p:ext uri="{EFAFB233-063F-42B5-8137-9DF3F51BA10A}">
-      <p15:sldGuideLst xmlns:p15="http://schemas.microsoft.com/office/powerpoint/2012/main">
+      <p15:sldGuideLst xmlns:p15="http://schemas.microsoft.com/office/powerpoint/2012/main" xmlns="">
         <p15:guide id="1" orient="horz" pos="2160">
           <p15:clr>
             <a:srgbClr val="A4A3A4"/>
@@ -1245,18 +1244,18 @@
     </dgm:pt>
   </dgm:ptLst>
   <dgm:cxnLst>
+    <dgm:cxn modelId="{7E7A7222-5635-45D8-865D-C55B83AD2AF9}" type="presOf" srcId="{FAD2B9D3-45D6-4F51-93D8-B43D84E44F1B}" destId="{ABA51FA4-1AA7-411C-B7C3-CCE5E385BA2E}" srcOrd="0" destOrd="0" presId="urn:microsoft.com/office/officeart/2005/8/layout/radial4"/>
+    <dgm:cxn modelId="{AF1D10BC-E941-44C6-B85A-2A6984139AEB}" type="presOf" srcId="{B6084F25-2685-4FB1-9893-FFEF59B17FA7}" destId="{552159A4-958B-410D-9865-89ACCB901191}" srcOrd="0" destOrd="0" presId="urn:microsoft.com/office/officeart/2005/8/layout/radial4"/>
+    <dgm:cxn modelId="{313A93B0-923B-414C-B5FA-A19CB45862B8}" type="presOf" srcId="{A2075E99-6E5E-4CD9-9CD9-29FD724BDDDB}" destId="{465C1BDB-2A4C-4AEB-92C6-BA6906AC5AA8}" srcOrd="0" destOrd="0" presId="urn:microsoft.com/office/officeart/2005/8/layout/radial4"/>
+    <dgm:cxn modelId="{F59F22B3-03DC-47A1-8682-5F56903E2BF1}" srcId="{1EE78966-BEFA-40BD-B24C-46E8E66EA8F7}" destId="{95C0FE6B-6444-4E80-BD16-0FAABA42C3AD}" srcOrd="1" destOrd="0" parTransId="{884ACECC-B8BD-4696-BEF2-FE4A2E0E4403}" sibTransId="{2E132990-5D29-4F8B-8571-A1A6CC6BD7DE}"/>
+    <dgm:cxn modelId="{E8FF05AE-AE7B-4D67-8B27-394284BBAE14}" type="presOf" srcId="{95C0FE6B-6444-4E80-BD16-0FAABA42C3AD}" destId="{2340F604-EEB7-4C1F-B356-6710A6CC3234}" srcOrd="0" destOrd="0" presId="urn:microsoft.com/office/officeart/2005/8/layout/radial4"/>
+    <dgm:cxn modelId="{3E9AAE9B-0A79-4D6E-A7B6-AA35ADC5D3BC}" srcId="{1EE78966-BEFA-40BD-B24C-46E8E66EA8F7}" destId="{8ED086D1-987B-442A-94D2-DACF986B5E1E}" srcOrd="2" destOrd="0" parTransId="{A2075E99-6E5E-4CD9-9CD9-29FD724BDDDB}" sibTransId="{4ED9881A-265F-4C6C-8458-5B0BF0FBD8E0}"/>
+    <dgm:cxn modelId="{89FA3F27-FB80-4892-8D7C-D09A606BA05B}" srcId="{1EE78966-BEFA-40BD-B24C-46E8E66EA8F7}" destId="{B6084F25-2685-4FB1-9893-FFEF59B17FA7}" srcOrd="0" destOrd="0" parTransId="{FAD2B9D3-45D6-4F51-93D8-B43D84E44F1B}" sibTransId="{B2D82265-34DB-4957-8DBF-5336BDBA4989}"/>
     <dgm:cxn modelId="{0DBAE74F-B32D-4598-B522-F4255737F6EC}" type="presOf" srcId="{8ED086D1-987B-442A-94D2-DACF986B5E1E}" destId="{1937D526-104A-499D-8169-DA87447F5225}" srcOrd="0" destOrd="0" presId="urn:microsoft.com/office/officeart/2005/8/layout/radial4"/>
     <dgm:cxn modelId="{A9992BB5-98BB-4EDB-9732-6FE74EF68D74}" type="presOf" srcId="{884ACECC-B8BD-4696-BEF2-FE4A2E0E4403}" destId="{D725AB79-A8CA-44D8-8E02-3AF43223F97D}" srcOrd="0" destOrd="0" presId="urn:microsoft.com/office/officeart/2005/8/layout/radial4"/>
-    <dgm:cxn modelId="{F59F22B3-03DC-47A1-8682-5F56903E2BF1}" srcId="{1EE78966-BEFA-40BD-B24C-46E8E66EA8F7}" destId="{95C0FE6B-6444-4E80-BD16-0FAABA42C3AD}" srcOrd="1" destOrd="0" parTransId="{884ACECC-B8BD-4696-BEF2-FE4A2E0E4403}" sibTransId="{2E132990-5D29-4F8B-8571-A1A6CC6BD7DE}"/>
-    <dgm:cxn modelId="{AF1D10BC-E941-44C6-B85A-2A6984139AEB}" type="presOf" srcId="{B6084F25-2685-4FB1-9893-FFEF59B17FA7}" destId="{552159A4-958B-410D-9865-89ACCB901191}" srcOrd="0" destOrd="0" presId="urn:microsoft.com/office/officeart/2005/8/layout/radial4"/>
-    <dgm:cxn modelId="{89FA3F27-FB80-4892-8D7C-D09A606BA05B}" srcId="{1EE78966-BEFA-40BD-B24C-46E8E66EA8F7}" destId="{B6084F25-2685-4FB1-9893-FFEF59B17FA7}" srcOrd="0" destOrd="0" parTransId="{FAD2B9D3-45D6-4F51-93D8-B43D84E44F1B}" sibTransId="{B2D82265-34DB-4957-8DBF-5336BDBA4989}"/>
-    <dgm:cxn modelId="{313A93B0-923B-414C-B5FA-A19CB45862B8}" type="presOf" srcId="{A2075E99-6E5E-4CD9-9CD9-29FD724BDDDB}" destId="{465C1BDB-2A4C-4AEB-92C6-BA6906AC5AA8}" srcOrd="0" destOrd="0" presId="urn:microsoft.com/office/officeart/2005/8/layout/radial4"/>
-    <dgm:cxn modelId="{7E7A7222-5635-45D8-865D-C55B83AD2AF9}" type="presOf" srcId="{FAD2B9D3-45D6-4F51-93D8-B43D84E44F1B}" destId="{ABA51FA4-1AA7-411C-B7C3-CCE5E385BA2E}" srcOrd="0" destOrd="0" presId="urn:microsoft.com/office/officeart/2005/8/layout/radial4"/>
+    <dgm:cxn modelId="{F2DD27EB-8EAF-441A-BB32-50A8FE7529EC}" srcId="{FF4246AD-AA32-4C1E-B89A-0DED96739310}" destId="{1EE78966-BEFA-40BD-B24C-46E8E66EA8F7}" srcOrd="0" destOrd="0" parTransId="{09E76F3A-267D-44D6-8E3D-5195E84DD70A}" sibTransId="{65FACB86-D3B5-4F48-9167-78838A52FF6E}"/>
+    <dgm:cxn modelId="{0ED20D0D-1A44-414E-A5CB-0909ADB72962}" type="presOf" srcId="{FF4246AD-AA32-4C1E-B89A-0DED96739310}" destId="{1A5B761E-1817-4630-9C2B-ABE7E4D7B696}" srcOrd="0" destOrd="0" presId="urn:microsoft.com/office/officeart/2005/8/layout/radial4"/>
     <dgm:cxn modelId="{4F96E0BF-4FEE-4D31-9617-91DABB7F951F}" type="presOf" srcId="{1EE78966-BEFA-40BD-B24C-46E8E66EA8F7}" destId="{A66A5956-9B43-42F1-A198-403FB4E4C27A}" srcOrd="0" destOrd="0" presId="urn:microsoft.com/office/officeart/2005/8/layout/radial4"/>
-    <dgm:cxn modelId="{F2DD27EB-8EAF-441A-BB32-50A8FE7529EC}" srcId="{FF4246AD-AA32-4C1E-B89A-0DED96739310}" destId="{1EE78966-BEFA-40BD-B24C-46E8E66EA8F7}" srcOrd="0" destOrd="0" parTransId="{09E76F3A-267D-44D6-8E3D-5195E84DD70A}" sibTransId="{65FACB86-D3B5-4F48-9167-78838A52FF6E}"/>
-    <dgm:cxn modelId="{3E9AAE9B-0A79-4D6E-A7B6-AA35ADC5D3BC}" srcId="{1EE78966-BEFA-40BD-B24C-46E8E66EA8F7}" destId="{8ED086D1-987B-442A-94D2-DACF986B5E1E}" srcOrd="2" destOrd="0" parTransId="{A2075E99-6E5E-4CD9-9CD9-29FD724BDDDB}" sibTransId="{4ED9881A-265F-4C6C-8458-5B0BF0FBD8E0}"/>
-    <dgm:cxn modelId="{0ED20D0D-1A44-414E-A5CB-0909ADB72962}" type="presOf" srcId="{FF4246AD-AA32-4C1E-B89A-0DED96739310}" destId="{1A5B761E-1817-4630-9C2B-ABE7E4D7B696}" srcOrd="0" destOrd="0" presId="urn:microsoft.com/office/officeart/2005/8/layout/radial4"/>
-    <dgm:cxn modelId="{E8FF05AE-AE7B-4D67-8B27-394284BBAE14}" type="presOf" srcId="{95C0FE6B-6444-4E80-BD16-0FAABA42C3AD}" destId="{2340F604-EEB7-4C1F-B356-6710A6CC3234}" srcOrd="0" destOrd="0" presId="urn:microsoft.com/office/officeart/2005/8/layout/radial4"/>
     <dgm:cxn modelId="{842301EB-8AD5-4840-B7B5-6E01E2C9E400}" type="presParOf" srcId="{1A5B761E-1817-4630-9C2B-ABE7E4D7B696}" destId="{A66A5956-9B43-42F1-A198-403FB4E4C27A}" srcOrd="0" destOrd="0" presId="urn:microsoft.com/office/officeart/2005/8/layout/radial4"/>
     <dgm:cxn modelId="{CDDB7E7A-DE17-406A-8510-0309E3851AE3}" type="presParOf" srcId="{1A5B761E-1817-4630-9C2B-ABE7E4D7B696}" destId="{ABA51FA4-1AA7-411C-B7C3-CCE5E385BA2E}" srcOrd="1" destOrd="0" presId="urn:microsoft.com/office/officeart/2005/8/layout/radial4"/>
     <dgm:cxn modelId="{45EE3E7F-2FB5-4EBD-A380-9CE9FB71205A}" type="presParOf" srcId="{1A5B761E-1817-4630-9C2B-ABE7E4D7B696}" destId="{552159A4-958B-410D-9865-89ACCB901191}" srcOrd="2" destOrd="0" presId="urn:microsoft.com/office/officeart/2005/8/layout/radial4"/>
@@ -1269,7 +1268,7 @@
   <dgm:whole/>
   <dgm:extLst>
     <a:ext uri="http://schemas.microsoft.com/office/drawing/2008/diagram">
-      <dsp:dataModelExt xmlns:dsp="http://schemas.microsoft.com/office/drawing/2008/diagram" relId="rId6" minVer="http://schemas.openxmlformats.org/drawingml/2006/diagram"/>
+      <dsp:dataModelExt xmlns:dsp="http://schemas.microsoft.com/office/drawing/2008/diagram" xmlns="" relId="rId6" minVer="http://schemas.openxmlformats.org/drawingml/2006/diagram"/>
     </a:ext>
   </dgm:extLst>
 </dgm:dataModel>
@@ -3500,7 +3499,7 @@
             <a:fld id="{D8075D9B-7743-4032-9736-709D214EAEE4}" type="slidenum">
               <a:rPr lang="nl-NL"/>
               <a:pPr/>
-              <a:t>‹Nº›</a:t>
+              <a:t>‹#›</a:t>
             </a:fld>
             <a:endParaRPr lang="nl-NL"/>
           </a:p>
@@ -3509,7 +3508,7 @@
     </p:spTree>
     <p:extLst>
       <p:ext uri="{BB962C8B-B14F-4D97-AF65-F5344CB8AC3E}">
-        <p14:creationId xmlns:p14="http://schemas.microsoft.com/office/powerpoint/2010/main" val="98342031"/>
+        <p14:creationId xmlns:p14="http://schemas.microsoft.com/office/powerpoint/2010/main" xmlns="" val="98342031"/>
       </p:ext>
     </p:extLst>
   </p:cSld>
@@ -3822,7 +3821,7 @@
             <a:fld id="{692DDDBB-8731-4D12-B623-F31E6BBC4CCD}" type="slidenum">
               <a:rPr lang="en-US"/>
               <a:pPr/>
-              <a:t>‹Nº›</a:t>
+              <a:t>‹#›</a:t>
             </a:fld>
             <a:endParaRPr lang="en-US"/>
           </a:p>
@@ -3831,7 +3830,7 @@
     </p:spTree>
     <p:extLst>
       <p:ext uri="{BB962C8B-B14F-4D97-AF65-F5344CB8AC3E}">
-        <p14:creationId xmlns:p14="http://schemas.microsoft.com/office/powerpoint/2010/main" val="3474825009"/>
+        <p14:creationId xmlns:p14="http://schemas.microsoft.com/office/powerpoint/2010/main" xmlns="" val="3474825009"/>
       </p:ext>
     </p:extLst>
   </p:cSld>
@@ -4060,7 +4059,7 @@
     </p:spTree>
     <p:extLst>
       <p:ext uri="{BB962C8B-B14F-4D97-AF65-F5344CB8AC3E}">
-        <p14:creationId xmlns:p14="http://schemas.microsoft.com/office/powerpoint/2010/main" val="1439732105"/>
+        <p14:creationId xmlns:p14="http://schemas.microsoft.com/office/powerpoint/2010/main" xmlns="" val="1439732105"/>
       </p:ext>
     </p:extLst>
   </p:cSld>
@@ -4136,7 +4135,7 @@
             <a:fld id="{692DDDBB-8731-4D12-B623-F31E6BBC4CCD}" type="slidenum">
               <a:rPr lang="en-US" smtClean="0"/>
               <a:pPr/>
-              <a:t>15</a:t>
+              <a:t>17</a:t>
             </a:fld>
             <a:endParaRPr lang="en-US"/>
           </a:p>
@@ -4145,92 +4144,7 @@
     </p:spTree>
     <p:extLst>
       <p:ext uri="{BB962C8B-B14F-4D97-AF65-F5344CB8AC3E}">
-        <p14:creationId xmlns:p14="http://schemas.microsoft.com/office/powerpoint/2010/main" val="3631363982"/>
-      </p:ext>
-    </p:extLst>
-  </p:cSld>
-  <p:clrMapOvr>
-    <a:masterClrMapping/>
-  </p:clrMapOvr>
-</p:notes>
-</file>
-
-<file path=ppt/notesSlides/notesSlide3.xml><?xml version="1.0" encoding="utf-8"?>
-<p:notes xmlns:a="http://schemas.openxmlformats.org/drawingml/2006/main" xmlns:r="http://schemas.openxmlformats.org/officeDocument/2006/relationships" xmlns:p="http://schemas.openxmlformats.org/presentationml/2006/main">
-  <p:cSld>
-    <p:spTree>
-      <p:nvGrpSpPr>
-        <p:cNvPr id="1" name=""/>
-        <p:cNvGrpSpPr/>
-        <p:nvPr/>
-      </p:nvGrpSpPr>
-      <p:grpSpPr>
-        <a:xfrm>
-          <a:off x="0" y="0"/>
-          <a:ext cx="0" cy="0"/>
-          <a:chOff x="0" y="0"/>
-          <a:chExt cx="0" cy="0"/>
-        </a:xfrm>
-      </p:grpSpPr>
-      <p:sp>
-        <p:nvSpPr>
-          <p:cNvPr id="2" name="Marcador de imagen de diapositiva 1"/>
-          <p:cNvSpPr>
-            <a:spLocks noGrp="1" noRot="1" noChangeAspect="1"/>
-          </p:cNvSpPr>
-          <p:nvPr>
-            <p:ph type="sldImg"/>
-          </p:nvPr>
-        </p:nvSpPr>
-        <p:spPr/>
-      </p:sp>
-      <p:sp>
-        <p:nvSpPr>
-          <p:cNvPr id="3" name="Marcador de notas 2"/>
-          <p:cNvSpPr>
-            <a:spLocks noGrp="1"/>
-          </p:cNvSpPr>
-          <p:nvPr>
-            <p:ph type="body" idx="1"/>
-          </p:nvPr>
-        </p:nvSpPr>
-        <p:spPr/>
-        <p:txBody>
-          <a:bodyPr/>
-          <a:lstStyle/>
-          <a:p>
-            <a:endParaRPr lang="en-US" dirty="0"/>
-          </a:p>
-        </p:txBody>
-      </p:sp>
-      <p:sp>
-        <p:nvSpPr>
-          <p:cNvPr id="4" name="Marcador de número de diapositiva 3"/>
-          <p:cNvSpPr>
-            <a:spLocks noGrp="1"/>
-          </p:cNvSpPr>
-          <p:nvPr>
-            <p:ph type="sldNum" sz="quarter" idx="10"/>
-          </p:nvPr>
-        </p:nvSpPr>
-        <p:spPr/>
-        <p:txBody>
-          <a:bodyPr/>
-          <a:lstStyle/>
-          <a:p>
-            <a:fld id="{692DDDBB-8731-4D12-B623-F31E6BBC4CCD}" type="slidenum">
-              <a:rPr lang="en-US" smtClean="0"/>
-              <a:pPr/>
-              <a:t>16</a:t>
-            </a:fld>
-            <a:endParaRPr lang="en-US"/>
-          </a:p>
-        </p:txBody>
-      </p:sp>
-    </p:spTree>
-    <p:extLst>
-      <p:ext uri="{BB962C8B-B14F-4D97-AF65-F5344CB8AC3E}">
-        <p14:creationId xmlns:p14="http://schemas.microsoft.com/office/powerpoint/2010/main" val="3686589759"/>
+        <p14:creationId xmlns:p14="http://schemas.microsoft.com/office/powerpoint/2010/main" xmlns="" val="3686589759"/>
       </p:ext>
     </p:extLst>
   </p:cSld>
@@ -4284,7 +4198,7 @@
             <a:fld id="{FEF13E25-8BFB-4611-B91A-87EF656ED3D8}" type="datetime4">
               <a:rPr lang="en-US"/>
               <a:pPr/>
-              <a:t>January 26, 2016</a:t>
+              <a:t>January 27, 2016</a:t>
             </a:fld>
             <a:endParaRPr lang="en-US"/>
           </a:p>
@@ -4461,7 +4375,7 @@
             <a:fld id="{9BDEFE9F-9418-43B9-BB63-B8C7AC392D25}" type="slidenum">
               <a:rPr lang="en-US"/>
               <a:pPr/>
-              <a:t>‹Nº›</a:t>
+              <a:t>‹#›</a:t>
             </a:fld>
             <a:endParaRPr lang="en-US"/>
           </a:p>
@@ -4615,7 +4529,7 @@
             <a:fld id="{DA221B62-8C46-4373-9B44-489A34E3B230}" type="datetime4">
               <a:rPr lang="en-US"/>
               <a:pPr/>
-              <a:t>January 26, 2016</a:t>
+              <a:t>January 27, 2016</a:t>
             </a:fld>
             <a:endParaRPr lang="en-US"/>
           </a:p>
@@ -4643,7 +4557,7 @@
             <a:fld id="{E0DEA49C-B04D-4433-A860-378FF03C9451}" type="slidenum">
               <a:rPr lang="en-US"/>
               <a:pPr/>
-              <a:t>‹Nº›</a:t>
+              <a:t>‹#›</a:t>
             </a:fld>
             <a:endParaRPr lang="en-US"/>
           </a:p>
@@ -4781,7 +4695,7 @@
             <a:fld id="{8DE49523-DA8D-4A4C-AF8C-BE196D8018A5}" type="datetime4">
               <a:rPr lang="en-US"/>
               <a:pPr/>
-              <a:t>January 26, 2016</a:t>
+              <a:t>January 27, 2016</a:t>
             </a:fld>
             <a:endParaRPr lang="en-US"/>
           </a:p>
@@ -4809,7 +4723,7 @@
             <a:fld id="{4AAF68D3-F8F9-4A92-B55F-2057A237CDC3}" type="slidenum">
               <a:rPr lang="en-US"/>
               <a:pPr/>
-              <a:t>‹Nº›</a:t>
+              <a:t>‹#›</a:t>
             </a:fld>
             <a:endParaRPr lang="en-US"/>
           </a:p>
@@ -4937,7 +4851,7 @@
             <a:fld id="{31DCBD78-A96A-4270-BAB0-39853B6FFB02}" type="datetime4">
               <a:rPr lang="en-US"/>
               <a:pPr/>
-              <a:t>January 26, 2016</a:t>
+              <a:t>January 27, 2016</a:t>
             </a:fld>
             <a:endParaRPr lang="en-US"/>
           </a:p>
@@ -4965,7 +4879,7 @@
             <a:fld id="{88D8622A-5DD6-42D7-8A47-02974637B487}" type="slidenum">
               <a:rPr lang="en-US"/>
               <a:pPr/>
-              <a:t>‹Nº›</a:t>
+              <a:t>‹#›</a:t>
             </a:fld>
             <a:endParaRPr lang="en-US"/>
           </a:p>
@@ -5115,7 +5029,7 @@
             <a:fld id="{E3ED30A8-05F2-46E7-9AD3-D8A4571A1581}" type="datetime4">
               <a:rPr lang="en-US"/>
               <a:pPr/>
-              <a:t>January 26, 2016</a:t>
+              <a:t>January 27, 2016</a:t>
             </a:fld>
             <a:endParaRPr lang="en-US"/>
           </a:p>
@@ -5143,7 +5057,7 @@
             <a:fld id="{43DE1167-38A6-4320-845A-BA4B892BF4A0}" type="slidenum">
               <a:rPr lang="en-US"/>
               <a:pPr/>
-              <a:t>‹Nº›</a:t>
+              <a:t>‹#›</a:t>
             </a:fld>
             <a:endParaRPr lang="en-US"/>
           </a:p>
@@ -5389,7 +5303,7 @@
             <a:fld id="{F1F564F3-8FB4-4515-B707-1BB85561EA94}" type="datetime4">
               <a:rPr lang="en-US"/>
               <a:pPr/>
-              <a:t>January 26, 2016</a:t>
+              <a:t>January 27, 2016</a:t>
             </a:fld>
             <a:endParaRPr lang="en-US"/>
           </a:p>
@@ -5417,7 +5331,7 @@
             <a:fld id="{9245FDBB-449B-4E41-8D3C-54AD998A07AC}" type="slidenum">
               <a:rPr lang="en-US"/>
               <a:pPr/>
-              <a:t>‹Nº›</a:t>
+              <a:t>‹#›</a:t>
             </a:fld>
             <a:endParaRPr lang="en-US"/>
           </a:p>
@@ -5802,7 +5716,7 @@
             <a:fld id="{EE7D09F3-7820-4D8D-ADD0-4130EF0CCB10}" type="datetime4">
               <a:rPr lang="en-US"/>
               <a:pPr/>
-              <a:t>January 26, 2016</a:t>
+              <a:t>January 27, 2016</a:t>
             </a:fld>
             <a:endParaRPr lang="en-US"/>
           </a:p>
@@ -5830,7 +5744,7 @@
             <a:fld id="{136D14EF-5366-442F-8929-99CD3A498B60}" type="slidenum">
               <a:rPr lang="en-US"/>
               <a:pPr/>
-              <a:t>‹Nº›</a:t>
+              <a:t>‹#›</a:t>
             </a:fld>
             <a:endParaRPr lang="en-US"/>
           </a:p>
@@ -5906,7 +5820,7 @@
             <a:fld id="{FD7A8021-B7AD-4AFD-98C0-3C868CA1F09E}" type="datetime4">
               <a:rPr lang="en-US"/>
               <a:pPr/>
-              <a:t>January 26, 2016</a:t>
+              <a:t>January 27, 2016</a:t>
             </a:fld>
             <a:endParaRPr lang="en-US"/>
           </a:p>
@@ -5934,7 +5848,7 @@
             <a:fld id="{7A186941-FB1B-4AC3-B3C0-5674678E2D38}" type="slidenum">
               <a:rPr lang="en-US"/>
               <a:pPr/>
-              <a:t>‹Nº›</a:t>
+              <a:t>‹#›</a:t>
             </a:fld>
             <a:endParaRPr lang="en-US"/>
           </a:p>
@@ -5987,7 +5901,7 @@
             <a:fld id="{4A59853C-5D79-4606-904D-FAB4E6E15804}" type="datetime4">
               <a:rPr lang="en-US"/>
               <a:pPr/>
-              <a:t>January 26, 2016</a:t>
+              <a:t>January 27, 2016</a:t>
             </a:fld>
             <a:endParaRPr lang="en-US"/>
           </a:p>
@@ -6015,7 +5929,7 @@
             <a:fld id="{408D4F3D-0A7D-4CF7-BFF5-5EB114128ECB}" type="slidenum">
               <a:rPr lang="en-US"/>
               <a:pPr/>
-              <a:t>‹Nº›</a:t>
+              <a:t>‹#›</a:t>
             </a:fld>
             <a:endParaRPr lang="en-US"/>
           </a:p>
@@ -6250,7 +6164,7 @@
             <a:fld id="{CB623699-5D93-42A8-82C5-4CE4A751448C}" type="datetime4">
               <a:rPr lang="en-US"/>
               <a:pPr/>
-              <a:t>January 26, 2016</a:t>
+              <a:t>January 27, 2016</a:t>
             </a:fld>
             <a:endParaRPr lang="en-US"/>
           </a:p>
@@ -6278,7 +6192,7 @@
             <a:fld id="{8674D8E9-F485-4B73-92FA-C90C42F451AA}" type="slidenum">
               <a:rPr lang="en-US"/>
               <a:pPr/>
-              <a:t>‹Nº›</a:t>
+              <a:t>‹#›</a:t>
             </a:fld>
             <a:endParaRPr lang="en-US"/>
           </a:p>
@@ -6493,7 +6407,7 @@
             <a:fld id="{35D4A035-EC82-45B7-85EE-1AD172ED641B}" type="datetime4">
               <a:rPr lang="en-US"/>
               <a:pPr/>
-              <a:t>January 26, 2016</a:t>
+              <a:t>January 27, 2016</a:t>
             </a:fld>
             <a:endParaRPr lang="en-US"/>
           </a:p>
@@ -6521,7 +6435,7 @@
             <a:fld id="{B7704591-2EF4-4888-A83F-73DE73A8C697}" type="slidenum">
               <a:rPr lang="en-US"/>
               <a:pPr/>
-              <a:t>‹Nº›</a:t>
+              <a:t>‹#›</a:t>
             </a:fld>
             <a:endParaRPr lang="en-US"/>
           </a:p>
@@ -6794,7 +6708,7 @@
             <a:fld id="{C5C8A87D-B64B-4FAE-9783-C8A8C51DE32E}" type="datetime4">
               <a:rPr lang="en-US"/>
               <a:pPr/>
-              <a:t>January 26, 2016</a:t>
+              <a:t>January 27, 2016</a:t>
             </a:fld>
             <a:endParaRPr lang="en-US"/>
           </a:p>
@@ -6842,7 +6756,7 @@
             <a:fld id="{DBDA91D8-871B-48CE-909C-0384425EA555}" type="slidenum">
               <a:rPr lang="en-US"/>
               <a:pPr/>
-              <a:t>‹Nº›</a:t>
+              <a:t>‹#›</a:t>
             </a:fld>
             <a:endParaRPr lang="en-US"/>
           </a:p>
@@ -7304,7 +7218,7 @@
             <a:fld id="{F7F6E5C7-7311-463D-9A63-0F1E6D1EC37F}" type="datetime4">
               <a:rPr lang="en-US"/>
               <a:pPr/>
-              <a:t>January 26, 2016</a:t>
+              <a:t>January 27, 2016</a:t>
             </a:fld>
             <a:endParaRPr lang="en-US"/>
           </a:p>
@@ -7466,36 +7380,6 @@
           </a:p>
         </p:txBody>
       </p:sp>
-      <p:pic>
-        <p:nvPicPr>
-          <p:cNvPr id="2" name="Imagen 1"/>
-          <p:cNvPicPr>
-            <a:picLocks noChangeAspect="1"/>
-          </p:cNvPicPr>
-          <p:nvPr/>
-        </p:nvPicPr>
-        <p:blipFill>
-          <a:blip r:embed="rId2">
-            <a:extLst>
-              <a:ext uri="{28A0092B-C50C-407E-A947-70E740481C1C}">
-                <a14:useLocalDpi xmlns:a14="http://schemas.microsoft.com/office/drawing/2010/main" val="0"/>
-              </a:ext>
-            </a:extLst>
-          </a:blip>
-          <a:stretch>
-            <a:fillRect/>
-          </a:stretch>
-        </p:blipFill>
-        <p:spPr>
-          <a:xfrm>
-            <a:off x="3491880" y="5912044"/>
-            <a:ext cx="2857500" cy="895350"/>
-          </a:xfrm>
-          <a:prstGeom prst="rect">
-            <a:avLst/>
-          </a:prstGeom>
-        </p:spPr>
-      </p:pic>
     </p:spTree>
   </p:cSld>
   <p:clrMapOvr>
@@ -7589,7 +7473,7 @@
             <a:fld id="{31DCBD78-A96A-4270-BAB0-39853B6FFB02}" type="datetime4">
               <a:rPr lang="en-US" smtClean="0"/>
               <a:pPr/>
-              <a:t>January 26, 2016</a:t>
+              <a:t>January 27, 2016</a:t>
             </a:fld>
             <a:endParaRPr lang="en-US"/>
           </a:p>
@@ -7631,7 +7515,7 @@
           <a:blip r:embed="rId2">
             <a:extLst>
               <a:ext uri="{28A0092B-C50C-407E-A947-70E740481C1C}">
-                <a14:useLocalDpi xmlns:a14="http://schemas.microsoft.com/office/drawing/2010/main" val="0"/>
+                <a14:useLocalDpi xmlns:a14="http://schemas.microsoft.com/office/drawing/2010/main" xmlns="" val="0"/>
               </a:ext>
             </a:extLst>
           </a:blip>
@@ -7649,98 +7533,10 @@
           </a:prstGeom>
         </p:spPr>
       </p:pic>
-      <p:pic>
-        <p:nvPicPr>
-          <p:cNvPr id="7" name="Imagen 6"/>
-          <p:cNvPicPr>
-            <a:picLocks noChangeAspect="1"/>
-          </p:cNvPicPr>
-          <p:nvPr/>
-        </p:nvPicPr>
-        <p:blipFill>
-          <a:blip r:embed="rId3">
-            <a:extLst>
-              <a:ext uri="{28A0092B-C50C-407E-A947-70E740481C1C}">
-                <a14:useLocalDpi xmlns:a14="http://schemas.microsoft.com/office/drawing/2010/main" val="0"/>
-              </a:ext>
-            </a:extLst>
-          </a:blip>
-          <a:stretch>
-            <a:fillRect/>
-          </a:stretch>
-        </p:blipFill>
-        <p:spPr>
-          <a:xfrm>
-            <a:off x="4211960" y="6137668"/>
-            <a:ext cx="2137420" cy="669725"/>
-          </a:xfrm>
-          <a:prstGeom prst="rect">
-            <a:avLst/>
-          </a:prstGeom>
-        </p:spPr>
-      </p:pic>
-      <p:cxnSp>
-        <p:nvCxnSpPr>
-          <p:cNvPr id="8" name="Conector recto de flecha 7"/>
-          <p:cNvCxnSpPr/>
-          <p:nvPr/>
-        </p:nvCxnSpPr>
-        <p:spPr bwMode="auto">
-          <a:xfrm flipH="1">
-            <a:off x="6477000" y="1988840"/>
-            <a:ext cx="216024" cy="0"/>
-          </a:xfrm>
-          <a:prstGeom prst="straightConnector1">
-            <a:avLst/>
-          </a:prstGeom>
-          <a:solidFill>
-            <a:schemeClr val="accent1"/>
-          </a:solidFill>
-          <a:ln w="9525" cap="flat" cmpd="sng" algn="ctr">
-            <a:solidFill>
-              <a:schemeClr val="tx1"/>
-            </a:solidFill>
-            <a:prstDash val="solid"/>
-            <a:round/>
-            <a:headEnd type="none" w="med" len="med"/>
-            <a:tailEnd type="triangle"/>
-          </a:ln>
-          <a:effectLst/>
-        </p:spPr>
-      </p:cxnSp>
-      <p:cxnSp>
-        <p:nvCxnSpPr>
-          <p:cNvPr id="9" name="Conector recto de flecha 8"/>
-          <p:cNvCxnSpPr/>
-          <p:nvPr/>
-        </p:nvCxnSpPr>
-        <p:spPr bwMode="auto">
-          <a:xfrm flipH="1">
-            <a:off x="6477000" y="2132856"/>
-            <a:ext cx="216024" cy="0"/>
-          </a:xfrm>
-          <a:prstGeom prst="straightConnector1">
-            <a:avLst/>
-          </a:prstGeom>
-          <a:solidFill>
-            <a:schemeClr val="accent1"/>
-          </a:solidFill>
-          <a:ln w="9525" cap="flat" cmpd="sng" algn="ctr">
-            <a:solidFill>
-              <a:schemeClr val="tx1"/>
-            </a:solidFill>
-            <a:prstDash val="solid"/>
-            <a:round/>
-            <a:headEnd type="none" w="med" len="med"/>
-            <a:tailEnd type="triangle"/>
-          </a:ln>
-          <a:effectLst/>
-        </p:spPr>
-      </p:cxnSp>
     </p:spTree>
     <p:extLst>
       <p:ext uri="{BB962C8B-B14F-4D97-AF65-F5344CB8AC3E}">
-        <p14:creationId xmlns:p14="http://schemas.microsoft.com/office/powerpoint/2010/main" val="361985728"/>
+        <p14:creationId xmlns:p14="http://schemas.microsoft.com/office/powerpoint/2010/main" xmlns="" val="361985728"/>
       </p:ext>
     </p:extLst>
   </p:cSld>
@@ -7822,11 +7618,11 @@
           <a:lstStyle/>
           <a:p>
             <a:r>
-              <a:rPr lang="es-ES" dirty="0" err="1"/>
+              <a:rPr lang="es-ES" dirty="0" err="1" smtClean="0"/>
               <a:t>Varying</a:t>
             </a:r>
             <a:r>
-              <a:rPr lang="es-ES" dirty="0"/>
+              <a:rPr lang="es-ES" dirty="0" smtClean="0"/>
               <a:t> </a:t>
             </a:r>
             <a:r>
@@ -7866,274 +7662,176 @@
               <a:t> </a:t>
             </a:r>
             <a:r>
-              <a:rPr lang="es-ES" dirty="0" err="1"/>
+              <a:rPr lang="es-ES" dirty="0" err="1" smtClean="0"/>
               <a:t>threshold</a:t>
+            </a:r>
+            <a:r>
+              <a:rPr lang="es-ES" dirty="0" smtClean="0"/>
+              <a:t> </a:t>
+            </a:r>
+            <a:r>
+              <a:rPr lang="es-ES" b="1" i="1" dirty="0" err="1" smtClean="0"/>
+              <a:t>does</a:t>
+            </a:r>
+            <a:r>
+              <a:rPr lang="es-ES" b="1" i="1" dirty="0" smtClean="0"/>
+              <a:t> </a:t>
+            </a:r>
+            <a:r>
+              <a:rPr lang="es-ES" b="1" i="1" dirty="0" err="1" smtClean="0"/>
+              <a:t>not</a:t>
+            </a:r>
+            <a:r>
+              <a:rPr lang="es-ES" b="1" i="1" dirty="0" smtClean="0"/>
+              <a:t> </a:t>
+            </a:r>
+            <a:r>
+              <a:rPr lang="es-ES" b="1" i="1" dirty="0" err="1" smtClean="0"/>
+              <a:t>affect</a:t>
+            </a:r>
+            <a:r>
+              <a:rPr lang="es-ES" b="1" i="1" dirty="0" smtClean="0"/>
+              <a:t> </a:t>
+            </a:r>
+            <a:r>
+              <a:rPr lang="es-ES" dirty="0" err="1" smtClean="0"/>
+              <a:t>the</a:t>
+            </a:r>
+            <a:r>
+              <a:rPr lang="es-ES" dirty="0" smtClean="0"/>
+              <a:t> score of </a:t>
+            </a:r>
+            <a:r>
+              <a:rPr lang="es-ES" dirty="0" err="1" smtClean="0"/>
+              <a:t>the</a:t>
+            </a:r>
+            <a:r>
+              <a:rPr lang="es-ES" dirty="0" smtClean="0"/>
+              <a:t> </a:t>
+            </a:r>
+            <a:r>
+              <a:rPr lang="es-ES" dirty="0" err="1" smtClean="0"/>
+              <a:t>prediction</a:t>
+            </a:r>
+            <a:endParaRPr lang="es-ES" dirty="0" smtClean="0"/>
+          </a:p>
+          <a:p>
+            <a:r>
+              <a:rPr lang="es-ES" dirty="0" smtClean="0"/>
+              <a:t>Scores </a:t>
+            </a:r>
+            <a:r>
+              <a:rPr lang="es-ES" dirty="0" err="1" smtClean="0"/>
+              <a:t>using</a:t>
+            </a:r>
+            <a:r>
+              <a:rPr lang="es-ES" dirty="0" smtClean="0"/>
+              <a:t> NMS </a:t>
+            </a:r>
+            <a:r>
+              <a:rPr lang="es-ES" dirty="0" err="1" smtClean="0"/>
+              <a:t>approach</a:t>
+            </a:r>
+            <a:r>
+              <a:rPr lang="es-ES" dirty="0" smtClean="0"/>
+              <a:t> </a:t>
+            </a:r>
+            <a:r>
+              <a:rPr lang="es-ES" dirty="0" err="1" smtClean="0"/>
+              <a:t>were</a:t>
+            </a:r>
+            <a:r>
+              <a:rPr lang="es-ES" dirty="0" smtClean="0"/>
+              <a:t> </a:t>
+            </a:r>
+            <a:r>
+              <a:rPr lang="es-ES" dirty="0" err="1" smtClean="0"/>
+              <a:t>always</a:t>
+            </a:r>
+            <a:r>
+              <a:rPr lang="es-ES" dirty="0" smtClean="0"/>
+              <a:t> </a:t>
+            </a:r>
+            <a:r>
+              <a:rPr lang="es-ES" dirty="0" err="1" smtClean="0"/>
+              <a:t>lower</a:t>
+            </a:r>
+            <a:r>
+              <a:rPr lang="es-ES" dirty="0" smtClean="0"/>
+              <a:t> </a:t>
+            </a:r>
+            <a:r>
+              <a:rPr lang="es-ES" dirty="0" err="1" smtClean="0"/>
+              <a:t>or</a:t>
+            </a:r>
+            <a:r>
+              <a:rPr lang="es-ES" dirty="0" smtClean="0"/>
+              <a:t> </a:t>
+            </a:r>
+            <a:r>
+              <a:rPr lang="es-ES" dirty="0" err="1" smtClean="0"/>
+              <a:t>equal</a:t>
+            </a:r>
+            <a:r>
+              <a:rPr lang="es-ES" dirty="0" smtClean="0"/>
+              <a:t> </a:t>
+            </a:r>
+            <a:r>
+              <a:rPr lang="es-ES" dirty="0" err="1" smtClean="0"/>
+              <a:t>than</a:t>
+            </a:r>
+            <a:r>
+              <a:rPr lang="es-ES" dirty="0" smtClean="0"/>
+              <a:t> </a:t>
+            </a:r>
+            <a:r>
+              <a:rPr lang="es-ES" dirty="0" err="1" smtClean="0"/>
+              <a:t>the</a:t>
+            </a:r>
+            <a:r>
+              <a:rPr lang="es-ES" dirty="0" smtClean="0"/>
+              <a:t> </a:t>
+            </a:r>
+            <a:r>
+              <a:rPr lang="es-ES" dirty="0" err="1" smtClean="0"/>
+              <a:t>ones</a:t>
+            </a:r>
+            <a:r>
+              <a:rPr lang="es-ES" dirty="0" smtClean="0"/>
+              <a:t> </a:t>
+            </a:r>
+            <a:r>
+              <a:rPr lang="es-ES" dirty="0" err="1" smtClean="0"/>
+              <a:t>using</a:t>
+            </a:r>
+            <a:r>
+              <a:rPr lang="es-ES" dirty="0" smtClean="0"/>
+              <a:t> </a:t>
+            </a:r>
+            <a:r>
+              <a:rPr lang="es-ES" dirty="0" err="1" smtClean="0"/>
+              <a:t>the</a:t>
+            </a:r>
+            <a:r>
+              <a:rPr lang="es-ES" dirty="0" smtClean="0"/>
+              <a:t> </a:t>
+            </a:r>
+            <a:r>
+              <a:rPr lang="es-ES" dirty="0" err="1" smtClean="0"/>
+              <a:t>most</a:t>
+            </a:r>
+            <a:r>
+              <a:rPr lang="es-ES" dirty="0" smtClean="0"/>
+              <a:t> probable </a:t>
+            </a:r>
+            <a:r>
+              <a:rPr lang="es-ES" dirty="0" err="1" smtClean="0"/>
+              <a:t>patch</a:t>
             </a:r>
             <a:r>
               <a:rPr lang="es-ES" dirty="0"/>
               <a:t> </a:t>
             </a:r>
-            <a:r>
-              <a:rPr lang="es-ES" b="1" i="1" dirty="0" err="1"/>
-              <a:t>does</a:t>
-            </a:r>
-            <a:r>
-              <a:rPr lang="es-ES" b="1" i="1" dirty="0"/>
-              <a:t> </a:t>
-            </a:r>
-            <a:r>
-              <a:rPr lang="es-ES" b="1" i="1" dirty="0" err="1"/>
-              <a:t>not</a:t>
-            </a:r>
-            <a:r>
-              <a:rPr lang="es-ES" b="1" i="1" dirty="0"/>
-              <a:t> </a:t>
-            </a:r>
-            <a:r>
-              <a:rPr lang="es-ES" b="1" i="1" dirty="0" err="1"/>
-              <a:t>affect</a:t>
-            </a:r>
-            <a:r>
-              <a:rPr lang="es-ES" b="1" i="1" dirty="0"/>
-              <a:t> </a:t>
-            </a:r>
-            <a:r>
-              <a:rPr lang="es-ES" dirty="0" err="1"/>
-              <a:t>the</a:t>
-            </a:r>
-            <a:r>
-              <a:rPr lang="es-ES" dirty="0"/>
-              <a:t> score of </a:t>
-            </a:r>
-            <a:r>
-              <a:rPr lang="es-ES" dirty="0" err="1"/>
-              <a:t>the</a:t>
-            </a:r>
-            <a:r>
-              <a:rPr lang="es-ES" dirty="0"/>
-              <a:t> </a:t>
-            </a:r>
-            <a:r>
-              <a:rPr lang="es-ES" dirty="0" err="1" smtClean="0"/>
-              <a:t>prediction</a:t>
-            </a:r>
-            <a:endParaRPr lang="es-ES" dirty="0" smtClean="0"/>
-          </a:p>
-          <a:p>
-            <a:pPr marL="0" indent="0">
-              <a:buNone/>
-            </a:pPr>
-            <a:endParaRPr lang="es-ES" dirty="0"/>
-          </a:p>
-          <a:p>
-            <a:r>
-              <a:rPr lang="es-ES" dirty="0" smtClean="0"/>
-              <a:t>Scores </a:t>
-            </a:r>
-            <a:r>
-              <a:rPr lang="es-ES" dirty="0" err="1" smtClean="0"/>
-              <a:t>using</a:t>
-            </a:r>
-            <a:r>
-              <a:rPr lang="es-ES" dirty="0" smtClean="0"/>
-              <a:t> NMS </a:t>
-            </a:r>
-            <a:r>
-              <a:rPr lang="es-ES" dirty="0" err="1" smtClean="0"/>
-              <a:t>approach</a:t>
-            </a:r>
-            <a:r>
-              <a:rPr lang="es-ES" dirty="0" smtClean="0"/>
-              <a:t> </a:t>
-            </a:r>
-            <a:r>
-              <a:rPr lang="es-ES" dirty="0" err="1" smtClean="0"/>
-              <a:t>were</a:t>
-            </a:r>
-            <a:r>
-              <a:rPr lang="es-ES" dirty="0" smtClean="0"/>
-              <a:t> </a:t>
-            </a:r>
-            <a:r>
-              <a:rPr lang="es-ES" dirty="0" err="1" smtClean="0"/>
-              <a:t>always</a:t>
-            </a:r>
-            <a:r>
-              <a:rPr lang="es-ES" dirty="0" smtClean="0"/>
-              <a:t> </a:t>
-            </a:r>
-            <a:r>
-              <a:rPr lang="es-ES" b="1" dirty="0" err="1" smtClean="0">
-                <a:effectLst>
-                  <a:outerShdw blurRad="38100" dist="38100" dir="2700000" algn="tl">
-                    <a:srgbClr val="000000">
-                      <a:alpha val="43137"/>
-                    </a:srgbClr>
-                  </a:outerShdw>
-                </a:effectLst>
-              </a:rPr>
-              <a:t>lower</a:t>
-            </a:r>
-            <a:r>
-              <a:rPr lang="es-ES" b="1" dirty="0" smtClean="0">
-                <a:effectLst>
-                  <a:outerShdw blurRad="38100" dist="38100" dir="2700000" algn="tl">
-                    <a:srgbClr val="000000">
-                      <a:alpha val="43137"/>
-                    </a:srgbClr>
-                  </a:outerShdw>
-                </a:effectLst>
-              </a:rPr>
-              <a:t> </a:t>
-            </a:r>
-            <a:r>
-              <a:rPr lang="es-ES" b="1" dirty="0" err="1" smtClean="0">
-                <a:effectLst>
-                  <a:outerShdw blurRad="38100" dist="38100" dir="2700000" algn="tl">
-                    <a:srgbClr val="000000">
-                      <a:alpha val="43137"/>
-                    </a:srgbClr>
-                  </a:outerShdw>
-                </a:effectLst>
-              </a:rPr>
-              <a:t>or</a:t>
-            </a:r>
-            <a:r>
-              <a:rPr lang="es-ES" b="1" dirty="0" smtClean="0">
-                <a:effectLst>
-                  <a:outerShdw blurRad="38100" dist="38100" dir="2700000" algn="tl">
-                    <a:srgbClr val="000000">
-                      <a:alpha val="43137"/>
-                    </a:srgbClr>
-                  </a:outerShdw>
-                </a:effectLst>
-              </a:rPr>
-              <a:t> </a:t>
-            </a:r>
-            <a:r>
-              <a:rPr lang="es-ES" b="1" dirty="0" err="1" smtClean="0">
-                <a:effectLst>
-                  <a:outerShdw blurRad="38100" dist="38100" dir="2700000" algn="tl">
-                    <a:srgbClr val="000000">
-                      <a:alpha val="43137"/>
-                    </a:srgbClr>
-                  </a:outerShdw>
-                </a:effectLst>
-              </a:rPr>
-              <a:t>equal</a:t>
-            </a:r>
-            <a:r>
-              <a:rPr lang="es-ES" dirty="0" smtClean="0"/>
-              <a:t> </a:t>
-            </a:r>
-            <a:r>
-              <a:rPr lang="es-ES" dirty="0" err="1" smtClean="0"/>
-              <a:t>than</a:t>
-            </a:r>
-            <a:r>
-              <a:rPr lang="es-ES" dirty="0" smtClean="0"/>
-              <a:t> </a:t>
-            </a:r>
-            <a:r>
-              <a:rPr lang="es-ES" dirty="0" err="1" smtClean="0"/>
-              <a:t>the</a:t>
-            </a:r>
-            <a:r>
-              <a:rPr lang="es-ES" dirty="0" smtClean="0"/>
-              <a:t> </a:t>
-            </a:r>
-            <a:r>
-              <a:rPr lang="es-ES" dirty="0" err="1" smtClean="0"/>
-              <a:t>ones</a:t>
-            </a:r>
-            <a:r>
-              <a:rPr lang="es-ES" dirty="0" smtClean="0"/>
-              <a:t> </a:t>
-            </a:r>
-            <a:r>
-              <a:rPr lang="es-ES" dirty="0" err="1" smtClean="0"/>
-              <a:t>using</a:t>
-            </a:r>
-            <a:r>
-              <a:rPr lang="es-ES" dirty="0" smtClean="0"/>
-              <a:t> </a:t>
-            </a:r>
-            <a:r>
-              <a:rPr lang="es-ES" dirty="0" err="1" smtClean="0"/>
-              <a:t>the</a:t>
-            </a:r>
-            <a:r>
-              <a:rPr lang="es-ES" dirty="0" smtClean="0"/>
-              <a:t> </a:t>
-            </a:r>
-            <a:r>
-              <a:rPr lang="es-ES" dirty="0" err="1" smtClean="0"/>
-              <a:t>most</a:t>
-            </a:r>
-            <a:r>
-              <a:rPr lang="es-ES" dirty="0" smtClean="0"/>
-              <a:t> probable </a:t>
-            </a:r>
-            <a:r>
-              <a:rPr lang="es-ES" dirty="0" err="1" smtClean="0"/>
-              <a:t>patch</a:t>
-            </a:r>
-            <a:r>
-              <a:rPr lang="es-ES" dirty="0"/>
-              <a:t> </a:t>
-            </a:r>
-            <a:r>
-              <a:rPr lang="es-ES" dirty="0" err="1" smtClean="0"/>
-              <a:t>approach</a:t>
-            </a:r>
-            <a:endParaRPr lang="es-ES" dirty="0" smtClean="0"/>
-          </a:p>
-          <a:p>
-            <a:endParaRPr lang="es-ES" dirty="0"/>
-          </a:p>
-          <a:p>
-            <a:r>
-              <a:rPr lang="es-ES" dirty="0" err="1" smtClean="0"/>
-              <a:t>Best</a:t>
-            </a:r>
-            <a:r>
-              <a:rPr lang="es-ES" dirty="0" smtClean="0"/>
-              <a:t> </a:t>
-            </a:r>
-            <a:r>
-              <a:rPr lang="es-ES" dirty="0" err="1" smtClean="0"/>
-              <a:t>classifier</a:t>
-            </a:r>
-            <a:r>
-              <a:rPr lang="es-ES" dirty="0" smtClean="0"/>
-              <a:t>: </a:t>
-            </a:r>
-            <a:r>
-              <a:rPr lang="es-ES" b="1" dirty="0" smtClean="0">
-                <a:effectLst>
-                  <a:outerShdw blurRad="38100" dist="38100" dir="2700000" algn="tl">
-                    <a:srgbClr val="000000">
-                      <a:alpha val="43137"/>
-                    </a:srgbClr>
-                  </a:outerShdw>
-                </a:effectLst>
-              </a:rPr>
-              <a:t>KNN (K=30)</a:t>
-            </a:r>
-            <a:endParaRPr lang="es-ES" b="1" dirty="0" smtClean="0">
-              <a:effectLst>
-                <a:outerShdw blurRad="38100" dist="38100" dir="2700000" algn="tl">
-                  <a:srgbClr val="000000">
-                    <a:alpha val="43137"/>
-                  </a:srgbClr>
-                </a:outerShdw>
-              </a:effectLst>
-            </a:endParaRPr>
-          </a:p>
-          <a:p>
-            <a:endParaRPr lang="es-ES" dirty="0" smtClean="0"/>
-          </a:p>
-          <a:p>
             <a:endParaRPr lang="en-US" dirty="0"/>
           </a:p>
         </p:txBody>
@@ -8156,7 +7854,7 @@
             <a:fld id="{31DCBD78-A96A-4270-BAB0-39853B6FFB02}" type="datetime4">
               <a:rPr lang="en-US" smtClean="0"/>
               <a:pPr/>
-              <a:t>January 26, 2016</a:t>
+              <a:t>January 27, 2016</a:t>
             </a:fld>
             <a:endParaRPr lang="en-US"/>
           </a:p>
@@ -8186,40 +7884,10 @@
           </a:p>
         </p:txBody>
       </p:sp>
-      <p:pic>
-        <p:nvPicPr>
-          <p:cNvPr id="6" name="Imagen 5"/>
-          <p:cNvPicPr>
-            <a:picLocks noChangeAspect="1"/>
-          </p:cNvPicPr>
-          <p:nvPr/>
-        </p:nvPicPr>
-        <p:blipFill>
-          <a:blip r:embed="rId2">
-            <a:extLst>
-              <a:ext uri="{28A0092B-C50C-407E-A947-70E740481C1C}">
-                <a14:useLocalDpi xmlns:a14="http://schemas.microsoft.com/office/drawing/2010/main" val="0"/>
-              </a:ext>
-            </a:extLst>
-          </a:blip>
-          <a:stretch>
-            <a:fillRect/>
-          </a:stretch>
-        </p:blipFill>
-        <p:spPr>
-          <a:xfrm>
-            <a:off x="4211960" y="6137668"/>
-            <a:ext cx="2137420" cy="669725"/>
-          </a:xfrm>
-          <a:prstGeom prst="rect">
-            <a:avLst/>
-          </a:prstGeom>
-        </p:spPr>
-      </p:pic>
     </p:spTree>
     <p:extLst>
       <p:ext uri="{BB962C8B-B14F-4D97-AF65-F5344CB8AC3E}">
-        <p14:creationId xmlns:p14="http://schemas.microsoft.com/office/powerpoint/2010/main" val="3814688274"/>
+        <p14:creationId xmlns:p14="http://schemas.microsoft.com/office/powerpoint/2010/main" xmlns="" val="3814688274"/>
       </p:ext>
     </p:extLst>
   </p:cSld>
@@ -8294,7 +7962,7 @@
             <a:fld id="{31DCBD78-A96A-4270-BAB0-39853B6FFB02}" type="datetime4">
               <a:rPr lang="en-US" smtClean="0"/>
               <a:pPr/>
-              <a:t>January 26, 2016</a:t>
+              <a:t>January 27, 2016</a:t>
             </a:fld>
             <a:endParaRPr lang="en-US"/>
           </a:p>
@@ -8350,98 +8018,10 @@
           <a:noFill/>
         </p:spPr>
       </p:pic>
-      <p:pic>
-        <p:nvPicPr>
-          <p:cNvPr id="6" name="Imagen 5"/>
-          <p:cNvPicPr>
-            <a:picLocks noChangeAspect="1"/>
-          </p:cNvPicPr>
-          <p:nvPr/>
-        </p:nvPicPr>
-        <p:blipFill>
-          <a:blip r:embed="rId3">
-            <a:extLst>
-              <a:ext uri="{28A0092B-C50C-407E-A947-70E740481C1C}">
-                <a14:useLocalDpi xmlns:a14="http://schemas.microsoft.com/office/drawing/2010/main" val="0"/>
-              </a:ext>
-            </a:extLst>
-          </a:blip>
-          <a:stretch>
-            <a:fillRect/>
-          </a:stretch>
-        </p:blipFill>
-        <p:spPr>
-          <a:xfrm>
-            <a:off x="4211960" y="6137668"/>
-            <a:ext cx="2137420" cy="669725"/>
-          </a:xfrm>
-          <a:prstGeom prst="rect">
-            <a:avLst/>
-          </a:prstGeom>
-        </p:spPr>
-      </p:pic>
-      <p:cxnSp>
-        <p:nvCxnSpPr>
-          <p:cNvPr id="7" name="Conector recto de flecha 6"/>
-          <p:cNvCxnSpPr/>
-          <p:nvPr/>
-        </p:nvCxnSpPr>
-        <p:spPr bwMode="auto">
-          <a:xfrm flipH="1">
-            <a:off x="7000892" y="4365104"/>
-            <a:ext cx="216024" cy="0"/>
-          </a:xfrm>
-          <a:prstGeom prst="straightConnector1">
-            <a:avLst/>
-          </a:prstGeom>
-          <a:solidFill>
-            <a:schemeClr val="accent1"/>
-          </a:solidFill>
-          <a:ln w="9525" cap="flat" cmpd="sng" algn="ctr">
-            <a:solidFill>
-              <a:schemeClr val="tx1"/>
-            </a:solidFill>
-            <a:prstDash val="solid"/>
-            <a:round/>
-            <a:headEnd type="none" w="med" len="med"/>
-            <a:tailEnd type="triangle"/>
-          </a:ln>
-          <a:effectLst/>
-        </p:spPr>
-      </p:cxnSp>
-      <p:cxnSp>
-        <p:nvCxnSpPr>
-          <p:cNvPr id="8" name="Conector recto de flecha 7"/>
-          <p:cNvCxnSpPr/>
-          <p:nvPr/>
-        </p:nvCxnSpPr>
-        <p:spPr bwMode="auto">
-          <a:xfrm flipH="1">
-            <a:off x="6784868" y="2348880"/>
-            <a:ext cx="216024" cy="0"/>
-          </a:xfrm>
-          <a:prstGeom prst="straightConnector1">
-            <a:avLst/>
-          </a:prstGeom>
-          <a:solidFill>
-            <a:schemeClr val="accent1"/>
-          </a:solidFill>
-          <a:ln w="9525" cap="flat" cmpd="sng" algn="ctr">
-            <a:solidFill>
-              <a:schemeClr val="tx1"/>
-            </a:solidFill>
-            <a:prstDash val="solid"/>
-            <a:round/>
-            <a:headEnd type="none" w="med" len="med"/>
-            <a:tailEnd type="triangle"/>
-          </a:ln>
-          <a:effectLst/>
-        </p:spPr>
-      </p:cxnSp>
     </p:spTree>
     <p:extLst>
       <p:ext uri="{BB962C8B-B14F-4D97-AF65-F5344CB8AC3E}">
-        <p14:creationId xmlns:p14="http://schemas.microsoft.com/office/powerpoint/2010/main" val="738818748"/>
+        <p14:creationId xmlns:p14="http://schemas.microsoft.com/office/powerpoint/2010/main" xmlns="" val="738818748"/>
       </p:ext>
     </p:extLst>
   </p:cSld>
@@ -8689,52 +8269,17 @@
             </a:r>
             <a:r>
               <a:rPr lang="es-ES" dirty="0" smtClean="0"/>
-              <a:t> and </a:t>
-            </a:r>
-            <a:r>
-              <a:rPr lang="es-ES" dirty="0" err="1" smtClean="0"/>
-              <a:t>classifier</a:t>
-            </a:r>
-            <a:r>
-              <a:rPr lang="es-ES" dirty="0" smtClean="0"/>
               <a:t>: </a:t>
             </a:r>
             <a:r>
-              <a:rPr lang="es-ES" b="1" dirty="0" smtClean="0">
-                <a:effectLst>
-                  <a:outerShdw blurRad="38100" dist="38100" dir="2700000" algn="tl">
-                    <a:srgbClr val="000000">
-                      <a:alpha val="43137"/>
-                    </a:srgbClr>
-                  </a:outerShdw>
-                </a:effectLst>
-              </a:rPr>
+              <a:rPr lang="es-ES" b="1" dirty="0" smtClean="0"/>
               <a:t>10 </a:t>
             </a:r>
             <a:r>
-              <a:rPr lang="es-ES" b="1" dirty="0" err="1" smtClean="0">
-                <a:effectLst>
-                  <a:outerShdw blurRad="38100" dist="38100" dir="2700000" algn="tl">
-                    <a:srgbClr val="000000">
-                      <a:alpha val="43137"/>
-                    </a:srgbClr>
-                  </a:outerShdw>
-                </a:effectLst>
-              </a:rPr>
+              <a:rPr lang="es-ES" b="1" dirty="0" err="1" smtClean="0"/>
               <a:t>pixels</a:t>
             </a:r>
-            <a:r>
-              <a:rPr lang="es-ES" b="1" dirty="0" smtClean="0">
-                <a:effectLst>
-                  <a:outerShdw blurRad="38100" dist="38100" dir="2700000" algn="tl">
-                    <a:srgbClr val="000000">
-                      <a:alpha val="43137"/>
-                    </a:srgbClr>
-                  </a:outerShdw>
-                </a:effectLst>
-              </a:rPr>
-              <a:t>, KNN (k=30)</a:t>
-            </a:r>
+            <a:endParaRPr lang="es-ES" b="1" dirty="0" smtClean="0"/>
           </a:p>
           <a:p>
             <a:r>
@@ -8875,7 +8420,7 @@
             <a:fld id="{31DCBD78-A96A-4270-BAB0-39853B6FFB02}" type="datetime4">
               <a:rPr lang="en-US" smtClean="0"/>
               <a:pPr/>
-              <a:t>January 26, 2016</a:t>
+              <a:t>January 27, 2016</a:t>
             </a:fld>
             <a:endParaRPr lang="en-US"/>
           </a:p>
@@ -8905,40 +8450,10 @@
           </a:p>
         </p:txBody>
       </p:sp>
-      <p:pic>
-        <p:nvPicPr>
-          <p:cNvPr id="6" name="Imagen 5"/>
-          <p:cNvPicPr>
-            <a:picLocks noChangeAspect="1"/>
-          </p:cNvPicPr>
-          <p:nvPr/>
-        </p:nvPicPr>
-        <p:blipFill>
-          <a:blip r:embed="rId2">
-            <a:extLst>
-              <a:ext uri="{28A0092B-C50C-407E-A947-70E740481C1C}">
-                <a14:useLocalDpi xmlns:a14="http://schemas.microsoft.com/office/drawing/2010/main" val="0"/>
-              </a:ext>
-            </a:extLst>
-          </a:blip>
-          <a:stretch>
-            <a:fillRect/>
-          </a:stretch>
-        </p:blipFill>
-        <p:spPr>
-          <a:xfrm>
-            <a:off x="4211960" y="6137668"/>
-            <a:ext cx="2137420" cy="669725"/>
-          </a:xfrm>
-          <a:prstGeom prst="rect">
-            <a:avLst/>
-          </a:prstGeom>
-        </p:spPr>
-      </p:pic>
     </p:spTree>
     <p:extLst>
       <p:ext uri="{BB962C8B-B14F-4D97-AF65-F5344CB8AC3E}">
-        <p14:creationId xmlns:p14="http://schemas.microsoft.com/office/powerpoint/2010/main" val="1716738538"/>
+        <p14:creationId xmlns:p14="http://schemas.microsoft.com/office/powerpoint/2010/main" xmlns="" val="1716738538"/>
       </p:ext>
     </p:extLst>
   </p:cSld>
@@ -8997,6 +8512,33 @@
       </p:sp>
       <p:sp>
         <p:nvSpPr>
+          <p:cNvPr id="3" name="Content Placeholder 2"/>
+          <p:cNvSpPr>
+            <a:spLocks noGrp="1"/>
+          </p:cNvSpPr>
+          <p:nvPr>
+            <p:ph idx="1"/>
+          </p:nvPr>
+        </p:nvSpPr>
+        <p:spPr/>
+        <p:txBody>
+          <a:bodyPr/>
+          <a:lstStyle/>
+          <a:p>
+            <a:r>
+              <a:rPr lang="en-US" dirty="0" smtClean="0"/>
+              <a:t>For </a:t>
+            </a:r>
+            <a:r>
+              <a:rPr lang="en-US" dirty="0" err="1" smtClean="0"/>
+              <a:t>kNN</a:t>
+            </a:r>
+            <a:endParaRPr lang="en-US" dirty="0" smtClean="0"/>
+          </a:p>
+        </p:txBody>
+      </p:sp>
+      <p:sp>
+        <p:nvSpPr>
           <p:cNvPr id="4" name="Date Placeholder 3"/>
           <p:cNvSpPr>
             <a:spLocks noGrp="1"/>
@@ -9013,7 +8555,7 @@
             <a:fld id="{31DCBD78-A96A-4270-BAB0-39853B6FFB02}" type="datetime4">
               <a:rPr lang="en-US" smtClean="0"/>
               <a:pPr/>
-              <a:t>January 26, 2016</a:t>
+              <a:t>January 27, 2016</a:t>
             </a:fld>
             <a:endParaRPr lang="en-US"/>
           </a:p>
@@ -9045,7 +8587,7 @@
       </p:sp>
       <p:pic>
         <p:nvPicPr>
-          <p:cNvPr id="4098" name="Picture 2" descr="C:\Users\Megana Hukeri\Desktop\medvis  images\prrf.png"/>
+          <p:cNvPr id="2050" name="Picture 2" descr="C:\Users\Megana Hukeri\Desktop\medvis  images\prknn.png"/>
           <p:cNvPicPr>
             <a:picLocks noChangeAspect="1" noChangeArrowheads="1"/>
           </p:cNvPicPr>
@@ -9060,8 +8602,8 @@
         </p:blipFill>
         <p:spPr bwMode="auto">
           <a:xfrm>
-            <a:off x="709" y="1825651"/>
-            <a:ext cx="3066602" cy="2385993"/>
+            <a:off x="2428859" y="2143116"/>
+            <a:ext cx="4608933" cy="3662902"/>
           </a:xfrm>
           <a:prstGeom prst="rect">
             <a:avLst/>
@@ -9069,172 +8611,10 @@
           <a:noFill/>
         </p:spPr>
       </p:pic>
-      <p:pic>
-        <p:nvPicPr>
-          <p:cNvPr id="7" name="Imagen 6"/>
-          <p:cNvPicPr>
-            <a:picLocks noChangeAspect="1"/>
-          </p:cNvPicPr>
-          <p:nvPr/>
-        </p:nvPicPr>
-        <p:blipFill>
-          <a:blip r:embed="rId3">
-            <a:extLst>
-              <a:ext uri="{28A0092B-C50C-407E-A947-70E740481C1C}">
-                <a14:useLocalDpi xmlns:a14="http://schemas.microsoft.com/office/drawing/2010/main" val="0"/>
-              </a:ext>
-            </a:extLst>
-          </a:blip>
-          <a:stretch>
-            <a:fillRect/>
-          </a:stretch>
-        </p:blipFill>
-        <p:spPr>
-          <a:xfrm>
-            <a:off x="4211960" y="6137668"/>
-            <a:ext cx="2137420" cy="669725"/>
-          </a:xfrm>
-          <a:prstGeom prst="rect">
-            <a:avLst/>
-          </a:prstGeom>
-        </p:spPr>
-      </p:pic>
-      <p:pic>
-        <p:nvPicPr>
-          <p:cNvPr id="9" name="Picture 2" descr="C:\Users\Megana Hukeri\Desktop\medvis  images\prsvc.png"/>
-          <p:cNvPicPr>
-            <a:picLocks noChangeAspect="1" noChangeArrowheads="1"/>
-          </p:cNvPicPr>
-          <p:nvPr/>
-        </p:nvPicPr>
-        <p:blipFill>
-          <a:blip r:embed="rId4"/>
-          <a:srcRect/>
-          <a:stretch>
-            <a:fillRect/>
-          </a:stretch>
-        </p:blipFill>
-        <p:spPr bwMode="auto">
-          <a:xfrm>
-            <a:off x="3067311" y="1825651"/>
-            <a:ext cx="2929981" cy="2385993"/>
-          </a:xfrm>
-          <a:prstGeom prst="rect">
-            <a:avLst/>
-          </a:prstGeom>
-          <a:noFill/>
-        </p:spPr>
-      </p:pic>
-      <p:pic>
-        <p:nvPicPr>
-          <p:cNvPr id="10" name="Picture 2" descr="C:\Users\Megana Hukeri\Desktop\medvis  images\prknn.png"/>
-          <p:cNvPicPr>
-            <a:picLocks noChangeAspect="1" noChangeArrowheads="1"/>
-          </p:cNvPicPr>
-          <p:nvPr/>
-        </p:nvPicPr>
-        <p:blipFill>
-          <a:blip r:embed="rId5"/>
-          <a:srcRect/>
-          <a:stretch>
-            <a:fillRect/>
-          </a:stretch>
-        </p:blipFill>
-        <p:spPr bwMode="auto">
-          <a:xfrm>
-            <a:off x="6076159" y="1901548"/>
-            <a:ext cx="2811232" cy="2234198"/>
-          </a:xfrm>
-          <a:prstGeom prst="rect">
-            <a:avLst/>
-          </a:prstGeom>
-          <a:noFill/>
-        </p:spPr>
-      </p:pic>
-      <p:sp>
-        <p:nvSpPr>
-          <p:cNvPr id="11" name="Marcador de contenido 10"/>
-          <p:cNvSpPr txBox="1">
-            <a:spLocks noGrp="1"/>
-          </p:cNvSpPr>
-          <p:nvPr>
-            <p:ph idx="1"/>
-          </p:nvPr>
-        </p:nvSpPr>
-        <p:spPr>
-          <a:xfrm>
-            <a:off x="2311152" y="4674171"/>
-            <a:ext cx="5501208" cy="769441"/>
-          </a:xfrm>
-          <a:prstGeom prst="rect">
-            <a:avLst/>
-          </a:prstGeom>
-          <a:ln>
-            <a:solidFill>
-              <a:srgbClr val="00B0F0"/>
-            </a:solidFill>
-          </a:ln>
-        </p:spPr>
-        <p:style>
-          <a:lnRef idx="2">
-            <a:schemeClr val="accent1"/>
-          </a:lnRef>
-          <a:fillRef idx="1">
-            <a:schemeClr val="lt1"/>
-          </a:fillRef>
-          <a:effectRef idx="0">
-            <a:schemeClr val="accent1"/>
-          </a:effectRef>
-          <a:fontRef idx="minor">
-            <a:schemeClr val="dk1"/>
-          </a:fontRef>
-        </p:style>
-        <p:txBody>
-          <a:bodyPr wrap="square" rtlCol="0">
-            <a:spAutoFit/>
-          </a:bodyPr>
-          <a:lstStyle/>
-          <a:p>
-            <a:pPr marL="0" indent="0">
-              <a:buNone/>
-            </a:pPr>
-            <a:r>
-              <a:rPr lang="es-ES" sz="2000" b="1" dirty="0" smtClean="0">
-                <a:effectLst>
-                  <a:outerShdw blurRad="38100" dist="38100" dir="2700000" algn="tl">
-                    <a:srgbClr val="000000">
-                      <a:alpha val="43137"/>
-                    </a:srgbClr>
-                  </a:outerShdw>
-                </a:effectLst>
-              </a:rPr>
-              <a:t>	KNN (K=30) : AUC =0.72</a:t>
-            </a:r>
-          </a:p>
-          <a:p>
-            <a:pPr marL="0" indent="0">
-              <a:buNone/>
-            </a:pPr>
-            <a:r>
-              <a:rPr lang="es-ES" sz="2000" b="1" dirty="0" smtClean="0">
-                <a:effectLst>
-                  <a:outerShdw blurRad="38100" dist="38100" dir="2700000" algn="tl">
-                    <a:srgbClr val="000000">
-                      <a:alpha val="43137"/>
-                    </a:srgbClr>
-                  </a:outerShdw>
-                </a:effectLst>
-              </a:rPr>
-              <a:t>	RF (n=5): AUC=0.73</a:t>
-            </a:r>
-            <a:endParaRPr lang="en-US" sz="3200" dirty="0"/>
-          </a:p>
-        </p:txBody>
-      </p:sp>
     </p:spTree>
     <p:extLst>
       <p:ext uri="{BB962C8B-B14F-4D97-AF65-F5344CB8AC3E}">
-        <p14:creationId xmlns:p14="http://schemas.microsoft.com/office/powerpoint/2010/main" val="1478924857"/>
+        <p14:creationId xmlns:p14="http://schemas.microsoft.com/office/powerpoint/2010/main" xmlns="" val="1989105717"/>
       </p:ext>
     </p:extLst>
   </p:cSld>
@@ -9270,7 +8650,7 @@
       </p:grpSpPr>
       <p:sp>
         <p:nvSpPr>
-          <p:cNvPr id="2" name="Título 1"/>
+          <p:cNvPr id="2" name="Title 1"/>
           <p:cNvSpPr>
             <a:spLocks noGrp="1"/>
           </p:cNvSpPr>
@@ -9278,43 +8658,14 @@
             <p:ph type="title"/>
           </p:nvPr>
         </p:nvSpPr>
-        <p:spPr>
-          <a:xfrm>
-            <a:off x="546956" y="404664"/>
-            <a:ext cx="8489540" cy="1143000"/>
-          </a:xfrm>
-        </p:spPr>
+        <p:spPr/>
         <p:txBody>
           <a:bodyPr/>
           <a:lstStyle/>
           <a:p>
             <a:r>
-              <a:rPr lang="es-ES" dirty="0" err="1" smtClean="0"/>
-              <a:t>Conclussions</a:t>
-            </a:r>
-            <a:r>
-              <a:rPr lang="es-ES" dirty="0" smtClean="0"/>
-              <a:t> </a:t>
-            </a:r>
-            <a:r>
-              <a:rPr lang="es-ES" dirty="0"/>
-              <a:t>(I</a:t>
-            </a:r>
-            <a:r>
-              <a:rPr lang="es-ES" dirty="0" smtClean="0"/>
-              <a:t>): </a:t>
-            </a:r>
-            <a:r>
-              <a:rPr lang="es-ES" dirty="0" err="1" smtClean="0"/>
-              <a:t>Influence</a:t>
-            </a:r>
-            <a:r>
-              <a:rPr lang="es-ES" dirty="0" smtClean="0"/>
-              <a:t> of </a:t>
-            </a:r>
-            <a:r>
-              <a:rPr lang="es-ES" dirty="0" err="1" smtClean="0"/>
-              <a:t>parameters</a:t>
+              <a:rPr lang="en-US" dirty="0" smtClean="0"/>
+              <a:t>Precision Recall Curves – evaluating Classifier Performance</a:t>
             </a:r>
             <a:endParaRPr lang="en-US" dirty="0"/>
           </a:p>
@@ -9322,7 +8673,7 @@
       </p:sp>
       <p:sp>
         <p:nvSpPr>
-          <p:cNvPr id="3" name="Marcador de contenido 2"/>
+          <p:cNvPr id="3" name="Content Placeholder 2"/>
           <p:cNvSpPr>
             <a:spLocks noGrp="1"/>
           </p:cNvSpPr>
@@ -9337,79 +8688,15 @@
           <a:p>
             <a:r>
               <a:rPr lang="en-US" dirty="0" smtClean="0"/>
-              <a:t>No optimal NMS overlap threshold found</a:t>
-            </a:r>
-          </a:p>
-          <a:p>
-            <a:r>
-              <a:rPr lang="en-US" dirty="0" smtClean="0"/>
-              <a:t>Scores using NMS approach were always lower </a:t>
+              <a:t>For SVC </a:t>
             </a:r>
             <a:endParaRPr lang="en-US" dirty="0"/>
           </a:p>
-          <a:p>
-            <a:r>
-              <a:rPr lang="en-US" b="1" dirty="0" smtClean="0"/>
-              <a:t>Decreasing step size </a:t>
-            </a:r>
-            <a:r>
-              <a:rPr lang="en-US" dirty="0" smtClean="0"/>
-              <a:t>does not change prediction score but it highly </a:t>
-            </a:r>
-            <a:r>
-              <a:rPr lang="en-US" b="1" dirty="0" smtClean="0"/>
-              <a:t>increases </a:t>
-            </a:r>
-            <a:r>
-              <a:rPr lang="en-US" b="1" dirty="0"/>
-              <a:t>computational cost. </a:t>
-            </a:r>
-            <a:endParaRPr lang="en-US" b="1" dirty="0" smtClean="0"/>
-          </a:p>
-          <a:p>
-            <a:r>
-              <a:rPr lang="en-US" b="1" dirty="0"/>
-              <a:t>Decreasing step </a:t>
-            </a:r>
-            <a:r>
-              <a:rPr lang="en-US" b="1" dirty="0" smtClean="0"/>
-              <a:t>size</a:t>
-            </a:r>
-            <a:r>
-              <a:rPr lang="en-US" b="1" dirty="0" smtClean="0">
-                <a:sym typeface="Wingdings" panose="05000000000000000000" pitchFamily="2" charset="2"/>
-              </a:rPr>
-              <a:t> NOISE?</a:t>
-            </a:r>
-            <a:endParaRPr lang="en-US" b="1" dirty="0" smtClean="0"/>
-          </a:p>
-          <a:p>
-            <a:r>
-              <a:rPr lang="en-US" b="1" dirty="0" smtClean="0"/>
-              <a:t>Scores ~60 %... </a:t>
-            </a:r>
-            <a:endParaRPr lang="en-US" dirty="0" smtClean="0"/>
-          </a:p>
-          <a:p>
-            <a:endParaRPr lang="en-US" b="1" dirty="0"/>
-          </a:p>
-          <a:p>
-            <a:pPr marL="0" indent="0">
-              <a:buNone/>
-            </a:pPr>
-            <a:endParaRPr lang="en-US" dirty="0" smtClean="0"/>
-          </a:p>
-          <a:p>
-            <a:pPr marL="0" indent="0">
-              <a:buNone/>
-            </a:pPr>
-            <a:endParaRPr lang="en-US" dirty="0"/>
-          </a:p>
-        </p:txBody>
-      </p:sp>
-      <p:sp>
-        <p:nvSpPr>
-          <p:cNvPr id="4" name="Marcador de fecha 3"/>
+        </p:txBody>
+      </p:sp>
+      <p:sp>
+        <p:nvSpPr>
+          <p:cNvPr id="4" name="Date Placeholder 3"/>
           <p:cNvSpPr>
             <a:spLocks noGrp="1"/>
           </p:cNvSpPr>
@@ -9425,7 +8712,7 @@
             <a:fld id="{31DCBD78-A96A-4270-BAB0-39853B6FFB02}" type="datetime4">
               <a:rPr lang="en-US" smtClean="0"/>
               <a:pPr/>
-              <a:t>January 26, 2016</a:t>
+              <a:t>January 27, 2016</a:t>
             </a:fld>
             <a:endParaRPr lang="en-US"/>
           </a:p>
@@ -9433,7 +8720,7 @@
       </p:sp>
       <p:sp>
         <p:nvSpPr>
-          <p:cNvPr id="5" name="Marcador de número de diapositiva 4"/>
+          <p:cNvPr id="5" name="Slide Number Placeholder 4"/>
           <p:cNvSpPr>
             <a:spLocks noGrp="1"/>
           </p:cNvSpPr>
@@ -9457,128 +8744,34 @@
       </p:sp>
       <p:pic>
         <p:nvPicPr>
-          <p:cNvPr id="6" name="Imagen 5"/>
+          <p:cNvPr id="3074" name="Picture 2" descr="C:\Users\Megana Hukeri\Desktop\medvis  images\prsvc.png"/>
           <p:cNvPicPr>
-            <a:picLocks noChangeAspect="1"/>
+            <a:picLocks noChangeAspect="1" noChangeArrowheads="1"/>
           </p:cNvPicPr>
           <p:nvPr/>
         </p:nvPicPr>
         <p:blipFill>
-          <a:blip r:embed="rId3">
-            <a:extLst>
-              <a:ext uri="{28A0092B-C50C-407E-A947-70E740481C1C}">
-                <a14:useLocalDpi xmlns:a14="http://schemas.microsoft.com/office/drawing/2010/main" val="0"/>
-              </a:ext>
-            </a:extLst>
-          </a:blip>
+          <a:blip r:embed="rId2"/>
+          <a:srcRect/>
           <a:stretch>
             <a:fillRect/>
           </a:stretch>
         </p:blipFill>
-        <p:spPr>
+        <p:spPr bwMode="auto">
           <a:xfrm>
-            <a:off x="107504" y="404664"/>
-            <a:ext cx="3984169" cy="2988128"/>
+            <a:off x="2643173" y="2000241"/>
+            <a:ext cx="4692331" cy="3821140"/>
           </a:xfrm>
           <a:prstGeom prst="rect">
             <a:avLst/>
           </a:prstGeom>
-        </p:spPr>
-      </p:pic>
-      <p:pic>
-        <p:nvPicPr>
-          <p:cNvPr id="7" name="Imagen 6"/>
-          <p:cNvPicPr>
-            <a:picLocks noChangeAspect="1"/>
-          </p:cNvPicPr>
-          <p:nvPr/>
-        </p:nvPicPr>
-        <p:blipFill>
-          <a:blip r:embed="rId4">
-            <a:extLst>
-              <a:ext uri="{28A0092B-C50C-407E-A947-70E740481C1C}">
-                <a14:useLocalDpi xmlns:a14="http://schemas.microsoft.com/office/drawing/2010/main" val="0"/>
-              </a:ext>
-            </a:extLst>
-          </a:blip>
-          <a:stretch>
-            <a:fillRect/>
-          </a:stretch>
-        </p:blipFill>
-        <p:spPr>
-          <a:xfrm>
-            <a:off x="4952972" y="351727"/>
-            <a:ext cx="3984169" cy="2988128"/>
-          </a:xfrm>
-          <a:prstGeom prst="rect">
-            <a:avLst/>
-          </a:prstGeom>
-        </p:spPr>
-      </p:pic>
-      <p:pic>
-        <p:nvPicPr>
-          <p:cNvPr id="8" name="Imagen 7"/>
-          <p:cNvPicPr>
-            <a:picLocks noChangeAspect="1"/>
-          </p:cNvPicPr>
-          <p:nvPr/>
-        </p:nvPicPr>
-        <p:blipFill>
-          <a:blip r:embed="rId5">
-            <a:extLst>
-              <a:ext uri="{28A0092B-C50C-407E-A947-70E740481C1C}">
-                <a14:useLocalDpi xmlns:a14="http://schemas.microsoft.com/office/drawing/2010/main" val="0"/>
-              </a:ext>
-            </a:extLst>
-          </a:blip>
-          <a:stretch>
-            <a:fillRect/>
-          </a:stretch>
-        </p:blipFill>
-        <p:spPr>
-          <a:xfrm>
-            <a:off x="160549" y="3020661"/>
-            <a:ext cx="3984169" cy="2988128"/>
-          </a:xfrm>
-          <a:prstGeom prst="rect">
-            <a:avLst/>
-          </a:prstGeom>
-        </p:spPr>
-      </p:pic>
-      <p:pic>
-        <p:nvPicPr>
-          <p:cNvPr id="9" name="Imagen 8"/>
-          <p:cNvPicPr>
-            <a:picLocks noChangeAspect="1"/>
-          </p:cNvPicPr>
-          <p:nvPr/>
-        </p:nvPicPr>
-        <p:blipFill>
-          <a:blip r:embed="rId6">
-            <a:extLst>
-              <a:ext uri="{28A0092B-C50C-407E-A947-70E740481C1C}">
-                <a14:useLocalDpi xmlns:a14="http://schemas.microsoft.com/office/drawing/2010/main" val="0"/>
-              </a:ext>
-            </a:extLst>
-          </a:blip>
-          <a:stretch>
-            <a:fillRect/>
-          </a:stretch>
-        </p:blipFill>
-        <p:spPr>
-          <a:xfrm>
-            <a:off x="4946076" y="2993018"/>
-            <a:ext cx="3984169" cy="2988128"/>
-          </a:xfrm>
-          <a:prstGeom prst="rect">
-            <a:avLst/>
-          </a:prstGeom>
+          <a:noFill/>
         </p:spPr>
       </p:pic>
     </p:spTree>
     <p:extLst>
       <p:ext uri="{BB962C8B-B14F-4D97-AF65-F5344CB8AC3E}">
-        <p14:creationId xmlns:p14="http://schemas.microsoft.com/office/powerpoint/2010/main" val="1613190116"/>
+        <p14:creationId xmlns:p14="http://schemas.microsoft.com/office/powerpoint/2010/main" xmlns="" val="1152895506"/>
       </p:ext>
     </p:extLst>
   </p:cSld>
@@ -9588,215 +8781,7 @@
   <p:timing>
     <p:tnLst>
       <p:par>
-        <p:cTn id="1" dur="indefinite" restart="never" nodeType="tmRoot">
-          <p:childTnLst>
-            <p:seq concurrent="1" nextAc="seek">
-              <p:cTn id="2" dur="indefinite" nodeType="mainSeq">
-                <p:childTnLst>
-                  <p:par>
-                    <p:cTn id="3" fill="hold">
-                      <p:stCondLst>
-                        <p:cond delay="indefinite"/>
-                      </p:stCondLst>
-                      <p:childTnLst>
-                        <p:par>
-                          <p:cTn id="4" fill="hold">
-                            <p:stCondLst>
-                              <p:cond delay="0"/>
-                            </p:stCondLst>
-                            <p:childTnLst>
-                              <p:par>
-                                <p:cTn id="5" presetID="22" presetClass="entr" presetSubtype="4" fill="hold" nodeType="clickEffect">
-                                  <p:stCondLst>
-                                    <p:cond delay="0"/>
-                                  </p:stCondLst>
-                                  <p:childTnLst>
-                                    <p:set>
-                                      <p:cBhvr>
-                                        <p:cTn id="6" dur="1" fill="hold">
-                                          <p:stCondLst>
-                                            <p:cond delay="0"/>
-                                          </p:stCondLst>
-                                        </p:cTn>
-                                        <p:tgtEl>
-                                          <p:spTgt spid="6"/>
-                                        </p:tgtEl>
-                                        <p:attrNameLst>
-                                          <p:attrName>style.visibility</p:attrName>
-                                        </p:attrNameLst>
-                                      </p:cBhvr>
-                                      <p:to>
-                                        <p:strVal val="visible"/>
-                                      </p:to>
-                                    </p:set>
-                                    <p:animEffect transition="in" filter="wipe(down)">
-                                      <p:cBhvr>
-                                        <p:cTn id="7" dur="500"/>
-                                        <p:tgtEl>
-                                          <p:spTgt spid="6"/>
-                                        </p:tgtEl>
-                                      </p:cBhvr>
-                                    </p:animEffect>
-                                  </p:childTnLst>
-                                </p:cTn>
-                              </p:par>
-                            </p:childTnLst>
-                          </p:cTn>
-                        </p:par>
-                        <p:par>
-                          <p:cTn id="8" fill="hold">
-                            <p:stCondLst>
-                              <p:cond delay="500"/>
-                            </p:stCondLst>
-                            <p:childTnLst>
-                              <p:par>
-                                <p:cTn id="9" presetID="22" presetClass="entr" presetSubtype="4" fill="hold" nodeType="afterEffect">
-                                  <p:stCondLst>
-                                    <p:cond delay="0"/>
-                                  </p:stCondLst>
-                                  <p:childTnLst>
-                                    <p:set>
-                                      <p:cBhvr>
-                                        <p:cTn id="10" dur="1" fill="hold">
-                                          <p:stCondLst>
-                                            <p:cond delay="0"/>
-                                          </p:stCondLst>
-                                        </p:cTn>
-                                        <p:tgtEl>
-                                          <p:spTgt spid="7"/>
-                                        </p:tgtEl>
-                                        <p:attrNameLst>
-                                          <p:attrName>style.visibility</p:attrName>
-                                        </p:attrNameLst>
-                                      </p:cBhvr>
-                                      <p:to>
-                                        <p:strVal val="visible"/>
-                                      </p:to>
-                                    </p:set>
-                                    <p:animEffect transition="in" filter="wipe(down)">
-                                      <p:cBhvr>
-                                        <p:cTn id="11" dur="500"/>
-                                        <p:tgtEl>
-                                          <p:spTgt spid="7"/>
-                                        </p:tgtEl>
-                                      </p:cBhvr>
-                                    </p:animEffect>
-                                  </p:childTnLst>
-                                </p:cTn>
-                              </p:par>
-                            </p:childTnLst>
-                          </p:cTn>
-                        </p:par>
-                        <p:par>
-                          <p:cTn id="12" fill="hold">
-                            <p:stCondLst>
-                              <p:cond delay="1000"/>
-                            </p:stCondLst>
-                            <p:childTnLst>
-                              <p:par>
-                                <p:cTn id="13" presetID="22" presetClass="entr" presetSubtype="4" fill="hold" nodeType="afterEffect">
-                                  <p:stCondLst>
-                                    <p:cond delay="0"/>
-                                  </p:stCondLst>
-                                  <p:childTnLst>
-                                    <p:set>
-                                      <p:cBhvr>
-                                        <p:cTn id="14" dur="1" fill="hold">
-                                          <p:stCondLst>
-                                            <p:cond delay="0"/>
-                                          </p:stCondLst>
-                                        </p:cTn>
-                                        <p:tgtEl>
-                                          <p:spTgt spid="8"/>
-                                        </p:tgtEl>
-                                        <p:attrNameLst>
-                                          <p:attrName>style.visibility</p:attrName>
-                                        </p:attrNameLst>
-                                      </p:cBhvr>
-                                      <p:to>
-                                        <p:strVal val="visible"/>
-                                      </p:to>
-                                    </p:set>
-                                    <p:animEffect transition="in" filter="wipe(down)">
-                                      <p:cBhvr>
-                                        <p:cTn id="15" dur="500"/>
-                                        <p:tgtEl>
-                                          <p:spTgt spid="8"/>
-                                        </p:tgtEl>
-                                      </p:cBhvr>
-                                    </p:animEffect>
-                                  </p:childTnLst>
-                                </p:cTn>
-                              </p:par>
-                            </p:childTnLst>
-                          </p:cTn>
-                        </p:par>
-                        <p:par>
-                          <p:cTn id="16" fill="hold">
-                            <p:stCondLst>
-                              <p:cond delay="1500"/>
-                            </p:stCondLst>
-                            <p:childTnLst>
-                              <p:par>
-                                <p:cTn id="17" presetID="22" presetClass="entr" presetSubtype="4" fill="hold" nodeType="afterEffect">
-                                  <p:stCondLst>
-                                    <p:cond delay="0"/>
-                                  </p:stCondLst>
-                                  <p:childTnLst>
-                                    <p:set>
-                                      <p:cBhvr>
-                                        <p:cTn id="18" dur="1" fill="hold">
-                                          <p:stCondLst>
-                                            <p:cond delay="0"/>
-                                          </p:stCondLst>
-                                        </p:cTn>
-                                        <p:tgtEl>
-                                          <p:spTgt spid="9"/>
-                                        </p:tgtEl>
-                                        <p:attrNameLst>
-                                          <p:attrName>style.visibility</p:attrName>
-                                        </p:attrNameLst>
-                                      </p:cBhvr>
-                                      <p:to>
-                                        <p:strVal val="visible"/>
-                                      </p:to>
-                                    </p:set>
-                                    <p:animEffect transition="in" filter="wipe(down)">
-                                      <p:cBhvr>
-                                        <p:cTn id="19" dur="500"/>
-                                        <p:tgtEl>
-                                          <p:spTgt spid="9"/>
-                                        </p:tgtEl>
-                                      </p:cBhvr>
-                                    </p:animEffect>
-                                  </p:childTnLst>
-                                </p:cTn>
-                              </p:par>
-                            </p:childTnLst>
-                          </p:cTn>
-                        </p:par>
-                      </p:childTnLst>
-                    </p:cTn>
-                  </p:par>
-                </p:childTnLst>
-              </p:cTn>
-              <p:prevCondLst>
-                <p:cond evt="onPrev" delay="0">
-                  <p:tgtEl>
-                    <p:sldTgt/>
-                  </p:tgtEl>
-                </p:cond>
-              </p:prevCondLst>
-              <p:nextCondLst>
-                <p:cond evt="onNext" delay="0">
-                  <p:tgtEl>
-                    <p:sldTgt/>
-                  </p:tgtEl>
-                </p:cond>
-              </p:nextCondLst>
-            </p:seq>
-          </p:childTnLst>
-        </p:cTn>
+        <p:cTn id="1" dur="indefinite" restart="never" nodeType="tmRoot"/>
       </p:par>
     </p:tnLst>
   </p:timing>
@@ -9822,7 +8807,7 @@
       </p:grpSpPr>
       <p:sp>
         <p:nvSpPr>
-          <p:cNvPr id="2" name="Título 1"/>
+          <p:cNvPr id="2" name="Title 1"/>
           <p:cNvSpPr>
             <a:spLocks noGrp="1"/>
           </p:cNvSpPr>
@@ -9830,39 +8815,14 @@
             <p:ph type="title"/>
           </p:nvPr>
         </p:nvSpPr>
-        <p:spPr>
-          <a:xfrm>
-            <a:off x="747713" y="248210"/>
-            <a:ext cx="7772400" cy="1143000"/>
-          </a:xfrm>
-        </p:spPr>
+        <p:spPr/>
         <p:txBody>
           <a:bodyPr/>
           <a:lstStyle/>
           <a:p>
             <a:r>
-              <a:rPr lang="es-ES" dirty="0" err="1" smtClean="0"/>
-              <a:t>Conclusions</a:t>
-            </a:r>
-            <a:r>
-              <a:rPr lang="es-ES" dirty="0" smtClean="0"/>
-              <a:t> (</a:t>
-            </a:r>
-            <a:r>
-              <a:rPr lang="es-ES" dirty="0" smtClean="0"/>
-              <a:t>II): </a:t>
-            </a:r>
-            <a:r>
-              <a:rPr lang="es-ES" dirty="0" err="1" smtClean="0"/>
-              <a:t>Classifier</a:t>
-            </a:r>
-            <a:r>
-              <a:rPr lang="es-ES" dirty="0" smtClean="0"/>
-              <a:t> </a:t>
-            </a:r>
-            <a:r>
-              <a:rPr lang="es-ES" dirty="0" err="1" smtClean="0"/>
-              <a:t>selection</a:t>
+              <a:rPr lang="en-US" dirty="0" smtClean="0"/>
+              <a:t>Precision Recall Curves – evaluating Classifier Performance</a:t>
             </a:r>
             <a:endParaRPr lang="en-US" dirty="0"/>
           </a:p>
@@ -9870,7 +8830,7 @@
       </p:sp>
       <p:sp>
         <p:nvSpPr>
-          <p:cNvPr id="3" name="Marcador de contenido 2"/>
+          <p:cNvPr id="3" name="Content Placeholder 2"/>
           <p:cNvSpPr>
             <a:spLocks noGrp="1"/>
           </p:cNvSpPr>
@@ -9878,409 +8838,22 @@
             <p:ph idx="1"/>
           </p:nvPr>
         </p:nvSpPr>
-        <p:spPr>
-          <a:xfrm>
-            <a:off x="716449" y="1052736"/>
-            <a:ext cx="7772400" cy="3778250"/>
-          </a:xfrm>
-        </p:spPr>
+        <p:spPr/>
         <p:txBody>
           <a:bodyPr/>
           <a:lstStyle/>
           <a:p>
             <a:r>
-              <a:rPr lang="es-ES" sz="2000" dirty="0" err="1" smtClean="0"/>
-              <a:t>Varying</a:t>
-            </a:r>
-            <a:r>
-              <a:rPr lang="es-ES" sz="2000" dirty="0" smtClean="0"/>
-              <a:t> </a:t>
-            </a:r>
-            <a:r>
-              <a:rPr lang="es-ES" sz="2000" b="1" dirty="0" smtClean="0">
-                <a:effectLst>
-                  <a:outerShdw blurRad="38100" dist="38100" dir="2700000" algn="tl">
-                    <a:srgbClr val="000000">
-                      <a:alpha val="43137"/>
-                    </a:srgbClr>
-                  </a:outerShdw>
-                </a:effectLst>
-              </a:rPr>
-              <a:t>NMS </a:t>
-            </a:r>
-            <a:r>
-              <a:rPr lang="es-ES" sz="2000" b="1" dirty="0" err="1" smtClean="0">
-                <a:effectLst>
-                  <a:outerShdw blurRad="38100" dist="38100" dir="2700000" algn="tl">
-                    <a:srgbClr val="000000">
-                      <a:alpha val="43137"/>
-                    </a:srgbClr>
-                  </a:outerShdw>
-                </a:effectLst>
-              </a:rPr>
-              <a:t>overlap</a:t>
-            </a:r>
-            <a:r>
-              <a:rPr lang="es-ES" sz="2000" b="1" dirty="0" smtClean="0">
-                <a:effectLst>
-                  <a:outerShdw blurRad="38100" dist="38100" dir="2700000" algn="tl">
-                    <a:srgbClr val="000000">
-                      <a:alpha val="43137"/>
-                    </a:srgbClr>
-                  </a:outerShdw>
-                </a:effectLst>
-              </a:rPr>
-              <a:t> </a:t>
-            </a:r>
-            <a:r>
-              <a:rPr lang="es-ES" sz="2000" b="1" dirty="0" err="1" smtClean="0">
-                <a:effectLst>
-                  <a:outerShdw blurRad="38100" dist="38100" dir="2700000" algn="tl">
-                    <a:srgbClr val="000000">
-                      <a:alpha val="43137"/>
-                    </a:srgbClr>
-                  </a:outerShdw>
-                </a:effectLst>
-              </a:rPr>
-              <a:t>threshold</a:t>
-            </a:r>
-            <a:r>
-              <a:rPr lang="es-ES" sz="2000" b="1" dirty="0" smtClean="0">
-                <a:effectLst>
-                  <a:outerShdw blurRad="38100" dist="38100" dir="2700000" algn="tl">
-                    <a:srgbClr val="000000">
-                      <a:alpha val="43137"/>
-                    </a:srgbClr>
-                  </a:outerShdw>
-                </a:effectLst>
-              </a:rPr>
-              <a:t> </a:t>
-            </a:r>
-          </a:p>
-          <a:p>
-            <a:pPr lvl="1"/>
-            <a:r>
-              <a:rPr lang="es-ES" sz="1800" dirty="0" err="1"/>
-              <a:t>B</a:t>
-            </a:r>
-            <a:r>
-              <a:rPr lang="es-ES" sz="1800" dirty="0" err="1" smtClean="0"/>
-              <a:t>est</a:t>
-            </a:r>
-            <a:r>
-              <a:rPr lang="es-ES" sz="1800" dirty="0" smtClean="0"/>
-              <a:t> </a:t>
-            </a:r>
-            <a:r>
-              <a:rPr lang="es-ES" sz="1800" dirty="0" err="1" smtClean="0"/>
-              <a:t>prediction</a:t>
-            </a:r>
-            <a:r>
-              <a:rPr lang="es-ES" sz="1800" dirty="0" smtClean="0"/>
-              <a:t> </a:t>
-            </a:r>
-            <a:r>
-              <a:rPr lang="es-ES" sz="1800" dirty="0" err="1" smtClean="0"/>
-              <a:t>by</a:t>
-            </a:r>
-            <a:r>
-              <a:rPr lang="es-ES" sz="1800" dirty="0" smtClean="0"/>
-              <a:t>: </a:t>
-            </a:r>
-            <a:r>
-              <a:rPr lang="es-ES" sz="1800" b="1" dirty="0" smtClean="0">
-                <a:effectLst>
-                  <a:outerShdw blurRad="38100" dist="38100" dir="2700000" algn="tl">
-                    <a:srgbClr val="000000">
-                      <a:alpha val="43137"/>
-                    </a:srgbClr>
-                  </a:outerShdw>
-                </a:effectLst>
-              </a:rPr>
-              <a:t>KNN (k=30)</a:t>
-            </a:r>
-          </a:p>
-          <a:p>
-            <a:pPr marL="457200" lvl="1" indent="0">
-              <a:buNone/>
-            </a:pPr>
-            <a:endParaRPr lang="es-ES" sz="2000" b="1" dirty="0" smtClean="0">
-              <a:effectLst>
-                <a:outerShdw blurRad="38100" dist="38100" dir="2700000" algn="tl">
-                  <a:srgbClr val="000000">
-                    <a:alpha val="43137"/>
-                  </a:srgbClr>
-                </a:outerShdw>
-              </a:effectLst>
-            </a:endParaRPr>
-          </a:p>
-          <a:p>
-            <a:r>
-              <a:rPr lang="es-ES" sz="2000" dirty="0" err="1" smtClean="0"/>
-              <a:t>Varying</a:t>
-            </a:r>
-            <a:r>
-              <a:rPr lang="es-ES" sz="2000" dirty="0" smtClean="0"/>
-              <a:t> </a:t>
-            </a:r>
-            <a:r>
-              <a:rPr lang="es-ES" sz="2000" b="1" dirty="0" err="1" smtClean="0">
-                <a:effectLst>
-                  <a:outerShdw blurRad="38100" dist="38100" dir="2700000" algn="tl">
-                    <a:srgbClr val="000000">
-                      <a:alpha val="43137"/>
-                    </a:srgbClr>
-                  </a:outerShdw>
-                </a:effectLst>
-              </a:rPr>
-              <a:t>step</a:t>
-            </a:r>
-            <a:r>
-              <a:rPr lang="es-ES" sz="2000" b="1" dirty="0" smtClean="0">
-                <a:effectLst>
-                  <a:outerShdw blurRad="38100" dist="38100" dir="2700000" algn="tl">
-                    <a:srgbClr val="000000">
-                      <a:alpha val="43137"/>
-                    </a:srgbClr>
-                  </a:outerShdw>
-                </a:effectLst>
-              </a:rPr>
-              <a:t> </a:t>
-            </a:r>
-            <a:r>
-              <a:rPr lang="es-ES" sz="2000" b="1" dirty="0" err="1" smtClean="0">
-                <a:effectLst>
-                  <a:outerShdw blurRad="38100" dist="38100" dir="2700000" algn="tl">
-                    <a:srgbClr val="000000">
-                      <a:alpha val="43137"/>
-                    </a:srgbClr>
-                  </a:outerShdw>
-                </a:effectLst>
-              </a:rPr>
-              <a:t>size</a:t>
-            </a:r>
-            <a:endParaRPr lang="es-ES" sz="2000" b="1" dirty="0" smtClean="0">
-              <a:effectLst>
-                <a:outerShdw blurRad="38100" dist="38100" dir="2700000" algn="tl">
-                  <a:srgbClr val="000000">
-                    <a:alpha val="43137"/>
-                  </a:srgbClr>
-                </a:outerShdw>
-              </a:effectLst>
-            </a:endParaRPr>
-          </a:p>
-          <a:p>
-            <a:pPr lvl="1"/>
-            <a:r>
-              <a:rPr lang="es-ES" sz="1600" dirty="0" err="1" smtClean="0"/>
-              <a:t>Best</a:t>
-            </a:r>
-            <a:r>
-              <a:rPr lang="es-ES" sz="1600" dirty="0" smtClean="0"/>
-              <a:t> </a:t>
-            </a:r>
-            <a:r>
-              <a:rPr lang="es-ES" sz="1600" dirty="0" err="1" smtClean="0"/>
-              <a:t>prediction</a:t>
-            </a:r>
-            <a:r>
-              <a:rPr lang="es-ES" sz="1600" dirty="0" smtClean="0"/>
-              <a:t> </a:t>
-            </a:r>
-            <a:r>
-              <a:rPr lang="es-ES" sz="1600" dirty="0" err="1" smtClean="0"/>
-              <a:t>by</a:t>
-            </a:r>
-            <a:r>
-              <a:rPr lang="es-ES" sz="1600" dirty="0" smtClean="0"/>
-              <a:t>: </a:t>
-            </a:r>
-            <a:r>
-              <a:rPr lang="es-ES" sz="1600" b="1" dirty="0" err="1" smtClean="0">
-                <a:effectLst>
-                  <a:outerShdw blurRad="38100" dist="38100" dir="2700000" algn="tl">
-                    <a:srgbClr val="000000">
-                      <a:alpha val="43137"/>
-                    </a:srgbClr>
-                  </a:outerShdw>
-                </a:effectLst>
-              </a:rPr>
-              <a:t>Random</a:t>
-            </a:r>
-            <a:r>
-              <a:rPr lang="es-ES" sz="1600" b="1" dirty="0" smtClean="0">
-                <a:effectLst>
-                  <a:outerShdw blurRad="38100" dist="38100" dir="2700000" algn="tl">
-                    <a:srgbClr val="000000">
-                      <a:alpha val="43137"/>
-                    </a:srgbClr>
-                  </a:outerShdw>
-                </a:effectLst>
-              </a:rPr>
-              <a:t> </a:t>
-            </a:r>
-            <a:r>
-              <a:rPr lang="es-ES" sz="1600" b="1" dirty="0" err="1" smtClean="0">
-                <a:effectLst>
-                  <a:outerShdw blurRad="38100" dist="38100" dir="2700000" algn="tl">
-                    <a:srgbClr val="000000">
-                      <a:alpha val="43137"/>
-                    </a:srgbClr>
-                  </a:outerShdw>
-                </a:effectLst>
-              </a:rPr>
-              <a:t>Forest</a:t>
-            </a:r>
-            <a:r>
-              <a:rPr lang="es-ES" sz="1600" b="1" dirty="0" smtClean="0">
-                <a:effectLst>
-                  <a:outerShdw blurRad="38100" dist="38100" dir="2700000" algn="tl">
-                    <a:srgbClr val="000000">
-                      <a:alpha val="43137"/>
-                    </a:srgbClr>
-                  </a:outerShdw>
-                </a:effectLst>
-              </a:rPr>
-              <a:t> (n=30) </a:t>
-            </a:r>
-            <a:r>
-              <a:rPr lang="es-ES" sz="1600" dirty="0" smtClean="0"/>
-              <a:t>and </a:t>
-            </a:r>
-            <a:r>
-              <a:rPr lang="es-ES" sz="1600" b="1" dirty="0">
-                <a:effectLst>
-                  <a:outerShdw blurRad="38100" dist="38100" dir="2700000" algn="tl">
-                    <a:srgbClr val="000000">
-                      <a:alpha val="43137"/>
-                    </a:srgbClr>
-                  </a:outerShdw>
-                </a:effectLst>
-              </a:rPr>
-              <a:t>KNN (k=30</a:t>
-            </a:r>
-            <a:r>
-              <a:rPr lang="es-ES" sz="1600" b="1" dirty="0" smtClean="0">
-                <a:effectLst>
-                  <a:outerShdw blurRad="38100" dist="38100" dir="2700000" algn="tl">
-                    <a:srgbClr val="000000">
-                      <a:alpha val="43137"/>
-                    </a:srgbClr>
-                  </a:outerShdw>
-                </a:effectLst>
-              </a:rPr>
-              <a:t>)</a:t>
-            </a:r>
-          </a:p>
-          <a:p>
-            <a:pPr lvl="1"/>
-            <a:endParaRPr lang="es-ES" sz="1600" b="1" dirty="0">
-              <a:effectLst>
-                <a:outerShdw blurRad="38100" dist="38100" dir="2700000" algn="tl">
-                  <a:srgbClr val="000000">
-                    <a:alpha val="43137"/>
-                  </a:srgbClr>
-                </a:outerShdw>
-              </a:effectLst>
-            </a:endParaRPr>
-          </a:p>
-          <a:p>
-            <a:pPr marL="457200" lvl="1" indent="0">
-              <a:buNone/>
-            </a:pPr>
-            <a:endParaRPr lang="es-ES" sz="1600" b="1" dirty="0" smtClean="0">
-              <a:effectLst>
-                <a:outerShdw blurRad="38100" dist="38100" dir="2700000" algn="tl">
-                  <a:srgbClr val="000000">
-                    <a:alpha val="43137"/>
-                  </a:srgbClr>
-                </a:outerShdw>
-              </a:effectLst>
-            </a:endParaRPr>
-          </a:p>
-          <a:p>
-            <a:pPr lvl="1"/>
-            <a:endParaRPr lang="es-ES" sz="1800" b="1" dirty="0">
-              <a:effectLst>
-                <a:outerShdw blurRad="38100" dist="38100" dir="2700000" algn="tl">
-                  <a:srgbClr val="000000">
-                    <a:alpha val="43137"/>
-                  </a:srgbClr>
-                </a:outerShdw>
-              </a:effectLst>
-            </a:endParaRPr>
-          </a:p>
-          <a:p>
-            <a:pPr marL="457200" lvl="1" indent="0">
-              <a:buNone/>
-            </a:pPr>
-            <a:endParaRPr lang="es-ES" sz="1800" b="1" dirty="0" smtClean="0">
-              <a:effectLst>
-                <a:outerShdw blurRad="38100" dist="38100" dir="2700000" algn="tl">
-                  <a:srgbClr val="000000">
-                    <a:alpha val="43137"/>
-                  </a:srgbClr>
-                </a:outerShdw>
-              </a:effectLst>
-            </a:endParaRPr>
-          </a:p>
-          <a:p>
-            <a:pPr marL="457200" lvl="1" indent="0">
-              <a:buNone/>
-            </a:pPr>
-            <a:endParaRPr lang="es-ES" sz="1800" b="1" dirty="0" smtClean="0">
-              <a:effectLst>
-                <a:outerShdw blurRad="38100" dist="38100" dir="2700000" algn="tl">
-                  <a:srgbClr val="000000">
-                    <a:alpha val="43137"/>
-                  </a:srgbClr>
-                </a:outerShdw>
-              </a:effectLst>
-            </a:endParaRPr>
-          </a:p>
-          <a:p>
-            <a:pPr lvl="1"/>
-            <a:endParaRPr lang="es-ES" sz="1800" b="1" dirty="0">
-              <a:effectLst>
-                <a:outerShdw blurRad="38100" dist="38100" dir="2700000" algn="tl">
-                  <a:srgbClr val="000000">
-                    <a:alpha val="43137"/>
-                  </a:srgbClr>
-                </a:outerShdw>
-              </a:effectLst>
-            </a:endParaRPr>
-          </a:p>
-          <a:p>
-            <a:pPr marL="457200" lvl="1" indent="0">
-              <a:buNone/>
-            </a:pPr>
-            <a:endParaRPr lang="es-ES" sz="1800" b="1" dirty="0" smtClean="0">
-              <a:effectLst>
-                <a:outerShdw blurRad="38100" dist="38100" dir="2700000" algn="tl">
-                  <a:srgbClr val="000000">
-                    <a:alpha val="43137"/>
-                  </a:srgbClr>
-                </a:outerShdw>
-              </a:effectLst>
-            </a:endParaRPr>
-          </a:p>
-          <a:p>
-            <a:pPr marL="457200" lvl="1" indent="0">
-              <a:buNone/>
-            </a:pPr>
-            <a:endParaRPr lang="es-ES" dirty="0"/>
-          </a:p>
-          <a:p>
-            <a:pPr marL="457200" lvl="1" indent="0">
-              <a:buNone/>
-            </a:pPr>
+              <a:rPr lang="en-US" dirty="0" smtClean="0"/>
+              <a:t>For RF</a:t>
+            </a:r>
             <a:endParaRPr lang="en-US" dirty="0"/>
           </a:p>
         </p:txBody>
       </p:sp>
       <p:sp>
         <p:nvSpPr>
-          <p:cNvPr id="4" name="Marcador de fecha 3"/>
+          <p:cNvPr id="4" name="Date Placeholder 3"/>
           <p:cNvSpPr>
             <a:spLocks noGrp="1"/>
           </p:cNvSpPr>
@@ -10296,7 +8869,7 @@
             <a:fld id="{31DCBD78-A96A-4270-BAB0-39853B6FFB02}" type="datetime4">
               <a:rPr lang="en-US" smtClean="0"/>
               <a:pPr/>
-              <a:t>January 26, 2016</a:t>
+              <a:t>January 27, 2016</a:t>
             </a:fld>
             <a:endParaRPr lang="en-US"/>
           </a:p>
@@ -10304,7 +8877,7 @@
       </p:sp>
       <p:sp>
         <p:nvSpPr>
-          <p:cNvPr id="5" name="Marcador de número de diapositiva 4"/>
+          <p:cNvPr id="5" name="Slide Number Placeholder 4"/>
           <p:cNvSpPr>
             <a:spLocks noGrp="1"/>
           </p:cNvSpPr>
@@ -10326,610 +8899,36 @@
           </a:p>
         </p:txBody>
       </p:sp>
-      <p:sp>
-        <p:nvSpPr>
-          <p:cNvPr id="6" name="Flecha abajo 5"/>
-          <p:cNvSpPr/>
+      <p:pic>
+        <p:nvPicPr>
+          <p:cNvPr id="4098" name="Picture 2" descr="C:\Users\Megana Hukeri\Desktop\medvis  images\prrf.png"/>
+          <p:cNvPicPr>
+            <a:picLocks noChangeAspect="1" noChangeArrowheads="1"/>
+          </p:cNvPicPr>
           <p:nvPr/>
-        </p:nvSpPr>
+        </p:nvPicPr>
+        <p:blipFill>
+          <a:blip r:embed="rId2"/>
+          <a:srcRect/>
+          <a:stretch>
+            <a:fillRect/>
+          </a:stretch>
+        </p:blipFill>
         <p:spPr bwMode="auto">
           <a:xfrm>
-            <a:off x="3923928" y="2818870"/>
-            <a:ext cx="360040" cy="317923"/>
-          </a:xfrm>
-          <a:prstGeom prst="downArrow">
-            <a:avLst/>
-          </a:prstGeom>
-          <a:ln>
-            <a:solidFill>
-              <a:srgbClr val="00B0F0"/>
-            </a:solidFill>
-            <a:headEnd type="none" w="med" len="med"/>
-            <a:tailEnd type="none" w="med" len="med"/>
-          </a:ln>
-        </p:spPr>
-        <p:style>
-          <a:lnRef idx="1">
-            <a:schemeClr val="accent1"/>
-          </a:lnRef>
-          <a:fillRef idx="3">
-            <a:schemeClr val="accent1"/>
-          </a:fillRef>
-          <a:effectRef idx="2">
-            <a:schemeClr val="accent1"/>
-          </a:effectRef>
-          <a:fontRef idx="minor">
-            <a:schemeClr val="lt1"/>
-          </a:fontRef>
-        </p:style>
-        <p:txBody>
-          <a:bodyPr vert="horz" wrap="square" lIns="91440" tIns="45720" rIns="91440" bIns="45720" numCol="1" rtlCol="0" anchor="t" anchorCtr="0" compatLnSpc="1">
-            <a:prstTxWarp prst="textNoShape">
-              <a:avLst/>
-            </a:prstTxWarp>
-          </a:bodyPr>
-          <a:lstStyle/>
-          <a:p>
-            <a:pPr marL="0" marR="0" indent="0" algn="l" defTabSz="914400" rtl="0" eaLnBrk="0" fontAlgn="base" latinLnBrk="0" hangingPunct="0">
-              <a:lnSpc>
-                <a:spcPct val="100000"/>
-              </a:lnSpc>
-              <a:spcBef>
-                <a:spcPct val="0"/>
-              </a:spcBef>
-              <a:spcAft>
-                <a:spcPct val="0"/>
-              </a:spcAft>
-              <a:buClrTx/>
-              <a:buSzTx/>
-              <a:buFontTx/>
-              <a:buNone/>
-              <a:tabLst/>
-            </a:pPr>
-            <a:endParaRPr kumimoji="0" lang="en-US" sz="2400" b="0" i="0" u="none" strike="noStrike" cap="none" normalizeH="0" baseline="0" smtClean="0">
-              <a:ln>
-                <a:noFill/>
-              </a:ln>
-              <a:solidFill>
-                <a:schemeClr val="tx1"/>
-              </a:solidFill>
-              <a:effectLst/>
-              <a:latin typeface="Tahoma" charset="0"/>
-            </a:endParaRPr>
-          </a:p>
-        </p:txBody>
-      </p:sp>
-      <p:sp>
-        <p:nvSpPr>
-          <p:cNvPr id="8" name="CuadroTexto 7"/>
-          <p:cNvSpPr txBox="1"/>
-          <p:nvPr/>
-        </p:nvSpPr>
-        <p:spPr>
-          <a:xfrm>
-            <a:off x="3635896" y="3113371"/>
-            <a:ext cx="1153586" cy="307777"/>
+            <a:off x="2285983" y="1928802"/>
+            <a:ext cx="4866239" cy="3786214"/>
           </a:xfrm>
           <a:prstGeom prst="rect">
             <a:avLst/>
           </a:prstGeom>
           <a:noFill/>
         </p:spPr>
-        <p:txBody>
-          <a:bodyPr wrap="none" rtlCol="0">
-            <a:spAutoFit/>
-          </a:bodyPr>
-          <a:lstStyle/>
-          <a:p>
-            <a:r>
-              <a:rPr lang="es-ES" sz="1400" dirty="0" err="1"/>
-              <a:t>s</a:t>
-            </a:r>
-            <a:r>
-              <a:rPr lang="es-ES" sz="1400" dirty="0" err="1" smtClean="0"/>
-              <a:t>tep</a:t>
-            </a:r>
-            <a:r>
-              <a:rPr lang="es-ES" sz="1400" dirty="0" smtClean="0"/>
-              <a:t> </a:t>
-            </a:r>
-            <a:r>
-              <a:rPr lang="es-ES" sz="1400" dirty="0" err="1" smtClean="0"/>
-              <a:t>size</a:t>
-            </a:r>
-            <a:r>
-              <a:rPr lang="es-ES" sz="1400" dirty="0" smtClean="0"/>
-              <a:t>= 2</a:t>
-            </a:r>
-            <a:endParaRPr lang="en-US" sz="1400" dirty="0"/>
-          </a:p>
-        </p:txBody>
-      </p:sp>
-      <p:sp>
-        <p:nvSpPr>
-          <p:cNvPr id="9" name="CuadroTexto 8"/>
-          <p:cNvSpPr txBox="1"/>
-          <p:nvPr/>
-        </p:nvSpPr>
-        <p:spPr>
-          <a:xfrm>
-            <a:off x="6236571" y="3262086"/>
-            <a:ext cx="1251368" cy="307777"/>
-          </a:xfrm>
-          <a:prstGeom prst="rect">
-            <a:avLst/>
-          </a:prstGeom>
-          <a:noFill/>
-        </p:spPr>
-        <p:txBody>
-          <a:bodyPr wrap="none" rtlCol="0">
-            <a:spAutoFit/>
-          </a:bodyPr>
-          <a:lstStyle/>
-          <a:p>
-            <a:r>
-              <a:rPr lang="es-ES" sz="1400" dirty="0" err="1"/>
-              <a:t>s</a:t>
-            </a:r>
-            <a:r>
-              <a:rPr lang="es-ES" sz="1400" dirty="0" err="1" smtClean="0"/>
-              <a:t>tep</a:t>
-            </a:r>
-            <a:r>
-              <a:rPr lang="es-ES" sz="1400" dirty="0" smtClean="0"/>
-              <a:t> </a:t>
-            </a:r>
-            <a:r>
-              <a:rPr lang="es-ES" sz="1400" dirty="0" err="1" smtClean="0"/>
-              <a:t>size</a:t>
-            </a:r>
-            <a:r>
-              <a:rPr lang="es-ES" sz="1400" dirty="0" smtClean="0"/>
-              <a:t>= 10</a:t>
-            </a:r>
-            <a:endParaRPr lang="en-US" sz="1400" dirty="0"/>
-          </a:p>
-        </p:txBody>
-      </p:sp>
-      <p:sp>
-        <p:nvSpPr>
-          <p:cNvPr id="11" name="CuadroTexto 10"/>
-          <p:cNvSpPr txBox="1"/>
-          <p:nvPr/>
-        </p:nvSpPr>
-        <p:spPr>
-          <a:xfrm>
-            <a:off x="5603222" y="3917401"/>
-            <a:ext cx="2863284" cy="338554"/>
-          </a:xfrm>
-          <a:prstGeom prst="rect">
-            <a:avLst/>
-          </a:prstGeom>
-          <a:noFill/>
-        </p:spPr>
-        <p:txBody>
-          <a:bodyPr wrap="none" rtlCol="0">
-            <a:spAutoFit/>
-          </a:bodyPr>
-          <a:lstStyle/>
-          <a:p>
-            <a:r>
-              <a:rPr lang="es-ES" sz="1600" b="1" dirty="0" err="1" smtClean="0"/>
-              <a:t>Lower</a:t>
-            </a:r>
-            <a:r>
-              <a:rPr lang="es-ES" sz="1600" b="1" dirty="0" smtClean="0"/>
-              <a:t> </a:t>
-            </a:r>
-            <a:r>
-              <a:rPr lang="es-ES" sz="1600" b="1" dirty="0" err="1" smtClean="0"/>
-              <a:t>computational</a:t>
-            </a:r>
-            <a:r>
-              <a:rPr lang="es-ES" sz="1600" b="1" dirty="0" smtClean="0"/>
-              <a:t> </a:t>
-            </a:r>
-            <a:r>
-              <a:rPr lang="es-ES" sz="1600" b="1" dirty="0" err="1" smtClean="0"/>
-              <a:t>cost</a:t>
-            </a:r>
-            <a:endParaRPr lang="en-US" sz="1600" b="1" dirty="0"/>
-          </a:p>
-        </p:txBody>
-      </p:sp>
-      <p:sp>
-        <p:nvSpPr>
-          <p:cNvPr id="13" name="Rectángulo 12"/>
-          <p:cNvSpPr/>
-          <p:nvPr/>
-        </p:nvSpPr>
-        <p:spPr bwMode="auto">
-          <a:xfrm>
-            <a:off x="5975771" y="2425499"/>
-            <a:ext cx="1512168" cy="504056"/>
-          </a:xfrm>
-          <a:prstGeom prst="rect">
-            <a:avLst/>
-          </a:prstGeom>
-          <a:noFill/>
-          <a:ln>
-            <a:solidFill>
-              <a:srgbClr val="00B0F0"/>
-            </a:solidFill>
-            <a:headEnd type="none" w="med" len="med"/>
-            <a:tailEnd type="none" w="med" len="med"/>
-          </a:ln>
-        </p:spPr>
-        <p:style>
-          <a:lnRef idx="2">
-            <a:schemeClr val="accent1"/>
-          </a:lnRef>
-          <a:fillRef idx="1">
-            <a:schemeClr val="lt1"/>
-          </a:fillRef>
-          <a:effectRef idx="0">
-            <a:schemeClr val="accent1"/>
-          </a:effectRef>
-          <a:fontRef idx="minor">
-            <a:schemeClr val="dk1"/>
-          </a:fontRef>
-        </p:style>
-        <p:txBody>
-          <a:bodyPr vert="horz" wrap="square" lIns="91440" tIns="45720" rIns="91440" bIns="45720" numCol="1" rtlCol="0" anchor="t" anchorCtr="0" compatLnSpc="1">
-            <a:prstTxWarp prst="textNoShape">
-              <a:avLst/>
-            </a:prstTxWarp>
-          </a:bodyPr>
-          <a:lstStyle/>
-          <a:p>
-            <a:pPr marL="0" marR="0" indent="0" algn="l" defTabSz="914400" rtl="0" eaLnBrk="0" fontAlgn="base" latinLnBrk="0" hangingPunct="0">
-              <a:lnSpc>
-                <a:spcPct val="100000"/>
-              </a:lnSpc>
-              <a:spcBef>
-                <a:spcPct val="0"/>
-              </a:spcBef>
-              <a:spcAft>
-                <a:spcPct val="0"/>
-              </a:spcAft>
-              <a:buClrTx/>
-              <a:buSzTx/>
-              <a:buFontTx/>
-              <a:buNone/>
-              <a:tabLst/>
-            </a:pPr>
-            <a:endParaRPr kumimoji="0" lang="en-US" sz="2400" b="0" i="0" u="none" strike="noStrike" cap="none" normalizeH="0" baseline="0" smtClean="0">
-              <a:ln>
-                <a:noFill/>
-              </a:ln>
-              <a:solidFill>
-                <a:schemeClr val="tx1"/>
-              </a:solidFill>
-              <a:effectLst/>
-              <a:latin typeface="Tahoma" charset="0"/>
-            </a:endParaRPr>
-          </a:p>
-        </p:txBody>
-      </p:sp>
-      <p:sp>
-        <p:nvSpPr>
-          <p:cNvPr id="16" name="CuadroTexto 15"/>
-          <p:cNvSpPr txBox="1"/>
-          <p:nvPr/>
-        </p:nvSpPr>
-        <p:spPr>
-          <a:xfrm>
-            <a:off x="687227" y="4289856"/>
-            <a:ext cx="3040832" cy="400110"/>
-          </a:xfrm>
-          <a:prstGeom prst="rect">
-            <a:avLst/>
-          </a:prstGeom>
-          <a:noFill/>
-        </p:spPr>
-        <p:txBody>
-          <a:bodyPr wrap="none" rtlCol="0">
-            <a:spAutoFit/>
-          </a:bodyPr>
-          <a:lstStyle/>
-          <a:p>
-            <a:pPr marL="342900" indent="-342900">
-              <a:buFont typeface="Arial" panose="020B0604020202020204" pitchFamily="34" charset="0"/>
-              <a:buChar char="•"/>
-            </a:pPr>
-            <a:r>
-              <a:rPr lang="es-ES" sz="2000" dirty="0" err="1" smtClean="0"/>
-              <a:t>Classifier</a:t>
-            </a:r>
-            <a:r>
-              <a:rPr lang="es-ES" sz="2000" dirty="0" smtClean="0"/>
-              <a:t> performance</a:t>
-            </a:r>
-            <a:endParaRPr lang="en-US" b="1" dirty="0"/>
-          </a:p>
-        </p:txBody>
-      </p:sp>
-      <p:sp>
-        <p:nvSpPr>
-          <p:cNvPr id="17" name="CuadroTexto 16"/>
-          <p:cNvSpPr txBox="1"/>
-          <p:nvPr/>
-        </p:nvSpPr>
-        <p:spPr>
-          <a:xfrm>
-            <a:off x="1411336" y="4685261"/>
-            <a:ext cx="7085201" cy="461665"/>
-          </a:xfrm>
-          <a:prstGeom prst="rect">
-            <a:avLst/>
-          </a:prstGeom>
-          <a:noFill/>
-          <a:ln>
-            <a:noFill/>
-          </a:ln>
-        </p:spPr>
-        <p:txBody>
-          <a:bodyPr wrap="square" rtlCol="0">
-            <a:spAutoFit/>
-          </a:bodyPr>
-          <a:lstStyle/>
-          <a:p>
-            <a:r>
-              <a:rPr lang="es-ES" sz="1600" b="1" dirty="0" err="1" smtClean="0">
-                <a:effectLst>
-                  <a:outerShdw blurRad="38100" dist="38100" dir="2700000" algn="tl">
-                    <a:srgbClr val="000000">
-                      <a:alpha val="43137"/>
-                    </a:srgbClr>
-                  </a:outerShdw>
-                </a:effectLst>
-              </a:rPr>
-              <a:t>Random</a:t>
-            </a:r>
-            <a:r>
-              <a:rPr lang="es-ES" sz="1600" b="1" dirty="0" smtClean="0">
-                <a:effectLst>
-                  <a:outerShdw blurRad="38100" dist="38100" dir="2700000" algn="tl">
-                    <a:srgbClr val="000000">
-                      <a:alpha val="43137"/>
-                    </a:srgbClr>
-                  </a:outerShdw>
-                </a:effectLst>
-              </a:rPr>
-              <a:t> </a:t>
-            </a:r>
-            <a:r>
-              <a:rPr lang="es-ES" sz="1600" b="1" dirty="0" err="1" smtClean="0">
-                <a:effectLst>
-                  <a:outerShdw blurRad="38100" dist="38100" dir="2700000" algn="tl">
-                    <a:srgbClr val="000000">
-                      <a:alpha val="43137"/>
-                    </a:srgbClr>
-                  </a:outerShdw>
-                </a:effectLst>
-              </a:rPr>
-              <a:t>Forest</a:t>
-            </a:r>
-            <a:r>
-              <a:rPr lang="es-ES" sz="1600" b="1" dirty="0" smtClean="0">
-                <a:effectLst>
-                  <a:outerShdw blurRad="38100" dist="38100" dir="2700000" algn="tl">
-                    <a:srgbClr val="000000">
-                      <a:alpha val="43137"/>
-                    </a:srgbClr>
-                  </a:outerShdw>
-                </a:effectLst>
-              </a:rPr>
-              <a:t> (n=5): </a:t>
-            </a:r>
-            <a:r>
-              <a:rPr lang="es-ES" sz="1600" dirty="0" smtClean="0"/>
-              <a:t>AUC=0.73 </a:t>
-            </a:r>
-            <a:r>
-              <a:rPr lang="es-ES" sz="1600" b="1" dirty="0" smtClean="0">
-                <a:effectLst>
-                  <a:outerShdw blurRad="38100" dist="38100" dir="2700000" algn="tl">
-                    <a:srgbClr val="000000">
-                      <a:alpha val="43137"/>
-                    </a:srgbClr>
-                  </a:outerShdw>
-                </a:effectLst>
-              </a:rPr>
-              <a:t>KNN (k=30): </a:t>
-            </a:r>
-            <a:r>
-              <a:rPr lang="es-ES" sz="1600" dirty="0" smtClean="0"/>
-              <a:t>AUC=0.72</a:t>
-            </a:r>
-            <a:r>
-              <a:rPr lang="es-ES" b="1" dirty="0" smtClean="0"/>
-              <a:t>	</a:t>
-            </a:r>
-            <a:endParaRPr lang="en-US" dirty="0"/>
-          </a:p>
-        </p:txBody>
-      </p:sp>
-      <p:sp>
-        <p:nvSpPr>
-          <p:cNvPr id="20" name="Flecha abajo 19"/>
-          <p:cNvSpPr/>
-          <p:nvPr/>
-        </p:nvSpPr>
-        <p:spPr bwMode="auto">
-          <a:xfrm>
-            <a:off x="6531882" y="2932081"/>
-            <a:ext cx="360040" cy="317923"/>
-          </a:xfrm>
-          <a:prstGeom prst="downArrow">
-            <a:avLst/>
-          </a:prstGeom>
-          <a:ln>
-            <a:solidFill>
-              <a:srgbClr val="00B0F0"/>
-            </a:solidFill>
-            <a:headEnd type="none" w="med" len="med"/>
-            <a:tailEnd type="none" w="med" len="med"/>
-          </a:ln>
-        </p:spPr>
-        <p:style>
-          <a:lnRef idx="1">
-            <a:schemeClr val="accent1"/>
-          </a:lnRef>
-          <a:fillRef idx="3">
-            <a:schemeClr val="accent1"/>
-          </a:fillRef>
-          <a:effectRef idx="2">
-            <a:schemeClr val="accent1"/>
-          </a:effectRef>
-          <a:fontRef idx="minor">
-            <a:schemeClr val="lt1"/>
-          </a:fontRef>
-        </p:style>
-        <p:txBody>
-          <a:bodyPr vert="horz" wrap="square" lIns="91440" tIns="45720" rIns="91440" bIns="45720" numCol="1" rtlCol="0" anchor="t" anchorCtr="0" compatLnSpc="1">
-            <a:prstTxWarp prst="textNoShape">
-              <a:avLst/>
-            </a:prstTxWarp>
-          </a:bodyPr>
-          <a:lstStyle/>
-          <a:p>
-            <a:pPr marL="0" marR="0" indent="0" algn="l" defTabSz="914400" rtl="0" eaLnBrk="0" fontAlgn="base" latinLnBrk="0" hangingPunct="0">
-              <a:lnSpc>
-                <a:spcPct val="100000"/>
-              </a:lnSpc>
-              <a:spcBef>
-                <a:spcPct val="0"/>
-              </a:spcBef>
-              <a:spcAft>
-                <a:spcPct val="0"/>
-              </a:spcAft>
-              <a:buClrTx/>
-              <a:buSzTx/>
-              <a:buFontTx/>
-              <a:buNone/>
-              <a:tabLst/>
-            </a:pPr>
-            <a:endParaRPr kumimoji="0" lang="en-US" sz="2400" b="0" i="0" u="none" strike="noStrike" cap="none" normalizeH="0" baseline="0" smtClean="0">
-              <a:ln>
-                <a:noFill/>
-              </a:ln>
-              <a:solidFill>
-                <a:schemeClr val="tx1"/>
-              </a:solidFill>
-              <a:effectLst/>
-              <a:latin typeface="Tahoma" charset="0"/>
-            </a:endParaRPr>
-          </a:p>
-        </p:txBody>
-      </p:sp>
-      <p:sp>
-        <p:nvSpPr>
-          <p:cNvPr id="21" name="Flecha abajo 20"/>
-          <p:cNvSpPr/>
-          <p:nvPr/>
-        </p:nvSpPr>
-        <p:spPr bwMode="auto">
-          <a:xfrm>
-            <a:off x="6551835" y="3582878"/>
-            <a:ext cx="360040" cy="317923"/>
-          </a:xfrm>
-          <a:prstGeom prst="downArrow">
-            <a:avLst/>
-          </a:prstGeom>
-          <a:ln>
-            <a:solidFill>
-              <a:srgbClr val="00B0F0"/>
-            </a:solidFill>
-            <a:headEnd type="none" w="med" len="med"/>
-            <a:tailEnd type="none" w="med" len="med"/>
-          </a:ln>
-        </p:spPr>
-        <p:style>
-          <a:lnRef idx="1">
-            <a:schemeClr val="accent1"/>
-          </a:lnRef>
-          <a:fillRef idx="3">
-            <a:schemeClr val="accent1"/>
-          </a:fillRef>
-          <a:effectRef idx="2">
-            <a:schemeClr val="accent1"/>
-          </a:effectRef>
-          <a:fontRef idx="minor">
-            <a:schemeClr val="lt1"/>
-          </a:fontRef>
-        </p:style>
-        <p:txBody>
-          <a:bodyPr vert="horz" wrap="square" lIns="91440" tIns="45720" rIns="91440" bIns="45720" numCol="1" rtlCol="0" anchor="t" anchorCtr="0" compatLnSpc="1">
-            <a:prstTxWarp prst="textNoShape">
-              <a:avLst/>
-            </a:prstTxWarp>
-          </a:bodyPr>
-          <a:lstStyle/>
-          <a:p>
-            <a:pPr marL="0" marR="0" indent="0" algn="l" defTabSz="914400" rtl="0" eaLnBrk="0" fontAlgn="base" latinLnBrk="0" hangingPunct="0">
-              <a:lnSpc>
-                <a:spcPct val="100000"/>
-              </a:lnSpc>
-              <a:spcBef>
-                <a:spcPct val="0"/>
-              </a:spcBef>
-              <a:spcAft>
-                <a:spcPct val="0"/>
-              </a:spcAft>
-              <a:buClrTx/>
-              <a:buSzTx/>
-              <a:buFontTx/>
-              <a:buNone/>
-              <a:tabLst/>
-            </a:pPr>
-            <a:endParaRPr kumimoji="0" lang="en-US" sz="2400" b="0" i="0" u="none" strike="noStrike" cap="none" normalizeH="0" baseline="0" smtClean="0">
-              <a:ln>
-                <a:noFill/>
-              </a:ln>
-              <a:solidFill>
-                <a:schemeClr val="tx1"/>
-              </a:solidFill>
-              <a:effectLst/>
-              <a:latin typeface="Tahoma" charset="0"/>
-            </a:endParaRPr>
-          </a:p>
-        </p:txBody>
-      </p:sp>
-      <p:pic>
-        <p:nvPicPr>
-          <p:cNvPr id="15" name="Imagen 14"/>
-          <p:cNvPicPr>
-            <a:picLocks noChangeAspect="1"/>
-          </p:cNvPicPr>
-          <p:nvPr/>
-        </p:nvPicPr>
-        <p:blipFill>
-          <a:blip r:embed="rId3">
-            <a:extLst>
-              <a:ext uri="{28A0092B-C50C-407E-A947-70E740481C1C}">
-                <a14:useLocalDpi xmlns:a14="http://schemas.microsoft.com/office/drawing/2010/main" val="0"/>
-              </a:ext>
-            </a:extLst>
-          </a:blip>
-          <a:stretch>
-            <a:fillRect/>
-          </a:stretch>
-        </p:blipFill>
-        <p:spPr>
-          <a:xfrm>
-            <a:off x="4211960" y="6137668"/>
-            <a:ext cx="2137420" cy="669725"/>
-          </a:xfrm>
-          <a:prstGeom prst="rect">
-            <a:avLst/>
-          </a:prstGeom>
-        </p:spPr>
       </p:pic>
     </p:spTree>
     <p:extLst>
       <p:ext uri="{BB962C8B-B14F-4D97-AF65-F5344CB8AC3E}">
-        <p14:creationId xmlns:p14="http://schemas.microsoft.com/office/powerpoint/2010/main" val="4134103680"/>
+        <p14:creationId xmlns:p14="http://schemas.microsoft.com/office/powerpoint/2010/main" xmlns="" val="1478924857"/>
       </p:ext>
     </p:extLst>
   </p:cSld>
@@ -10965,6 +8964,34 @@
       </p:grpSpPr>
       <p:sp>
         <p:nvSpPr>
+          <p:cNvPr id="2" name="Título 1"/>
+          <p:cNvSpPr>
+            <a:spLocks noGrp="1"/>
+          </p:cNvSpPr>
+          <p:nvPr>
+            <p:ph type="title"/>
+          </p:nvPr>
+        </p:nvSpPr>
+        <p:spPr>
+          <a:xfrm>
+            <a:off x="747713" y="248210"/>
+            <a:ext cx="7772400" cy="1143000"/>
+          </a:xfrm>
+        </p:spPr>
+        <p:txBody>
+          <a:bodyPr/>
+          <a:lstStyle/>
+          <a:p>
+            <a:r>
+              <a:rPr lang="es-ES" dirty="0" err="1" smtClean="0"/>
+              <a:t>Conclusions</a:t>
+            </a:r>
+            <a:endParaRPr lang="en-US" dirty="0"/>
+          </a:p>
+        </p:txBody>
+      </p:sp>
+      <p:sp>
+        <p:nvSpPr>
           <p:cNvPr id="3" name="Marcador de contenido 2"/>
           <p:cNvSpPr>
             <a:spLocks noGrp="1"/>
@@ -10975,7 +9002,7 @@
         </p:nvSpPr>
         <p:spPr>
           <a:xfrm>
-            <a:off x="899592" y="1229379"/>
+            <a:off x="716449" y="1052736"/>
             <a:ext cx="7772400" cy="3778250"/>
           </a:xfrm>
         </p:spPr>
@@ -10984,38 +9011,15 @@
           <a:lstStyle/>
           <a:p>
             <a:r>
-              <a:rPr lang="en-US" dirty="0" smtClean="0"/>
-              <a:t>Best classifier based on overall performance: </a:t>
-            </a:r>
-          </a:p>
-          <a:p>
-            <a:endParaRPr lang="en-US" dirty="0"/>
-          </a:p>
-          <a:p>
-            <a:endParaRPr lang="en-US" dirty="0" smtClean="0"/>
-          </a:p>
-          <a:p>
-            <a:r>
-              <a:rPr lang="en-US" dirty="0" smtClean="0"/>
-              <a:t>Best approach:</a:t>
-            </a:r>
-          </a:p>
-          <a:p>
-            <a:endParaRPr lang="en-US" dirty="0"/>
-          </a:p>
-          <a:p>
-            <a:endParaRPr lang="en-US" dirty="0" smtClean="0"/>
-          </a:p>
-          <a:p>
-            <a:endParaRPr lang="en-US" dirty="0" smtClean="0"/>
-          </a:p>
-          <a:p>
-            <a:r>
-              <a:rPr lang="en-US" dirty="0" smtClean="0"/>
-              <a:t>HOWEVER, </a:t>
-            </a:r>
-            <a:r>
-              <a:rPr lang="en-US" b="1" dirty="0" smtClean="0">
+              <a:rPr lang="es-ES" dirty="0" err="1" smtClean="0"/>
+              <a:t>Varying</a:t>
+            </a:r>
+            <a:r>
+              <a:rPr lang="es-ES" dirty="0" smtClean="0"/>
+              <a:t> </a:t>
+            </a:r>
+            <a:r>
+              <a:rPr lang="es-ES" b="1" dirty="0" smtClean="0">
                 <a:effectLst>
                   <a:outerShdw blurRad="38100" dist="38100" dir="2700000" algn="tl">
                     <a:srgbClr val="000000">
@@ -11024,10 +9028,22 @@
                   </a:outerShdw>
                 </a:effectLst>
               </a:rPr>
-              <a:t>NMS</a:t>
-            </a:r>
-            <a:r>
-              <a:rPr lang="en-US" dirty="0" smtClean="0">
+              <a:t>NMS </a:t>
+            </a:r>
+            <a:r>
+              <a:rPr lang="es-ES" b="1" dirty="0" err="1" smtClean="0">
+                <a:effectLst>
+                  <a:outerShdw blurRad="38100" dist="38100" dir="2700000" algn="tl">
+                    <a:srgbClr val="000000">
+                      <a:alpha val="43137"/>
+                    </a:srgbClr>
+                  </a:outerShdw>
+                </a:effectLst>
+              </a:rPr>
+              <a:t>overlap</a:t>
+            </a:r>
+            <a:r>
+              <a:rPr lang="es-ES" b="1" dirty="0" smtClean="0">
                 <a:effectLst>
                   <a:outerShdw blurRad="38100" dist="38100" dir="2700000" algn="tl">
                     <a:srgbClr val="000000">
@@ -11039,11 +9055,7 @@
               <a:t> </a:t>
             </a:r>
             <a:r>
-              <a:rPr lang="en-US" dirty="0" smtClean="0"/>
-              <a:t>can be still very useful to other applications in </a:t>
-            </a:r>
-            <a:r>
-              <a:rPr lang="en-US" b="1" dirty="0" smtClean="0">
+              <a:rPr lang="es-ES" b="1" dirty="0" err="1" smtClean="0">
                 <a:effectLst>
                   <a:outerShdw blurRad="38100" dist="38100" dir="2700000" algn="tl">
                     <a:srgbClr val="000000">
@@ -11052,9 +9064,69 @@
                   </a:outerShdw>
                 </a:effectLst>
               </a:rPr>
-              <a:t>medical object detection…</a:t>
-            </a:r>
-            <a:endParaRPr lang="en-US" b="1" dirty="0">
+              <a:t>threshold</a:t>
+            </a:r>
+            <a:r>
+              <a:rPr lang="es-ES" b="1" dirty="0" smtClean="0">
+                <a:effectLst>
+                  <a:outerShdw blurRad="38100" dist="38100" dir="2700000" algn="tl">
+                    <a:srgbClr val="000000">
+                      <a:alpha val="43137"/>
+                    </a:srgbClr>
+                  </a:outerShdw>
+                </a:effectLst>
+              </a:rPr>
+              <a:t> </a:t>
+            </a:r>
+          </a:p>
+          <a:p>
+            <a:pPr lvl="1"/>
+            <a:r>
+              <a:rPr lang="es-ES" sz="2000" dirty="0" err="1"/>
+              <a:t>B</a:t>
+            </a:r>
+            <a:r>
+              <a:rPr lang="es-ES" sz="2000" dirty="0" err="1" smtClean="0"/>
+              <a:t>est</a:t>
+            </a:r>
+            <a:r>
+              <a:rPr lang="es-ES" sz="2000" dirty="0" smtClean="0"/>
+              <a:t> </a:t>
+            </a:r>
+            <a:r>
+              <a:rPr lang="es-ES" sz="2000" dirty="0" err="1" smtClean="0"/>
+              <a:t>prediction</a:t>
+            </a:r>
+            <a:r>
+              <a:rPr lang="es-ES" sz="2000" dirty="0" smtClean="0"/>
+              <a:t> </a:t>
+            </a:r>
+            <a:r>
+              <a:rPr lang="es-ES" sz="2000" dirty="0" err="1" smtClean="0"/>
+              <a:t>by</a:t>
+            </a:r>
+            <a:r>
+              <a:rPr lang="es-ES" sz="2000" dirty="0" smtClean="0"/>
+              <a:t>: </a:t>
+            </a:r>
+            <a:r>
+              <a:rPr lang="es-ES" sz="2000" b="1" dirty="0" smtClean="0">
+                <a:effectLst>
+                  <a:outerShdw blurRad="38100" dist="38100" dir="2700000" algn="tl">
+                    <a:srgbClr val="000000">
+                      <a:alpha val="43137"/>
+                    </a:srgbClr>
+                  </a:outerShdw>
+                </a:effectLst>
+              </a:rPr>
+              <a:t>KNN (k=30)</a:t>
+            </a:r>
+          </a:p>
+          <a:p>
+            <a:pPr marL="457200" lvl="1" indent="0">
+              <a:buNone/>
+            </a:pPr>
+            <a:endParaRPr lang="es-ES" b="1" dirty="0" smtClean="0">
               <a:effectLst>
                 <a:outerShdw blurRad="38100" dist="38100" dir="2700000" algn="tl">
                   <a:srgbClr val="000000">
@@ -11064,6 +9136,228 @@
               </a:effectLst>
             </a:endParaRPr>
           </a:p>
+          <a:p>
+            <a:r>
+              <a:rPr lang="es-ES" dirty="0" err="1" smtClean="0"/>
+              <a:t>Varying</a:t>
+            </a:r>
+            <a:r>
+              <a:rPr lang="es-ES" dirty="0" smtClean="0"/>
+              <a:t> </a:t>
+            </a:r>
+            <a:r>
+              <a:rPr lang="es-ES" b="1" dirty="0" err="1" smtClean="0">
+                <a:effectLst>
+                  <a:outerShdw blurRad="38100" dist="38100" dir="2700000" algn="tl">
+                    <a:srgbClr val="000000">
+                      <a:alpha val="43137"/>
+                    </a:srgbClr>
+                  </a:outerShdw>
+                </a:effectLst>
+              </a:rPr>
+              <a:t>step</a:t>
+            </a:r>
+            <a:r>
+              <a:rPr lang="es-ES" b="1" dirty="0" smtClean="0">
+                <a:effectLst>
+                  <a:outerShdw blurRad="38100" dist="38100" dir="2700000" algn="tl">
+                    <a:srgbClr val="000000">
+                      <a:alpha val="43137"/>
+                    </a:srgbClr>
+                  </a:outerShdw>
+                </a:effectLst>
+              </a:rPr>
+              <a:t> </a:t>
+            </a:r>
+            <a:r>
+              <a:rPr lang="es-ES" b="1" dirty="0" err="1" smtClean="0">
+                <a:effectLst>
+                  <a:outerShdw blurRad="38100" dist="38100" dir="2700000" algn="tl">
+                    <a:srgbClr val="000000">
+                      <a:alpha val="43137"/>
+                    </a:srgbClr>
+                  </a:outerShdw>
+                </a:effectLst>
+              </a:rPr>
+              <a:t>size</a:t>
+            </a:r>
+            <a:endParaRPr lang="es-ES" b="1" dirty="0" smtClean="0">
+              <a:effectLst>
+                <a:outerShdw blurRad="38100" dist="38100" dir="2700000" algn="tl">
+                  <a:srgbClr val="000000">
+                    <a:alpha val="43137"/>
+                  </a:srgbClr>
+                </a:outerShdw>
+              </a:effectLst>
+            </a:endParaRPr>
+          </a:p>
+          <a:p>
+            <a:pPr lvl="1"/>
+            <a:r>
+              <a:rPr lang="es-ES" sz="1800" dirty="0" err="1" smtClean="0"/>
+              <a:t>Best</a:t>
+            </a:r>
+            <a:r>
+              <a:rPr lang="es-ES" sz="1800" dirty="0" smtClean="0"/>
+              <a:t> </a:t>
+            </a:r>
+            <a:r>
+              <a:rPr lang="es-ES" sz="1800" dirty="0" err="1" smtClean="0"/>
+              <a:t>prediction</a:t>
+            </a:r>
+            <a:r>
+              <a:rPr lang="es-ES" sz="1800" dirty="0" smtClean="0"/>
+              <a:t> </a:t>
+            </a:r>
+            <a:r>
+              <a:rPr lang="es-ES" sz="1800" dirty="0" err="1" smtClean="0"/>
+              <a:t>by</a:t>
+            </a:r>
+            <a:r>
+              <a:rPr lang="es-ES" sz="1800" dirty="0" smtClean="0"/>
+              <a:t>: </a:t>
+            </a:r>
+            <a:r>
+              <a:rPr lang="es-ES" sz="1800" b="1" dirty="0" err="1" smtClean="0">
+                <a:effectLst>
+                  <a:outerShdw blurRad="38100" dist="38100" dir="2700000" algn="tl">
+                    <a:srgbClr val="000000">
+                      <a:alpha val="43137"/>
+                    </a:srgbClr>
+                  </a:outerShdw>
+                </a:effectLst>
+              </a:rPr>
+              <a:t>Random</a:t>
+            </a:r>
+            <a:r>
+              <a:rPr lang="es-ES" sz="1800" b="1" dirty="0" smtClean="0">
+                <a:effectLst>
+                  <a:outerShdw blurRad="38100" dist="38100" dir="2700000" algn="tl">
+                    <a:srgbClr val="000000">
+                      <a:alpha val="43137"/>
+                    </a:srgbClr>
+                  </a:outerShdw>
+                </a:effectLst>
+              </a:rPr>
+              <a:t> </a:t>
+            </a:r>
+            <a:r>
+              <a:rPr lang="es-ES" sz="1800" b="1" dirty="0" err="1" smtClean="0">
+                <a:effectLst>
+                  <a:outerShdw blurRad="38100" dist="38100" dir="2700000" algn="tl">
+                    <a:srgbClr val="000000">
+                      <a:alpha val="43137"/>
+                    </a:srgbClr>
+                  </a:outerShdw>
+                </a:effectLst>
+              </a:rPr>
+              <a:t>Forest</a:t>
+            </a:r>
+            <a:r>
+              <a:rPr lang="es-ES" sz="1800" b="1" dirty="0" smtClean="0">
+                <a:effectLst>
+                  <a:outerShdw blurRad="38100" dist="38100" dir="2700000" algn="tl">
+                    <a:srgbClr val="000000">
+                      <a:alpha val="43137"/>
+                    </a:srgbClr>
+                  </a:outerShdw>
+                </a:effectLst>
+              </a:rPr>
+              <a:t> (n=30) </a:t>
+            </a:r>
+            <a:r>
+              <a:rPr lang="es-ES" sz="1800" dirty="0" smtClean="0"/>
+              <a:t>and </a:t>
+            </a:r>
+            <a:r>
+              <a:rPr lang="es-ES" sz="1800" b="1" dirty="0">
+                <a:effectLst>
+                  <a:outerShdw blurRad="38100" dist="38100" dir="2700000" algn="tl">
+                    <a:srgbClr val="000000">
+                      <a:alpha val="43137"/>
+                    </a:srgbClr>
+                  </a:outerShdw>
+                </a:effectLst>
+              </a:rPr>
+              <a:t>KNN (k=30</a:t>
+            </a:r>
+            <a:r>
+              <a:rPr lang="es-ES" sz="1800" b="1" dirty="0" smtClean="0">
+                <a:effectLst>
+                  <a:outerShdw blurRad="38100" dist="38100" dir="2700000" algn="tl">
+                    <a:srgbClr val="000000">
+                      <a:alpha val="43137"/>
+                    </a:srgbClr>
+                  </a:outerShdw>
+                </a:effectLst>
+              </a:rPr>
+              <a:t>)</a:t>
+            </a:r>
+          </a:p>
+          <a:p>
+            <a:pPr lvl="1"/>
+            <a:endParaRPr lang="es-ES" sz="1800" b="1" dirty="0">
+              <a:effectLst>
+                <a:outerShdw blurRad="38100" dist="38100" dir="2700000" algn="tl">
+                  <a:srgbClr val="000000">
+                    <a:alpha val="43137"/>
+                  </a:srgbClr>
+                </a:outerShdw>
+              </a:effectLst>
+            </a:endParaRPr>
+          </a:p>
+          <a:p>
+            <a:pPr marL="457200" lvl="1" indent="0">
+              <a:buNone/>
+            </a:pPr>
+            <a:endParaRPr lang="es-ES" sz="1800" b="1" dirty="0" smtClean="0">
+              <a:effectLst>
+                <a:outerShdw blurRad="38100" dist="38100" dir="2700000" algn="tl">
+                  <a:srgbClr val="000000">
+                    <a:alpha val="43137"/>
+                  </a:srgbClr>
+                </a:outerShdw>
+              </a:effectLst>
+            </a:endParaRPr>
+          </a:p>
+          <a:p>
+            <a:pPr lvl="1"/>
+            <a:endParaRPr lang="es-ES" sz="1800" b="1" dirty="0">
+              <a:effectLst>
+                <a:outerShdw blurRad="38100" dist="38100" dir="2700000" algn="tl">
+                  <a:srgbClr val="000000">
+                    <a:alpha val="43137"/>
+                  </a:srgbClr>
+                </a:outerShdw>
+              </a:effectLst>
+            </a:endParaRPr>
+          </a:p>
+          <a:p>
+            <a:pPr marL="457200" lvl="1" indent="0">
+              <a:buNone/>
+            </a:pPr>
+            <a:endParaRPr lang="es-ES" sz="1800" b="1" dirty="0" smtClean="0">
+              <a:effectLst>
+                <a:outerShdw blurRad="38100" dist="38100" dir="2700000" algn="tl">
+                  <a:srgbClr val="000000">
+                    <a:alpha val="43137"/>
+                  </a:srgbClr>
+                </a:outerShdw>
+              </a:effectLst>
+            </a:endParaRPr>
+          </a:p>
+          <a:p>
+            <a:pPr marL="457200" lvl="1" indent="0">
+              <a:buNone/>
+            </a:pPr>
+            <a:endParaRPr lang="es-ES" dirty="0"/>
+          </a:p>
+          <a:p>
+            <a:pPr marL="457200" lvl="1" indent="0">
+              <a:buNone/>
+            </a:pPr>
+            <a:endParaRPr lang="en-US" dirty="0"/>
+          </a:p>
         </p:txBody>
       </p:sp>
       <p:sp>
@@ -11084,7 +9378,7 @@
             <a:fld id="{31DCBD78-A96A-4270-BAB0-39853B6FFB02}" type="datetime4">
               <a:rPr lang="en-US" smtClean="0"/>
               <a:pPr/>
-              <a:t>January 26, 2016</a:t>
+              <a:t>January 27, 2016</a:t>
             </a:fld>
             <a:endParaRPr lang="en-US"/>
           </a:p>
@@ -11116,66 +9410,230 @@
       </p:sp>
       <p:sp>
         <p:nvSpPr>
-          <p:cNvPr id="6" name="Título 1"/>
-          <p:cNvSpPr>
-            <a:spLocks noGrp="1"/>
-          </p:cNvSpPr>
-          <p:nvPr>
-            <p:ph type="title"/>
-          </p:nvPr>
+          <p:cNvPr id="6" name="Flecha abajo 5"/>
+          <p:cNvSpPr/>
+          <p:nvPr/>
+        </p:nvSpPr>
+        <p:spPr bwMode="auto">
+          <a:xfrm>
+            <a:off x="4094892" y="3079830"/>
+            <a:ext cx="360040" cy="329424"/>
+          </a:xfrm>
+          <a:prstGeom prst="downArrow">
+            <a:avLst/>
+          </a:prstGeom>
+          <a:ln>
+            <a:headEnd type="none" w="med" len="med"/>
+            <a:tailEnd type="none" w="med" len="med"/>
+          </a:ln>
+        </p:spPr>
+        <p:style>
+          <a:lnRef idx="1">
+            <a:schemeClr val="accent1"/>
+          </a:lnRef>
+          <a:fillRef idx="3">
+            <a:schemeClr val="accent1"/>
+          </a:fillRef>
+          <a:effectRef idx="2">
+            <a:schemeClr val="accent1"/>
+          </a:effectRef>
+          <a:fontRef idx="minor">
+            <a:schemeClr val="lt1"/>
+          </a:fontRef>
+        </p:style>
+        <p:txBody>
+          <a:bodyPr vert="horz" wrap="square" lIns="91440" tIns="45720" rIns="91440" bIns="45720" numCol="1" rtlCol="0" anchor="t" anchorCtr="0" compatLnSpc="1">
+            <a:prstTxWarp prst="textNoShape">
+              <a:avLst/>
+            </a:prstTxWarp>
+          </a:bodyPr>
+          <a:lstStyle/>
+          <a:p>
+            <a:pPr marL="0" marR="0" indent="0" algn="l" defTabSz="914400" rtl="0" eaLnBrk="0" fontAlgn="base" latinLnBrk="0" hangingPunct="0">
+              <a:lnSpc>
+                <a:spcPct val="100000"/>
+              </a:lnSpc>
+              <a:spcBef>
+                <a:spcPct val="0"/>
+              </a:spcBef>
+              <a:spcAft>
+                <a:spcPct val="0"/>
+              </a:spcAft>
+              <a:buClrTx/>
+              <a:buSzTx/>
+              <a:buFontTx/>
+              <a:buNone/>
+              <a:tabLst/>
+            </a:pPr>
+            <a:endParaRPr kumimoji="0" lang="en-US" sz="2400" b="0" i="0" u="none" strike="noStrike" cap="none" normalizeH="0" baseline="0" smtClean="0">
+              <a:ln>
+                <a:noFill/>
+              </a:ln>
+              <a:solidFill>
+                <a:schemeClr val="tx1"/>
+              </a:solidFill>
+              <a:effectLst/>
+              <a:latin typeface="Tahoma" charset="0"/>
+            </a:endParaRPr>
+          </a:p>
+        </p:txBody>
+      </p:sp>
+      <p:sp>
+        <p:nvSpPr>
+          <p:cNvPr id="8" name="CuadroTexto 7"/>
+          <p:cNvSpPr txBox="1"/>
+          <p:nvPr/>
         </p:nvSpPr>
         <p:spPr>
           <a:xfrm>
-            <a:off x="747713" y="248210"/>
-            <a:ext cx="7772400" cy="1143000"/>
-          </a:xfrm>
-        </p:spPr>
-        <p:txBody>
-          <a:bodyPr/>
-          <a:lstStyle/>
-          <a:p>
-            <a:r>
-              <a:rPr lang="es-ES" dirty="0" err="1" smtClean="0"/>
-              <a:t>Conclusions</a:t>
-            </a:r>
-            <a:r>
-              <a:rPr lang="es-ES" dirty="0" smtClean="0"/>
-              <a:t> (</a:t>
-            </a:r>
-            <a:r>
-              <a:rPr lang="es-ES" dirty="0"/>
-              <a:t>III</a:t>
-            </a:r>
-            <a:r>
-              <a:rPr lang="es-ES" dirty="0" smtClean="0"/>
-              <a:t>): </a:t>
-            </a:r>
-            <a:r>
-              <a:rPr lang="es-ES" dirty="0" err="1" smtClean="0"/>
-              <a:t>Summarize</a:t>
-            </a:r>
-            <a:endParaRPr lang="en-US" dirty="0"/>
-          </a:p>
-        </p:txBody>
-      </p:sp>
-      <p:sp>
-        <p:nvSpPr>
-          <p:cNvPr id="7" name="CuadroTexto 6"/>
-          <p:cNvSpPr txBox="1"/>
-          <p:nvPr/>
-        </p:nvSpPr>
-        <p:spPr>
-          <a:xfrm>
-            <a:off x="3275856" y="1972269"/>
-            <a:ext cx="1953273" cy="400110"/>
+            <a:off x="3677213" y="3450714"/>
+            <a:ext cx="1153586" cy="307777"/>
           </a:xfrm>
           <a:prstGeom prst="rect">
             <a:avLst/>
           </a:prstGeom>
+          <a:noFill/>
+        </p:spPr>
+        <p:txBody>
+          <a:bodyPr wrap="none" rtlCol="0">
+            <a:spAutoFit/>
+          </a:bodyPr>
+          <a:lstStyle/>
+          <a:p>
+            <a:r>
+              <a:rPr lang="es-ES" sz="1400" dirty="0" err="1"/>
+              <a:t>s</a:t>
+            </a:r>
+            <a:r>
+              <a:rPr lang="es-ES" sz="1400" dirty="0" err="1" smtClean="0"/>
+              <a:t>tep</a:t>
+            </a:r>
+            <a:r>
+              <a:rPr lang="es-ES" sz="1400" dirty="0" smtClean="0"/>
+              <a:t> </a:t>
+            </a:r>
+            <a:r>
+              <a:rPr lang="es-ES" sz="1400" dirty="0" err="1" smtClean="0"/>
+              <a:t>size</a:t>
+            </a:r>
+            <a:r>
+              <a:rPr lang="es-ES" sz="1400" dirty="0" smtClean="0"/>
+              <a:t>= 2</a:t>
+            </a:r>
+            <a:endParaRPr lang="en-US" sz="1400" dirty="0"/>
+          </a:p>
+        </p:txBody>
+      </p:sp>
+      <p:sp>
+        <p:nvSpPr>
+          <p:cNvPr id="9" name="CuadroTexto 8"/>
+          <p:cNvSpPr txBox="1"/>
+          <p:nvPr/>
+        </p:nvSpPr>
+        <p:spPr>
+          <a:xfrm>
+            <a:off x="6714856" y="3470707"/>
+            <a:ext cx="1251368" cy="307777"/>
+          </a:xfrm>
+          <a:prstGeom prst="rect">
+            <a:avLst/>
+          </a:prstGeom>
+          <a:noFill/>
+        </p:spPr>
+        <p:txBody>
+          <a:bodyPr wrap="none" rtlCol="0">
+            <a:spAutoFit/>
+          </a:bodyPr>
+          <a:lstStyle/>
+          <a:p>
+            <a:r>
+              <a:rPr lang="es-ES" sz="1400" dirty="0" err="1"/>
+              <a:t>s</a:t>
+            </a:r>
+            <a:r>
+              <a:rPr lang="es-ES" sz="1400" dirty="0" err="1" smtClean="0"/>
+              <a:t>tep</a:t>
+            </a:r>
+            <a:r>
+              <a:rPr lang="es-ES" sz="1400" dirty="0" smtClean="0"/>
+              <a:t> </a:t>
+            </a:r>
+            <a:r>
+              <a:rPr lang="es-ES" sz="1400" dirty="0" err="1" smtClean="0"/>
+              <a:t>size</a:t>
+            </a:r>
+            <a:r>
+              <a:rPr lang="es-ES" sz="1400" dirty="0" smtClean="0"/>
+              <a:t>= 10</a:t>
+            </a:r>
+            <a:endParaRPr lang="en-US" sz="1400" dirty="0"/>
+          </a:p>
+        </p:txBody>
+      </p:sp>
+      <p:sp>
+        <p:nvSpPr>
+          <p:cNvPr id="11" name="CuadroTexto 10"/>
+          <p:cNvSpPr txBox="1"/>
+          <p:nvPr/>
+        </p:nvSpPr>
+        <p:spPr>
+          <a:xfrm>
+            <a:off x="5891682" y="4127965"/>
+            <a:ext cx="2863284" cy="338554"/>
+          </a:xfrm>
+          <a:prstGeom prst="rect">
+            <a:avLst/>
+          </a:prstGeom>
+          <a:noFill/>
+        </p:spPr>
+        <p:txBody>
+          <a:bodyPr wrap="none" rtlCol="0">
+            <a:spAutoFit/>
+          </a:bodyPr>
+          <a:lstStyle/>
+          <a:p>
+            <a:r>
+              <a:rPr lang="es-ES" sz="1600" b="1" dirty="0" err="1" smtClean="0"/>
+              <a:t>Lower</a:t>
+            </a:r>
+            <a:r>
+              <a:rPr lang="es-ES" sz="1600" b="1" dirty="0" smtClean="0"/>
+              <a:t> </a:t>
+            </a:r>
+            <a:r>
+              <a:rPr lang="es-ES" sz="1600" b="1" dirty="0" err="1" smtClean="0"/>
+              <a:t>computational</a:t>
+            </a:r>
+            <a:r>
+              <a:rPr lang="es-ES" sz="1600" b="1" dirty="0" smtClean="0"/>
+              <a:t> </a:t>
+            </a:r>
+            <a:r>
+              <a:rPr lang="es-ES" sz="1600" b="1" dirty="0" err="1" smtClean="0"/>
+              <a:t>cost</a:t>
+            </a:r>
+            <a:endParaRPr lang="en-US" sz="1600" b="1" dirty="0"/>
+          </a:p>
+        </p:txBody>
+      </p:sp>
+      <p:sp>
+        <p:nvSpPr>
+          <p:cNvPr id="13" name="Rectángulo 12"/>
+          <p:cNvSpPr/>
+          <p:nvPr/>
+        </p:nvSpPr>
+        <p:spPr bwMode="auto">
+          <a:xfrm>
+            <a:off x="6562191" y="2636913"/>
+            <a:ext cx="1512168" cy="504056"/>
+          </a:xfrm>
+          <a:prstGeom prst="rect">
+            <a:avLst/>
+          </a:prstGeom>
+          <a:noFill/>
           <a:ln>
-            <a:solidFill>
-              <a:srgbClr val="00B0F0"/>
-            </a:solidFill>
+            <a:headEnd type="none" w="med" len="med"/>
+            <a:tailEnd type="none" w="med" len="med"/>
           </a:ln>
         </p:spPr>
         <p:style>
@@ -11193,304 +9651,295 @@
           </a:fontRef>
         </p:style>
         <p:txBody>
+          <a:bodyPr vert="horz" wrap="square" lIns="91440" tIns="45720" rIns="91440" bIns="45720" numCol="1" rtlCol="0" anchor="t" anchorCtr="0" compatLnSpc="1">
+            <a:prstTxWarp prst="textNoShape">
+              <a:avLst/>
+            </a:prstTxWarp>
+          </a:bodyPr>
+          <a:lstStyle/>
+          <a:p>
+            <a:pPr marL="0" marR="0" indent="0" algn="l" defTabSz="914400" rtl="0" eaLnBrk="0" fontAlgn="base" latinLnBrk="0" hangingPunct="0">
+              <a:lnSpc>
+                <a:spcPct val="100000"/>
+              </a:lnSpc>
+              <a:spcBef>
+                <a:spcPct val="0"/>
+              </a:spcBef>
+              <a:spcAft>
+                <a:spcPct val="0"/>
+              </a:spcAft>
+              <a:buClrTx/>
+              <a:buSzTx/>
+              <a:buFontTx/>
+              <a:buNone/>
+              <a:tabLst/>
+            </a:pPr>
+            <a:endParaRPr kumimoji="0" lang="en-US" sz="2400" b="0" i="0" u="none" strike="noStrike" cap="none" normalizeH="0" baseline="0" smtClean="0">
+              <a:ln>
+                <a:noFill/>
+              </a:ln>
+              <a:solidFill>
+                <a:schemeClr val="tx1"/>
+              </a:solidFill>
+              <a:effectLst/>
+              <a:latin typeface="Tahoma" charset="0"/>
+            </a:endParaRPr>
+          </a:p>
+        </p:txBody>
+      </p:sp>
+      <p:sp>
+        <p:nvSpPr>
+          <p:cNvPr id="14" name="Flecha abajo 13"/>
+          <p:cNvSpPr/>
+          <p:nvPr/>
+        </p:nvSpPr>
+        <p:spPr bwMode="auto">
+          <a:xfrm>
+            <a:off x="7069460" y="3173212"/>
+            <a:ext cx="360040" cy="329424"/>
+          </a:xfrm>
+          <a:prstGeom prst="downArrow">
+            <a:avLst/>
+          </a:prstGeom>
+          <a:ln>
+            <a:headEnd type="none" w="med" len="med"/>
+            <a:tailEnd type="none" w="med" len="med"/>
+          </a:ln>
+        </p:spPr>
+        <p:style>
+          <a:lnRef idx="1">
+            <a:schemeClr val="accent1"/>
+          </a:lnRef>
+          <a:fillRef idx="3">
+            <a:schemeClr val="accent1"/>
+          </a:fillRef>
+          <a:effectRef idx="2">
+            <a:schemeClr val="accent1"/>
+          </a:effectRef>
+          <a:fontRef idx="minor">
+            <a:schemeClr val="lt1"/>
+          </a:fontRef>
+        </p:style>
+        <p:txBody>
+          <a:bodyPr vert="horz" wrap="square" lIns="91440" tIns="45720" rIns="91440" bIns="45720" numCol="1" rtlCol="0" anchor="t" anchorCtr="0" compatLnSpc="1">
+            <a:prstTxWarp prst="textNoShape">
+              <a:avLst/>
+            </a:prstTxWarp>
+          </a:bodyPr>
+          <a:lstStyle/>
+          <a:p>
+            <a:pPr marL="0" marR="0" indent="0" algn="l" defTabSz="914400" rtl="0" eaLnBrk="0" fontAlgn="base" latinLnBrk="0" hangingPunct="0">
+              <a:lnSpc>
+                <a:spcPct val="100000"/>
+              </a:lnSpc>
+              <a:spcBef>
+                <a:spcPct val="0"/>
+              </a:spcBef>
+              <a:spcAft>
+                <a:spcPct val="0"/>
+              </a:spcAft>
+              <a:buClrTx/>
+              <a:buSzTx/>
+              <a:buFontTx/>
+              <a:buNone/>
+              <a:tabLst/>
+            </a:pPr>
+            <a:endParaRPr kumimoji="0" lang="en-US" sz="2400" b="0" i="0" u="none" strike="noStrike" cap="none" normalizeH="0" baseline="0" smtClean="0">
+              <a:ln>
+                <a:noFill/>
+              </a:ln>
+              <a:solidFill>
+                <a:schemeClr val="tx1"/>
+              </a:solidFill>
+              <a:effectLst/>
+              <a:latin typeface="Tahoma" charset="0"/>
+            </a:endParaRPr>
+          </a:p>
+        </p:txBody>
+      </p:sp>
+      <p:sp>
+        <p:nvSpPr>
+          <p:cNvPr id="15" name="Flecha abajo 14"/>
+          <p:cNvSpPr/>
+          <p:nvPr/>
+        </p:nvSpPr>
+        <p:spPr bwMode="auto">
+          <a:xfrm>
+            <a:off x="7091080" y="3772629"/>
+            <a:ext cx="360040" cy="329424"/>
+          </a:xfrm>
+          <a:prstGeom prst="downArrow">
+            <a:avLst/>
+          </a:prstGeom>
+          <a:ln>
+            <a:headEnd type="none" w="med" len="med"/>
+            <a:tailEnd type="none" w="med" len="med"/>
+          </a:ln>
+        </p:spPr>
+        <p:style>
+          <a:lnRef idx="1">
+            <a:schemeClr val="accent1"/>
+          </a:lnRef>
+          <a:fillRef idx="3">
+            <a:schemeClr val="accent1"/>
+          </a:fillRef>
+          <a:effectRef idx="2">
+            <a:schemeClr val="accent1"/>
+          </a:effectRef>
+          <a:fontRef idx="minor">
+            <a:schemeClr val="lt1"/>
+          </a:fontRef>
+        </p:style>
+        <p:txBody>
+          <a:bodyPr vert="horz" wrap="square" lIns="91440" tIns="45720" rIns="91440" bIns="45720" numCol="1" rtlCol="0" anchor="t" anchorCtr="0" compatLnSpc="1">
+            <a:prstTxWarp prst="textNoShape">
+              <a:avLst/>
+            </a:prstTxWarp>
+          </a:bodyPr>
+          <a:lstStyle/>
+          <a:p>
+            <a:pPr marL="0" marR="0" indent="0" algn="l" defTabSz="914400" rtl="0" eaLnBrk="0" fontAlgn="base" latinLnBrk="0" hangingPunct="0">
+              <a:lnSpc>
+                <a:spcPct val="100000"/>
+              </a:lnSpc>
+              <a:spcBef>
+                <a:spcPct val="0"/>
+              </a:spcBef>
+              <a:spcAft>
+                <a:spcPct val="0"/>
+              </a:spcAft>
+              <a:buClrTx/>
+              <a:buSzTx/>
+              <a:buFontTx/>
+              <a:buNone/>
+              <a:tabLst/>
+            </a:pPr>
+            <a:endParaRPr kumimoji="0" lang="en-US" sz="2400" b="0" i="0" u="none" strike="noStrike" cap="none" normalizeH="0" baseline="0" smtClean="0">
+              <a:ln>
+                <a:noFill/>
+              </a:ln>
+              <a:solidFill>
+                <a:schemeClr val="tx1"/>
+              </a:solidFill>
+              <a:effectLst/>
+              <a:latin typeface="Tahoma" charset="0"/>
+            </a:endParaRPr>
+          </a:p>
+        </p:txBody>
+      </p:sp>
+      <p:sp>
+        <p:nvSpPr>
+          <p:cNvPr id="16" name="CuadroTexto 15"/>
+          <p:cNvSpPr txBox="1"/>
+          <p:nvPr/>
+        </p:nvSpPr>
+        <p:spPr>
+          <a:xfrm>
+            <a:off x="450332" y="4695638"/>
+            <a:ext cx="4035848" cy="461665"/>
+          </a:xfrm>
+          <a:prstGeom prst="rect">
+            <a:avLst/>
+          </a:prstGeom>
+          <a:noFill/>
+        </p:spPr>
+        <p:txBody>
+          <a:bodyPr wrap="none" rtlCol="0">
+            <a:spAutoFit/>
+          </a:bodyPr>
+          <a:lstStyle/>
+          <a:p>
+            <a:pPr marL="342900" indent="-342900">
+              <a:buFont typeface="Arial" panose="020B0604020202020204" pitchFamily="34" charset="0"/>
+              <a:buChar char="•"/>
+            </a:pPr>
+            <a:r>
+              <a:rPr lang="es-ES" dirty="0" err="1" smtClean="0"/>
+              <a:t>Classifier</a:t>
+            </a:r>
+            <a:r>
+              <a:rPr lang="es-ES" dirty="0" smtClean="0"/>
+              <a:t> performance </a:t>
+            </a:r>
+            <a:r>
+              <a:rPr lang="es-ES" dirty="0" smtClean="0">
+                <a:sym typeface="Wingdings" panose="05000000000000000000" pitchFamily="2" charset="2"/>
+              </a:rPr>
+              <a:t> </a:t>
+            </a:r>
+            <a:endParaRPr lang="en-US" b="1" dirty="0"/>
+          </a:p>
+        </p:txBody>
+      </p:sp>
+      <p:sp>
+        <p:nvSpPr>
+          <p:cNvPr id="17" name="CuadroTexto 16"/>
+          <p:cNvSpPr txBox="1"/>
+          <p:nvPr/>
+        </p:nvSpPr>
+        <p:spPr>
+          <a:xfrm>
+            <a:off x="4314199" y="4628499"/>
+            <a:ext cx="4440767" cy="769441"/>
+          </a:xfrm>
+          <a:prstGeom prst="rect">
+            <a:avLst/>
+          </a:prstGeom>
+          <a:noFill/>
+          <a:ln>
+            <a:solidFill>
+              <a:schemeClr val="tx1"/>
+            </a:solidFill>
+          </a:ln>
+        </p:spPr>
+        <p:txBody>
           <a:bodyPr wrap="square" rtlCol="0">
             <a:spAutoFit/>
           </a:bodyPr>
           <a:lstStyle/>
           <a:p>
             <a:r>
-              <a:rPr lang="es-ES" sz="2000" b="1" dirty="0" smtClean="0">
-                <a:effectLst>
-                  <a:outerShdw blurRad="38100" dist="38100" dir="2700000" algn="tl">
-                    <a:srgbClr val="000000">
-                      <a:alpha val="43137"/>
-                    </a:srgbClr>
-                  </a:outerShdw>
-                </a:effectLst>
-              </a:rPr>
-              <a:t>KNN (k=30)</a:t>
-            </a:r>
-            <a:endParaRPr lang="en-US" sz="3200" dirty="0"/>
-          </a:p>
-        </p:txBody>
-      </p:sp>
-      <p:sp>
-        <p:nvSpPr>
-          <p:cNvPr id="8" name="CuadroTexto 7"/>
-          <p:cNvSpPr txBox="1"/>
-          <p:nvPr/>
-        </p:nvSpPr>
-        <p:spPr>
-          <a:xfrm>
-            <a:off x="2051720" y="3289894"/>
-            <a:ext cx="4176464" cy="400110"/>
-          </a:xfrm>
-          <a:prstGeom prst="rect">
-            <a:avLst/>
-          </a:prstGeom>
-          <a:ln>
-            <a:solidFill>
-              <a:srgbClr val="00B0F0"/>
-            </a:solidFill>
-          </a:ln>
-        </p:spPr>
-        <p:style>
-          <a:lnRef idx="2">
-            <a:schemeClr val="accent1"/>
-          </a:lnRef>
-          <a:fillRef idx="1">
-            <a:schemeClr val="lt1"/>
-          </a:fillRef>
-          <a:effectRef idx="0">
-            <a:schemeClr val="accent1"/>
-          </a:effectRef>
-          <a:fontRef idx="minor">
-            <a:schemeClr val="dk1"/>
-          </a:fontRef>
-        </p:style>
-        <p:txBody>
-          <a:bodyPr wrap="square" rtlCol="0">
-            <a:spAutoFit/>
-          </a:bodyPr>
-          <a:lstStyle/>
-          <a:p>
-            <a:r>
-              <a:rPr lang="es-ES" sz="2000" b="1" dirty="0" err="1" smtClean="0">
-                <a:effectLst>
-                  <a:outerShdw blurRad="38100" dist="38100" dir="2700000" algn="tl">
-                    <a:srgbClr val="000000">
-                      <a:alpha val="43137"/>
-                    </a:srgbClr>
-                  </a:outerShdw>
-                </a:effectLst>
-              </a:rPr>
-              <a:t>Most</a:t>
-            </a:r>
-            <a:r>
-              <a:rPr lang="es-ES" sz="2000" b="1" dirty="0" smtClean="0">
-                <a:effectLst>
-                  <a:outerShdw blurRad="38100" dist="38100" dir="2700000" algn="tl">
-                    <a:srgbClr val="000000">
-                      <a:alpha val="43137"/>
-                    </a:srgbClr>
-                  </a:outerShdw>
-                </a:effectLst>
-              </a:rPr>
-              <a:t> probable </a:t>
-            </a:r>
-            <a:r>
-              <a:rPr lang="es-ES" sz="2000" b="1" dirty="0" err="1" smtClean="0">
-                <a:effectLst>
-                  <a:outerShdw blurRad="38100" dist="38100" dir="2700000" algn="tl">
-                    <a:srgbClr val="000000">
-                      <a:alpha val="43137"/>
-                    </a:srgbClr>
-                  </a:outerShdw>
-                </a:effectLst>
-              </a:rPr>
-              <a:t>patch</a:t>
-            </a:r>
-            <a:r>
-              <a:rPr lang="es-ES" sz="2000" b="1" dirty="0" smtClean="0">
-                <a:effectLst>
-                  <a:outerShdw blurRad="38100" dist="38100" dir="2700000" algn="tl">
-                    <a:srgbClr val="000000">
-                      <a:alpha val="43137"/>
-                    </a:srgbClr>
-                  </a:outerShdw>
-                </a:effectLst>
-              </a:rPr>
+              <a:rPr lang="es-ES" sz="2000" b="1" dirty="0" err="1" smtClean="0"/>
+              <a:t>Random</a:t>
+            </a:r>
+            <a:r>
+              <a:rPr lang="es-ES" sz="2000" b="1" dirty="0" smtClean="0"/>
               <a:t> </a:t>
             </a:r>
             <a:r>
-              <a:rPr lang="es-ES" sz="2000" b="1" dirty="0" err="1" smtClean="0">
-                <a:effectLst>
-                  <a:outerShdw blurRad="38100" dist="38100" dir="2700000" algn="tl">
-                    <a:srgbClr val="000000">
-                      <a:alpha val="43137"/>
-                    </a:srgbClr>
-                  </a:outerShdw>
-                </a:effectLst>
-              </a:rPr>
-              <a:t>approach</a:t>
-            </a:r>
-            <a:endParaRPr lang="en-US" sz="3200" dirty="0"/>
-          </a:p>
-        </p:txBody>
-      </p:sp>
-      <p:pic>
-        <p:nvPicPr>
-          <p:cNvPr id="9" name="Imagen 8"/>
-          <p:cNvPicPr>
-            <a:picLocks noChangeAspect="1"/>
-          </p:cNvPicPr>
-          <p:nvPr/>
-        </p:nvPicPr>
-        <p:blipFill>
-          <a:blip r:embed="rId2">
-            <a:extLst>
-              <a:ext uri="{28A0092B-C50C-407E-A947-70E740481C1C}">
-                <a14:useLocalDpi xmlns:a14="http://schemas.microsoft.com/office/drawing/2010/main" val="0"/>
-              </a:ext>
-            </a:extLst>
-          </a:blip>
-          <a:stretch>
-            <a:fillRect/>
-          </a:stretch>
-        </p:blipFill>
-        <p:spPr>
-          <a:xfrm>
-            <a:off x="4211960" y="6137668"/>
-            <a:ext cx="2137420" cy="669725"/>
-          </a:xfrm>
-          <a:prstGeom prst="rect">
-            <a:avLst/>
-          </a:prstGeom>
-        </p:spPr>
-      </p:pic>
+              <a:rPr lang="es-ES" sz="2000" b="1" dirty="0" err="1" smtClean="0"/>
+              <a:t>Forest</a:t>
+            </a:r>
+            <a:r>
+              <a:rPr lang="es-ES" sz="2000" b="1" dirty="0" smtClean="0"/>
+              <a:t> (n=5): </a:t>
+            </a:r>
+            <a:r>
+              <a:rPr lang="es-ES" sz="2000" dirty="0" smtClean="0"/>
+              <a:t>AUC=0.73</a:t>
+            </a:r>
+          </a:p>
+          <a:p>
+            <a:r>
+              <a:rPr lang="es-ES" sz="2000" b="1" dirty="0" smtClean="0"/>
+              <a:t>KNN (k=30): </a:t>
+            </a:r>
+            <a:r>
+              <a:rPr lang="es-ES" sz="2000" dirty="0" smtClean="0"/>
+              <a:t>AUC=0.72</a:t>
+            </a:r>
+            <a:r>
+              <a:rPr lang="es-ES" b="1" dirty="0" smtClean="0"/>
+              <a:t>	</a:t>
+            </a:r>
+            <a:endParaRPr lang="en-US" dirty="0"/>
+          </a:p>
+        </p:txBody>
+      </p:sp>
     </p:spTree>
     <p:extLst>
       <p:ext uri="{BB962C8B-B14F-4D97-AF65-F5344CB8AC3E}">
-        <p14:creationId xmlns:p14="http://schemas.microsoft.com/office/powerpoint/2010/main" val="3364420380"/>
-      </p:ext>
-    </p:extLst>
-  </p:cSld>
-  <p:clrMapOvr>
-    <a:masterClrMapping/>
-  </p:clrMapOvr>
-  <p:timing>
-    <p:tnLst>
-      <p:par>
-        <p:cTn id="1" dur="indefinite" restart="never" nodeType="tmRoot"/>
-      </p:par>
-    </p:tnLst>
-  </p:timing>
-</p:sld>
-</file>
-
-<file path=ppt/slides/slide18.xml><?xml version="1.0" encoding="utf-8"?>
-<p:sld xmlns:a="http://schemas.openxmlformats.org/drawingml/2006/main" xmlns:r="http://schemas.openxmlformats.org/officeDocument/2006/relationships" xmlns:p="http://schemas.openxmlformats.org/presentationml/2006/main">
-  <p:cSld>
-    <p:spTree>
-      <p:nvGrpSpPr>
-        <p:cNvPr id="1" name=""/>
-        <p:cNvGrpSpPr/>
-        <p:nvPr/>
-      </p:nvGrpSpPr>
-      <p:grpSpPr>
-        <a:xfrm>
-          <a:off x="0" y="0"/>
-          <a:ext cx="0" cy="0"/>
-          <a:chOff x="0" y="0"/>
-          <a:chExt cx="0" cy="0"/>
-        </a:xfrm>
-      </p:grpSpPr>
-      <p:sp>
-        <p:nvSpPr>
-          <p:cNvPr id="2" name="Título 1"/>
-          <p:cNvSpPr>
-            <a:spLocks noGrp="1"/>
-          </p:cNvSpPr>
-          <p:nvPr>
-            <p:ph type="title"/>
-          </p:nvPr>
-        </p:nvSpPr>
-        <p:spPr/>
-        <p:txBody>
-          <a:bodyPr/>
-          <a:lstStyle/>
-          <a:p>
-            <a:pPr algn="ctr"/>
-            <a:r>
-              <a:rPr lang="en-US" dirty="0" smtClean="0"/>
-              <a:t>THANK YOU FOR YOUR ATTENTION</a:t>
-            </a:r>
-            <a:endParaRPr lang="en-US" dirty="0"/>
-          </a:p>
-        </p:txBody>
-      </p:sp>
-      <p:sp>
-        <p:nvSpPr>
-          <p:cNvPr id="4" name="Marcador de fecha 3"/>
-          <p:cNvSpPr>
-            <a:spLocks noGrp="1"/>
-          </p:cNvSpPr>
-          <p:nvPr>
-            <p:ph type="dt" sz="half" idx="10"/>
-          </p:nvPr>
-        </p:nvSpPr>
-        <p:spPr/>
-        <p:txBody>
-          <a:bodyPr/>
-          <a:lstStyle/>
-          <a:p>
-            <a:fld id="{E3ED30A8-05F2-46E7-9AD3-D8A4571A1581}" type="datetime4">
-              <a:rPr lang="en-US" smtClean="0"/>
-              <a:pPr/>
-              <a:t>January 26, 2016</a:t>
-            </a:fld>
-            <a:endParaRPr lang="en-US"/>
-          </a:p>
-        </p:txBody>
-      </p:sp>
-      <p:sp>
-        <p:nvSpPr>
-          <p:cNvPr id="5" name="Marcador de número de diapositiva 4"/>
-          <p:cNvSpPr>
-            <a:spLocks noGrp="1"/>
-          </p:cNvSpPr>
-          <p:nvPr>
-            <p:ph type="sldNum" sz="quarter" idx="11"/>
-          </p:nvPr>
-        </p:nvSpPr>
-        <p:spPr/>
-        <p:txBody>
-          <a:bodyPr/>
-          <a:lstStyle/>
-          <a:p>
-            <a:fld id="{43DE1167-38A6-4320-845A-BA4B892BF4A0}" type="slidenum">
-              <a:rPr lang="en-US" smtClean="0"/>
-              <a:pPr/>
-              <a:t>18</a:t>
-            </a:fld>
-            <a:endParaRPr lang="en-US"/>
-          </a:p>
-        </p:txBody>
-      </p:sp>
-      <p:pic>
-        <p:nvPicPr>
-          <p:cNvPr id="6" name="Imagen 5"/>
-          <p:cNvPicPr>
-            <a:picLocks noChangeAspect="1"/>
-          </p:cNvPicPr>
-          <p:nvPr/>
-        </p:nvPicPr>
-        <p:blipFill>
-          <a:blip r:embed="rId2">
-            <a:extLst>
-              <a:ext uri="{28A0092B-C50C-407E-A947-70E740481C1C}">
-                <a14:useLocalDpi xmlns:a14="http://schemas.microsoft.com/office/drawing/2010/main" val="0"/>
-              </a:ext>
-            </a:extLst>
-          </a:blip>
-          <a:stretch>
-            <a:fillRect/>
-          </a:stretch>
-        </p:blipFill>
-        <p:spPr>
-          <a:xfrm>
-            <a:off x="2446454" y="1772816"/>
-            <a:ext cx="4136629" cy="1296144"/>
-          </a:xfrm>
-          <a:prstGeom prst="rect">
-            <a:avLst/>
-          </a:prstGeom>
-        </p:spPr>
-      </p:pic>
-    </p:spTree>
-    <p:extLst>
-      <p:ext uri="{BB962C8B-B14F-4D97-AF65-F5344CB8AC3E}">
-        <p14:creationId xmlns:p14="http://schemas.microsoft.com/office/powerpoint/2010/main" val="1550940206"/>
+        <p14:creationId xmlns:p14="http://schemas.microsoft.com/office/powerpoint/2010/main" xmlns="" val="4134103680"/>
       </p:ext>
     </p:extLst>
   </p:cSld>
@@ -11542,7 +9991,7 @@
             <a:fld id="{15B8DC96-DBE1-4554-93F5-242B2DE63132}" type="datetime4">
               <a:rPr lang="en-US"/>
               <a:pPr/>
-              <a:t>January 26, 2016</a:t>
+              <a:t>January 27, 2016</a:t>
             </a:fld>
             <a:endParaRPr lang="en-US"/>
           </a:p>
@@ -11629,114 +10078,27 @@
           </a:p>
           <a:p>
             <a:r>
+              <a:rPr lang="nl-NL" smtClean="0"/>
+              <a:t>Our work</a:t>
+            </a:r>
+            <a:r>
+              <a:rPr lang="nl-NL" smtClean="0">
+                <a:sym typeface="Wingdings" panose="05000000000000000000" pitchFamily="2" charset="2"/>
+              </a:rPr>
+              <a:t></a:t>
+            </a:r>
+            <a:r>
+              <a:rPr lang="nl-NL" smtClean="0"/>
+              <a:t> </a:t>
+            </a:r>
+            <a:r>
               <a:rPr lang="nl-NL" dirty="0" smtClean="0"/>
-              <a:t>Our work</a:t>
-            </a:r>
-            <a:endParaRPr lang="nl-NL" b="1" dirty="0">
-              <a:effectLst>
-                <a:outerShdw blurRad="38100" dist="38100" dir="2700000" algn="tl">
-                  <a:srgbClr val="000000">
-                    <a:alpha val="43137"/>
-                  </a:srgbClr>
-                </a:outerShdw>
-              </a:effectLst>
-            </a:endParaRPr>
-          </a:p>
-        </p:txBody>
-      </p:sp>
-      <p:sp>
-        <p:nvSpPr>
-          <p:cNvPr id="2" name="CuadroTexto 1"/>
-          <p:cNvSpPr txBox="1"/>
-          <p:nvPr/>
-        </p:nvSpPr>
-        <p:spPr>
-          <a:xfrm>
-            <a:off x="1599374" y="4581128"/>
-            <a:ext cx="6782626" cy="461665"/>
-          </a:xfrm>
-          <a:prstGeom prst="rect">
-            <a:avLst/>
-          </a:prstGeom>
-          <a:noFill/>
-          <a:ln w="38100">
-            <a:solidFill>
-              <a:srgbClr val="00B0F0"/>
-            </a:solidFill>
-          </a:ln>
-        </p:spPr>
-        <p:txBody>
-          <a:bodyPr wrap="none" rtlCol="0">
-            <a:spAutoFit/>
-          </a:bodyPr>
-          <a:lstStyle/>
-          <a:p>
-            <a:r>
-              <a:rPr lang="nl-NL" b="1" dirty="0">
-                <a:effectLst>
-                  <a:outerShdw blurRad="38100" dist="38100" dir="2700000" algn="tl">
-                    <a:srgbClr val="000000">
-                      <a:alpha val="43137"/>
-                    </a:srgbClr>
-                  </a:outerShdw>
-                </a:effectLst>
-              </a:rPr>
-              <a:t>Detecting femoral head in 2D X Ray </a:t>
-            </a:r>
-            <a:r>
-              <a:rPr lang="nl-NL" b="1" dirty="0" smtClean="0">
-                <a:effectLst>
-                  <a:outerShdw blurRad="38100" dist="38100" dir="2700000" algn="tl">
-                    <a:srgbClr val="000000">
-                      <a:alpha val="43137"/>
-                    </a:srgbClr>
-                  </a:outerShdw>
-                </a:effectLst>
-              </a:rPr>
-              <a:t>Image</a:t>
-            </a:r>
-            <a:endParaRPr lang="nl-NL" b="1" dirty="0">
-              <a:effectLst>
-                <a:outerShdw blurRad="38100" dist="38100" dir="2700000" algn="tl">
-                  <a:srgbClr val="000000">
-                    <a:alpha val="43137"/>
-                  </a:srgbClr>
-                </a:outerShdw>
-              </a:effectLst>
-            </a:endParaRPr>
-          </a:p>
-        </p:txBody>
-      </p:sp>
-      <p:pic>
-        <p:nvPicPr>
-          <p:cNvPr id="8" name="Imagen 7"/>
-          <p:cNvPicPr>
-            <a:picLocks noChangeAspect="1"/>
-          </p:cNvPicPr>
-          <p:nvPr/>
-        </p:nvPicPr>
-        <p:blipFill>
-          <a:blip r:embed="rId2">
-            <a:extLst>
-              <a:ext uri="{28A0092B-C50C-407E-A947-70E740481C1C}">
-                <a14:useLocalDpi xmlns:a14="http://schemas.microsoft.com/office/drawing/2010/main" val="0"/>
-              </a:ext>
-            </a:extLst>
-          </a:blip>
-          <a:stretch>
-            <a:fillRect/>
-          </a:stretch>
-        </p:blipFill>
-        <p:spPr>
-          <a:xfrm>
-            <a:off x="4211960" y="6137668"/>
-            <a:ext cx="2137420" cy="669725"/>
-          </a:xfrm>
-          <a:prstGeom prst="rect">
-            <a:avLst/>
-          </a:prstGeom>
-        </p:spPr>
-      </p:pic>
+              <a:t>Detecting femoral head in 2D X Ray Image.</a:t>
+            </a:r>
+            <a:endParaRPr lang="nl-NL" dirty="0"/>
+          </a:p>
+        </p:txBody>
+      </p:sp>
     </p:spTree>
   </p:cSld>
   <p:clrMapOvr>
@@ -11836,6 +10198,16 @@
           <a:p>
             <a:r>
               <a:rPr lang="en-US" dirty="0" smtClean="0"/>
+              <a:t>Histograms contrast normalization across </a:t>
+            </a:r>
+            <a:r>
+              <a:rPr lang="en-US" dirty="0" smtClean="0"/>
+              <a:t>’block’</a:t>
+            </a:r>
+          </a:p>
+          <a:p>
+            <a:r>
+              <a:rPr lang="en-US" dirty="0" smtClean="0"/>
               <a:t>HOG </a:t>
             </a:r>
             <a:r>
@@ -11858,18 +10230,20 @@
               <a:rPr lang="en-US" dirty="0" smtClean="0">
                 <a:sym typeface="Wingdings" panose="05000000000000000000" pitchFamily="2" charset="2"/>
               </a:rPr>
-              <a:t> </a:t>
-            </a:r>
-            <a:r>
-              <a:rPr lang="en-US" dirty="0" smtClean="0"/>
-              <a:t>concatenating all histograms from each cell. </a:t>
-            </a:r>
-          </a:p>
-          <a:p>
-            <a:r>
-              <a:rPr lang="en-US" dirty="0" smtClean="0"/>
-              <a:t>Histograms contrast normalization across ’block’</a:t>
-            </a:r>
+              <a:t>normalized descriptor </a:t>
+            </a:r>
+            <a:r>
+              <a:rPr lang="en-US" dirty="0" smtClean="0">
+                <a:sym typeface="Wingdings" panose="05000000000000000000" pitchFamily="2" charset="2"/>
+              </a:rPr>
+              <a:t>blocks</a:t>
+            </a:r>
+            <a:endParaRPr lang="en-US" dirty="0" smtClean="0"/>
+          </a:p>
+          <a:p>
+            <a:pPr>
+              <a:buNone/>
+            </a:pPr>
             <a:endParaRPr lang="en-US" dirty="0"/>
           </a:p>
         </p:txBody>
@@ -11892,7 +10266,7 @@
             <a:fld id="{31DCBD78-A96A-4270-BAB0-39853B6FFB02}" type="datetime4">
               <a:rPr lang="en-US" smtClean="0"/>
               <a:pPr/>
-              <a:t>January 26, 2016</a:t>
+              <a:t>January 27, 2016</a:t>
             </a:fld>
             <a:endParaRPr lang="en-US"/>
           </a:p>
@@ -11934,7 +10308,7 @@
           <a:blip r:embed="rId3">
             <a:extLst>
               <a:ext uri="{28A0092B-C50C-407E-A947-70E740481C1C}">
-                <a14:useLocalDpi xmlns:a14="http://schemas.microsoft.com/office/drawing/2010/main" val="0"/>
+                <a14:useLocalDpi xmlns:a14="http://schemas.microsoft.com/office/drawing/2010/main" xmlns="" val="0"/>
               </a:ext>
             </a:extLst>
           </a:blip>
@@ -12150,70 +10524,10 @@
           </a:p>
         </p:txBody>
       </p:sp>
-      <p:pic>
-        <p:nvPicPr>
-          <p:cNvPr id="7" name="Imagen 6"/>
-          <p:cNvPicPr>
-            <a:picLocks noChangeAspect="1"/>
-          </p:cNvPicPr>
-          <p:nvPr/>
-        </p:nvPicPr>
-        <p:blipFill>
-          <a:blip r:embed="rId4">
-            <a:extLst>
-              <a:ext uri="{28A0092B-C50C-407E-A947-70E740481C1C}">
-                <a14:useLocalDpi xmlns:a14="http://schemas.microsoft.com/office/drawing/2010/main" val="0"/>
-              </a:ext>
-            </a:extLst>
-          </a:blip>
-          <a:stretch>
-            <a:fillRect/>
-          </a:stretch>
-        </p:blipFill>
-        <p:spPr>
-          <a:xfrm>
-            <a:off x="899592" y="1329524"/>
-            <a:ext cx="7315215" cy="3657607"/>
-          </a:xfrm>
-          <a:prstGeom prst="rect">
-            <a:avLst/>
-          </a:prstGeom>
-        </p:spPr>
-      </p:pic>
-      <p:pic>
-        <p:nvPicPr>
-          <p:cNvPr id="13" name="Imagen 12"/>
-          <p:cNvPicPr>
-            <a:picLocks noChangeAspect="1"/>
-          </p:cNvPicPr>
-          <p:nvPr/>
-        </p:nvPicPr>
-        <p:blipFill>
-          <a:blip r:embed="rId5">
-            <a:extLst>
-              <a:ext uri="{28A0092B-C50C-407E-A947-70E740481C1C}">
-                <a14:useLocalDpi xmlns:a14="http://schemas.microsoft.com/office/drawing/2010/main" val="0"/>
-              </a:ext>
-            </a:extLst>
-          </a:blip>
-          <a:stretch>
-            <a:fillRect/>
-          </a:stretch>
-        </p:blipFill>
-        <p:spPr>
-          <a:xfrm>
-            <a:off x="4211960" y="6137668"/>
-            <a:ext cx="2137420" cy="669725"/>
-          </a:xfrm>
-          <a:prstGeom prst="rect">
-            <a:avLst/>
-          </a:prstGeom>
-        </p:spPr>
-      </p:pic>
     </p:spTree>
     <p:extLst>
       <p:ext uri="{BB962C8B-B14F-4D97-AF65-F5344CB8AC3E}">
-        <p14:creationId xmlns:p14="http://schemas.microsoft.com/office/powerpoint/2010/main" val="3935943053"/>
+        <p14:creationId xmlns:p14="http://schemas.microsoft.com/office/powerpoint/2010/main" xmlns="" val="3935943053"/>
       </p:ext>
     </p:extLst>
   </p:cSld>
@@ -12223,121 +10537,7 @@
   <p:timing>
     <p:tnLst>
       <p:par>
-        <p:cTn id="1" dur="indefinite" restart="never" nodeType="tmRoot">
-          <p:childTnLst>
-            <p:seq concurrent="1" nextAc="seek">
-              <p:cTn id="2" dur="indefinite" nodeType="mainSeq">
-                <p:childTnLst>
-                  <p:par>
-                    <p:cTn id="3" fill="hold">
-                      <p:stCondLst>
-                        <p:cond delay="indefinite"/>
-                      </p:stCondLst>
-                      <p:childTnLst>
-                        <p:par>
-                          <p:cTn id="4" fill="hold">
-                            <p:stCondLst>
-                              <p:cond delay="0"/>
-                            </p:stCondLst>
-                            <p:childTnLst>
-                              <p:par>
-                                <p:cTn id="5" presetID="2" presetClass="entr" presetSubtype="4" fill="hold" nodeType="clickEffect">
-                                  <p:stCondLst>
-                                    <p:cond delay="0"/>
-                                  </p:stCondLst>
-                                  <p:childTnLst>
-                                    <p:set>
-                                      <p:cBhvr>
-                                        <p:cTn id="6" dur="1" fill="hold">
-                                          <p:stCondLst>
-                                            <p:cond delay="0"/>
-                                          </p:stCondLst>
-                                        </p:cTn>
-                                        <p:tgtEl>
-                                          <p:spTgt spid="7"/>
-                                        </p:tgtEl>
-                                        <p:attrNameLst>
-                                          <p:attrName>style.visibility</p:attrName>
-                                        </p:attrNameLst>
-                                      </p:cBhvr>
-                                      <p:to>
-                                        <p:strVal val="visible"/>
-                                      </p:to>
-                                    </p:set>
-                                    <p:anim calcmode="lin" valueType="num">
-                                      <p:cBhvr additive="base">
-                                        <p:cTn id="7" dur="500" fill="hold"/>
-                                        <p:tgtEl>
-                                          <p:spTgt spid="7"/>
-                                        </p:tgtEl>
-                                        <p:attrNameLst>
-                                          <p:attrName>ppt_x</p:attrName>
-                                        </p:attrNameLst>
-                                      </p:cBhvr>
-                                      <p:tavLst>
-                                        <p:tav tm="0">
-                                          <p:val>
-                                            <p:strVal val="#ppt_x"/>
-                                          </p:val>
-                                        </p:tav>
-                                        <p:tav tm="100000">
-                                          <p:val>
-                                            <p:strVal val="#ppt_x"/>
-                                          </p:val>
-                                        </p:tav>
-                                      </p:tavLst>
-                                    </p:anim>
-                                    <p:anim calcmode="lin" valueType="num">
-                                      <p:cBhvr additive="base">
-                                        <p:cTn id="8" dur="500" fill="hold"/>
-                                        <p:tgtEl>
-                                          <p:spTgt spid="7"/>
-                                        </p:tgtEl>
-                                        <p:attrNameLst>
-                                          <p:attrName>ppt_y</p:attrName>
-                                        </p:attrNameLst>
-                                      </p:cBhvr>
-                                      <p:tavLst>
-                                        <p:tav tm="0">
-                                          <p:val>
-                                            <p:strVal val="1+#ppt_h/2"/>
-                                          </p:val>
-                                        </p:tav>
-                                        <p:tav tm="100000">
-                                          <p:val>
-                                            <p:strVal val="#ppt_y"/>
-                                          </p:val>
-                                        </p:tav>
-                                      </p:tavLst>
-                                    </p:anim>
-                                  </p:childTnLst>
-                                </p:cTn>
-                              </p:par>
-                            </p:childTnLst>
-                          </p:cTn>
-                        </p:par>
-                      </p:childTnLst>
-                    </p:cTn>
-                  </p:par>
-                </p:childTnLst>
-              </p:cTn>
-              <p:prevCondLst>
-                <p:cond evt="onPrev" delay="0">
-                  <p:tgtEl>
-                    <p:sldTgt/>
-                  </p:tgtEl>
-                </p:cond>
-              </p:prevCondLst>
-              <p:nextCondLst>
-                <p:cond evt="onNext" delay="0">
-                  <p:tgtEl>
-                    <p:sldTgt/>
-                  </p:tgtEl>
-                </p:cond>
-              </p:nextCondLst>
-            </p:seq>
-          </p:childTnLst>
-        </p:cTn>
+        <p:cTn id="1" dur="indefinite" restart="never" nodeType="tmRoot"/>
       </p:par>
     </p:tnLst>
   </p:timing>
@@ -12398,7 +10598,7 @@
             <p:ph idx="1"/>
             <p:extLst>
               <p:ext uri="{D42A27DB-BD31-4B8C-83A1-F6EECF244321}">
-                <p14:modId xmlns:p14="http://schemas.microsoft.com/office/powerpoint/2010/main" val="3851959278"/>
+                <p14:modId xmlns:p14="http://schemas.microsoft.com/office/powerpoint/2010/main" xmlns="" val="3851959278"/>
               </p:ext>
             </p:extLst>
           </p:nvPr>
@@ -12431,7 +10631,7 @@
             <a:fld id="{31DCBD78-A96A-4270-BAB0-39853B6FFB02}" type="datetime4">
               <a:rPr lang="en-US" smtClean="0"/>
               <a:pPr/>
-              <a:t>January 26, 2016</a:t>
+              <a:t>January 27, 2016</a:t>
             </a:fld>
             <a:endParaRPr lang="en-US"/>
           </a:p>
@@ -12671,10 +10871,10 @@
           <p:nvPr/>
         </p:nvPicPr>
         <p:blipFill>
-          <a:blip r:embed="rId7">
+          <a:blip r:embed="rId6">
             <a:extLst>
               <a:ext uri="{28A0092B-C50C-407E-A947-70E740481C1C}">
-                <a14:useLocalDpi xmlns:a14="http://schemas.microsoft.com/office/drawing/2010/main" val="0"/>
+                <a14:useLocalDpi xmlns:a14="http://schemas.microsoft.com/office/drawing/2010/main" xmlns="" val="0"/>
               </a:ext>
             </a:extLst>
           </a:blip>
@@ -13028,40 +11228,10 @@
           </a:p>
         </p:txBody>
       </p:sp>
-      <p:pic>
-        <p:nvPicPr>
-          <p:cNvPr id="16" name="Imagen 15"/>
-          <p:cNvPicPr>
-            <a:picLocks noChangeAspect="1"/>
-          </p:cNvPicPr>
-          <p:nvPr/>
-        </p:nvPicPr>
-        <p:blipFill>
-          <a:blip r:embed="rId8">
-            <a:extLst>
-              <a:ext uri="{28A0092B-C50C-407E-A947-70E740481C1C}">
-                <a14:useLocalDpi xmlns:a14="http://schemas.microsoft.com/office/drawing/2010/main" val="0"/>
-              </a:ext>
-            </a:extLst>
-          </a:blip>
-          <a:stretch>
-            <a:fillRect/>
-          </a:stretch>
-        </p:blipFill>
-        <p:spPr>
-          <a:xfrm>
-            <a:off x="4211960" y="6137668"/>
-            <a:ext cx="2137420" cy="669725"/>
-          </a:xfrm>
-          <a:prstGeom prst="rect">
-            <a:avLst/>
-          </a:prstGeom>
-        </p:spPr>
-      </p:pic>
     </p:spTree>
     <p:extLst>
       <p:ext uri="{BB962C8B-B14F-4D97-AF65-F5344CB8AC3E}">
-        <p14:creationId xmlns:p14="http://schemas.microsoft.com/office/powerpoint/2010/main" val="928374944"/>
+        <p14:creationId xmlns:p14="http://schemas.microsoft.com/office/powerpoint/2010/main" xmlns="" val="928374944"/>
       </p:ext>
     </p:extLst>
   </p:cSld>
@@ -13867,7 +12037,7 @@
             <a:fld id="{31DCBD78-A96A-4270-BAB0-39853B6FFB02}" type="datetime4">
               <a:rPr lang="en-US" smtClean="0"/>
               <a:pPr/>
-              <a:t>January 26, 2016</a:t>
+              <a:t>January 27, 2016</a:t>
             </a:fld>
             <a:endParaRPr lang="en-US"/>
           </a:p>
@@ -13911,7 +12081,7 @@
           <a:blip r:embed="rId2">
             <a:extLst>
               <a:ext uri="{28A0092B-C50C-407E-A947-70E740481C1C}">
-                <a14:useLocalDpi xmlns:a14="http://schemas.microsoft.com/office/drawing/2010/main" val="0"/>
+                <a14:useLocalDpi xmlns:a14="http://schemas.microsoft.com/office/drawing/2010/main" xmlns="" val="0"/>
               </a:ext>
             </a:extLst>
           </a:blip>
@@ -14486,8 +12656,8 @@
         </p:nvSpPr>
         <p:spPr>
           <a:xfrm>
-            <a:off x="868998" y="1163915"/>
-            <a:ext cx="7087378" cy="1477328"/>
+            <a:off x="811238" y="1132056"/>
+            <a:ext cx="6065018" cy="1200329"/>
           </a:xfrm>
           <a:prstGeom prst="rect">
             <a:avLst/>
@@ -14507,18 +12677,18 @@
               <a:buAutoNum type="arabicPeriod"/>
             </a:pPr>
             <a:r>
-              <a:rPr lang="es-ES" sz="2000" dirty="0" err="1" smtClean="0"/>
+              <a:rPr lang="es-ES" dirty="0" err="1" smtClean="0"/>
               <a:t>Most</a:t>
             </a:r>
             <a:r>
-              <a:rPr lang="es-ES" sz="2000" dirty="0" smtClean="0"/>
+              <a:rPr lang="es-ES" dirty="0" smtClean="0"/>
               <a:t> probable </a:t>
             </a:r>
             <a:r>
-              <a:rPr lang="es-ES" sz="2000" dirty="0" err="1" smtClean="0"/>
+              <a:rPr lang="es-ES" dirty="0" err="1" smtClean="0"/>
               <a:t>patch</a:t>
             </a:r>
-            <a:endParaRPr lang="es-ES" sz="2000" dirty="0" smtClean="0"/>
+            <a:endParaRPr lang="es-ES" dirty="0" smtClean="0"/>
           </a:p>
           <a:p>
             <a:pPr marL="457200" indent="-457200">
@@ -14528,119 +12698,37 @@
               <a:buAutoNum type="arabicPeriod"/>
             </a:pPr>
             <a:r>
-              <a:rPr lang="es-ES" sz="2000" b="1" dirty="0" smtClean="0"/>
+              <a:rPr lang="es-ES" dirty="0" smtClean="0"/>
               <a:t>Non </a:t>
             </a:r>
             <a:r>
-              <a:rPr lang="es-ES" sz="2000" b="1" dirty="0" err="1" smtClean="0"/>
+              <a:rPr lang="es-ES" dirty="0" err="1" smtClean="0"/>
               <a:t>Maximum</a:t>
             </a:r>
             <a:r>
-              <a:rPr lang="es-ES" sz="2000" b="1" dirty="0" smtClean="0"/>
+              <a:rPr lang="es-ES" dirty="0" smtClean="0"/>
               <a:t> </a:t>
             </a:r>
             <a:r>
-              <a:rPr lang="es-ES" sz="2000" b="1" dirty="0" err="1" smtClean="0"/>
+              <a:rPr lang="es-ES" dirty="0" err="1" smtClean="0"/>
               <a:t>Suppresion</a:t>
             </a:r>
             <a:r>
-              <a:rPr lang="es-ES" sz="2000" b="1" dirty="0" smtClean="0"/>
+              <a:rPr lang="es-ES" dirty="0" smtClean="0"/>
               <a:t> </a:t>
             </a:r>
             <a:r>
-              <a:rPr lang="es-ES" sz="2000" b="1" dirty="0" smtClean="0"/>
-              <a:t>(NMS) </a:t>
-            </a:r>
-            <a:r>
-              <a:rPr lang="es-ES" sz="2000" b="1" dirty="0" err="1" smtClean="0"/>
+              <a:rPr lang="es-ES" dirty="0" err="1" smtClean="0"/>
               <a:t>Method</a:t>
             </a:r>
-            <a:r>
-              <a:rPr lang="es-ES" sz="2000" dirty="0" smtClean="0"/>
-              <a:t>: </a:t>
-            </a:r>
-            <a:r>
-              <a:rPr lang="es-ES" sz="2000" dirty="0" err="1" smtClean="0"/>
-              <a:t>several</a:t>
-            </a:r>
-            <a:r>
-              <a:rPr lang="es-ES" sz="2000" dirty="0" smtClean="0"/>
-              <a:t> </a:t>
-            </a:r>
-            <a:r>
-              <a:rPr lang="es-ES" sz="2000" dirty="0" err="1" smtClean="0"/>
-              <a:t>patches</a:t>
-            </a:r>
-            <a:r>
-              <a:rPr lang="es-ES" sz="2000" dirty="0" smtClean="0"/>
-              <a:t> </a:t>
-            </a:r>
-            <a:r>
-              <a:rPr lang="es-ES" sz="2000" dirty="0" err="1" smtClean="0"/>
-              <a:t>considered</a:t>
-            </a:r>
-            <a:r>
-              <a:rPr lang="es-ES" sz="2000" dirty="0" smtClean="0"/>
-              <a:t> </a:t>
-            </a:r>
-            <a:r>
-              <a:rPr lang="es-ES" sz="2000" dirty="0" err="1" smtClean="0"/>
-              <a:t>using</a:t>
-            </a:r>
-            <a:r>
-              <a:rPr lang="es-ES" sz="2000" dirty="0" smtClean="0"/>
-              <a:t> a </a:t>
-            </a:r>
-            <a:r>
-              <a:rPr lang="es-ES" sz="2000" dirty="0" err="1" smtClean="0"/>
-              <a:t>probability</a:t>
-            </a:r>
-            <a:r>
-              <a:rPr lang="es-ES" sz="2000" dirty="0" smtClean="0"/>
-              <a:t> </a:t>
-            </a:r>
-            <a:r>
-              <a:rPr lang="es-ES" sz="2000" dirty="0" err="1" smtClean="0"/>
-              <a:t>threshold</a:t>
-            </a:r>
-            <a:endParaRPr lang="en-US" sz="2000" dirty="0"/>
-          </a:p>
-        </p:txBody>
-      </p:sp>
-      <p:pic>
-        <p:nvPicPr>
-          <p:cNvPr id="16" name="Imagen 15"/>
-          <p:cNvPicPr>
-            <a:picLocks noChangeAspect="1"/>
-          </p:cNvPicPr>
-          <p:nvPr/>
-        </p:nvPicPr>
-        <p:blipFill>
-          <a:blip r:embed="rId3">
-            <a:extLst>
-              <a:ext uri="{28A0092B-C50C-407E-A947-70E740481C1C}">
-                <a14:useLocalDpi xmlns:a14="http://schemas.microsoft.com/office/drawing/2010/main" val="0"/>
-              </a:ext>
-            </a:extLst>
-          </a:blip>
-          <a:stretch>
-            <a:fillRect/>
-          </a:stretch>
-        </p:blipFill>
-        <p:spPr>
-          <a:xfrm>
-            <a:off x="4211960" y="6137668"/>
-            <a:ext cx="2137420" cy="669725"/>
-          </a:xfrm>
-          <a:prstGeom prst="rect">
-            <a:avLst/>
-          </a:prstGeom>
-        </p:spPr>
-      </p:pic>
+            <a:endParaRPr lang="en-US" dirty="0"/>
+          </a:p>
+        </p:txBody>
+      </p:sp>
     </p:spTree>
     <p:extLst>
       <p:ext uri="{BB962C8B-B14F-4D97-AF65-F5344CB8AC3E}">
-        <p14:creationId xmlns:p14="http://schemas.microsoft.com/office/powerpoint/2010/main" val="2728171055"/>
+        <p14:creationId xmlns:p14="http://schemas.microsoft.com/office/powerpoint/2010/main" xmlns="" val="2728171055"/>
       </p:ext>
     </p:extLst>
   </p:cSld>
@@ -14739,7 +12827,7 @@
             <a:fld id="{31DCBD78-A96A-4270-BAB0-39853B6FFB02}" type="datetime4">
               <a:rPr lang="en-US" smtClean="0"/>
               <a:pPr/>
-              <a:t>January 26, 2016</a:t>
+              <a:t>January 27, 2016</a:t>
             </a:fld>
             <a:endParaRPr lang="en-US"/>
           </a:p>
@@ -14878,7 +12966,7 @@
           <a:blip r:embed="rId2">
             <a:extLst>
               <a:ext uri="{28A0092B-C50C-407E-A947-70E740481C1C}">
-                <a14:useLocalDpi xmlns:a14="http://schemas.microsoft.com/office/drawing/2010/main" val="0"/>
+                <a14:useLocalDpi xmlns:a14="http://schemas.microsoft.com/office/drawing/2010/main" xmlns="" val="0"/>
               </a:ext>
             </a:extLst>
           </a:blip>
@@ -15063,8 +13151,8 @@
           </a:ln>
         </p:spPr>
       </p:pic>
-      <mc:AlternateContent xmlns:mc="http://schemas.openxmlformats.org/markup-compatibility/2006" xmlns:a14="http://schemas.microsoft.com/office/drawing/2010/main">
-        <mc:Choice Requires="a14">
+      <mc:AlternateContent xmlns:mc="http://schemas.openxmlformats.org/markup-compatibility/2006">
+        <mc:Choice xmlns:a14="http://schemas.microsoft.com/office/drawing/2010/main" xmlns="" Requires="a14">
           <p:sp>
             <p:nvSpPr>
               <p:cNvPr id="13" name="CuadroTexto 12"/>
@@ -15087,7 +13175,6 @@
               </a:bodyPr>
               <a:lstStyle/>
               <a:p>
-                <a:pPr/>
                 <a14:m>
                   <m:oMathPara xmlns:m="http://schemas.openxmlformats.org/officeDocument/2006/math">
                     <m:oMathParaPr>
@@ -15199,7 +13286,7 @@
             </p:txBody>
           </p:sp>
         </mc:Choice>
-        <mc:Fallback xmlns="">
+        <mc:Fallback>
           <p:sp>
             <p:nvSpPr>
               <p:cNvPr id="13" name="CuadroTexto 12"/>
@@ -15519,40 +13606,10 @@
           </a:p>
         </p:txBody>
       </p:sp>
-      <p:pic>
-        <p:nvPicPr>
-          <p:cNvPr id="18" name="Imagen 17"/>
-          <p:cNvPicPr>
-            <a:picLocks noChangeAspect="1"/>
-          </p:cNvPicPr>
-          <p:nvPr/>
-        </p:nvPicPr>
-        <p:blipFill>
-          <a:blip r:embed="rId5">
-            <a:extLst>
-              <a:ext uri="{28A0092B-C50C-407E-A947-70E740481C1C}">
-                <a14:useLocalDpi xmlns:a14="http://schemas.microsoft.com/office/drawing/2010/main" val="0"/>
-              </a:ext>
-            </a:extLst>
-          </a:blip>
-          <a:stretch>
-            <a:fillRect/>
-          </a:stretch>
-        </p:blipFill>
-        <p:spPr>
-          <a:xfrm>
-            <a:off x="4211960" y="6137668"/>
-            <a:ext cx="2137420" cy="669725"/>
-          </a:xfrm>
-          <a:prstGeom prst="rect">
-            <a:avLst/>
-          </a:prstGeom>
-        </p:spPr>
-      </p:pic>
     </p:spTree>
     <p:extLst>
       <p:ext uri="{BB962C8B-B14F-4D97-AF65-F5344CB8AC3E}">
-        <p14:creationId xmlns:p14="http://schemas.microsoft.com/office/powerpoint/2010/main" val="3698319339"/>
+        <p14:creationId xmlns:p14="http://schemas.microsoft.com/office/powerpoint/2010/main" xmlns="" val="3698319339"/>
       </p:ext>
     </p:extLst>
   </p:cSld>
@@ -15627,7 +13684,7 @@
             <a:fld id="{31DCBD78-A96A-4270-BAB0-39853B6FFB02}" type="datetime4">
               <a:rPr lang="en-US" smtClean="0"/>
               <a:pPr/>
-              <a:t>January 26, 2016</a:t>
+              <a:t>January 27, 2016</a:t>
             </a:fld>
             <a:endParaRPr lang="en-US"/>
           </a:p>
@@ -16056,140 +14113,10 @@
           </a:p>
         </p:txBody>
       </p:sp>
-      <p:sp>
-        <p:nvSpPr>
-          <p:cNvPr id="3" name="Cerrar llave 2"/>
-          <p:cNvSpPr/>
-          <p:nvPr/>
-        </p:nvSpPr>
-        <p:spPr bwMode="auto">
-          <a:xfrm>
-            <a:off x="5724128" y="3933056"/>
-            <a:ext cx="216024" cy="829256"/>
-          </a:xfrm>
-          <a:prstGeom prst="rightBrace">
-            <a:avLst/>
-          </a:prstGeom>
-          <a:ln>
-            <a:headEnd type="none" w="med" len="med"/>
-            <a:tailEnd type="none" w="med" len="med"/>
-          </a:ln>
-        </p:spPr>
-        <p:style>
-          <a:lnRef idx="2">
-            <a:schemeClr val="accent4"/>
-          </a:lnRef>
-          <a:fillRef idx="0">
-            <a:schemeClr val="accent4"/>
-          </a:fillRef>
-          <a:effectRef idx="1">
-            <a:schemeClr val="accent4"/>
-          </a:effectRef>
-          <a:fontRef idx="minor">
-            <a:schemeClr val="tx1"/>
-          </a:fontRef>
-        </p:style>
-        <p:txBody>
-          <a:bodyPr vert="horz" wrap="square" lIns="91440" tIns="45720" rIns="91440" bIns="45720" numCol="1" rtlCol="0" anchor="t" anchorCtr="0" compatLnSpc="1">
-            <a:prstTxWarp prst="textNoShape">
-              <a:avLst/>
-            </a:prstTxWarp>
-          </a:bodyPr>
-          <a:lstStyle/>
-          <a:p>
-            <a:pPr marL="0" marR="0" indent="0" algn="l" defTabSz="914400" rtl="0" eaLnBrk="0" fontAlgn="base" latinLnBrk="0" hangingPunct="0">
-              <a:lnSpc>
-                <a:spcPct val="100000"/>
-              </a:lnSpc>
-              <a:spcBef>
-                <a:spcPct val="0"/>
-              </a:spcBef>
-              <a:spcAft>
-                <a:spcPct val="0"/>
-              </a:spcAft>
-              <a:buClrTx/>
-              <a:buSzTx/>
-              <a:buFontTx/>
-              <a:buNone/>
-              <a:tabLst/>
-            </a:pPr>
-            <a:endParaRPr kumimoji="0" lang="en-US" sz="2400" b="0" i="0" u="none" strike="noStrike" cap="none" normalizeH="0" baseline="0" smtClean="0">
-              <a:ln>
-                <a:noFill/>
-              </a:ln>
-              <a:solidFill>
-                <a:schemeClr val="tx1"/>
-              </a:solidFill>
-              <a:effectLst/>
-              <a:latin typeface="Tahoma" charset="0"/>
-            </a:endParaRPr>
-          </a:p>
-        </p:txBody>
-      </p:sp>
-      <p:sp>
-        <p:nvSpPr>
-          <p:cNvPr id="8" name="CuadroTexto 7"/>
-          <p:cNvSpPr txBox="1"/>
-          <p:nvPr/>
-        </p:nvSpPr>
-        <p:spPr>
-          <a:xfrm>
-            <a:off x="6156176" y="4149080"/>
-            <a:ext cx="1918089" cy="461665"/>
-          </a:xfrm>
-          <a:prstGeom prst="rect">
-            <a:avLst/>
-          </a:prstGeom>
-          <a:noFill/>
-        </p:spPr>
-        <p:txBody>
-          <a:bodyPr wrap="none" rtlCol="0">
-            <a:spAutoFit/>
-          </a:bodyPr>
-          <a:lstStyle/>
-          <a:p>
-            <a:r>
-              <a:rPr lang="en-US" dirty="0" smtClean="0"/>
-              <a:t>20 classifiers</a:t>
-            </a:r>
-            <a:endParaRPr lang="en-US" dirty="0"/>
-          </a:p>
-        </p:txBody>
-      </p:sp>
-      <p:pic>
-        <p:nvPicPr>
-          <p:cNvPr id="9" name="Imagen 8"/>
-          <p:cNvPicPr>
-            <a:picLocks noChangeAspect="1"/>
-          </p:cNvPicPr>
-          <p:nvPr/>
-        </p:nvPicPr>
-        <p:blipFill>
-          <a:blip r:embed="rId2">
-            <a:extLst>
-              <a:ext uri="{28A0092B-C50C-407E-A947-70E740481C1C}">
-                <a14:useLocalDpi xmlns:a14="http://schemas.microsoft.com/office/drawing/2010/main" val="0"/>
-              </a:ext>
-            </a:extLst>
-          </a:blip>
-          <a:stretch>
-            <a:fillRect/>
-          </a:stretch>
-        </p:blipFill>
-        <p:spPr>
-          <a:xfrm>
-            <a:off x="4211960" y="6137668"/>
-            <a:ext cx="2137420" cy="669725"/>
-          </a:xfrm>
-          <a:prstGeom prst="rect">
-            <a:avLst/>
-          </a:prstGeom>
-        </p:spPr>
-      </p:pic>
     </p:spTree>
     <p:extLst>
       <p:ext uri="{BB962C8B-B14F-4D97-AF65-F5344CB8AC3E}">
-        <p14:creationId xmlns:p14="http://schemas.microsoft.com/office/powerpoint/2010/main" val="3851438641"/>
+        <p14:creationId xmlns:p14="http://schemas.microsoft.com/office/powerpoint/2010/main" xmlns="" val="3851438641"/>
       </p:ext>
     </p:extLst>
   </p:cSld>
@@ -16217,7 +14144,7 @@
                             </p:stCondLst>
                             <p:childTnLst>
                               <p:par>
-                                <p:cTn id="5" presetID="22" presetClass="entr" presetSubtype="4" fill="hold" grpId="0" nodeType="clickEffect">
+                                <p:cTn id="5" presetID="1" presetClass="entr" presetSubtype="0" fill="hold" grpId="0" nodeType="clickEffect">
                                   <p:stCondLst>
                                     <p:cond delay="0"/>
                                   </p:stCondLst>
@@ -16231,68 +14158,6 @@
                                         </p:cTn>
                                         <p:tgtEl>
                                           <p:spTgt spid="7"/>
-                                        </p:tgtEl>
-                                        <p:attrNameLst>
-                                          <p:attrName>style.visibility</p:attrName>
-                                        </p:attrNameLst>
-                                      </p:cBhvr>
-                                      <p:to>
-                                        <p:strVal val="visible"/>
-                                      </p:to>
-                                    </p:set>
-                                    <p:animEffect transition="in" filter="wipe(down)">
-                                      <p:cBhvr>
-                                        <p:cTn id="7" dur="500"/>
-                                        <p:tgtEl>
-                                          <p:spTgt spid="7"/>
-                                        </p:tgtEl>
-                                      </p:cBhvr>
-                                    </p:animEffect>
-                                  </p:childTnLst>
-                                </p:cTn>
-                              </p:par>
-                              <p:par>
-                                <p:cTn id="8" presetID="1" presetClass="entr" presetSubtype="0" fill="hold" grpId="0" nodeType="withEffect">
-                                  <p:stCondLst>
-                                    <p:cond delay="0"/>
-                                  </p:stCondLst>
-                                  <p:childTnLst>
-                                    <p:set>
-                                      <p:cBhvr>
-                                        <p:cTn id="9" dur="1" fill="hold">
-                                          <p:stCondLst>
-                                            <p:cond delay="0"/>
-                                          </p:stCondLst>
-                                        </p:cTn>
-                                        <p:tgtEl>
-                                          <p:spTgt spid="3"/>
-                                        </p:tgtEl>
-                                        <p:attrNameLst>
-                                          <p:attrName>style.visibility</p:attrName>
-                                        </p:attrNameLst>
-                                      </p:cBhvr>
-                                      <p:to>
-                                        <p:strVal val="visible"/>
-                                      </p:to>
-                                    </p:set>
-                                  </p:childTnLst>
-                                </p:cTn>
-                              </p:par>
-                              <p:par>
-                                <p:cTn id="10" presetID="1" presetClass="entr" presetSubtype="0" fill="hold" grpId="0" nodeType="withEffect">
-                                  <p:stCondLst>
-                                    <p:cond delay="0"/>
-                                  </p:stCondLst>
-                                  <p:childTnLst>
-                                    <p:set>
-                                      <p:cBhvr>
-                                        <p:cTn id="11" dur="1" fill="hold">
-                                          <p:stCondLst>
-                                            <p:cond delay="0"/>
-                                          </p:stCondLst>
-                                        </p:cTn>
-                                        <p:tgtEl>
-                                          <p:spTgt spid="8"/>
                                         </p:tgtEl>
                                         <p:attrNameLst>
                                           <p:attrName>style.visibility</p:attrName>
@@ -16334,8 +14199,6 @@
     </p:tnLst>
     <p:bldLst>
       <p:bldP spid="7" grpId="0" animBg="1"/>
-      <p:bldP spid="3" grpId="0" animBg="1"/>
-      <p:bldP spid="8" grpId="0"/>
     </p:bldLst>
   </p:timing>
 </p:sld>
@@ -16438,7 +14301,7 @@
             <a:fld id="{31DCBD78-A96A-4270-BAB0-39853B6FFB02}" type="datetime4">
               <a:rPr lang="en-US" smtClean="0"/>
               <a:pPr/>
-              <a:t>January 26, 2016</a:t>
+              <a:t>January 27, 2016</a:t>
             </a:fld>
             <a:endParaRPr lang="en-US"/>
           </a:p>
@@ -16480,7 +14343,7 @@
           <a:blip r:embed="rId2">
             <a:extLst>
               <a:ext uri="{28A0092B-C50C-407E-A947-70E740481C1C}">
-                <a14:useLocalDpi xmlns:a14="http://schemas.microsoft.com/office/drawing/2010/main" val="0"/>
+                <a14:useLocalDpi xmlns:a14="http://schemas.microsoft.com/office/drawing/2010/main" xmlns="" val="0"/>
               </a:ext>
             </a:extLst>
           </a:blip>
@@ -16490,7 +14353,7 @@
         </p:blipFill>
         <p:spPr>
           <a:xfrm>
-            <a:off x="0" y="1764993"/>
+            <a:off x="0" y="1052736"/>
             <a:ext cx="4512501" cy="3384376"/>
           </a:xfrm>
           <a:prstGeom prst="rect">
@@ -16510,7 +14373,7 @@
           <a:blip r:embed="rId3">
             <a:extLst>
               <a:ext uri="{28A0092B-C50C-407E-A947-70E740481C1C}">
-                <a14:useLocalDpi xmlns:a14="http://schemas.microsoft.com/office/drawing/2010/main" val="0"/>
+                <a14:useLocalDpi xmlns:a14="http://schemas.microsoft.com/office/drawing/2010/main" xmlns="" val="0"/>
               </a:ext>
             </a:extLst>
           </a:blip>
@@ -16520,67 +14383,8 @@
         </p:blipFill>
         <p:spPr>
           <a:xfrm>
-            <a:off x="4355976" y="1752799"/>
+            <a:off x="4355976" y="1052736"/>
             <a:ext cx="4545019" cy="3408764"/>
-          </a:xfrm>
-          <a:prstGeom prst="rect">
-            <a:avLst/>
-          </a:prstGeom>
-        </p:spPr>
-      </p:pic>
-      <p:cxnSp>
-        <p:nvCxnSpPr>
-          <p:cNvPr id="9" name="Conector recto de flecha 8"/>
-          <p:cNvCxnSpPr/>
-          <p:nvPr/>
-        </p:nvCxnSpPr>
-        <p:spPr bwMode="auto">
-          <a:xfrm>
-            <a:off x="7020272" y="2924944"/>
-            <a:ext cx="0" cy="216024"/>
-          </a:xfrm>
-          <a:prstGeom prst="straightConnector1">
-            <a:avLst/>
-          </a:prstGeom>
-          <a:solidFill>
-            <a:schemeClr val="accent1"/>
-          </a:solidFill>
-          <a:ln w="9525" cap="flat" cmpd="sng" algn="ctr">
-            <a:solidFill>
-              <a:schemeClr val="tx1"/>
-            </a:solidFill>
-            <a:prstDash val="solid"/>
-            <a:round/>
-            <a:headEnd type="none" w="med" len="med"/>
-            <a:tailEnd type="triangle"/>
-          </a:ln>
-          <a:effectLst/>
-        </p:spPr>
-      </p:cxnSp>
-      <p:pic>
-        <p:nvPicPr>
-          <p:cNvPr id="8" name="Imagen 7"/>
-          <p:cNvPicPr>
-            <a:picLocks noChangeAspect="1"/>
-          </p:cNvPicPr>
-          <p:nvPr/>
-        </p:nvPicPr>
-        <p:blipFill>
-          <a:blip r:embed="rId4">
-            <a:extLst>
-              <a:ext uri="{28A0092B-C50C-407E-A947-70E740481C1C}">
-                <a14:useLocalDpi xmlns:a14="http://schemas.microsoft.com/office/drawing/2010/main" val="0"/>
-              </a:ext>
-            </a:extLst>
-          </a:blip>
-          <a:stretch>
-            <a:fillRect/>
-          </a:stretch>
-        </p:blipFill>
-        <p:spPr>
-          <a:xfrm>
-            <a:off x="4211960" y="6137668"/>
-            <a:ext cx="2137420" cy="669725"/>
           </a:xfrm>
           <a:prstGeom prst="rect">
             <a:avLst/>
@@ -16590,7 +14394,7 @@
     </p:spTree>
     <p:extLst>
       <p:ext uri="{BB962C8B-B14F-4D97-AF65-F5344CB8AC3E}">
-        <p14:creationId xmlns:p14="http://schemas.microsoft.com/office/powerpoint/2010/main" val="1284957076"/>
+        <p14:creationId xmlns:p14="http://schemas.microsoft.com/office/powerpoint/2010/main" xmlns="" val="1284957076"/>
       </p:ext>
     </p:extLst>
   </p:cSld>
@@ -16634,12 +14438,7 @@
             <p:ph type="title"/>
           </p:nvPr>
         </p:nvSpPr>
-        <p:spPr>
-          <a:xfrm>
-            <a:off x="762000" y="358775"/>
-            <a:ext cx="8130480" cy="1143000"/>
-          </a:xfrm>
-        </p:spPr>
+        <p:spPr/>
         <p:txBody>
           <a:bodyPr/>
           <a:lstStyle/>
@@ -16698,7 +14497,7 @@
             <a:fld id="{31DCBD78-A96A-4270-BAB0-39853B6FFB02}" type="datetime4">
               <a:rPr lang="en-US" smtClean="0"/>
               <a:pPr/>
-              <a:t>January 26, 2016</a:t>
+              <a:t>January 27, 2016</a:t>
             </a:fld>
             <a:endParaRPr lang="en-US"/>
           </a:p>
@@ -16740,7 +14539,7 @@
           <a:blip r:embed="rId2">
             <a:extLst>
               <a:ext uri="{28A0092B-C50C-407E-A947-70E740481C1C}">
-                <a14:useLocalDpi xmlns:a14="http://schemas.microsoft.com/office/drawing/2010/main" val="0"/>
+                <a14:useLocalDpi xmlns:a14="http://schemas.microsoft.com/office/drawing/2010/main" xmlns="" val="0"/>
               </a:ext>
             </a:extLst>
           </a:blip>
@@ -16758,98 +14557,10 @@
           </a:prstGeom>
         </p:spPr>
       </p:pic>
-      <p:pic>
-        <p:nvPicPr>
-          <p:cNvPr id="7" name="Imagen 6"/>
-          <p:cNvPicPr>
-            <a:picLocks noChangeAspect="1"/>
-          </p:cNvPicPr>
-          <p:nvPr/>
-        </p:nvPicPr>
-        <p:blipFill>
-          <a:blip r:embed="rId3">
-            <a:extLst>
-              <a:ext uri="{28A0092B-C50C-407E-A947-70E740481C1C}">
-                <a14:useLocalDpi xmlns:a14="http://schemas.microsoft.com/office/drawing/2010/main" val="0"/>
-              </a:ext>
-            </a:extLst>
-          </a:blip>
-          <a:stretch>
-            <a:fillRect/>
-          </a:stretch>
-        </p:blipFill>
-        <p:spPr>
-          <a:xfrm>
-            <a:off x="4211960" y="6137668"/>
-            <a:ext cx="2137420" cy="669725"/>
-          </a:xfrm>
-          <a:prstGeom prst="rect">
-            <a:avLst/>
-          </a:prstGeom>
-        </p:spPr>
-      </p:pic>
-      <p:cxnSp>
-        <p:nvCxnSpPr>
-          <p:cNvPr id="8" name="Conector recto de flecha 7"/>
-          <p:cNvCxnSpPr/>
-          <p:nvPr/>
-        </p:nvCxnSpPr>
-        <p:spPr bwMode="auto">
-          <a:xfrm flipH="1">
-            <a:off x="7020272" y="2276872"/>
-            <a:ext cx="216024" cy="0"/>
-          </a:xfrm>
-          <a:prstGeom prst="straightConnector1">
-            <a:avLst/>
-          </a:prstGeom>
-          <a:solidFill>
-            <a:schemeClr val="accent1"/>
-          </a:solidFill>
-          <a:ln w="9525" cap="flat" cmpd="sng" algn="ctr">
-            <a:solidFill>
-              <a:schemeClr val="tx1"/>
-            </a:solidFill>
-            <a:prstDash val="solid"/>
-            <a:round/>
-            <a:headEnd type="none" w="med" len="med"/>
-            <a:tailEnd type="triangle"/>
-          </a:ln>
-          <a:effectLst/>
-        </p:spPr>
-      </p:cxnSp>
-      <p:cxnSp>
-        <p:nvCxnSpPr>
-          <p:cNvPr id="9" name="Conector recto de flecha 8"/>
-          <p:cNvCxnSpPr/>
-          <p:nvPr/>
-        </p:nvCxnSpPr>
-        <p:spPr bwMode="auto">
-          <a:xfrm flipH="1">
-            <a:off x="7020272" y="2420888"/>
-            <a:ext cx="216024" cy="0"/>
-          </a:xfrm>
-          <a:prstGeom prst="straightConnector1">
-            <a:avLst/>
-          </a:prstGeom>
-          <a:solidFill>
-            <a:schemeClr val="accent1"/>
-          </a:solidFill>
-          <a:ln w="9525" cap="flat" cmpd="sng" algn="ctr">
-            <a:solidFill>
-              <a:schemeClr val="tx1"/>
-            </a:solidFill>
-            <a:prstDash val="solid"/>
-            <a:round/>
-            <a:headEnd type="none" w="med" len="med"/>
-            <a:tailEnd type="triangle"/>
-          </a:ln>
-          <a:effectLst/>
-        </p:spPr>
-      </p:cxnSp>
     </p:spTree>
     <p:extLst>
       <p:ext uri="{BB962C8B-B14F-4D97-AF65-F5344CB8AC3E}">
-        <p14:creationId xmlns:p14="http://schemas.microsoft.com/office/powerpoint/2010/main" val="2835400634"/>
+        <p14:creationId xmlns:p14="http://schemas.microsoft.com/office/powerpoint/2010/main" xmlns="" val="2835400634"/>
       </p:ext>
     </p:extLst>
   </p:cSld>
